--- a/presentations/Bosch, Eckert. Requirements on RDF Constraint Formulation and Validation (DC 2014).pptx
+++ b/presentations/Bosch, Eckert. Requirements on RDF Constraint Formulation and Validation (DC 2014).pptx
@@ -6,37 +6,26 @@
     <p:sldMasterId id="2147483668" r:id="rId6"/>
   </p:sldMasterIdLst>
   <p:notesMasterIdLst>
-    <p:notesMasterId r:id="rId35"/>
+    <p:notesMasterId r:id="rId24"/>
   </p:notesMasterIdLst>
   <p:sldIdLst>
-    <p:sldId id="256" r:id="rId7"/>
-    <p:sldId id="296" r:id="rId8"/>
-    <p:sldId id="298" r:id="rId9"/>
-    <p:sldId id="300" r:id="rId10"/>
-    <p:sldId id="299" r:id="rId11"/>
-    <p:sldId id="297" r:id="rId12"/>
-    <p:sldId id="275" r:id="rId13"/>
-    <p:sldId id="259" r:id="rId14"/>
-    <p:sldId id="286" r:id="rId15"/>
-    <p:sldId id="261" r:id="rId16"/>
-    <p:sldId id="287" r:id="rId17"/>
-    <p:sldId id="262" r:id="rId18"/>
-    <p:sldId id="288" r:id="rId19"/>
-    <p:sldId id="263" r:id="rId20"/>
-    <p:sldId id="289" r:id="rId21"/>
-    <p:sldId id="264" r:id="rId22"/>
-    <p:sldId id="290" r:id="rId23"/>
-    <p:sldId id="267" r:id="rId24"/>
-    <p:sldId id="291" r:id="rId25"/>
-    <p:sldId id="268" r:id="rId26"/>
-    <p:sldId id="292" r:id="rId27"/>
-    <p:sldId id="270" r:id="rId28"/>
-    <p:sldId id="293" r:id="rId29"/>
-    <p:sldId id="271" r:id="rId30"/>
-    <p:sldId id="294" r:id="rId31"/>
-    <p:sldId id="273" r:id="rId32"/>
-    <p:sldId id="258" r:id="rId33"/>
-    <p:sldId id="295" r:id="rId34"/>
+    <p:sldId id="316" r:id="rId7"/>
+    <p:sldId id="300" r:id="rId8"/>
+    <p:sldId id="301" r:id="rId9"/>
+    <p:sldId id="307" r:id="rId10"/>
+    <p:sldId id="309" r:id="rId11"/>
+    <p:sldId id="310" r:id="rId12"/>
+    <p:sldId id="311" r:id="rId13"/>
+    <p:sldId id="312" r:id="rId14"/>
+    <p:sldId id="313" r:id="rId15"/>
+    <p:sldId id="314" r:id="rId16"/>
+    <p:sldId id="315" r:id="rId17"/>
+    <p:sldId id="317" r:id="rId18"/>
+    <p:sldId id="318" r:id="rId19"/>
+    <p:sldId id="319" r:id="rId20"/>
+    <p:sldId id="320" r:id="rId21"/>
+    <p:sldId id="321" r:id="rId22"/>
+    <p:sldId id="322" r:id="rId23"/>
   </p:sldIdLst>
   <p:sldSz cx="9144000" cy="6858000" type="screen4x3"/>
   <p:notesSz cx="6858000" cy="9144000"/>
@@ -236,7 +225,7 @@
           <a:p>
             <a:fld id="{4F5FF8A7-4C2E-4BBC-A072-ECD1AE07239F}" type="datetimeFigureOut">
               <a:rPr lang="en-US" smtClean="0"/>
-              <a:t>10/1/2014</a:t>
+              <a:t>10/5/2014</a:t>
             </a:fld>
             <a:endParaRPr lang="en-US"/>
           </a:p>
@@ -548,6 +537,85 @@
           <a:bodyPr/>
           <a:lstStyle/>
           <a:p>
+            <a:pPr marL="171450" indent="-171450">
+              <a:buFontTx/>
+              <a:buChar char="-"/>
+            </a:pPr>
+            <a:r>
+              <a:rPr lang="de-DE" smtClean="0"/>
+              <a:t>Sources</a:t>
+            </a:r>
+          </a:p>
+          <a:p>
+            <a:pPr marL="628650" lvl="1" indent="-171450">
+              <a:buFontTx/>
+              <a:buChar char="-"/>
+            </a:pPr>
+            <a:r>
+              <a:rPr lang="de-DE" smtClean="0"/>
+              <a:t>2013 W3C RDF Validation Workshop</a:t>
+            </a:r>
+            <a:endParaRPr lang="de-DE" baseline="0" smtClean="0"/>
+          </a:p>
+          <a:p>
+            <a:pPr marL="628650" lvl="1" indent="-171450">
+              <a:buFontTx/>
+              <a:buChar char="-"/>
+            </a:pPr>
+            <a:r>
+              <a:rPr lang="de-DE" smtClean="0"/>
+              <a:t>2013 </a:t>
+            </a:r>
+            <a:r>
+              <a:rPr lang="en-US" smtClean="0"/>
+              <a:t>Semantic Web in Libraries Conference</a:t>
+            </a:r>
+            <a:endParaRPr lang="de-DE" baseline="30000" smtClean="0"/>
+          </a:p>
+          <a:p>
+            <a:pPr marL="628650" lvl="1" indent="-171450">
+              <a:buFontTx/>
+              <a:buChar char="-"/>
+            </a:pPr>
+            <a:r>
+              <a:rPr lang="de-DE" baseline="0" smtClean="0"/>
+              <a:t>DC </a:t>
+            </a:r>
+            <a:r>
+              <a:rPr lang="en-US" smtClean="0"/>
+              <a:t>WG on RDF APs</a:t>
+            </a:r>
+            <a:endParaRPr lang="de-DE" smtClean="0"/>
+          </a:p>
+          <a:p>
+            <a:pPr marL="628650" lvl="1" indent="-171450">
+              <a:buFontTx/>
+              <a:buChar char="-"/>
+            </a:pPr>
+            <a:r>
+              <a:rPr lang="de-DE" smtClean="0"/>
+              <a:t>W3C</a:t>
+            </a:r>
+            <a:r>
+              <a:rPr lang="de-DE" baseline="0" smtClean="0"/>
+              <a:t> WG on RDF Validation</a:t>
+            </a:r>
+          </a:p>
+          <a:p>
+            <a:pPr marL="628650" lvl="1" indent="-171450">
+              <a:buFontTx/>
+              <a:buChar char="-"/>
+            </a:pPr>
+            <a:endParaRPr lang="de-DE" baseline="0" smtClean="0"/>
+          </a:p>
+          <a:p>
+            <a:pPr marL="628650" lvl="1" indent="-171450">
+              <a:buFontTx/>
+              <a:buChar char="-"/>
+            </a:pPr>
+            <a:endParaRPr lang="de-DE" baseline="0" smtClean="0"/>
+          </a:p>
+          <a:p>
             <a:r>
               <a:rPr lang="de-DE" smtClean="0"/>
               <a:t>Outline</a:t>
@@ -609,7 +677,82 @@
               <a:rPr lang="de-DE" baseline="0" smtClean="0">
                 <a:sym typeface="Wingdings" panose="05000000000000000000" pitchFamily="2" charset="2"/>
               </a:rPr>
-              <a:t>DB URL</a:t>
+              <a:t>RDF validation requirements DB (DB URL, idea, sources)</a:t>
+            </a:r>
+          </a:p>
+          <a:p>
+            <a:pPr marL="171450" marR="0" lvl="0" indent="-171450" algn="l" defTabSz="914400" rtl="0" eaLnBrk="1" fontAlgn="auto" latinLnBrk="0" hangingPunct="1">
+              <a:lnSpc>
+                <a:spcPct val="100000"/>
+              </a:lnSpc>
+              <a:spcBef>
+                <a:spcPts val="0"/>
+              </a:spcBef>
+              <a:spcAft>
+                <a:spcPts val="0"/>
+              </a:spcAft>
+              <a:buClrTx/>
+              <a:buSzTx/>
+              <a:buFontTx/>
+              <a:buChar char="-"/>
+              <a:tabLst/>
+              <a:defRPr/>
+            </a:pPr>
+            <a:r>
+              <a:rPr lang="en-US" smtClean="0"/>
+              <a:t>From a Case Study to a Solution (and Back)</a:t>
+            </a:r>
+            <a:r>
+              <a:rPr lang="de-DE" smtClean="0"/>
+              <a:t>)</a:t>
+            </a:r>
+          </a:p>
+          <a:p>
+            <a:pPr marL="171450" indent="-171450">
+              <a:buFontTx/>
+              <a:buChar char="-"/>
+            </a:pPr>
+            <a:r>
+              <a:rPr lang="de-DE" smtClean="0"/>
+              <a:t>requirements classification</a:t>
+            </a:r>
+          </a:p>
+          <a:p>
+            <a:pPr marL="171450" marR="0" lvl="0" indent="-171450" algn="l" defTabSz="914400" rtl="0" eaLnBrk="1" fontAlgn="auto" latinLnBrk="0" hangingPunct="1">
+              <a:lnSpc>
+                <a:spcPct val="100000"/>
+              </a:lnSpc>
+              <a:spcBef>
+                <a:spcPts val="0"/>
+              </a:spcBef>
+              <a:spcAft>
+                <a:spcPts val="0"/>
+              </a:spcAft>
+              <a:buClrTx/>
+              <a:buSzTx/>
+              <a:buFontTx/>
+              <a:buChar char="-"/>
+              <a:tabLst/>
+              <a:defRPr/>
+            </a:pPr>
+            <a:r>
+              <a:rPr lang="de-DE" baseline="0" smtClean="0"/>
+              <a:t>Present different requirements which are validated using constraints</a:t>
+            </a:r>
+            <a:endParaRPr lang="de-DE" smtClean="0"/>
+          </a:p>
+          <a:p>
+            <a:pPr marL="171450" indent="-171450">
+              <a:buFontTx/>
+              <a:buChar char="-"/>
+            </a:pPr>
+            <a:r>
+              <a:rPr lang="de-DE" smtClean="0"/>
+              <a:t>How</a:t>
+            </a:r>
+            <a:r>
+              <a:rPr lang="de-DE" baseline="0" smtClean="0"/>
+              <a:t> to formulate constraints</a:t>
             </a:r>
           </a:p>
           <a:p>
@@ -631,43 +774,29 @@
               <a:defRPr/>
             </a:pPr>
             <a:r>
+              <a:rPr lang="de-DE" baseline="0" smtClean="0"/>
+              <a:t>No </a:t>
+            </a:r>
+            <a:r>
               <a:rPr lang="de-DE" baseline="0" smtClean="0">
                 <a:sym typeface="Wingdings" panose="05000000000000000000" pitchFamily="2" charset="2"/>
               </a:rPr>
-              <a:t>Idea of DB / sources</a:t>
-            </a:r>
-            <a:endParaRPr lang="de-DE" smtClean="0"/>
-          </a:p>
-          <a:p>
-            <a:pPr marL="171450" indent="-171450">
+              <a:t>one-size-fits-all solution</a:t>
+            </a:r>
+            <a:endParaRPr lang="de-DE" baseline="0" smtClean="0"/>
+          </a:p>
+          <a:p>
+            <a:pPr marL="628650" lvl="1" indent="-171450">
               <a:buFontTx/>
               <a:buChar char="-"/>
             </a:pPr>
             <a:r>
-              <a:rPr lang="de-DE" smtClean="0"/>
-              <a:t>From case studies via use cases to requirements and requirements coverage (</a:t>
-            </a:r>
-            <a:r>
-              <a:rPr lang="en-US" smtClean="0"/>
-              <a:t>From a Case Study to a Solution (and Back)</a:t>
-            </a:r>
-            <a:r>
-              <a:rPr lang="de-DE" smtClean="0"/>
-              <a:t>)</a:t>
-            </a:r>
-          </a:p>
-          <a:p>
-            <a:pPr marL="171450" indent="-171450">
-              <a:buFontTx/>
-              <a:buChar char="-"/>
-            </a:pPr>
-            <a:r>
-              <a:rPr lang="de-DE" smtClean="0"/>
-              <a:t>Requirements classification</a:t>
-            </a:r>
-          </a:p>
-          <a:p>
-            <a:pPr marL="171450" marR="0" lvl="0" indent="-171450" algn="l" defTabSz="914400" rtl="0" eaLnBrk="1" fontAlgn="auto" latinLnBrk="0" hangingPunct="1">
+              <a:rPr lang="de-DE" baseline="0" smtClean="0"/>
+              <a:t>using different solutions covering different requirements </a:t>
+            </a:r>
+          </a:p>
+          <a:p>
+            <a:pPr marL="171450" marR="0" indent="-171450" algn="l" defTabSz="914400" rtl="0" eaLnBrk="1" fontAlgn="auto" latinLnBrk="0" hangingPunct="1">
               <a:lnSpc>
                 <a:spcPct val="100000"/>
               </a:lnSpc>
@@ -685,23 +814,12 @@
               <a:defRPr/>
             </a:pPr>
             <a:r>
+              <a:rPr lang="de-DE" smtClean="0"/>
+              <a:t>How to contribute? [Live</a:t>
+            </a:r>
+            <a:r>
               <a:rPr lang="de-DE" baseline="0" smtClean="0"/>
-              <a:t>Present different requirements which are validated using constraints</a:t>
-            </a:r>
-            <a:endParaRPr lang="de-DE" smtClean="0"/>
-          </a:p>
-          <a:p>
-            <a:pPr marL="171450" indent="-171450">
-              <a:buFontTx/>
-              <a:buChar char="-"/>
-            </a:pPr>
-            <a:r>
-              <a:rPr lang="de-DE" smtClean="0"/>
-              <a:t>How</a:t>
-            </a:r>
-            <a:r>
-              <a:rPr lang="de-DE" baseline="0" smtClean="0"/>
-              <a:t> to formulate constraints</a:t>
+              <a:t> demo]</a:t>
             </a:r>
           </a:p>
           <a:p>
@@ -724,51 +842,7 @@
             </a:pPr>
             <a:r>
               <a:rPr lang="de-DE" baseline="0" smtClean="0"/>
-              <a:t>No </a:t>
-            </a:r>
-            <a:r>
-              <a:rPr lang="de-DE" baseline="0" smtClean="0">
-                <a:sym typeface="Wingdings" panose="05000000000000000000" pitchFamily="2" charset="2"/>
-              </a:rPr>
-              <a:t>one-size-fits-all solution</a:t>
-            </a:r>
-            <a:endParaRPr lang="de-DE" baseline="0" smtClean="0"/>
-          </a:p>
-          <a:p>
-            <a:pPr marL="628650" lvl="1" indent="-171450">
-              <a:buFontTx/>
-              <a:buChar char="-"/>
-            </a:pPr>
-            <a:r>
-              <a:rPr lang="de-DE" baseline="0" smtClean="0"/>
-              <a:t>using different solutions covering different requirements </a:t>
-            </a:r>
-          </a:p>
-          <a:p>
-            <a:pPr marL="171450" marR="0" indent="-171450" algn="l" defTabSz="914400" rtl="0" eaLnBrk="1" fontAlgn="auto" latinLnBrk="0" hangingPunct="1">
-              <a:lnSpc>
-                <a:spcPct val="100000"/>
-              </a:lnSpc>
-              <a:spcBef>
-                <a:spcPts val="0"/>
-              </a:spcBef>
-              <a:spcAft>
-                <a:spcPts val="0"/>
-              </a:spcAft>
-              <a:buClrTx/>
-              <a:buSzTx/>
-              <a:buFontTx/>
-              <a:buChar char="-"/>
-              <a:tabLst/>
-              <a:defRPr/>
-            </a:pPr>
-            <a:r>
-              <a:rPr lang="de-DE" smtClean="0"/>
-              <a:t>How to contribute? [Live</a:t>
-            </a:r>
-            <a:r>
-              <a:rPr lang="de-DE" baseline="0" smtClean="0"/>
-              <a:t> demo]</a:t>
+              <a:t>tagging as relevant for specific domain </a:t>
             </a:r>
             <a:endParaRPr lang="de-DE" smtClean="0"/>
           </a:p>
@@ -792,7 +866,7 @@
             </a:pPr>
             <a:r>
               <a:rPr lang="de-DE" smtClean="0"/>
-              <a:t>DC case studies, use cases, and requirements (e.g. DM2E)</a:t>
+              <a:t>DC case studies, use cases, and requirements (e.g. DM2E, Europeana)</a:t>
             </a:r>
           </a:p>
           <a:p>
@@ -815,7 +889,7 @@
             </a:pPr>
             <a:r>
               <a:rPr lang="de-DE" smtClean="0"/>
-              <a:t>Requirements classification</a:t>
+              <a:t>requirements classification</a:t>
             </a:r>
           </a:p>
           <a:p>
@@ -839,7 +913,14 @@
             <a:endParaRPr lang="de-DE" smtClean="0"/>
           </a:p>
           <a:p>
-            <a:endParaRPr lang="en-US"/>
+            <a:endParaRPr lang="en-US" smtClean="0"/>
+          </a:p>
+          <a:p>
+            <a:pPr marL="628650" lvl="1" indent="-171450">
+              <a:buFontTx/>
+              <a:buChar char="-"/>
+            </a:pPr>
+            <a:endParaRPr lang="de-DE" baseline="0" smtClean="0"/>
           </a:p>
         </p:txBody>
       </p:sp>
@@ -869,7 +950,431 @@
     </p:spTree>
     <p:extLst>
       <p:ext uri="{BB962C8B-B14F-4D97-AF65-F5344CB8AC3E}">
-        <p14:creationId xmlns:p14="http://schemas.microsoft.com/office/powerpoint/2010/main" val="168057474"/>
+        <p14:creationId xmlns:p14="http://schemas.microsoft.com/office/powerpoint/2010/main" val="2903229216"/>
+      </p:ext>
+    </p:extLst>
+  </p:cSld>
+  <p:clrMapOvr>
+    <a:masterClrMapping/>
+  </p:clrMapOvr>
+</p:notes>
+</file>
+
+<file path=ppt/notesSlides/notesSlide10.xml><?xml version="1.0" encoding="utf-8"?>
+<p:notes xmlns:a="http://schemas.openxmlformats.org/drawingml/2006/main" xmlns:r="http://schemas.openxmlformats.org/officeDocument/2006/relationships" xmlns:p="http://schemas.openxmlformats.org/presentationml/2006/main">
+  <p:cSld>
+    <p:spTree>
+      <p:nvGrpSpPr>
+        <p:cNvPr id="1" name=""/>
+        <p:cNvGrpSpPr/>
+        <p:nvPr/>
+      </p:nvGrpSpPr>
+      <p:grpSpPr>
+        <a:xfrm>
+          <a:off x="0" y="0"/>
+          <a:ext cx="0" cy="0"/>
+          <a:chOff x="0" y="0"/>
+          <a:chExt cx="0" cy="0"/>
+        </a:xfrm>
+      </p:grpSpPr>
+      <p:sp>
+        <p:nvSpPr>
+          <p:cNvPr id="2" name="Folienbildplatzhalter 1"/>
+          <p:cNvSpPr>
+            <a:spLocks noGrp="1" noRot="1" noChangeAspect="1"/>
+          </p:cNvSpPr>
+          <p:nvPr>
+            <p:ph type="sldImg"/>
+          </p:nvPr>
+        </p:nvSpPr>
+        <p:spPr/>
+      </p:sp>
+      <p:sp>
+        <p:nvSpPr>
+          <p:cNvPr id="3" name="Notizenplatzhalter 2"/>
+          <p:cNvSpPr>
+            <a:spLocks noGrp="1"/>
+          </p:cNvSpPr>
+          <p:nvPr>
+            <p:ph type="body" idx="1"/>
+          </p:nvPr>
+        </p:nvSpPr>
+        <p:spPr/>
+        <p:txBody>
+          <a:bodyPr/>
+          <a:lstStyle/>
+          <a:p>
+            <a:endParaRPr lang="en-US"/>
+          </a:p>
+        </p:txBody>
+      </p:sp>
+      <p:sp>
+        <p:nvSpPr>
+          <p:cNvPr id="4" name="Foliennummernplatzhalter 3"/>
+          <p:cNvSpPr>
+            <a:spLocks noGrp="1"/>
+          </p:cNvSpPr>
+          <p:nvPr>
+            <p:ph type="sldNum" sz="quarter" idx="10"/>
+          </p:nvPr>
+        </p:nvSpPr>
+        <p:spPr/>
+        <p:txBody>
+          <a:bodyPr/>
+          <a:lstStyle/>
+          <a:p>
+            <a:fld id="{DE2197E9-CAEE-4794-8561-B4165D319F7A}" type="slidenum">
+              <a:rPr lang="en-US" smtClean="0"/>
+              <a:t>13</a:t>
+            </a:fld>
+            <a:endParaRPr lang="en-US"/>
+          </a:p>
+        </p:txBody>
+      </p:sp>
+    </p:spTree>
+    <p:extLst>
+      <p:ext uri="{BB962C8B-B14F-4D97-AF65-F5344CB8AC3E}">
+        <p14:creationId xmlns:p14="http://schemas.microsoft.com/office/powerpoint/2010/main" val="2785241120"/>
+      </p:ext>
+    </p:extLst>
+  </p:cSld>
+  <p:clrMapOvr>
+    <a:masterClrMapping/>
+  </p:clrMapOvr>
+</p:notes>
+</file>
+
+<file path=ppt/notesSlides/notesSlide11.xml><?xml version="1.0" encoding="utf-8"?>
+<p:notes xmlns:a="http://schemas.openxmlformats.org/drawingml/2006/main" xmlns:r="http://schemas.openxmlformats.org/officeDocument/2006/relationships" xmlns:p="http://schemas.openxmlformats.org/presentationml/2006/main">
+  <p:cSld>
+    <p:spTree>
+      <p:nvGrpSpPr>
+        <p:cNvPr id="1" name=""/>
+        <p:cNvGrpSpPr/>
+        <p:nvPr/>
+      </p:nvGrpSpPr>
+      <p:grpSpPr>
+        <a:xfrm>
+          <a:off x="0" y="0"/>
+          <a:ext cx="0" cy="0"/>
+          <a:chOff x="0" y="0"/>
+          <a:chExt cx="0" cy="0"/>
+        </a:xfrm>
+      </p:grpSpPr>
+      <p:sp>
+        <p:nvSpPr>
+          <p:cNvPr id="2" name="Folienbildplatzhalter 1"/>
+          <p:cNvSpPr>
+            <a:spLocks noGrp="1" noRot="1" noChangeAspect="1"/>
+          </p:cNvSpPr>
+          <p:nvPr>
+            <p:ph type="sldImg"/>
+          </p:nvPr>
+        </p:nvSpPr>
+        <p:spPr/>
+      </p:sp>
+      <p:sp>
+        <p:nvSpPr>
+          <p:cNvPr id="3" name="Notizenplatzhalter 2"/>
+          <p:cNvSpPr>
+            <a:spLocks noGrp="1"/>
+          </p:cNvSpPr>
+          <p:nvPr>
+            <p:ph type="body" idx="1"/>
+          </p:nvPr>
+        </p:nvSpPr>
+        <p:spPr/>
+        <p:txBody>
+          <a:bodyPr/>
+          <a:lstStyle/>
+          <a:p>
+            <a:endParaRPr lang="en-US"/>
+          </a:p>
+        </p:txBody>
+      </p:sp>
+      <p:sp>
+        <p:nvSpPr>
+          <p:cNvPr id="4" name="Foliennummernplatzhalter 3"/>
+          <p:cNvSpPr>
+            <a:spLocks noGrp="1"/>
+          </p:cNvSpPr>
+          <p:nvPr>
+            <p:ph type="sldNum" sz="quarter" idx="10"/>
+          </p:nvPr>
+        </p:nvSpPr>
+        <p:spPr/>
+        <p:txBody>
+          <a:bodyPr/>
+          <a:lstStyle/>
+          <a:p>
+            <a:fld id="{DE2197E9-CAEE-4794-8561-B4165D319F7A}" type="slidenum">
+              <a:rPr lang="en-US" smtClean="0"/>
+              <a:t>14</a:t>
+            </a:fld>
+            <a:endParaRPr lang="en-US"/>
+          </a:p>
+        </p:txBody>
+      </p:sp>
+    </p:spTree>
+    <p:extLst>
+      <p:ext uri="{BB962C8B-B14F-4D97-AF65-F5344CB8AC3E}">
+        <p14:creationId xmlns:p14="http://schemas.microsoft.com/office/powerpoint/2010/main" val="229747766"/>
+      </p:ext>
+    </p:extLst>
+  </p:cSld>
+  <p:clrMapOvr>
+    <a:masterClrMapping/>
+  </p:clrMapOvr>
+</p:notes>
+</file>
+
+<file path=ppt/notesSlides/notesSlide12.xml><?xml version="1.0" encoding="utf-8"?>
+<p:notes xmlns:a="http://schemas.openxmlformats.org/drawingml/2006/main" xmlns:r="http://schemas.openxmlformats.org/officeDocument/2006/relationships" xmlns:p="http://schemas.openxmlformats.org/presentationml/2006/main">
+  <p:cSld>
+    <p:spTree>
+      <p:nvGrpSpPr>
+        <p:cNvPr id="1" name=""/>
+        <p:cNvGrpSpPr/>
+        <p:nvPr/>
+      </p:nvGrpSpPr>
+      <p:grpSpPr>
+        <a:xfrm>
+          <a:off x="0" y="0"/>
+          <a:ext cx="0" cy="0"/>
+          <a:chOff x="0" y="0"/>
+          <a:chExt cx="0" cy="0"/>
+        </a:xfrm>
+      </p:grpSpPr>
+      <p:sp>
+        <p:nvSpPr>
+          <p:cNvPr id="2" name="Folienbildplatzhalter 1"/>
+          <p:cNvSpPr>
+            <a:spLocks noGrp="1" noRot="1" noChangeAspect="1"/>
+          </p:cNvSpPr>
+          <p:nvPr>
+            <p:ph type="sldImg"/>
+          </p:nvPr>
+        </p:nvSpPr>
+        <p:spPr/>
+      </p:sp>
+      <p:sp>
+        <p:nvSpPr>
+          <p:cNvPr id="3" name="Notizenplatzhalter 2"/>
+          <p:cNvSpPr>
+            <a:spLocks noGrp="1"/>
+          </p:cNvSpPr>
+          <p:nvPr>
+            <p:ph type="body" idx="1"/>
+          </p:nvPr>
+        </p:nvSpPr>
+        <p:spPr/>
+        <p:txBody>
+          <a:bodyPr/>
+          <a:lstStyle/>
+          <a:p>
+            <a:endParaRPr lang="en-US"/>
+          </a:p>
+        </p:txBody>
+      </p:sp>
+      <p:sp>
+        <p:nvSpPr>
+          <p:cNvPr id="4" name="Foliennummernplatzhalter 3"/>
+          <p:cNvSpPr>
+            <a:spLocks noGrp="1"/>
+          </p:cNvSpPr>
+          <p:nvPr>
+            <p:ph type="sldNum" sz="quarter" idx="10"/>
+          </p:nvPr>
+        </p:nvSpPr>
+        <p:spPr/>
+        <p:txBody>
+          <a:bodyPr/>
+          <a:lstStyle/>
+          <a:p>
+            <a:fld id="{DE2197E9-CAEE-4794-8561-B4165D319F7A}" type="slidenum">
+              <a:rPr lang="en-US" smtClean="0"/>
+              <a:t>15</a:t>
+            </a:fld>
+            <a:endParaRPr lang="en-US"/>
+          </a:p>
+        </p:txBody>
+      </p:sp>
+    </p:spTree>
+    <p:extLst>
+      <p:ext uri="{BB962C8B-B14F-4D97-AF65-F5344CB8AC3E}">
+        <p14:creationId xmlns:p14="http://schemas.microsoft.com/office/powerpoint/2010/main" val="1188649202"/>
+      </p:ext>
+    </p:extLst>
+  </p:cSld>
+  <p:clrMapOvr>
+    <a:masterClrMapping/>
+  </p:clrMapOvr>
+</p:notes>
+</file>
+
+<file path=ppt/notesSlides/notesSlide13.xml><?xml version="1.0" encoding="utf-8"?>
+<p:notes xmlns:a="http://schemas.openxmlformats.org/drawingml/2006/main" xmlns:r="http://schemas.openxmlformats.org/officeDocument/2006/relationships" xmlns:p="http://schemas.openxmlformats.org/presentationml/2006/main">
+  <p:cSld>
+    <p:spTree>
+      <p:nvGrpSpPr>
+        <p:cNvPr id="1" name=""/>
+        <p:cNvGrpSpPr/>
+        <p:nvPr/>
+      </p:nvGrpSpPr>
+      <p:grpSpPr>
+        <a:xfrm>
+          <a:off x="0" y="0"/>
+          <a:ext cx="0" cy="0"/>
+          <a:chOff x="0" y="0"/>
+          <a:chExt cx="0" cy="0"/>
+        </a:xfrm>
+      </p:grpSpPr>
+      <p:sp>
+        <p:nvSpPr>
+          <p:cNvPr id="2" name="Folienbildplatzhalter 1"/>
+          <p:cNvSpPr>
+            <a:spLocks noGrp="1" noRot="1" noChangeAspect="1"/>
+          </p:cNvSpPr>
+          <p:nvPr>
+            <p:ph type="sldImg"/>
+          </p:nvPr>
+        </p:nvSpPr>
+        <p:spPr/>
+      </p:sp>
+      <p:sp>
+        <p:nvSpPr>
+          <p:cNvPr id="3" name="Notizenplatzhalter 2"/>
+          <p:cNvSpPr>
+            <a:spLocks noGrp="1"/>
+          </p:cNvSpPr>
+          <p:nvPr>
+            <p:ph type="body" idx="1"/>
+          </p:nvPr>
+        </p:nvSpPr>
+        <p:spPr/>
+        <p:txBody>
+          <a:bodyPr/>
+          <a:lstStyle/>
+          <a:p>
+            <a:endParaRPr lang="en-US"/>
+          </a:p>
+        </p:txBody>
+      </p:sp>
+      <p:sp>
+        <p:nvSpPr>
+          <p:cNvPr id="4" name="Foliennummernplatzhalter 3"/>
+          <p:cNvSpPr>
+            <a:spLocks noGrp="1"/>
+          </p:cNvSpPr>
+          <p:nvPr>
+            <p:ph type="sldNum" sz="quarter" idx="10"/>
+          </p:nvPr>
+        </p:nvSpPr>
+        <p:spPr/>
+        <p:txBody>
+          <a:bodyPr/>
+          <a:lstStyle/>
+          <a:p>
+            <a:fld id="{DE2197E9-CAEE-4794-8561-B4165D319F7A}" type="slidenum">
+              <a:rPr lang="en-US" smtClean="0"/>
+              <a:t>16</a:t>
+            </a:fld>
+            <a:endParaRPr lang="en-US"/>
+          </a:p>
+        </p:txBody>
+      </p:sp>
+    </p:spTree>
+    <p:extLst>
+      <p:ext uri="{BB962C8B-B14F-4D97-AF65-F5344CB8AC3E}">
+        <p14:creationId xmlns:p14="http://schemas.microsoft.com/office/powerpoint/2010/main" val="2064304721"/>
+      </p:ext>
+    </p:extLst>
+  </p:cSld>
+  <p:clrMapOvr>
+    <a:masterClrMapping/>
+  </p:clrMapOvr>
+</p:notes>
+</file>
+
+<file path=ppt/notesSlides/notesSlide14.xml><?xml version="1.0" encoding="utf-8"?>
+<p:notes xmlns:a="http://schemas.openxmlformats.org/drawingml/2006/main" xmlns:r="http://schemas.openxmlformats.org/officeDocument/2006/relationships" xmlns:p="http://schemas.openxmlformats.org/presentationml/2006/main">
+  <p:cSld>
+    <p:spTree>
+      <p:nvGrpSpPr>
+        <p:cNvPr id="1" name=""/>
+        <p:cNvGrpSpPr/>
+        <p:nvPr/>
+      </p:nvGrpSpPr>
+      <p:grpSpPr>
+        <a:xfrm>
+          <a:off x="0" y="0"/>
+          <a:ext cx="0" cy="0"/>
+          <a:chOff x="0" y="0"/>
+          <a:chExt cx="0" cy="0"/>
+        </a:xfrm>
+      </p:grpSpPr>
+      <p:sp>
+        <p:nvSpPr>
+          <p:cNvPr id="2" name="Folienbildplatzhalter 1"/>
+          <p:cNvSpPr>
+            <a:spLocks noGrp="1" noRot="1" noChangeAspect="1"/>
+          </p:cNvSpPr>
+          <p:nvPr>
+            <p:ph type="sldImg"/>
+          </p:nvPr>
+        </p:nvSpPr>
+        <p:spPr/>
+      </p:sp>
+      <p:sp>
+        <p:nvSpPr>
+          <p:cNvPr id="3" name="Notizenplatzhalter 2"/>
+          <p:cNvSpPr>
+            <a:spLocks noGrp="1"/>
+          </p:cNvSpPr>
+          <p:nvPr>
+            <p:ph type="body" idx="1"/>
+          </p:nvPr>
+        </p:nvSpPr>
+        <p:spPr/>
+        <p:txBody>
+          <a:bodyPr/>
+          <a:lstStyle/>
+          <a:p>
+            <a:r>
+              <a:rPr lang="de-DE" smtClean="0"/>
+              <a:t>Domain-specific tagging</a:t>
+            </a:r>
+            <a:endParaRPr lang="en-US"/>
+          </a:p>
+        </p:txBody>
+      </p:sp>
+      <p:sp>
+        <p:nvSpPr>
+          <p:cNvPr id="4" name="Foliennummernplatzhalter 3"/>
+          <p:cNvSpPr>
+            <a:spLocks noGrp="1"/>
+          </p:cNvSpPr>
+          <p:nvPr>
+            <p:ph type="sldNum" sz="quarter" idx="10"/>
+          </p:nvPr>
+        </p:nvSpPr>
+        <p:spPr/>
+        <p:txBody>
+          <a:bodyPr/>
+          <a:lstStyle/>
+          <a:p>
+            <a:fld id="{DE2197E9-CAEE-4794-8561-B4165D319F7A}" type="slidenum">
+              <a:rPr lang="en-US" smtClean="0"/>
+              <a:t>17</a:t>
+            </a:fld>
+            <a:endParaRPr lang="en-US"/>
+          </a:p>
+        </p:txBody>
+      </p:sp>
+    </p:spTree>
+    <p:extLst>
+      <p:ext uri="{BB962C8B-B14F-4D97-AF65-F5344CB8AC3E}">
+        <p14:creationId xmlns:p14="http://schemas.microsoft.com/office/powerpoint/2010/main" val="695415440"/>
       </p:ext>
     </p:extLst>
   </p:cSld>
@@ -923,7 +1428,7 @@
           <a:bodyPr/>
           <a:lstStyle/>
           <a:p>
-            <a:pPr marL="628650" marR="0" lvl="1" indent="-171450" algn="l" defTabSz="914400" rtl="0" eaLnBrk="1" fontAlgn="auto" latinLnBrk="0" hangingPunct="1">
+            <a:pPr marL="457200" marR="0" lvl="1" indent="0" algn="l" defTabSz="914400" rtl="0" eaLnBrk="1" fontAlgn="auto" latinLnBrk="0" hangingPunct="1">
               <a:lnSpc>
                 <a:spcPct val="100000"/>
               </a:lnSpc>
@@ -936,7 +1441,7 @@
               <a:buClrTx/>
               <a:buSzTx/>
               <a:buFontTx/>
-              <a:buChar char="-"/>
+              <a:buNone/>
               <a:tabLst/>
               <a:defRPr/>
             </a:pPr>
@@ -961,7 +1466,7 @@
           <a:p>
             <a:fld id="{DE2197E9-CAEE-4794-8561-B4165D319F7A}" type="slidenum">
               <a:rPr lang="en-US" smtClean="0"/>
-              <a:t>4</a:t>
+              <a:t>2</a:t>
             </a:fld>
             <a:endParaRPr lang="en-US"/>
           </a:p>
@@ -1024,11 +1529,59 @@
           <a:bodyPr/>
           <a:lstStyle/>
           <a:p>
-            <a:pPr marL="171450" indent="-171450">
+            <a:pPr marL="171450" lvl="0" indent="-171450">
+              <a:spcBef>
+                <a:spcPts val="0"/>
+              </a:spcBef>
+              <a:buFontTx/>
+              <a:buChar char="-"/>
+              <a:defRPr/>
+            </a:pPr>
+            <a:r>
+              <a:rPr lang="de-DE" smtClean="0"/>
+              <a:t>no </a:t>
+            </a:r>
+            <a:r>
+              <a:rPr lang="de-DE" smtClean="0">
+                <a:sym typeface="Wingdings" panose="05000000000000000000" pitchFamily="2" charset="2"/>
+              </a:rPr>
+              <a:t>one-size-fits-all solution</a:t>
+            </a:r>
+          </a:p>
+          <a:p>
+            <a:pPr marL="171450" lvl="0" indent="-171450">
+              <a:spcBef>
+                <a:spcPts val="0"/>
+              </a:spcBef>
+              <a:buFontTx/>
+              <a:buChar char="-"/>
+              <a:defRPr/>
+            </a:pPr>
+            <a:r>
+              <a:rPr lang="de-DE" smtClean="0">
+                <a:sym typeface="Wingdings" panose="05000000000000000000" pitchFamily="2" charset="2"/>
+              </a:rPr>
+              <a:t>Different use cases are covered differently by different solutioons</a:t>
+            </a:r>
+            <a:endParaRPr lang="de-DE" smtClean="0"/>
+          </a:p>
+          <a:p>
+            <a:pPr marL="171450" lvl="0" indent="-171450">
               <a:buFontTx/>
               <a:buChar char="-"/>
             </a:pPr>
-            <a:endParaRPr lang="de-DE" baseline="0" smtClean="0"/>
+            <a:r>
+              <a:rPr lang="de-DE" smtClean="0"/>
+              <a:t>Choose</a:t>
+            </a:r>
+            <a:r>
+              <a:rPr lang="de-DE" baseline="0" smtClean="0"/>
+              <a:t> solution which fits best for specific use cases</a:t>
+            </a:r>
+            <a:endParaRPr lang="de-DE" smtClean="0"/>
+          </a:p>
+          <a:p>
+            <a:endParaRPr lang="en-US"/>
           </a:p>
         </p:txBody>
       </p:sp>
@@ -1049,7 +1602,7 @@
           <a:p>
             <a:fld id="{DE2197E9-CAEE-4794-8561-B4165D319F7A}" type="slidenum">
               <a:rPr lang="en-US" smtClean="0"/>
-              <a:t>7</a:t>
+              <a:t>4</a:t>
             </a:fld>
             <a:endParaRPr lang="en-US"/>
           </a:p>
@@ -1058,7 +1611,7 @@
     </p:spTree>
     <p:extLst>
       <p:ext uri="{BB962C8B-B14F-4D97-AF65-F5344CB8AC3E}">
-        <p14:creationId xmlns:p14="http://schemas.microsoft.com/office/powerpoint/2010/main" val="535270379"/>
+        <p14:creationId xmlns:p14="http://schemas.microsoft.com/office/powerpoint/2010/main" val="1259655110"/>
       </p:ext>
     </p:extLst>
   </p:cSld>
@@ -1112,17 +1665,6 @@
           <a:bodyPr/>
           <a:lstStyle/>
           <a:p>
-            <a:pPr marL="171450" indent="-171450">
-              <a:buFontTx/>
-              <a:buChar char="-"/>
-            </a:pPr>
-            <a:endParaRPr lang="de-DE" smtClean="0"/>
-          </a:p>
-          <a:p>
-            <a:pPr marL="171450" indent="-171450">
-              <a:buFontTx/>
-              <a:buChar char="-"/>
-            </a:pPr>
             <a:endParaRPr lang="en-US"/>
           </a:p>
         </p:txBody>
@@ -1144,7 +1686,7 @@
           <a:p>
             <a:fld id="{DE2197E9-CAEE-4794-8561-B4165D319F7A}" type="slidenum">
               <a:rPr lang="en-US" smtClean="0"/>
-              <a:t>8</a:t>
+              <a:t>6</a:t>
             </a:fld>
             <a:endParaRPr lang="en-US"/>
           </a:p>
@@ -1153,7 +1695,7 @@
     </p:spTree>
     <p:extLst>
       <p:ext uri="{BB962C8B-B14F-4D97-AF65-F5344CB8AC3E}">
-        <p14:creationId xmlns:p14="http://schemas.microsoft.com/office/powerpoint/2010/main" val="3975965755"/>
+        <p14:creationId xmlns:p14="http://schemas.microsoft.com/office/powerpoint/2010/main" val="3289757727"/>
       </p:ext>
     </p:extLst>
   </p:cSld>
@@ -1207,14 +1749,259 @@
           <a:bodyPr/>
           <a:lstStyle/>
           <a:p>
-            <a:pPr marL="171450" indent="-171450">
-              <a:buFontTx/>
-              <a:buChar char="-"/>
-            </a:pPr>
-            <a:r>
-              <a:rPr lang="de-DE" smtClean="0"/>
-              <a:t>Search for data in data collections / data catalogs</a:t>
-            </a:r>
+            <a:endParaRPr lang="en-US"/>
+          </a:p>
+        </p:txBody>
+      </p:sp>
+      <p:sp>
+        <p:nvSpPr>
+          <p:cNvPr id="4" name="Foliennummernplatzhalter 3"/>
+          <p:cNvSpPr>
+            <a:spLocks noGrp="1"/>
+          </p:cNvSpPr>
+          <p:nvPr>
+            <p:ph type="sldNum" sz="quarter" idx="10"/>
+          </p:nvPr>
+        </p:nvSpPr>
+        <p:spPr/>
+        <p:txBody>
+          <a:bodyPr/>
+          <a:lstStyle/>
+          <a:p>
+            <a:fld id="{DE2197E9-CAEE-4794-8561-B4165D319F7A}" type="slidenum">
+              <a:rPr lang="en-US" smtClean="0"/>
+              <a:t>7</a:t>
+            </a:fld>
+            <a:endParaRPr lang="en-US"/>
+          </a:p>
+        </p:txBody>
+      </p:sp>
+    </p:spTree>
+    <p:extLst>
+      <p:ext uri="{BB962C8B-B14F-4D97-AF65-F5344CB8AC3E}">
+        <p14:creationId xmlns:p14="http://schemas.microsoft.com/office/powerpoint/2010/main" val="668479566"/>
+      </p:ext>
+    </p:extLst>
+  </p:cSld>
+  <p:clrMapOvr>
+    <a:masterClrMapping/>
+  </p:clrMapOvr>
+</p:notes>
+</file>
+
+<file path=ppt/notesSlides/notesSlide6.xml><?xml version="1.0" encoding="utf-8"?>
+<p:notes xmlns:a="http://schemas.openxmlformats.org/drawingml/2006/main" xmlns:r="http://schemas.openxmlformats.org/officeDocument/2006/relationships" xmlns:p="http://schemas.openxmlformats.org/presentationml/2006/main">
+  <p:cSld>
+    <p:spTree>
+      <p:nvGrpSpPr>
+        <p:cNvPr id="1" name=""/>
+        <p:cNvGrpSpPr/>
+        <p:nvPr/>
+      </p:nvGrpSpPr>
+      <p:grpSpPr>
+        <a:xfrm>
+          <a:off x="0" y="0"/>
+          <a:ext cx="0" cy="0"/>
+          <a:chOff x="0" y="0"/>
+          <a:chExt cx="0" cy="0"/>
+        </a:xfrm>
+      </p:grpSpPr>
+      <p:sp>
+        <p:nvSpPr>
+          <p:cNvPr id="2" name="Folienbildplatzhalter 1"/>
+          <p:cNvSpPr>
+            <a:spLocks noGrp="1" noRot="1" noChangeAspect="1"/>
+          </p:cNvSpPr>
+          <p:nvPr>
+            <p:ph type="sldImg"/>
+          </p:nvPr>
+        </p:nvSpPr>
+        <p:spPr/>
+      </p:sp>
+      <p:sp>
+        <p:nvSpPr>
+          <p:cNvPr id="3" name="Notizenplatzhalter 2"/>
+          <p:cNvSpPr>
+            <a:spLocks noGrp="1"/>
+          </p:cNvSpPr>
+          <p:nvPr>
+            <p:ph type="body" idx="1"/>
+          </p:nvPr>
+        </p:nvSpPr>
+        <p:spPr/>
+        <p:txBody>
+          <a:bodyPr/>
+          <a:lstStyle/>
+          <a:p>
+            <a:endParaRPr lang="en-US"/>
+          </a:p>
+        </p:txBody>
+      </p:sp>
+      <p:sp>
+        <p:nvSpPr>
+          <p:cNvPr id="4" name="Foliennummernplatzhalter 3"/>
+          <p:cNvSpPr>
+            <a:spLocks noGrp="1"/>
+          </p:cNvSpPr>
+          <p:nvPr>
+            <p:ph type="sldNum" sz="quarter" idx="10"/>
+          </p:nvPr>
+        </p:nvSpPr>
+        <p:spPr/>
+        <p:txBody>
+          <a:bodyPr/>
+          <a:lstStyle/>
+          <a:p>
+            <a:fld id="{DE2197E9-CAEE-4794-8561-B4165D319F7A}" type="slidenum">
+              <a:rPr lang="en-US" smtClean="0"/>
+              <a:t>8</a:t>
+            </a:fld>
+            <a:endParaRPr lang="en-US"/>
+          </a:p>
+        </p:txBody>
+      </p:sp>
+    </p:spTree>
+    <p:extLst>
+      <p:ext uri="{BB962C8B-B14F-4D97-AF65-F5344CB8AC3E}">
+        <p14:creationId xmlns:p14="http://schemas.microsoft.com/office/powerpoint/2010/main" val="3258231205"/>
+      </p:ext>
+    </p:extLst>
+  </p:cSld>
+  <p:clrMapOvr>
+    <a:masterClrMapping/>
+  </p:clrMapOvr>
+</p:notes>
+</file>
+
+<file path=ppt/notesSlides/notesSlide7.xml><?xml version="1.0" encoding="utf-8"?>
+<p:notes xmlns:a="http://schemas.openxmlformats.org/drawingml/2006/main" xmlns:r="http://schemas.openxmlformats.org/officeDocument/2006/relationships" xmlns:p="http://schemas.openxmlformats.org/presentationml/2006/main">
+  <p:cSld>
+    <p:spTree>
+      <p:nvGrpSpPr>
+        <p:cNvPr id="1" name=""/>
+        <p:cNvGrpSpPr/>
+        <p:nvPr/>
+      </p:nvGrpSpPr>
+      <p:grpSpPr>
+        <a:xfrm>
+          <a:off x="0" y="0"/>
+          <a:ext cx="0" cy="0"/>
+          <a:chOff x="0" y="0"/>
+          <a:chExt cx="0" cy="0"/>
+        </a:xfrm>
+      </p:grpSpPr>
+      <p:sp>
+        <p:nvSpPr>
+          <p:cNvPr id="2" name="Folienbildplatzhalter 1"/>
+          <p:cNvSpPr>
+            <a:spLocks noGrp="1" noRot="1" noChangeAspect="1"/>
+          </p:cNvSpPr>
+          <p:nvPr>
+            <p:ph type="sldImg"/>
+          </p:nvPr>
+        </p:nvSpPr>
+        <p:spPr/>
+      </p:sp>
+      <p:sp>
+        <p:nvSpPr>
+          <p:cNvPr id="3" name="Notizenplatzhalter 2"/>
+          <p:cNvSpPr>
+            <a:spLocks noGrp="1"/>
+          </p:cNvSpPr>
+          <p:nvPr>
+            <p:ph type="body" idx="1"/>
+          </p:nvPr>
+        </p:nvSpPr>
+        <p:spPr/>
+        <p:txBody>
+          <a:bodyPr/>
+          <a:lstStyle/>
+          <a:p>
+            <a:endParaRPr lang="en-US"/>
+          </a:p>
+        </p:txBody>
+      </p:sp>
+      <p:sp>
+        <p:nvSpPr>
+          <p:cNvPr id="4" name="Foliennummernplatzhalter 3"/>
+          <p:cNvSpPr>
+            <a:spLocks noGrp="1"/>
+          </p:cNvSpPr>
+          <p:nvPr>
+            <p:ph type="sldNum" sz="quarter" idx="10"/>
+          </p:nvPr>
+        </p:nvSpPr>
+        <p:spPr/>
+        <p:txBody>
+          <a:bodyPr/>
+          <a:lstStyle/>
+          <a:p>
+            <a:fld id="{DE2197E9-CAEE-4794-8561-B4165D319F7A}" type="slidenum">
+              <a:rPr lang="en-US" smtClean="0"/>
+              <a:t>9</a:t>
+            </a:fld>
+            <a:endParaRPr lang="en-US"/>
+          </a:p>
+        </p:txBody>
+      </p:sp>
+    </p:spTree>
+    <p:extLst>
+      <p:ext uri="{BB962C8B-B14F-4D97-AF65-F5344CB8AC3E}">
+        <p14:creationId xmlns:p14="http://schemas.microsoft.com/office/powerpoint/2010/main" val="509783899"/>
+      </p:ext>
+    </p:extLst>
+  </p:cSld>
+  <p:clrMapOvr>
+    <a:masterClrMapping/>
+  </p:clrMapOvr>
+</p:notes>
+</file>
+
+<file path=ppt/notesSlides/notesSlide8.xml><?xml version="1.0" encoding="utf-8"?>
+<p:notes xmlns:a="http://schemas.openxmlformats.org/drawingml/2006/main" xmlns:r="http://schemas.openxmlformats.org/officeDocument/2006/relationships" xmlns:p="http://schemas.openxmlformats.org/presentationml/2006/main">
+  <p:cSld>
+    <p:spTree>
+      <p:nvGrpSpPr>
+        <p:cNvPr id="1" name=""/>
+        <p:cNvGrpSpPr/>
+        <p:nvPr/>
+      </p:nvGrpSpPr>
+      <p:grpSpPr>
+        <a:xfrm>
+          <a:off x="0" y="0"/>
+          <a:ext cx="0" cy="0"/>
+          <a:chOff x="0" y="0"/>
+          <a:chExt cx="0" cy="0"/>
+        </a:xfrm>
+      </p:grpSpPr>
+      <p:sp>
+        <p:nvSpPr>
+          <p:cNvPr id="2" name="Folienbildplatzhalter 1"/>
+          <p:cNvSpPr>
+            <a:spLocks noGrp="1" noRot="1" noChangeAspect="1"/>
+          </p:cNvSpPr>
+          <p:nvPr>
+            <p:ph type="sldImg"/>
+          </p:nvPr>
+        </p:nvSpPr>
+        <p:spPr/>
+      </p:sp>
+      <p:sp>
+        <p:nvSpPr>
+          <p:cNvPr id="3" name="Notizenplatzhalter 2"/>
+          <p:cNvSpPr>
+            <a:spLocks noGrp="1"/>
+          </p:cNvSpPr>
+          <p:nvPr>
+            <p:ph type="body" idx="1"/>
+          </p:nvPr>
+        </p:nvSpPr>
+        <p:spPr/>
+        <p:txBody>
+          <a:bodyPr/>
+          <a:lstStyle/>
+          <a:p>
+            <a:endParaRPr lang="en-US"/>
           </a:p>
         </p:txBody>
       </p:sp>
@@ -1244,7 +2031,95 @@
     </p:spTree>
     <p:extLst>
       <p:ext uri="{BB962C8B-B14F-4D97-AF65-F5344CB8AC3E}">
-        <p14:creationId xmlns:p14="http://schemas.microsoft.com/office/powerpoint/2010/main" val="3042193867"/>
+        <p14:creationId xmlns:p14="http://schemas.microsoft.com/office/powerpoint/2010/main" val="1076433093"/>
+      </p:ext>
+    </p:extLst>
+  </p:cSld>
+  <p:clrMapOvr>
+    <a:masterClrMapping/>
+  </p:clrMapOvr>
+</p:notes>
+</file>
+
+<file path=ppt/notesSlides/notesSlide9.xml><?xml version="1.0" encoding="utf-8"?>
+<p:notes xmlns:a="http://schemas.openxmlformats.org/drawingml/2006/main" xmlns:r="http://schemas.openxmlformats.org/officeDocument/2006/relationships" xmlns:p="http://schemas.openxmlformats.org/presentationml/2006/main">
+  <p:cSld>
+    <p:spTree>
+      <p:nvGrpSpPr>
+        <p:cNvPr id="1" name=""/>
+        <p:cNvGrpSpPr/>
+        <p:nvPr/>
+      </p:nvGrpSpPr>
+      <p:grpSpPr>
+        <a:xfrm>
+          <a:off x="0" y="0"/>
+          <a:ext cx="0" cy="0"/>
+          <a:chOff x="0" y="0"/>
+          <a:chExt cx="0" cy="0"/>
+        </a:xfrm>
+      </p:grpSpPr>
+      <p:sp>
+        <p:nvSpPr>
+          <p:cNvPr id="2" name="Folienbildplatzhalter 1"/>
+          <p:cNvSpPr>
+            <a:spLocks noGrp="1" noRot="1" noChangeAspect="1"/>
+          </p:cNvSpPr>
+          <p:nvPr>
+            <p:ph type="sldImg"/>
+          </p:nvPr>
+        </p:nvSpPr>
+        <p:spPr/>
+      </p:sp>
+      <p:sp>
+        <p:nvSpPr>
+          <p:cNvPr id="3" name="Notizenplatzhalter 2"/>
+          <p:cNvSpPr>
+            <a:spLocks noGrp="1"/>
+          </p:cNvSpPr>
+          <p:nvPr>
+            <p:ph type="body" idx="1"/>
+          </p:nvPr>
+        </p:nvSpPr>
+        <p:spPr/>
+        <p:txBody>
+          <a:bodyPr/>
+          <a:lstStyle/>
+          <a:p>
+            <a:r>
+              <a:rPr lang="de-DE" smtClean="0"/>
+              <a:t>Domain-specific tagging</a:t>
+            </a:r>
+            <a:endParaRPr lang="en-US"/>
+          </a:p>
+        </p:txBody>
+      </p:sp>
+      <p:sp>
+        <p:nvSpPr>
+          <p:cNvPr id="4" name="Foliennummernplatzhalter 3"/>
+          <p:cNvSpPr>
+            <a:spLocks noGrp="1"/>
+          </p:cNvSpPr>
+          <p:nvPr>
+            <p:ph type="sldNum" sz="quarter" idx="10"/>
+          </p:nvPr>
+        </p:nvSpPr>
+        <p:spPr/>
+        <p:txBody>
+          <a:bodyPr/>
+          <a:lstStyle/>
+          <a:p>
+            <a:fld id="{DE2197E9-CAEE-4794-8561-B4165D319F7A}" type="slidenum">
+              <a:rPr lang="en-US" smtClean="0"/>
+              <a:t>11</a:t>
+            </a:fld>
+            <a:endParaRPr lang="en-US"/>
+          </a:p>
+        </p:txBody>
+      </p:sp>
+    </p:spTree>
+    <p:extLst>
+      <p:ext uri="{BB962C8B-B14F-4D97-AF65-F5344CB8AC3E}">
+        <p14:creationId xmlns:p14="http://schemas.microsoft.com/office/powerpoint/2010/main" val="1031772927"/>
       </p:ext>
     </p:extLst>
   </p:cSld>
@@ -1443,7 +2318,7 @@
           <a:p>
             <a:fld id="{20258719-CDB8-45E2-B905-DD706C21D5C9}" type="datetimeFigureOut">
               <a:rPr lang="de-DE" smtClean="0"/>
-              <a:t>01.10.2014</a:t>
+              <a:t>05.10.2014</a:t>
             </a:fld>
             <a:endParaRPr lang="de-DE"/>
           </a:p>
@@ -1696,7 +2571,7 @@
           <a:p>
             <a:fld id="{DCFA5B6A-1F08-4E6A-A8AE-69F589CC0F24}" type="datetimeFigureOut">
               <a:rPr lang="en-US" smtClean="0"/>
-              <a:t>10/1/2014</a:t>
+              <a:t>10/5/2014</a:t>
             </a:fld>
             <a:endParaRPr lang="en-US"/>
           </a:p>
@@ -1866,7 +2741,7 @@
           <a:p>
             <a:fld id="{DCFA5B6A-1F08-4E6A-A8AE-69F589CC0F24}" type="datetimeFigureOut">
               <a:rPr lang="en-US" smtClean="0"/>
-              <a:t>10/1/2014</a:t>
+              <a:t>10/5/2014</a:t>
             </a:fld>
             <a:endParaRPr lang="en-US"/>
           </a:p>
@@ -2112,7 +2987,7 @@
           <a:p>
             <a:fld id="{DCFA5B6A-1F08-4E6A-A8AE-69F589CC0F24}" type="datetimeFigureOut">
               <a:rPr lang="en-US" smtClean="0"/>
-              <a:t>10/1/2014</a:t>
+              <a:t>10/5/2014</a:t>
             </a:fld>
             <a:endParaRPr lang="en-US"/>
           </a:p>
@@ -2400,7 +3275,7 @@
           <a:p>
             <a:fld id="{DCFA5B6A-1F08-4E6A-A8AE-69F589CC0F24}" type="datetimeFigureOut">
               <a:rPr lang="en-US" smtClean="0"/>
-              <a:t>10/1/2014</a:t>
+              <a:t>10/5/2014</a:t>
             </a:fld>
             <a:endParaRPr lang="en-US"/>
           </a:p>
@@ -2822,7 +3697,7 @@
           <a:p>
             <a:fld id="{DCFA5B6A-1F08-4E6A-A8AE-69F589CC0F24}" type="datetimeFigureOut">
               <a:rPr lang="en-US" smtClean="0"/>
-              <a:t>10/1/2014</a:t>
+              <a:t>10/5/2014</a:t>
             </a:fld>
             <a:endParaRPr lang="en-US"/>
           </a:p>
@@ -2940,7 +3815,7 @@
           <a:p>
             <a:fld id="{DCFA5B6A-1F08-4E6A-A8AE-69F589CC0F24}" type="datetimeFigureOut">
               <a:rPr lang="en-US" smtClean="0"/>
-              <a:t>10/1/2014</a:t>
+              <a:t>10/5/2014</a:t>
             </a:fld>
             <a:endParaRPr lang="en-US"/>
           </a:p>
@@ -3035,7 +3910,7 @@
           <a:p>
             <a:fld id="{DCFA5B6A-1F08-4E6A-A8AE-69F589CC0F24}" type="datetimeFigureOut">
               <a:rPr lang="en-US" smtClean="0"/>
-              <a:t>10/1/2014</a:t>
+              <a:t>10/5/2014</a:t>
             </a:fld>
             <a:endParaRPr lang="en-US"/>
           </a:p>
@@ -3312,7 +4187,7 @@
           <a:p>
             <a:fld id="{DCFA5B6A-1F08-4E6A-A8AE-69F589CC0F24}" type="datetimeFigureOut">
               <a:rPr lang="en-US" smtClean="0"/>
-              <a:t>10/1/2014</a:t>
+              <a:t>10/5/2014</a:t>
             </a:fld>
             <a:endParaRPr lang="en-US"/>
           </a:p>
@@ -3565,7 +4440,7 @@
           <a:p>
             <a:fld id="{DCFA5B6A-1F08-4E6A-A8AE-69F589CC0F24}" type="datetimeFigureOut">
               <a:rPr lang="en-US" smtClean="0"/>
-              <a:t>10/1/2014</a:t>
+              <a:t>10/5/2014</a:t>
             </a:fld>
             <a:endParaRPr lang="en-US"/>
           </a:p>
@@ -3735,7 +4610,7 @@
           <a:p>
             <a:fld id="{DCFA5B6A-1F08-4E6A-A8AE-69F589CC0F24}" type="datetimeFigureOut">
               <a:rPr lang="en-US" smtClean="0"/>
-              <a:t>10/1/2014</a:t>
+              <a:t>10/5/2014</a:t>
             </a:fld>
             <a:endParaRPr lang="en-US"/>
           </a:p>
@@ -3945,7 +4820,7 @@
           <a:p>
             <a:fld id="{20258719-CDB8-45E2-B905-DD706C21D5C9}" type="datetimeFigureOut">
               <a:rPr lang="de-DE" smtClean="0"/>
-              <a:t>01.10.2014</a:t>
+              <a:t>05.10.2014</a:t>
             </a:fld>
             <a:endParaRPr lang="de-DE"/>
           </a:p>
@@ -4136,7 +5011,7 @@
           <a:p>
             <a:fld id="{DCFA5B6A-1F08-4E6A-A8AE-69F589CC0F24}" type="datetimeFigureOut">
               <a:rPr lang="en-US" smtClean="0"/>
-              <a:t>10/1/2014</a:t>
+              <a:t>10/5/2014</a:t>
             </a:fld>
             <a:endParaRPr lang="en-US"/>
           </a:p>
@@ -4390,7 +5265,7 @@
           <a:p>
             <a:fld id="{20258719-CDB8-45E2-B905-DD706C21D5C9}" type="datetimeFigureOut">
               <a:rPr lang="de-DE" smtClean="0"/>
-              <a:t>01.10.2014</a:t>
+              <a:t>05.10.2014</a:t>
             </a:fld>
             <a:endParaRPr lang="de-DE"/>
           </a:p>
@@ -4697,7 +5572,7 @@
           <a:p>
             <a:fld id="{20258719-CDB8-45E2-B905-DD706C21D5C9}" type="datetimeFigureOut">
               <a:rPr lang="de-DE" smtClean="0"/>
-              <a:t>01.10.2014</a:t>
+              <a:t>05.10.2014</a:t>
             </a:fld>
             <a:endParaRPr lang="de-DE"/>
           </a:p>
@@ -5138,7 +6013,7 @@
           <a:p>
             <a:fld id="{20258719-CDB8-45E2-B905-DD706C21D5C9}" type="datetimeFigureOut">
               <a:rPr lang="de-DE" smtClean="0"/>
-              <a:t>01.10.2014</a:t>
+              <a:t>05.10.2014</a:t>
             </a:fld>
             <a:endParaRPr lang="de-DE"/>
           </a:p>
@@ -5275,7 +6150,7 @@
           <a:p>
             <a:fld id="{20258719-CDB8-45E2-B905-DD706C21D5C9}" type="datetimeFigureOut">
               <a:rPr lang="de-DE" smtClean="0"/>
-              <a:t>01.10.2014</a:t>
+              <a:t>05.10.2014</a:t>
             </a:fld>
             <a:endParaRPr lang="de-DE"/>
           </a:p>
@@ -5389,7 +6264,7 @@
           <a:p>
             <a:fld id="{20258719-CDB8-45E2-B905-DD706C21D5C9}" type="datetimeFigureOut">
               <a:rPr lang="de-DE" smtClean="0"/>
-              <a:t>01.10.2014</a:t>
+              <a:t>05.10.2014</a:t>
             </a:fld>
             <a:endParaRPr lang="de-DE"/>
           </a:p>
@@ -5685,7 +6560,7 @@
           <a:p>
             <a:fld id="{20258719-CDB8-45E2-B905-DD706C21D5C9}" type="datetimeFigureOut">
               <a:rPr lang="de-DE" smtClean="0"/>
-              <a:t>01.10.2014</a:t>
+              <a:t>05.10.2014</a:t>
             </a:fld>
             <a:endParaRPr lang="de-DE"/>
           </a:p>
@@ -5957,7 +6832,7 @@
           <a:p>
             <a:fld id="{20258719-CDB8-45E2-B905-DD706C21D5C9}" type="datetimeFigureOut">
               <a:rPr lang="de-DE" smtClean="0"/>
-              <a:t>01.10.2014</a:t>
+              <a:t>05.10.2014</a:t>
             </a:fld>
             <a:endParaRPr lang="de-DE"/>
           </a:p>
@@ -6630,7 +7505,7 @@
           <a:p>
             <a:fld id="{DCFA5B6A-1F08-4E6A-A8AE-69F589CC0F24}" type="datetimeFigureOut">
               <a:rPr lang="en-US" smtClean="0"/>
-              <a:t>10/1/2014</a:t>
+              <a:t>10/5/2014</a:t>
             </a:fld>
             <a:endParaRPr lang="en-US"/>
           </a:p>
@@ -6991,6 +7866,14 @@
 <file path=ppt/slides/slide1.xml><?xml version="1.0" encoding="utf-8"?>
 <p:sld xmlns:a="http://schemas.openxmlformats.org/drawingml/2006/main" xmlns:r="http://schemas.openxmlformats.org/officeDocument/2006/relationships" xmlns:p="http://schemas.openxmlformats.org/presentationml/2006/main">
   <p:cSld>
+    <p:bg>
+      <p:bgPr>
+        <a:solidFill>
+          <a:schemeClr val="tx1"/>
+        </a:solidFill>
+        <a:effectLst/>
+      </p:bgPr>
+    </p:bg>
     <p:spTree>
       <p:nvGrpSpPr>
         <p:cNvPr id="1" name=""/>
@@ -7007,18 +7890,18 @@
       </p:grpSpPr>
       <p:sp>
         <p:nvSpPr>
-          <p:cNvPr id="6" name="Titel 5"/>
-          <p:cNvSpPr>
-            <a:spLocks noGrp="1"/>
-          </p:cNvSpPr>
-          <p:nvPr>
-            <p:ph type="ctrTitle"/>
+          <p:cNvPr id="5" name="Titel 4"/>
+          <p:cNvSpPr>
+            <a:spLocks noGrp="1"/>
+          </p:cNvSpPr>
+          <p:nvPr>
+            <p:ph type="title"/>
           </p:nvPr>
         </p:nvSpPr>
         <p:spPr>
           <a:xfrm>
-            <a:off x="0" y="1598935"/>
-            <a:ext cx="9144000" cy="1470025"/>
+            <a:off x="446856" y="764704"/>
+            <a:ext cx="8229600" cy="1143000"/>
           </a:xfrm>
         </p:spPr>
         <p:txBody>
@@ -7028,65 +7911,39 @@
           <a:lstStyle/>
           <a:p>
             <a:r>
-              <a:rPr lang="en-US" sz="4600" b="1" smtClean="0"/>
-              <a:t>DDI-RDF </a:t>
-            </a:r>
-            <a:r>
-              <a:rPr lang="en-US" sz="4600" b="1"/>
-              <a:t>Discovery </a:t>
-            </a:r>
-            <a:r>
-              <a:rPr lang="en-US" sz="4600" b="1" smtClean="0"/>
-              <a:t>Vocabulary</a:t>
-            </a:r>
-            <a:r>
-              <a:rPr lang="en-US" b="1" smtClean="0"/>
-              <a:t/>
-            </a:r>
-            <a:br>
-              <a:rPr lang="en-US" b="1" smtClean="0"/>
-            </a:br>
-            <a:r>
-              <a:rPr lang="en-US" sz="1000" b="1" smtClean="0">
-                <a:solidFill>
-                  <a:schemeClr val="bg1"/>
-                </a:solidFill>
-              </a:rPr>
-              <a:t>_</a:t>
-            </a:r>
-            <a:r>
-              <a:rPr lang="en-US" b="1" smtClean="0"/>
-              <a:t/>
-            </a:r>
-            <a:br>
-              <a:rPr lang="en-US" b="1" smtClean="0"/>
-            </a:br>
-            <a:r>
-              <a:rPr lang="en-US" sz="3600" b="1"/>
-              <a:t>Use Cases and Vocabularies</a:t>
-            </a:r>
-            <a:r>
-              <a:rPr lang="en-US" sz="3600" b="1" smtClean="0"/>
-              <a:t> </a:t>
-            </a:r>
-            <a:endParaRPr lang="de-DE" sz="3600"/>
-          </a:p>
-        </p:txBody>
-      </p:sp>
-      <p:sp>
-        <p:nvSpPr>
-          <p:cNvPr id="7" name="Untertitel 6"/>
-          <p:cNvSpPr>
-            <a:spLocks noGrp="1"/>
-          </p:cNvSpPr>
-          <p:nvPr>
-            <p:ph type="subTitle" idx="1"/>
+              <a:rPr lang="de-DE" sz="6600" smtClean="0">
+                <a:solidFill>
+                  <a:srgbClr val="558ED5"/>
+                </a:solidFill>
+                <a:latin typeface="Courier New" panose="02070309020205020404" pitchFamily="49" charset="0"/>
+                <a:cs typeface="Courier New" panose="02070309020205020404" pitchFamily="49" charset="0"/>
+              </a:rPr>
+              <a:t>RDF Validation requirements DB</a:t>
+            </a:r>
+            <a:endParaRPr lang="en-US" sz="6600">
+              <a:solidFill>
+                <a:srgbClr val="558ED5"/>
+              </a:solidFill>
+              <a:latin typeface="Courier New" panose="02070309020205020404" pitchFamily="49" charset="0"/>
+              <a:cs typeface="Courier New" panose="02070309020205020404" pitchFamily="49" charset="0"/>
+            </a:endParaRPr>
+          </a:p>
+        </p:txBody>
+      </p:sp>
+      <p:sp>
+        <p:nvSpPr>
+          <p:cNvPr id="6" name="Inhaltsplatzhalter 5"/>
+          <p:cNvSpPr>
+            <a:spLocks noGrp="1"/>
+          </p:cNvSpPr>
+          <p:nvPr>
+            <p:ph idx="1"/>
           </p:nvPr>
         </p:nvSpPr>
         <p:spPr>
           <a:xfrm>
-            <a:off x="-36512" y="5373216"/>
-            <a:ext cx="9180512" cy="504056"/>
+            <a:off x="457200" y="2952328"/>
+            <a:ext cx="8229600" cy="3933056"/>
           </a:xfrm>
         </p:spPr>
         <p:txBody>
@@ -7095,446 +7952,145 @@
           </a:bodyPr>
           <a:lstStyle/>
           <a:p>
-            <a:r>
-              <a:rPr lang="en-US" sz="1800" smtClean="0">
-                <a:latin typeface="+mj-lt"/>
-              </a:rPr>
-              <a:t>Thomas Bosch</a:t>
-            </a:r>
-            <a:endParaRPr lang="de-DE" sz="1800">
-              <a:latin typeface="+mj-lt"/>
-            </a:endParaRPr>
-          </a:p>
-        </p:txBody>
-      </p:sp>
-      <p:sp>
-        <p:nvSpPr>
-          <p:cNvPr id="4" name="Untertitel 6"/>
-          <p:cNvSpPr txBox="1">
-            <a:spLocks/>
-          </p:cNvSpPr>
-          <p:nvPr/>
-        </p:nvSpPr>
-        <p:spPr>
-          <a:xfrm>
-            <a:off x="1331640" y="5877272"/>
-            <a:ext cx="6400800" cy="864096"/>
-          </a:xfrm>
-          <a:prstGeom prst="rect">
-            <a:avLst/>
-          </a:prstGeom>
-        </p:spPr>
-        <p:txBody>
-          <a:bodyPr vert="horz" lIns="91440" tIns="45720" rIns="91440" bIns="45720" rtlCol="0">
-            <a:normAutofit/>
-          </a:bodyPr>
-          <a:lstStyle>
-            <a:lvl1pPr marL="0" indent="0" algn="ctr" defTabSz="914400" rtl="0" eaLnBrk="1" latinLnBrk="0" hangingPunct="1">
-              <a:spcBef>
-                <a:spcPct val="20000"/>
-              </a:spcBef>
-              <a:buFont typeface="Arial" pitchFamily="34" charset="0"/>
-              <a:buNone/>
-              <a:defRPr sz="3200" kern="1200">
-                <a:solidFill>
-                  <a:schemeClr val="tx1">
-                    <a:tint val="75000"/>
-                  </a:schemeClr>
-                </a:solidFill>
-                <a:latin typeface="Arial" pitchFamily="34" charset="0"/>
-                <a:ea typeface="+mn-ea"/>
-                <a:cs typeface="+mn-cs"/>
-              </a:defRPr>
-            </a:lvl1pPr>
-            <a:lvl2pPr marL="457200" indent="0" algn="ctr" defTabSz="914400" rtl="0" eaLnBrk="1" latinLnBrk="0" hangingPunct="1">
-              <a:spcBef>
-                <a:spcPct val="20000"/>
-              </a:spcBef>
-              <a:buFont typeface="Arial" pitchFamily="34" charset="0"/>
-              <a:buNone/>
-              <a:defRPr sz="2800" kern="1200">
-                <a:solidFill>
-                  <a:schemeClr val="tx1">
-                    <a:tint val="75000"/>
-                  </a:schemeClr>
-                </a:solidFill>
-                <a:latin typeface="Arial" pitchFamily="34" charset="0"/>
-                <a:ea typeface="+mn-ea"/>
-                <a:cs typeface="+mn-cs"/>
-              </a:defRPr>
-            </a:lvl2pPr>
-            <a:lvl3pPr marL="914400" indent="0" algn="ctr" defTabSz="914400" rtl="0" eaLnBrk="1" latinLnBrk="0" hangingPunct="1">
-              <a:spcBef>
-                <a:spcPct val="20000"/>
-              </a:spcBef>
-              <a:buFont typeface="Arial" pitchFamily="34" charset="0"/>
-              <a:buNone/>
-              <a:defRPr sz="2400" kern="1200">
-                <a:solidFill>
-                  <a:schemeClr val="tx1">
-                    <a:tint val="75000"/>
-                  </a:schemeClr>
-                </a:solidFill>
-                <a:latin typeface="Arial" pitchFamily="34" charset="0"/>
-                <a:ea typeface="+mn-ea"/>
-                <a:cs typeface="+mn-cs"/>
-              </a:defRPr>
-            </a:lvl3pPr>
-            <a:lvl4pPr marL="1371600" indent="0" algn="ctr" defTabSz="914400" rtl="0" eaLnBrk="1" latinLnBrk="0" hangingPunct="1">
-              <a:spcBef>
-                <a:spcPct val="20000"/>
-              </a:spcBef>
-              <a:buFont typeface="Arial" pitchFamily="34" charset="0"/>
-              <a:buNone/>
-              <a:defRPr sz="2000" kern="1200">
-                <a:solidFill>
-                  <a:schemeClr val="tx1">
-                    <a:tint val="75000"/>
-                  </a:schemeClr>
-                </a:solidFill>
-                <a:latin typeface="Arial" pitchFamily="34" charset="0"/>
-                <a:ea typeface="+mn-ea"/>
-                <a:cs typeface="+mn-cs"/>
-              </a:defRPr>
-            </a:lvl4pPr>
-            <a:lvl5pPr marL="1828800" indent="0" algn="ctr" defTabSz="914400" rtl="0" eaLnBrk="1" latinLnBrk="0" hangingPunct="1">
-              <a:spcBef>
-                <a:spcPct val="20000"/>
-              </a:spcBef>
-              <a:buFont typeface="Arial" pitchFamily="34" charset="0"/>
-              <a:buNone/>
-              <a:defRPr sz="2000" kern="1200">
-                <a:solidFill>
-                  <a:schemeClr val="tx1">
-                    <a:tint val="75000"/>
-                  </a:schemeClr>
-                </a:solidFill>
-                <a:latin typeface="Arial" pitchFamily="34" charset="0"/>
-                <a:ea typeface="+mn-ea"/>
-                <a:cs typeface="+mn-cs"/>
-              </a:defRPr>
-            </a:lvl5pPr>
-            <a:lvl6pPr marL="2286000" indent="0" algn="ctr" defTabSz="914400" rtl="0" eaLnBrk="1" latinLnBrk="0" hangingPunct="1">
-              <a:spcBef>
-                <a:spcPct val="20000"/>
-              </a:spcBef>
-              <a:buFont typeface="Arial" pitchFamily="34" charset="0"/>
-              <a:buNone/>
-              <a:defRPr sz="2000" kern="1200">
-                <a:solidFill>
-                  <a:schemeClr val="tx1">
-                    <a:tint val="75000"/>
-                  </a:schemeClr>
-                </a:solidFill>
-                <a:latin typeface="+mn-lt"/>
-                <a:ea typeface="+mn-ea"/>
-                <a:cs typeface="+mn-cs"/>
-              </a:defRPr>
-            </a:lvl6pPr>
-            <a:lvl7pPr marL="2743200" indent="0" algn="ctr" defTabSz="914400" rtl="0" eaLnBrk="1" latinLnBrk="0" hangingPunct="1">
-              <a:spcBef>
-                <a:spcPct val="20000"/>
-              </a:spcBef>
-              <a:buFont typeface="Arial" pitchFamily="34" charset="0"/>
-              <a:buNone/>
-              <a:defRPr sz="2000" kern="1200">
-                <a:solidFill>
-                  <a:schemeClr val="tx1">
-                    <a:tint val="75000"/>
-                  </a:schemeClr>
-                </a:solidFill>
-                <a:latin typeface="+mn-lt"/>
-                <a:ea typeface="+mn-ea"/>
-                <a:cs typeface="+mn-cs"/>
-              </a:defRPr>
-            </a:lvl7pPr>
-            <a:lvl8pPr marL="3200400" indent="0" algn="ctr" defTabSz="914400" rtl="0" eaLnBrk="1" latinLnBrk="0" hangingPunct="1">
-              <a:spcBef>
-                <a:spcPct val="20000"/>
-              </a:spcBef>
-              <a:buFont typeface="Arial" pitchFamily="34" charset="0"/>
-              <a:buNone/>
-              <a:defRPr sz="2000" kern="1200">
-                <a:solidFill>
-                  <a:schemeClr val="tx1">
-                    <a:tint val="75000"/>
-                  </a:schemeClr>
-                </a:solidFill>
-                <a:latin typeface="+mn-lt"/>
-                <a:ea typeface="+mn-ea"/>
-                <a:cs typeface="+mn-cs"/>
-              </a:defRPr>
-            </a:lvl8pPr>
-            <a:lvl9pPr marL="3657600" indent="0" algn="ctr" defTabSz="914400" rtl="0" eaLnBrk="1" latinLnBrk="0" hangingPunct="1">
-              <a:spcBef>
-                <a:spcPct val="20000"/>
-              </a:spcBef>
-              <a:buFont typeface="Arial" pitchFamily="34" charset="0"/>
-              <a:buNone/>
-              <a:defRPr sz="2000" kern="1200">
-                <a:solidFill>
-                  <a:schemeClr val="tx1">
-                    <a:tint val="75000"/>
-                  </a:schemeClr>
-                </a:solidFill>
-                <a:latin typeface="+mn-lt"/>
-                <a:ea typeface="+mn-ea"/>
-                <a:cs typeface="+mn-cs"/>
-              </a:defRPr>
-            </a:lvl9pPr>
-          </a:lstStyle>
-          <a:p>
-            <a:r>
-              <a:rPr lang="en-US" sz="1600" smtClean="0">
-                <a:latin typeface="+mj-lt"/>
-              </a:rPr>
-              <a:t> GESIS </a:t>
-            </a:r>
-            <a:r>
-              <a:rPr lang="en-US" sz="1600">
-                <a:latin typeface="+mj-lt"/>
-              </a:rPr>
-              <a:t>– Leibniz Institute for the Social Sciences, Germany </a:t>
-            </a:r>
-          </a:p>
-          <a:p>
-            <a:r>
-              <a:rPr lang="en-US" sz="1400" smtClean="0">
-                <a:latin typeface="Courier New" panose="02070309020205020404" pitchFamily="49" charset="0"/>
-                <a:cs typeface="Courier New" panose="02070309020205020404" pitchFamily="49" charset="0"/>
-              </a:rPr>
-              <a:t>thomas.bosch@gesis.org</a:t>
-            </a:r>
-          </a:p>
-          <a:p>
-            <a:r>
-              <a:rPr lang="de-DE" sz="1400" smtClean="0">
-                <a:latin typeface="Courier New" panose="02070309020205020404" pitchFamily="49" charset="0"/>
-                <a:cs typeface="Courier New" panose="02070309020205020404" pitchFamily="49" charset="0"/>
-              </a:rPr>
-              <a:t>boschthomas.blogspot.com</a:t>
-            </a:r>
-          </a:p>
-          <a:p>
-            <a:endParaRPr lang="en-US" sz="1400" smtClean="0">
+            <a:pPr marL="0" indent="0" algn="ctr">
+              <a:buNone/>
+            </a:pPr>
+            <a:r>
+              <a:rPr lang="de-DE" sz="4000" smtClean="0">
+                <a:solidFill>
+                  <a:schemeClr val="bg1"/>
+                </a:solidFill>
+                <a:latin typeface="Courier New" panose="02070309020205020404" pitchFamily="49" charset="0"/>
+                <a:cs typeface="Courier New" panose="02070309020205020404" pitchFamily="49" charset="0"/>
+              </a:rPr>
+              <a:t>DC 2014</a:t>
+            </a:r>
+            <a:endParaRPr lang="en-US" smtClean="0">
+              <a:solidFill>
+                <a:schemeClr val="bg1"/>
+              </a:solidFill>
               <a:latin typeface="Courier New" panose="02070309020205020404" pitchFamily="49" charset="0"/>
               <a:cs typeface="Courier New" panose="02070309020205020404" pitchFamily="49" charset="0"/>
             </a:endParaRPr>
           </a:p>
           <a:p>
-            <a:endParaRPr lang="de-DE" sz="1400">
+            <a:pPr marL="0" indent="0" algn="ctr">
+              <a:buNone/>
+            </a:pPr>
+            <a:endParaRPr lang="de-DE" sz="2400" smtClean="0">
+              <a:solidFill>
+                <a:schemeClr val="bg1"/>
+              </a:solidFill>
               <a:latin typeface="Courier New" panose="02070309020205020404" pitchFamily="49" charset="0"/>
               <a:cs typeface="Courier New" panose="02070309020205020404" pitchFamily="49" charset="0"/>
             </a:endParaRPr>
           </a:p>
-        </p:txBody>
-      </p:sp>
-      <p:sp>
-        <p:nvSpPr>
-          <p:cNvPr id="5" name="Untertitel 6"/>
-          <p:cNvSpPr txBox="1">
-            <a:spLocks/>
-          </p:cNvSpPr>
-          <p:nvPr/>
-        </p:nvSpPr>
-        <p:spPr>
-          <a:xfrm>
-            <a:off x="0" y="3868459"/>
-            <a:ext cx="9144000" cy="1216725"/>
-          </a:xfrm>
-          <a:prstGeom prst="rect">
-            <a:avLst/>
-          </a:prstGeom>
-        </p:spPr>
-        <p:txBody>
-          <a:bodyPr vert="horz" lIns="91440" tIns="45720" rIns="91440" bIns="45720" rtlCol="0">
-            <a:normAutofit/>
-          </a:bodyPr>
-          <a:lstStyle>
-            <a:lvl1pPr marL="0" indent="0" algn="ctr" defTabSz="914400" rtl="0" eaLnBrk="1" latinLnBrk="0" hangingPunct="1">
-              <a:spcBef>
-                <a:spcPct val="20000"/>
-              </a:spcBef>
-              <a:buFont typeface="Arial" pitchFamily="34" charset="0"/>
-              <a:buNone/>
-              <a:defRPr sz="3200" kern="1200">
-                <a:solidFill>
-                  <a:schemeClr val="tx1">
-                    <a:tint val="75000"/>
-                  </a:schemeClr>
-                </a:solidFill>
-                <a:latin typeface="Arial" pitchFamily="34" charset="0"/>
-                <a:ea typeface="+mn-ea"/>
-                <a:cs typeface="+mn-cs"/>
-              </a:defRPr>
-            </a:lvl1pPr>
-            <a:lvl2pPr marL="457200" indent="0" algn="ctr" defTabSz="914400" rtl="0" eaLnBrk="1" latinLnBrk="0" hangingPunct="1">
-              <a:spcBef>
-                <a:spcPct val="20000"/>
-              </a:spcBef>
-              <a:buFont typeface="Arial" pitchFamily="34" charset="0"/>
-              <a:buNone/>
-              <a:defRPr sz="2800" kern="1200">
-                <a:solidFill>
-                  <a:schemeClr val="tx1">
-                    <a:tint val="75000"/>
-                  </a:schemeClr>
-                </a:solidFill>
-                <a:latin typeface="Arial" pitchFamily="34" charset="0"/>
-                <a:ea typeface="+mn-ea"/>
-                <a:cs typeface="+mn-cs"/>
-              </a:defRPr>
-            </a:lvl2pPr>
-            <a:lvl3pPr marL="914400" indent="0" algn="ctr" defTabSz="914400" rtl="0" eaLnBrk="1" latinLnBrk="0" hangingPunct="1">
-              <a:spcBef>
-                <a:spcPct val="20000"/>
-              </a:spcBef>
-              <a:buFont typeface="Arial" pitchFamily="34" charset="0"/>
-              <a:buNone/>
-              <a:defRPr sz="2400" kern="1200">
-                <a:solidFill>
-                  <a:schemeClr val="tx1">
-                    <a:tint val="75000"/>
-                  </a:schemeClr>
-                </a:solidFill>
-                <a:latin typeface="Arial" pitchFamily="34" charset="0"/>
-                <a:ea typeface="+mn-ea"/>
-                <a:cs typeface="+mn-cs"/>
-              </a:defRPr>
-            </a:lvl3pPr>
-            <a:lvl4pPr marL="1371600" indent="0" algn="ctr" defTabSz="914400" rtl="0" eaLnBrk="1" latinLnBrk="0" hangingPunct="1">
-              <a:spcBef>
-                <a:spcPct val="20000"/>
-              </a:spcBef>
-              <a:buFont typeface="Arial" pitchFamily="34" charset="0"/>
-              <a:buNone/>
-              <a:defRPr sz="2000" kern="1200">
-                <a:solidFill>
-                  <a:schemeClr val="tx1">
-                    <a:tint val="75000"/>
-                  </a:schemeClr>
-                </a:solidFill>
-                <a:latin typeface="Arial" pitchFamily="34" charset="0"/>
-                <a:ea typeface="+mn-ea"/>
-                <a:cs typeface="+mn-cs"/>
-              </a:defRPr>
-            </a:lvl4pPr>
-            <a:lvl5pPr marL="1828800" indent="0" algn="ctr" defTabSz="914400" rtl="0" eaLnBrk="1" latinLnBrk="0" hangingPunct="1">
-              <a:spcBef>
-                <a:spcPct val="20000"/>
-              </a:spcBef>
-              <a:buFont typeface="Arial" pitchFamily="34" charset="0"/>
-              <a:buNone/>
-              <a:defRPr sz="2000" kern="1200">
-                <a:solidFill>
-                  <a:schemeClr val="tx1">
-                    <a:tint val="75000"/>
-                  </a:schemeClr>
-                </a:solidFill>
-                <a:latin typeface="Arial" pitchFamily="34" charset="0"/>
-                <a:ea typeface="+mn-ea"/>
-                <a:cs typeface="+mn-cs"/>
-              </a:defRPr>
-            </a:lvl5pPr>
-            <a:lvl6pPr marL="2286000" indent="0" algn="ctr" defTabSz="914400" rtl="0" eaLnBrk="1" latinLnBrk="0" hangingPunct="1">
-              <a:spcBef>
-                <a:spcPct val="20000"/>
-              </a:spcBef>
-              <a:buFont typeface="Arial" pitchFamily="34" charset="0"/>
-              <a:buNone/>
-              <a:defRPr sz="2000" kern="1200">
-                <a:solidFill>
-                  <a:schemeClr val="tx1">
-                    <a:tint val="75000"/>
-                  </a:schemeClr>
-                </a:solidFill>
-                <a:latin typeface="+mn-lt"/>
-                <a:ea typeface="+mn-ea"/>
-                <a:cs typeface="+mn-cs"/>
-              </a:defRPr>
-            </a:lvl6pPr>
-            <a:lvl7pPr marL="2743200" indent="0" algn="ctr" defTabSz="914400" rtl="0" eaLnBrk="1" latinLnBrk="0" hangingPunct="1">
-              <a:spcBef>
-                <a:spcPct val="20000"/>
-              </a:spcBef>
-              <a:buFont typeface="Arial" pitchFamily="34" charset="0"/>
-              <a:buNone/>
-              <a:defRPr sz="2000" kern="1200">
-                <a:solidFill>
-                  <a:schemeClr val="tx1">
-                    <a:tint val="75000"/>
-                  </a:schemeClr>
-                </a:solidFill>
-                <a:latin typeface="+mn-lt"/>
-                <a:ea typeface="+mn-ea"/>
-                <a:cs typeface="+mn-cs"/>
-              </a:defRPr>
-            </a:lvl7pPr>
-            <a:lvl8pPr marL="3200400" indent="0" algn="ctr" defTabSz="914400" rtl="0" eaLnBrk="1" latinLnBrk="0" hangingPunct="1">
-              <a:spcBef>
-                <a:spcPct val="20000"/>
-              </a:spcBef>
-              <a:buFont typeface="Arial" pitchFamily="34" charset="0"/>
-              <a:buNone/>
-              <a:defRPr sz="2000" kern="1200">
-                <a:solidFill>
-                  <a:schemeClr val="tx1">
-                    <a:tint val="75000"/>
-                  </a:schemeClr>
-                </a:solidFill>
-                <a:latin typeface="+mn-lt"/>
-                <a:ea typeface="+mn-ea"/>
-                <a:cs typeface="+mn-cs"/>
-              </a:defRPr>
-            </a:lvl8pPr>
-            <a:lvl9pPr marL="3657600" indent="0" algn="ctr" defTabSz="914400" rtl="0" eaLnBrk="1" latinLnBrk="0" hangingPunct="1">
-              <a:spcBef>
-                <a:spcPct val="20000"/>
-              </a:spcBef>
-              <a:buFont typeface="Arial" pitchFamily="34" charset="0"/>
-              <a:buNone/>
-              <a:defRPr sz="2000" kern="1200">
-                <a:solidFill>
-                  <a:schemeClr val="tx1">
-                    <a:tint val="75000"/>
-                  </a:schemeClr>
-                </a:solidFill>
-                <a:latin typeface="+mn-lt"/>
-                <a:ea typeface="+mn-ea"/>
-                <a:cs typeface="+mn-cs"/>
-              </a:defRPr>
-            </a:lvl9pPr>
-          </a:lstStyle>
-          <a:p>
-            <a:r>
-              <a:rPr lang="de-DE" sz="3600" smtClean="0">
-                <a:solidFill>
-                  <a:srgbClr val="979797"/>
-                </a:solidFill>
-                <a:latin typeface="+mn-lt"/>
-              </a:rPr>
-              <a:t>5th European DDI User Conference </a:t>
-            </a:r>
-          </a:p>
-          <a:p>
-            <a:r>
-              <a:rPr lang="de-DE" sz="2200" smtClean="0">
-                <a:solidFill>
-                  <a:srgbClr val="979797"/>
-                </a:solidFill>
-                <a:latin typeface="+mn-lt"/>
-              </a:rPr>
-              <a:t>04 December 2013, Paris, France</a:t>
-            </a:r>
-            <a:endParaRPr lang="de-DE" sz="1200" smtClean="0">
+          <a:p>
+            <a:pPr marL="0" indent="0" algn="ctr">
+              <a:buNone/>
+            </a:pPr>
+            <a:endParaRPr lang="en-US" sz="2400" smtClean="0">
               <a:solidFill>
-                <a:srgbClr val="979797"/>
+                <a:schemeClr val="bg1"/>
+              </a:solidFill>
+              <a:latin typeface="Courier New" panose="02070309020205020404" pitchFamily="49" charset="0"/>
+              <a:cs typeface="Courier New" panose="02070309020205020404" pitchFamily="49" charset="0"/>
+            </a:endParaRPr>
+          </a:p>
+          <a:p>
+            <a:pPr marL="0" indent="0" algn="ctr">
+              <a:buNone/>
+            </a:pPr>
+            <a:r>
+              <a:rPr lang="en-US" sz="2400" smtClean="0">
+                <a:solidFill>
+                  <a:schemeClr val="bg1"/>
+                </a:solidFill>
+                <a:latin typeface="Courier New" panose="02070309020205020404" pitchFamily="49" charset="0"/>
+                <a:cs typeface="Courier New" panose="02070309020205020404" pitchFamily="49" charset="0"/>
+              </a:rPr>
+              <a:t>Thomas Bosch </a:t>
+            </a:r>
+          </a:p>
+          <a:p>
+            <a:pPr algn="ctr"/>
+            <a:endParaRPr lang="en-US" sz="2400" smtClean="0">
+              <a:solidFill>
+                <a:schemeClr val="bg1"/>
+              </a:solidFill>
+              <a:latin typeface="Courier New" panose="02070309020205020404" pitchFamily="49" charset="0"/>
+              <a:cs typeface="Courier New" panose="02070309020205020404" pitchFamily="49" charset="0"/>
+            </a:endParaRPr>
+          </a:p>
+          <a:p>
+            <a:pPr marL="0" indent="0" algn="ctr">
+              <a:buNone/>
+            </a:pPr>
+            <a:r>
+              <a:rPr lang="en-US" sz="2400" smtClean="0">
+                <a:solidFill>
+                  <a:schemeClr val="bg1"/>
+                </a:solidFill>
+                <a:latin typeface="Courier New" panose="02070309020205020404" pitchFamily="49" charset="0"/>
+                <a:cs typeface="Courier New" panose="02070309020205020404" pitchFamily="49" charset="0"/>
+              </a:rPr>
+              <a:t>thomas.bosch@gesis.org</a:t>
+            </a:r>
+          </a:p>
+          <a:p>
+            <a:pPr marL="0" indent="0" algn="ctr">
+              <a:buNone/>
+            </a:pPr>
+            <a:r>
+              <a:rPr lang="de-DE" sz="2400" smtClean="0">
+                <a:solidFill>
+                  <a:schemeClr val="bg1"/>
+                </a:solidFill>
+                <a:latin typeface="Courier New" panose="02070309020205020404" pitchFamily="49" charset="0"/>
+                <a:cs typeface="Courier New" panose="02070309020205020404" pitchFamily="49" charset="0"/>
+              </a:rPr>
+              <a:t>boschthomas.blogspot.com</a:t>
+            </a:r>
+          </a:p>
+          <a:p>
+            <a:pPr marL="0" indent="0" algn="ctr">
+              <a:buNone/>
+            </a:pPr>
+            <a:r>
+              <a:rPr lang="en-US" sz="2400" smtClean="0">
+                <a:solidFill>
+                  <a:schemeClr val="bg1"/>
+                </a:solidFill>
+                <a:latin typeface="Courier New" panose="02070309020205020404" pitchFamily="49" charset="0"/>
+                <a:cs typeface="Courier New" panose="02070309020205020404" pitchFamily="49" charset="0"/>
+              </a:rPr>
+              <a:t>https://github.com/boschthomas</a:t>
+            </a:r>
+          </a:p>
+          <a:p>
+            <a:endParaRPr lang="de-DE">
+              <a:solidFill>
+                <a:schemeClr val="bg1"/>
+              </a:solidFill>
+              <a:latin typeface="Courier New" panose="02070309020205020404" pitchFamily="49" charset="0"/>
+              <a:cs typeface="Courier New" panose="02070309020205020404" pitchFamily="49" charset="0"/>
+            </a:endParaRPr>
+          </a:p>
+          <a:p>
+            <a:endParaRPr lang="en-US">
+              <a:solidFill>
+                <a:schemeClr val="bg1"/>
               </a:solidFill>
             </a:endParaRPr>
           </a:p>
         </p:txBody>
       </p:sp>
     </p:spTree>
+    <p:extLst>
+      <p:ext uri="{BB962C8B-B14F-4D97-AF65-F5344CB8AC3E}">
+        <p14:creationId xmlns:p14="http://schemas.microsoft.com/office/powerpoint/2010/main" val="3589084990"/>
+      </p:ext>
+    </p:extLst>
   </p:cSld>
   <p:clrMapOvr>
     <a:masterClrMapping/>
@@ -7552,6 +8108,14 @@
 <file path=ppt/slides/slide10.xml><?xml version="1.0" encoding="utf-8"?>
 <p:sld xmlns:a="http://schemas.openxmlformats.org/drawingml/2006/main" xmlns:r="http://schemas.openxmlformats.org/officeDocument/2006/relationships" xmlns:p="http://schemas.openxmlformats.org/presentationml/2006/main">
   <p:cSld>
+    <p:bg>
+      <p:bgPr>
+        <a:solidFill>
+          <a:schemeClr val="tx1"/>
+        </a:solidFill>
+        <a:effectLst/>
+      </p:bgPr>
+    </p:bg>
     <p:spTree>
       <p:nvGrpSpPr>
         <p:cNvPr id="1" name=""/>
@@ -7566,51 +8130,190 @@
           <a:chExt cx="0" cy="0"/>
         </a:xfrm>
       </p:grpSpPr>
-      <p:pic>
-        <p:nvPicPr>
-          <p:cNvPr id="2050" name="Picture 2" descr="C:\Daten\Studium\Promotion\workshops\2013\SemStats\presentation\figures\1_200dpi.png"/>
-          <p:cNvPicPr>
-            <a:picLocks noChangeAspect="1" noChangeArrowheads="1"/>
-          </p:cNvPicPr>
-          <p:nvPr/>
-        </p:nvPicPr>
-        <p:blipFill>
-          <a:blip r:embed="rId3">
-            <a:extLst>
-              <a:ext uri="{28A0092B-C50C-407E-A947-70E740481C1C}">
-                <a14:useLocalDpi xmlns:a14="http://schemas.microsoft.com/office/drawing/2010/main" val="0"/>
-              </a:ext>
-            </a:extLst>
-          </a:blip>
-          <a:srcRect/>
-          <a:stretch>
-            <a:fillRect/>
-          </a:stretch>
-        </p:blipFill>
-        <p:spPr bwMode="auto">
+      <p:sp>
+        <p:nvSpPr>
+          <p:cNvPr id="5" name="Inhaltsplatzhalter 4"/>
+          <p:cNvSpPr>
+            <a:spLocks noGrp="1"/>
+          </p:cNvSpPr>
+          <p:nvPr>
+            <p:ph idx="1"/>
+          </p:nvPr>
+        </p:nvSpPr>
+        <p:spPr>
           <a:xfrm>
-            <a:off x="2339752" y="1759248"/>
-            <a:ext cx="4311401" cy="3325936"/>
+            <a:off x="179512" y="2431429"/>
+            <a:ext cx="8784976" cy="3589859"/>
           </a:xfrm>
-          <a:prstGeom prst="rect">
-            <a:avLst/>
-          </a:prstGeom>
-          <a:noFill/>
-          <a:extLst>
-            <a:ext uri="{909E8E84-426E-40DD-AFC4-6F175D3DCCD1}">
-              <a14:hiddenFill xmlns:a14="http://schemas.microsoft.com/office/drawing/2010/main">
-                <a:solidFill>
-                  <a:srgbClr val="FFFFFF"/>
-                </a:solidFill>
-              </a14:hiddenFill>
-            </a:ext>
-          </a:extLst>
         </p:spPr>
-      </p:pic>
+        <p:txBody>
+          <a:bodyPr>
+            <a:normAutofit/>
+          </a:bodyPr>
+          <a:lstStyle/>
+          <a:p>
+            <a:pPr marL="0" indent="0" algn="ctr">
+              <a:buNone/>
+            </a:pPr>
+            <a:r>
+              <a:rPr lang="de-DE" sz="3600" smtClean="0">
+                <a:solidFill>
+                  <a:schemeClr val="bg1"/>
+                </a:solidFill>
+                <a:latin typeface="Courier New" panose="02070309020205020404" pitchFamily="49" charset="0"/>
+                <a:cs typeface="Courier New" panose="02070309020205020404" pitchFamily="49" charset="0"/>
+              </a:rPr>
+              <a:t>validator</a:t>
+            </a:r>
+            <a:endParaRPr lang="en-US" sz="3600" smtClean="0">
+              <a:solidFill>
+                <a:schemeClr val="bg1"/>
+              </a:solidFill>
+              <a:latin typeface="Courier New" panose="02070309020205020404" pitchFamily="49" charset="0"/>
+              <a:cs typeface="Courier New" panose="02070309020205020404" pitchFamily="49" charset="0"/>
+            </a:endParaRPr>
+          </a:p>
+          <a:p>
+            <a:pPr marL="0" indent="0" algn="ctr">
+              <a:buNone/>
+            </a:pPr>
+            <a:r>
+              <a:rPr lang="en-US">
+                <a:solidFill>
+                  <a:srgbClr val="558ED5"/>
+                </a:solidFill>
+                <a:latin typeface="Courier New" panose="02070309020205020404" pitchFamily="49" charset="0"/>
+                <a:cs typeface="Courier New" panose="02070309020205020404" pitchFamily="49" charset="0"/>
+                <a:hlinkClick r:id="rId3" action="ppaction://hlinkfile"/>
+              </a:rPr>
+              <a:t>purl.org/net/rdfval-demo</a:t>
+            </a:r>
+            <a:endParaRPr lang="en-US">
+              <a:solidFill>
+                <a:srgbClr val="558ED5"/>
+              </a:solidFill>
+              <a:latin typeface="Courier New" panose="02070309020205020404" pitchFamily="49" charset="0"/>
+              <a:cs typeface="Courier New" panose="02070309020205020404" pitchFamily="49" charset="0"/>
+            </a:endParaRPr>
+          </a:p>
+          <a:p>
+            <a:pPr marL="0" indent="0" algn="ctr">
+              <a:buNone/>
+            </a:pPr>
+            <a:endParaRPr lang="de-DE">
+              <a:solidFill>
+                <a:schemeClr val="bg1"/>
+              </a:solidFill>
+              <a:latin typeface="Courier New" panose="02070309020205020404" pitchFamily="49" charset="0"/>
+              <a:cs typeface="Courier New" panose="02070309020205020404" pitchFamily="49" charset="0"/>
+            </a:endParaRPr>
+          </a:p>
+          <a:p>
+            <a:pPr marL="0" indent="0" algn="ctr">
+              <a:buNone/>
+            </a:pPr>
+            <a:r>
+              <a:rPr lang="de-DE" sz="3600" smtClean="0">
+                <a:solidFill>
+                  <a:schemeClr val="bg1"/>
+                </a:solidFill>
+                <a:latin typeface="Courier New" panose="02070309020205020404" pitchFamily="49" charset="0"/>
+                <a:cs typeface="Courier New" panose="02070309020205020404" pitchFamily="49" charset="0"/>
+              </a:rPr>
+              <a:t>executable examples</a:t>
+            </a:r>
+          </a:p>
+          <a:p>
+            <a:pPr marL="0" indent="0" algn="ctr">
+              <a:buNone/>
+            </a:pPr>
+            <a:r>
+              <a:rPr lang="en-US" smtClean="0">
+                <a:solidFill>
+                  <a:srgbClr val="558ED5"/>
+                </a:solidFill>
+                <a:latin typeface="Courier New" panose="02070309020205020404" pitchFamily="49" charset="0"/>
+                <a:cs typeface="Courier New" panose="02070309020205020404" pitchFamily="49" charset="0"/>
+                <a:hlinkClick r:id="rId4"/>
+              </a:rPr>
+              <a:t>R-68-REQUIRED-PROPERTIES</a:t>
+            </a:r>
+            <a:r>
+              <a:rPr lang="en-US" smtClean="0">
+                <a:solidFill>
+                  <a:schemeClr val="bg1"/>
+                </a:solidFill>
+                <a:latin typeface="Courier New" panose="02070309020205020404" pitchFamily="49" charset="0"/>
+                <a:cs typeface="Courier New" panose="02070309020205020404" pitchFamily="49" charset="0"/>
+                <a:hlinkClick r:id="rId5"/>
+              </a:rPr>
+              <a:t> </a:t>
+            </a:r>
+            <a:endParaRPr lang="en-US" smtClean="0">
+              <a:solidFill>
+                <a:schemeClr val="bg1"/>
+              </a:solidFill>
+              <a:latin typeface="Courier New" panose="02070309020205020404" pitchFamily="49" charset="0"/>
+              <a:cs typeface="Courier New" panose="02070309020205020404" pitchFamily="49" charset="0"/>
+            </a:endParaRPr>
+          </a:p>
+          <a:p>
+            <a:pPr marL="0" indent="0" algn="ctr">
+              <a:buNone/>
+            </a:pPr>
+            <a:endParaRPr lang="de-DE" smtClean="0">
+              <a:latin typeface="Courier New" panose="02070309020205020404" pitchFamily="49" charset="0"/>
+              <a:cs typeface="Courier New" panose="02070309020205020404" pitchFamily="49" charset="0"/>
+            </a:endParaRPr>
+          </a:p>
+        </p:txBody>
+      </p:sp>
+      <p:sp>
+        <p:nvSpPr>
+          <p:cNvPr id="6" name="Titel 1"/>
+          <p:cNvSpPr>
+            <a:spLocks noGrp="1"/>
+          </p:cNvSpPr>
+          <p:nvPr>
+            <p:ph type="title"/>
+          </p:nvPr>
+        </p:nvSpPr>
+        <p:spPr>
+          <a:xfrm>
+            <a:off x="457200" y="274638"/>
+            <a:ext cx="8229600" cy="1143000"/>
+          </a:xfrm>
+        </p:spPr>
+        <p:txBody>
+          <a:bodyPr>
+            <a:normAutofit/>
+          </a:bodyPr>
+          <a:lstStyle/>
+          <a:p>
+            <a:r>
+              <a:rPr lang="de-DE" sz="5400" smtClean="0">
+                <a:solidFill>
+                  <a:schemeClr val="bg1"/>
+                </a:solidFill>
+                <a:latin typeface="Courier New" panose="02070309020205020404" pitchFamily="49" charset="0"/>
+                <a:cs typeface="Courier New" panose="02070309020205020404" pitchFamily="49" charset="0"/>
+              </a:rPr>
+              <a:t>validation</a:t>
+            </a:r>
+            <a:endParaRPr lang="en-US" sz="5400">
+              <a:solidFill>
+                <a:schemeClr val="bg1"/>
+              </a:solidFill>
+              <a:latin typeface="Courier New" panose="02070309020205020404" pitchFamily="49" charset="0"/>
+              <a:cs typeface="Courier New" panose="02070309020205020404" pitchFamily="49" charset="0"/>
+            </a:endParaRPr>
+          </a:p>
+        </p:txBody>
+      </p:sp>
     </p:spTree>
     <p:extLst>
       <p:ext uri="{BB962C8B-B14F-4D97-AF65-F5344CB8AC3E}">
-        <p14:creationId xmlns:p14="http://schemas.microsoft.com/office/powerpoint/2010/main" val="325577274"/>
+        <p14:creationId xmlns:p14="http://schemas.microsoft.com/office/powerpoint/2010/main" val="1822371734"/>
       </p:ext>
     </p:extLst>
   </p:cSld>
@@ -7630,6 +8333,14 @@
 <file path=ppt/slides/slide11.xml><?xml version="1.0" encoding="utf-8"?>
 <p:sld xmlns:a="http://schemas.openxmlformats.org/drawingml/2006/main" xmlns:r="http://schemas.openxmlformats.org/officeDocument/2006/relationships" xmlns:p="http://schemas.openxmlformats.org/presentationml/2006/main">
   <p:cSld>
+    <p:bg>
+      <p:bgPr>
+        <a:solidFill>
+          <a:schemeClr val="tx1"/>
+        </a:solidFill>
+        <a:effectLst/>
+      </p:bgPr>
+    </p:bg>
     <p:spTree>
       <p:nvGrpSpPr>
         <p:cNvPr id="1" name=""/>
@@ -7646,18 +8357,18 @@
       </p:grpSpPr>
       <p:sp>
         <p:nvSpPr>
-          <p:cNvPr id="2" name="Titel 1"/>
-          <p:cNvSpPr>
-            <a:spLocks noGrp="1"/>
-          </p:cNvSpPr>
-          <p:nvPr>
-            <p:ph type="title"/>
+          <p:cNvPr id="5" name="Inhaltsplatzhalter 4"/>
+          <p:cNvSpPr>
+            <a:spLocks noGrp="1"/>
+          </p:cNvSpPr>
+          <p:nvPr>
+            <p:ph idx="1"/>
           </p:nvPr>
         </p:nvSpPr>
         <p:spPr>
           <a:xfrm>
-            <a:off x="0" y="0"/>
-            <a:ext cx="9144000" cy="6858000"/>
+            <a:off x="179512" y="2719461"/>
+            <a:ext cx="8784976" cy="1789659"/>
           </a:xfrm>
         </p:spPr>
         <p:txBody>
@@ -7666,52 +8377,108 @@
           </a:bodyPr>
           <a:lstStyle/>
           <a:p>
-            <a:r>
-              <a:rPr lang="de-DE" sz="6000" smtClean="0"/>
-              <a:t>Which </a:t>
-            </a:r>
-            <a:br>
-              <a:rPr lang="de-DE" sz="6000" smtClean="0"/>
-            </a:br>
-            <a:r>
-              <a:rPr lang="de-DE" sz="11500" b="1" smtClean="0">
-                <a:solidFill>
-                  <a:srgbClr val="0000CC"/>
-                </a:solidFill>
-              </a:rPr>
-              <a:t>microdata</a:t>
-            </a:r>
-            <a:r>
-              <a:rPr lang="de-DE" sz="6000" smtClean="0"/>
-              <a:t> </a:t>
-            </a:r>
-            <a:r>
-              <a:rPr lang="de-DE" sz="4800" smtClean="0"/>
-              <a:t>does exist</a:t>
-            </a:r>
-            <a:r>
-              <a:rPr lang="de-DE" sz="6000" smtClean="0"/>
-              <a:t/>
-            </a:r>
-            <a:br>
-              <a:rPr lang="de-DE" sz="6000" smtClean="0"/>
-            </a:br>
-            <a:r>
-              <a:rPr lang="de-DE" sz="6000" smtClean="0"/>
-              <a:t>according </a:t>
-            </a:r>
-            <a:r>
-              <a:rPr lang="de-DE" sz="6000"/>
-              <a:t>to specific </a:t>
-            </a:r>
-            <a:r>
-              <a:rPr lang="de-DE" sz="8000" b="1" smtClean="0"/>
-              <a:t>metadata?</a:t>
-            </a:r>
-            <a:endParaRPr lang="en-US" sz="23900" b="1">
+            <a:pPr marL="0" indent="0" algn="ctr">
+              <a:buNone/>
+            </a:pPr>
+            <a:r>
+              <a:rPr lang="de-DE" sz="3600" smtClean="0">
+                <a:solidFill>
+                  <a:schemeClr val="bg1"/>
+                </a:solidFill>
+                <a:latin typeface="Courier New" panose="02070309020205020404" pitchFamily="49" charset="0"/>
+                <a:cs typeface="Courier New" panose="02070309020205020404" pitchFamily="49" charset="0"/>
+              </a:rPr>
+              <a:t>RDF validation database</a:t>
+            </a:r>
+            <a:endParaRPr lang="en-US" sz="3600" smtClean="0">
               <a:solidFill>
-                <a:srgbClr val="0000CC"/>
+                <a:schemeClr val="bg1"/>
               </a:solidFill>
+              <a:latin typeface="Courier New" panose="02070309020205020404" pitchFamily="49" charset="0"/>
+              <a:cs typeface="Courier New" panose="02070309020205020404" pitchFamily="49" charset="0"/>
+            </a:endParaRPr>
+          </a:p>
+          <a:p>
+            <a:pPr marL="0" indent="0" algn="ctr">
+              <a:buNone/>
+            </a:pPr>
+            <a:r>
+              <a:rPr lang="en-US">
+                <a:solidFill>
+                  <a:srgbClr val="558ED5"/>
+                </a:solidFill>
+                <a:latin typeface="Courier New" panose="02070309020205020404" pitchFamily="49" charset="0"/>
+                <a:cs typeface="Courier New" panose="02070309020205020404" pitchFamily="49" charset="0"/>
+              </a:rPr>
+              <a:t>purl.org/net/rdf-validation</a:t>
+            </a:r>
+            <a:endParaRPr lang="de-DE">
+              <a:solidFill>
+                <a:schemeClr val="bg1"/>
+              </a:solidFill>
+              <a:latin typeface="Courier New" panose="02070309020205020404" pitchFamily="49" charset="0"/>
+              <a:cs typeface="Courier New" panose="02070309020205020404" pitchFamily="49" charset="0"/>
+            </a:endParaRPr>
+          </a:p>
+          <a:p>
+            <a:pPr marL="0" indent="0" algn="ctr">
+              <a:buNone/>
+            </a:pPr>
+            <a:endParaRPr lang="de-DE" smtClean="0">
+              <a:latin typeface="Courier New" panose="02070309020205020404" pitchFamily="49" charset="0"/>
+              <a:cs typeface="Courier New" panose="02070309020205020404" pitchFamily="49" charset="0"/>
+            </a:endParaRPr>
+          </a:p>
+        </p:txBody>
+      </p:sp>
+      <p:sp>
+        <p:nvSpPr>
+          <p:cNvPr id="6" name="Titel 1"/>
+          <p:cNvSpPr>
+            <a:spLocks noGrp="1"/>
+          </p:cNvSpPr>
+          <p:nvPr>
+            <p:ph type="title"/>
+          </p:nvPr>
+        </p:nvSpPr>
+        <p:spPr>
+          <a:xfrm>
+            <a:off x="457200" y="274638"/>
+            <a:ext cx="8229600" cy="1143000"/>
+          </a:xfrm>
+        </p:spPr>
+        <p:txBody>
+          <a:bodyPr>
+            <a:normAutofit/>
+          </a:bodyPr>
+          <a:lstStyle/>
+          <a:p>
+            <a:r>
+              <a:rPr lang="de-DE" sz="5400">
+                <a:solidFill>
+                  <a:schemeClr val="bg1"/>
+                </a:solidFill>
+                <a:latin typeface="Courier New" panose="02070309020205020404" pitchFamily="49" charset="0"/>
+                <a:cs typeface="Courier New" panose="02070309020205020404" pitchFamily="49" charset="0"/>
+              </a:rPr>
+              <a:t>h</a:t>
+            </a:r>
+            <a:r>
+              <a:rPr lang="de-DE" sz="5400" smtClean="0">
+                <a:solidFill>
+                  <a:schemeClr val="bg1"/>
+                </a:solidFill>
+                <a:latin typeface="Courier New" panose="02070309020205020404" pitchFamily="49" charset="0"/>
+                <a:cs typeface="Courier New" panose="02070309020205020404" pitchFamily="49" charset="0"/>
+              </a:rPr>
+              <a:t>ow to contribute?</a:t>
+            </a:r>
+            <a:endParaRPr lang="en-US" sz="5400">
+              <a:solidFill>
+                <a:schemeClr val="bg1"/>
+              </a:solidFill>
+              <a:latin typeface="Courier New" panose="02070309020205020404" pitchFamily="49" charset="0"/>
+              <a:cs typeface="Courier New" panose="02070309020205020404" pitchFamily="49" charset="0"/>
             </a:endParaRPr>
           </a:p>
         </p:txBody>
@@ -7719,7 +8486,7 @@
     </p:spTree>
     <p:extLst>
       <p:ext uri="{BB962C8B-B14F-4D97-AF65-F5344CB8AC3E}">
-        <p14:creationId xmlns:p14="http://schemas.microsoft.com/office/powerpoint/2010/main" val="708572129"/>
+        <p14:creationId xmlns:p14="http://schemas.microsoft.com/office/powerpoint/2010/main" val="809395859"/>
       </p:ext>
     </p:extLst>
   </p:cSld>
@@ -7739,6 +8506,14 @@
 <file path=ppt/slides/slide12.xml><?xml version="1.0" encoding="utf-8"?>
 <p:sld xmlns:a="http://schemas.openxmlformats.org/drawingml/2006/main" xmlns:r="http://schemas.openxmlformats.org/officeDocument/2006/relationships" xmlns:p="http://schemas.openxmlformats.org/presentationml/2006/main">
   <p:cSld>
+    <p:bg>
+      <p:bgPr>
+        <a:solidFill>
+          <a:schemeClr val="tx1"/>
+        </a:solidFill>
+        <a:effectLst/>
+      </p:bgPr>
+    </p:bg>
     <p:spTree>
       <p:nvGrpSpPr>
         <p:cNvPr id="1" name=""/>
@@ -7753,51 +8528,109 @@
           <a:chExt cx="0" cy="0"/>
         </a:xfrm>
       </p:grpSpPr>
-      <p:pic>
-        <p:nvPicPr>
-          <p:cNvPr id="3074" name="Picture 2" descr="C:\Daten\Studium\Promotion\workshops\2013\SemStats\presentation\figures\2_200dpi.png"/>
-          <p:cNvPicPr>
-            <a:picLocks noChangeAspect="1" noChangeArrowheads="1"/>
-          </p:cNvPicPr>
-          <p:nvPr/>
-        </p:nvPicPr>
-        <p:blipFill>
-          <a:blip r:embed="rId2">
-            <a:extLst>
-              <a:ext uri="{28A0092B-C50C-407E-A947-70E740481C1C}">
-                <a14:useLocalDpi xmlns:a14="http://schemas.microsoft.com/office/drawing/2010/main" val="0"/>
-              </a:ext>
-            </a:extLst>
-          </a:blip>
-          <a:srcRect/>
-          <a:stretch>
-            <a:fillRect/>
-          </a:stretch>
-        </p:blipFill>
-        <p:spPr bwMode="auto">
+      <p:sp>
+        <p:nvSpPr>
+          <p:cNvPr id="2" name="Titel 1"/>
+          <p:cNvSpPr>
+            <a:spLocks noGrp="1"/>
+          </p:cNvSpPr>
+          <p:nvPr>
+            <p:ph type="title"/>
+          </p:nvPr>
+        </p:nvSpPr>
+        <p:spPr>
           <a:xfrm>
-            <a:off x="35496" y="1916832"/>
-            <a:ext cx="9042616" cy="3087117"/>
+            <a:off x="457200" y="1637928"/>
+            <a:ext cx="8229600" cy="1143000"/>
           </a:xfrm>
-          <a:prstGeom prst="rect">
-            <a:avLst/>
-          </a:prstGeom>
-          <a:noFill/>
-          <a:extLst>
-            <a:ext uri="{909E8E84-426E-40DD-AFC4-6F175D3DCCD1}">
-              <a14:hiddenFill xmlns:a14="http://schemas.microsoft.com/office/drawing/2010/main">
-                <a:solidFill>
-                  <a:srgbClr val="FFFFFF"/>
-                </a:solidFill>
-              </a14:hiddenFill>
-            </a:ext>
-          </a:extLst>
         </p:spPr>
-      </p:pic>
+        <p:txBody>
+          <a:bodyPr>
+            <a:noAutofit/>
+          </a:bodyPr>
+          <a:lstStyle/>
+          <a:p>
+            <a:r>
+              <a:rPr lang="en-US" sz="4800" smtClean="0">
+                <a:solidFill>
+                  <a:srgbClr val="558ED5"/>
+                </a:solidFill>
+                <a:latin typeface="Courier New" panose="02070309020205020404" pitchFamily="49" charset="0"/>
+                <a:cs typeface="Courier New" panose="02070309020205020404" pitchFamily="49" charset="0"/>
+                <a:hlinkClick r:id="rId2"/>
+              </a:rPr>
+              <a:t>R-13-DISJOINT-GROUP-OF-PROPERTIES-CLASS-SPECIFIC</a:t>
+            </a:r>
+            <a:endParaRPr lang="en-US" sz="4700">
+              <a:solidFill>
+                <a:srgbClr val="558ED5"/>
+              </a:solidFill>
+              <a:latin typeface="Courier New" panose="02070309020205020404" pitchFamily="49" charset="0"/>
+              <a:cs typeface="Courier New" panose="02070309020205020404" pitchFamily="49" charset="0"/>
+            </a:endParaRPr>
+          </a:p>
+        </p:txBody>
+      </p:sp>
+      <p:sp>
+        <p:nvSpPr>
+          <p:cNvPr id="3" name="Inhaltsplatzhalter 2"/>
+          <p:cNvSpPr>
+            <a:spLocks noGrp="1"/>
+          </p:cNvSpPr>
+          <p:nvPr>
+            <p:ph idx="1"/>
+          </p:nvPr>
+        </p:nvSpPr>
+        <p:spPr>
+          <a:xfrm>
+            <a:off x="457200" y="4476253"/>
+            <a:ext cx="8229600" cy="2193107"/>
+          </a:xfrm>
+        </p:spPr>
+        <p:txBody>
+          <a:bodyPr/>
+          <a:lstStyle/>
+          <a:p>
+            <a:pPr marL="0" indent="0" algn="ctr">
+              <a:buNone/>
+            </a:pPr>
+            <a:r>
+              <a:rPr lang="en-US" smtClean="0">
+                <a:solidFill>
+                  <a:srgbClr val="558ED5"/>
+                </a:solidFill>
+                <a:latin typeface="Courier New" panose="02070309020205020404" pitchFamily="49" charset="0"/>
+                <a:cs typeface="Courier New" panose="02070309020205020404" pitchFamily="49" charset="0"/>
+              </a:rPr>
+              <a:t>ShEx</a:t>
+            </a:r>
+            <a:r>
+              <a:rPr lang="en-US" smtClean="0">
+                <a:solidFill>
+                  <a:schemeClr val="bg1"/>
+                </a:solidFill>
+                <a:latin typeface="Courier New" panose="02070309020205020404" pitchFamily="49" charset="0"/>
+                <a:cs typeface="Courier New" panose="02070309020205020404" pitchFamily="49" charset="0"/>
+              </a:rPr>
+              <a:t>, SPIN</a:t>
+            </a:r>
+            <a:r>
+              <a:rPr lang="en-US">
+                <a:solidFill>
+                  <a:schemeClr val="bg1"/>
+                </a:solidFill>
+                <a:latin typeface="Courier New" panose="02070309020205020404" pitchFamily="49" charset="0"/>
+                <a:cs typeface="Courier New" panose="02070309020205020404" pitchFamily="49" charset="0"/>
+              </a:rPr>
+              <a:t>, SPARQL</a:t>
+            </a:r>
+          </a:p>
+        </p:txBody>
+      </p:sp>
     </p:spTree>
     <p:extLst>
       <p:ext uri="{BB962C8B-B14F-4D97-AF65-F5344CB8AC3E}">
-        <p14:creationId xmlns:p14="http://schemas.microsoft.com/office/powerpoint/2010/main" val="1436666935"/>
+        <p14:creationId xmlns:p14="http://schemas.microsoft.com/office/powerpoint/2010/main" val="261377265"/>
       </p:ext>
     </p:extLst>
   </p:cSld>
@@ -7817,6 +8650,14 @@
 <file path=ppt/slides/slide13.xml><?xml version="1.0" encoding="utf-8"?>
 <p:sld xmlns:a="http://schemas.openxmlformats.org/drawingml/2006/main" xmlns:r="http://schemas.openxmlformats.org/officeDocument/2006/relationships" xmlns:p="http://schemas.openxmlformats.org/presentationml/2006/main">
   <p:cSld>
+    <p:bg>
+      <p:bgPr>
+        <a:solidFill>
+          <a:schemeClr val="tx1"/>
+        </a:solidFill>
+        <a:effectLst/>
+      </p:bgPr>
+    </p:bg>
     <p:spTree>
       <p:nvGrpSpPr>
         <p:cNvPr id="1" name=""/>
@@ -7833,7 +8674,7 @@
       </p:grpSpPr>
       <p:sp>
         <p:nvSpPr>
-          <p:cNvPr id="2" name="Titel 1"/>
+          <p:cNvPr id="4" name="Titel 3"/>
           <p:cNvSpPr>
             <a:spLocks noGrp="1"/>
           </p:cNvSpPr>
@@ -7841,12 +8682,7 @@
             <p:ph type="title"/>
           </p:nvPr>
         </p:nvSpPr>
-        <p:spPr>
-          <a:xfrm>
-            <a:off x="0" y="0"/>
-            <a:ext cx="9144000" cy="6858000"/>
-          </a:xfrm>
-        </p:spPr>
+        <p:spPr/>
         <p:txBody>
           <a:bodyPr>
             <a:normAutofit/>
@@ -7854,52 +8690,289 @@
           <a:lstStyle/>
           <a:p>
             <a:r>
-              <a:rPr lang="de-DE" sz="6000" smtClean="0"/>
-              <a:t>Which </a:t>
-            </a:r>
-            <a:r>
-              <a:rPr lang="de-DE" sz="14400" b="1">
-                <a:solidFill>
-                  <a:srgbClr val="0000CC"/>
-                </a:solidFill>
-              </a:rPr>
-              <a:t>datasets</a:t>
-            </a:r>
-            <a:r>
-              <a:rPr lang="de-DE" sz="6000"/>
-              <a:t> </a:t>
-            </a:r>
-            <a:r>
-              <a:rPr lang="de-DE" sz="6000" smtClean="0"/>
-              <a:t/>
-            </a:r>
-            <a:br>
-              <a:rPr lang="de-DE" sz="6000" smtClean="0"/>
-            </a:br>
-            <a:r>
-              <a:rPr lang="de-DE" sz="6000" smtClean="0"/>
-              <a:t>are </a:t>
-            </a:r>
-            <a:r>
-              <a:rPr lang="de-DE" sz="6600" b="1"/>
-              <a:t>associated</a:t>
-            </a:r>
-            <a:r>
-              <a:rPr lang="de-DE" sz="6000"/>
-              <a:t> with the </a:t>
-            </a:r>
-            <a:r>
-              <a:rPr lang="de-DE" sz="8800" b="1">
-                <a:solidFill>
-                  <a:srgbClr val="0000CC"/>
-                </a:solidFill>
-              </a:rPr>
-              <a:t>microdata?</a:t>
-            </a:r>
-            <a:endParaRPr lang="en-US" sz="6000" b="1">
+              <a:rPr lang="de-DE" sz="5400" smtClean="0">
+                <a:solidFill>
+                  <a:schemeClr val="bg1"/>
+                </a:solidFill>
+                <a:latin typeface="Courier New" panose="02070309020205020404" pitchFamily="49" charset="0"/>
+                <a:cs typeface="Courier New" panose="02070309020205020404" pitchFamily="49" charset="0"/>
+              </a:rPr>
+              <a:t>constraint</a:t>
+            </a:r>
+            <a:endParaRPr lang="en-US" sz="5400">
               <a:solidFill>
-                <a:srgbClr val="0000CC"/>
+                <a:schemeClr val="bg1"/>
               </a:solidFill>
+              <a:latin typeface="Courier New" panose="02070309020205020404" pitchFamily="49" charset="0"/>
+              <a:cs typeface="Courier New" panose="02070309020205020404" pitchFamily="49" charset="0"/>
+            </a:endParaRPr>
+          </a:p>
+        </p:txBody>
+      </p:sp>
+      <p:sp>
+        <p:nvSpPr>
+          <p:cNvPr id="5" name="Inhaltsplatzhalter 4"/>
+          <p:cNvSpPr>
+            <a:spLocks noGrp="1"/>
+          </p:cNvSpPr>
+          <p:nvPr>
+            <p:ph idx="1"/>
+          </p:nvPr>
+        </p:nvSpPr>
+        <p:spPr>
+          <a:xfrm>
+            <a:off x="457200" y="1744216"/>
+            <a:ext cx="8229600" cy="4997152"/>
+          </a:xfrm>
+        </p:spPr>
+        <p:txBody>
+          <a:bodyPr>
+            <a:noAutofit/>
+          </a:bodyPr>
+          <a:lstStyle/>
+          <a:p>
+            <a:pPr marL="0" indent="0">
+              <a:buNone/>
+            </a:pPr>
+            <a:r>
+              <a:rPr lang="en-US" sz="2800">
+                <a:solidFill>
+                  <a:schemeClr val="bg1"/>
+                </a:solidFill>
+                <a:latin typeface="Courier New" panose="02070309020205020404" pitchFamily="49" charset="0"/>
+                <a:cs typeface="Courier New" panose="02070309020205020404" pitchFamily="49" charset="0"/>
+              </a:rPr>
+              <a:t>&lt;Human&gt; {                           </a:t>
+            </a:r>
+          </a:p>
+          <a:p>
+            <a:pPr marL="0" indent="0">
+              <a:buNone/>
+            </a:pPr>
+            <a:r>
+              <a:rPr lang="en-US" sz="2800">
+                <a:latin typeface="Courier New" panose="02070309020205020404" pitchFamily="49" charset="0"/>
+                <a:cs typeface="Courier New" panose="02070309020205020404" pitchFamily="49" charset="0"/>
+              </a:rPr>
+              <a:t>  </a:t>
+            </a:r>
+            <a:r>
+              <a:rPr lang="en-US" sz="2800" b="1" smtClean="0">
+                <a:solidFill>
+                  <a:srgbClr val="558ED5"/>
+                </a:solidFill>
+                <a:latin typeface="Courier New" panose="02070309020205020404" pitchFamily="49" charset="0"/>
+                <a:cs typeface="Courier New" panose="02070309020205020404" pitchFamily="49" charset="0"/>
+              </a:rPr>
+              <a:t>(</a:t>
+            </a:r>
+            <a:r>
+              <a:rPr lang="en-US" sz="2800" smtClean="0">
+                <a:latin typeface="Courier New" panose="02070309020205020404" pitchFamily="49" charset="0"/>
+                <a:cs typeface="Courier New" panose="02070309020205020404" pitchFamily="49" charset="0"/>
+              </a:rPr>
+              <a:t>                                    </a:t>
+            </a:r>
+            <a:endParaRPr lang="en-US" sz="2800">
+              <a:latin typeface="Courier New" panose="02070309020205020404" pitchFamily="49" charset="0"/>
+              <a:cs typeface="Courier New" panose="02070309020205020404" pitchFamily="49" charset="0"/>
+            </a:endParaRPr>
+          </a:p>
+          <a:p>
+            <a:pPr marL="0" indent="0">
+              <a:buNone/>
+            </a:pPr>
+            <a:r>
+              <a:rPr lang="en-US" sz="2800">
+                <a:latin typeface="Courier New" panose="02070309020205020404" pitchFamily="49" charset="0"/>
+                <a:cs typeface="Courier New" panose="02070309020205020404" pitchFamily="49" charset="0"/>
+              </a:rPr>
+              <a:t>      </a:t>
+            </a:r>
+            <a:r>
+              <a:rPr lang="en-US" sz="2800" smtClean="0">
+                <a:solidFill>
+                  <a:schemeClr val="bg1"/>
+                </a:solidFill>
+                <a:latin typeface="Courier New" panose="02070309020205020404" pitchFamily="49" charset="0"/>
+                <a:cs typeface="Courier New" panose="02070309020205020404" pitchFamily="49" charset="0"/>
+              </a:rPr>
+              <a:t>foaf:name </a:t>
+            </a:r>
+            <a:r>
+              <a:rPr lang="en-US" sz="2800">
+                <a:solidFill>
+                  <a:schemeClr val="bg1"/>
+                </a:solidFill>
+                <a:latin typeface="Courier New" panose="02070309020205020404" pitchFamily="49" charset="0"/>
+                <a:cs typeface="Courier New" panose="02070309020205020404" pitchFamily="49" charset="0"/>
+              </a:rPr>
+              <a:t>xsd:string              </a:t>
+            </a:r>
+          </a:p>
+          <a:p>
+            <a:pPr marL="0" indent="0">
+              <a:buNone/>
+            </a:pPr>
+            <a:r>
+              <a:rPr lang="en-US" sz="2800">
+                <a:latin typeface="Courier New" panose="02070309020205020404" pitchFamily="49" charset="0"/>
+                <a:cs typeface="Courier New" panose="02070309020205020404" pitchFamily="49" charset="0"/>
+              </a:rPr>
+              <a:t>  </a:t>
+            </a:r>
+            <a:r>
+              <a:rPr lang="en-US" sz="2800" smtClean="0">
+                <a:latin typeface="Courier New" panose="02070309020205020404" pitchFamily="49" charset="0"/>
+                <a:cs typeface="Courier New" panose="02070309020205020404" pitchFamily="49" charset="0"/>
+              </a:rPr>
+              <a:t>  </a:t>
+            </a:r>
+            <a:r>
+              <a:rPr lang="en-US" sz="2800" b="1" smtClean="0">
+                <a:solidFill>
+                  <a:srgbClr val="558ED5"/>
+                </a:solidFill>
+                <a:latin typeface="Courier New" panose="02070309020205020404" pitchFamily="49" charset="0"/>
+                <a:cs typeface="Courier New" panose="02070309020205020404" pitchFamily="49" charset="0"/>
+              </a:rPr>
+              <a:t>|</a:t>
+            </a:r>
+            <a:r>
+              <a:rPr lang="en-US" sz="2800" smtClean="0">
+                <a:latin typeface="Courier New" panose="02070309020205020404" pitchFamily="49" charset="0"/>
+                <a:cs typeface="Courier New" panose="02070309020205020404" pitchFamily="49" charset="0"/>
+              </a:rPr>
+              <a:t>                                   </a:t>
+            </a:r>
+            <a:endParaRPr lang="en-US" sz="2800">
+              <a:latin typeface="Courier New" panose="02070309020205020404" pitchFamily="49" charset="0"/>
+              <a:cs typeface="Courier New" panose="02070309020205020404" pitchFamily="49" charset="0"/>
+            </a:endParaRPr>
+          </a:p>
+          <a:p>
+            <a:pPr marL="0" indent="0">
+              <a:buNone/>
+            </a:pPr>
+            <a:r>
+              <a:rPr lang="en-US" sz="2800">
+                <a:latin typeface="Courier New" panose="02070309020205020404" pitchFamily="49" charset="0"/>
+                <a:cs typeface="Courier New" panose="02070309020205020404" pitchFamily="49" charset="0"/>
+              </a:rPr>
+              <a:t>    </a:t>
+            </a:r>
+            <a:r>
+              <a:rPr lang="en-US" sz="2800" smtClean="0">
+                <a:latin typeface="Courier New" panose="02070309020205020404" pitchFamily="49" charset="0"/>
+                <a:cs typeface="Courier New" panose="02070309020205020404" pitchFamily="49" charset="0"/>
+              </a:rPr>
+              <a:t>  </a:t>
+            </a:r>
+            <a:r>
+              <a:rPr lang="en-US" sz="2800" smtClean="0">
+                <a:solidFill>
+                  <a:schemeClr val="bg1"/>
+                </a:solidFill>
+                <a:latin typeface="Courier New" panose="02070309020205020404" pitchFamily="49" charset="0"/>
+                <a:cs typeface="Courier New" panose="02070309020205020404" pitchFamily="49" charset="0"/>
+              </a:rPr>
+              <a:t>foaf:givenName </a:t>
+            </a:r>
+            <a:r>
+              <a:rPr lang="en-US" sz="2800">
+                <a:solidFill>
+                  <a:schemeClr val="bg1"/>
+                </a:solidFill>
+                <a:latin typeface="Courier New" panose="02070309020205020404" pitchFamily="49" charset="0"/>
+                <a:cs typeface="Courier New" panose="02070309020205020404" pitchFamily="49" charset="0"/>
+              </a:rPr>
+              <a:t>xsd:string+ ,      </a:t>
+            </a:r>
+          </a:p>
+          <a:p>
+            <a:pPr marL="0" indent="0">
+              <a:buNone/>
+            </a:pPr>
+            <a:r>
+              <a:rPr lang="en-US" sz="2800">
+                <a:solidFill>
+                  <a:schemeClr val="bg1"/>
+                </a:solidFill>
+                <a:latin typeface="Courier New" panose="02070309020205020404" pitchFamily="49" charset="0"/>
+                <a:cs typeface="Courier New" panose="02070309020205020404" pitchFamily="49" charset="0"/>
+              </a:rPr>
+              <a:t>      </a:t>
+            </a:r>
+            <a:r>
+              <a:rPr lang="en-US" sz="2800" smtClean="0">
+                <a:solidFill>
+                  <a:schemeClr val="bg1"/>
+                </a:solidFill>
+                <a:latin typeface="Courier New" panose="02070309020205020404" pitchFamily="49" charset="0"/>
+                <a:cs typeface="Courier New" panose="02070309020205020404" pitchFamily="49" charset="0"/>
+              </a:rPr>
+              <a:t>foaf:familyName </a:t>
+            </a:r>
+            <a:r>
+              <a:rPr lang="en-US" sz="2800">
+                <a:solidFill>
+                  <a:schemeClr val="bg1"/>
+                </a:solidFill>
+                <a:latin typeface="Courier New" panose="02070309020205020404" pitchFamily="49" charset="0"/>
+                <a:cs typeface="Courier New" panose="02070309020205020404" pitchFamily="49" charset="0"/>
+              </a:rPr>
+              <a:t>xsd:string</a:t>
+            </a:r>
+          </a:p>
+          <a:p>
+            <a:pPr marL="0" indent="0">
+              <a:buNone/>
+            </a:pPr>
+            <a:r>
+              <a:rPr lang="en-US" sz="2800">
+                <a:latin typeface="Courier New" panose="02070309020205020404" pitchFamily="49" charset="0"/>
+                <a:cs typeface="Courier New" panose="02070309020205020404" pitchFamily="49" charset="0"/>
+              </a:rPr>
+              <a:t>  </a:t>
+            </a:r>
+            <a:r>
+              <a:rPr lang="en-US" sz="2800" b="1" smtClean="0">
+                <a:solidFill>
+                  <a:srgbClr val="558ED5"/>
+                </a:solidFill>
+                <a:latin typeface="Courier New" panose="02070309020205020404" pitchFamily="49" charset="0"/>
+                <a:cs typeface="Courier New" panose="02070309020205020404" pitchFamily="49" charset="0"/>
+              </a:rPr>
+              <a:t>)</a:t>
+            </a:r>
+            <a:endParaRPr lang="en-US" sz="2800" b="1">
+              <a:solidFill>
+                <a:srgbClr val="558ED5"/>
+              </a:solidFill>
+              <a:latin typeface="Courier New" panose="02070309020205020404" pitchFamily="49" charset="0"/>
+              <a:cs typeface="Courier New" panose="02070309020205020404" pitchFamily="49" charset="0"/>
+            </a:endParaRPr>
+          </a:p>
+          <a:p>
+            <a:pPr marL="0" indent="0">
+              <a:buNone/>
+            </a:pPr>
+            <a:r>
+              <a:rPr lang="en-US" sz="2800">
+                <a:solidFill>
+                  <a:schemeClr val="bg1"/>
+                </a:solidFill>
+                <a:latin typeface="Courier New" panose="02070309020205020404" pitchFamily="49" charset="0"/>
+                <a:cs typeface="Courier New" panose="02070309020205020404" pitchFamily="49" charset="0"/>
+              </a:rPr>
+              <a:t>}</a:t>
+            </a:r>
+            <a:endParaRPr lang="en-US" sz="2000">
+              <a:solidFill>
+                <a:schemeClr val="bg1"/>
+              </a:solidFill>
+              <a:latin typeface="Courier New" panose="02070309020205020404" pitchFamily="49" charset="0"/>
+              <a:cs typeface="Courier New" panose="02070309020205020404" pitchFamily="49" charset="0"/>
             </a:endParaRPr>
           </a:p>
         </p:txBody>
@@ -7907,7 +8980,7 @@
     </p:spTree>
     <p:extLst>
       <p:ext uri="{BB962C8B-B14F-4D97-AF65-F5344CB8AC3E}">
-        <p14:creationId xmlns:p14="http://schemas.microsoft.com/office/powerpoint/2010/main" val="3817537519"/>
+        <p14:creationId xmlns:p14="http://schemas.microsoft.com/office/powerpoint/2010/main" val="172392485"/>
       </p:ext>
     </p:extLst>
   </p:cSld>
@@ -7927,6 +9000,14 @@
 <file path=ppt/slides/slide14.xml><?xml version="1.0" encoding="utf-8"?>
 <p:sld xmlns:a="http://schemas.openxmlformats.org/drawingml/2006/main" xmlns:r="http://schemas.openxmlformats.org/officeDocument/2006/relationships" xmlns:p="http://schemas.openxmlformats.org/presentationml/2006/main">
   <p:cSld>
+    <p:bg>
+      <p:bgPr>
+        <a:solidFill>
+          <a:schemeClr val="tx1"/>
+        </a:solidFill>
+        <a:effectLst/>
+      </p:bgPr>
+    </p:bg>
     <p:spTree>
       <p:nvGrpSpPr>
         <p:cNvPr id="1" name=""/>
@@ -7941,51 +9022,218 @@
           <a:chExt cx="0" cy="0"/>
         </a:xfrm>
       </p:grpSpPr>
-      <p:pic>
-        <p:nvPicPr>
-          <p:cNvPr id="4098" name="Picture 2" descr="C:\Daten\Studium\Promotion\workshops\2013\SemStats\presentation\figures\3_200dpi.png"/>
-          <p:cNvPicPr>
-            <a:picLocks noChangeAspect="1" noChangeArrowheads="1"/>
-          </p:cNvPicPr>
-          <p:nvPr/>
-        </p:nvPicPr>
-        <p:blipFill>
-          <a:blip r:embed="rId2" cstate="print">
-            <a:extLst>
-              <a:ext uri="{28A0092B-C50C-407E-A947-70E740481C1C}">
-                <a14:useLocalDpi xmlns:a14="http://schemas.microsoft.com/office/drawing/2010/main" val="0"/>
-              </a:ext>
-            </a:extLst>
-          </a:blip>
-          <a:srcRect/>
-          <a:stretch>
-            <a:fillRect/>
-          </a:stretch>
-        </p:blipFill>
-        <p:spPr bwMode="auto">
+      <p:sp>
+        <p:nvSpPr>
+          <p:cNvPr id="5" name="Inhaltsplatzhalter 4"/>
+          <p:cNvSpPr>
+            <a:spLocks noGrp="1"/>
+          </p:cNvSpPr>
+          <p:nvPr>
+            <p:ph idx="1"/>
+          </p:nvPr>
+        </p:nvSpPr>
+        <p:spPr>
           <a:xfrm>
-            <a:off x="27953" y="346893"/>
-            <a:ext cx="9126711" cy="6322467"/>
+            <a:off x="107504" y="476672"/>
+            <a:ext cx="9036496" cy="6192688"/>
           </a:xfrm>
-          <a:prstGeom prst="rect">
-            <a:avLst/>
-          </a:prstGeom>
-          <a:noFill/>
-          <a:extLst>
-            <a:ext uri="{909E8E84-426E-40DD-AFC4-6F175D3DCCD1}">
-              <a14:hiddenFill xmlns:a14="http://schemas.microsoft.com/office/drawing/2010/main">
-                <a:solidFill>
-                  <a:srgbClr val="FFFFFF"/>
-                </a:solidFill>
-              </a14:hiddenFill>
-            </a:ext>
-          </a:extLst>
         </p:spPr>
-      </p:pic>
+        <p:txBody>
+          <a:bodyPr>
+            <a:normAutofit/>
+          </a:bodyPr>
+          <a:lstStyle/>
+          <a:p>
+            <a:pPr marL="0" indent="0" algn="ctr">
+              <a:buNone/>
+            </a:pPr>
+            <a:r>
+              <a:rPr lang="en-US" sz="5200" smtClean="0">
+                <a:solidFill>
+                  <a:schemeClr val="bg1"/>
+                </a:solidFill>
+                <a:latin typeface="Courier New" panose="02070309020205020404" pitchFamily="49" charset="0"/>
+                <a:cs typeface="Courier New" panose="02070309020205020404" pitchFamily="49" charset="0"/>
+              </a:rPr>
+              <a:t>matching </a:t>
+            </a:r>
+            <a:endParaRPr lang="en-US" sz="5200" smtClean="0">
+              <a:solidFill>
+                <a:schemeClr val="bg1"/>
+              </a:solidFill>
+              <a:latin typeface="Courier New" panose="02070309020205020404" pitchFamily="49" charset="0"/>
+              <a:cs typeface="Courier New" panose="02070309020205020404" pitchFamily="49" charset="0"/>
+            </a:endParaRPr>
+          </a:p>
+          <a:p>
+            <a:pPr marL="0" indent="0" algn="ctr">
+              <a:buNone/>
+            </a:pPr>
+            <a:r>
+              <a:rPr lang="en-US" sz="5200" smtClean="0">
+                <a:solidFill>
+                  <a:schemeClr val="bg1"/>
+                </a:solidFill>
+                <a:latin typeface="Courier New" panose="02070309020205020404" pitchFamily="49" charset="0"/>
+                <a:cs typeface="Courier New" panose="02070309020205020404" pitchFamily="49" charset="0"/>
+              </a:rPr>
+              <a:t>'Human</a:t>
+            </a:r>
+            <a:r>
+              <a:rPr lang="en-US" sz="5200">
+                <a:solidFill>
+                  <a:schemeClr val="bg1"/>
+                </a:solidFill>
+                <a:latin typeface="Courier New" panose="02070309020205020404" pitchFamily="49" charset="0"/>
+                <a:cs typeface="Courier New" panose="02070309020205020404" pitchFamily="49" charset="0"/>
+              </a:rPr>
+              <a:t>' </a:t>
+            </a:r>
+            <a:r>
+              <a:rPr lang="en-US" sz="5200" smtClean="0">
+                <a:solidFill>
+                  <a:schemeClr val="bg1"/>
+                </a:solidFill>
+                <a:latin typeface="Courier New" panose="02070309020205020404" pitchFamily="49" charset="0"/>
+                <a:cs typeface="Courier New" panose="02070309020205020404" pitchFamily="49" charset="0"/>
+              </a:rPr>
+              <a:t>shape</a:t>
+            </a:r>
+          </a:p>
+          <a:p>
+            <a:pPr marL="0" indent="0" algn="ctr">
+              <a:buNone/>
+            </a:pPr>
+            <a:endParaRPr lang="de-DE" sz="2000">
+              <a:solidFill>
+                <a:schemeClr val="bg1"/>
+              </a:solidFill>
+              <a:latin typeface="Courier New" panose="02070309020205020404" pitchFamily="49" charset="0"/>
+              <a:cs typeface="Courier New" panose="02070309020205020404" pitchFamily="49" charset="0"/>
+            </a:endParaRPr>
+          </a:p>
+          <a:p>
+            <a:pPr marL="0" indent="0" algn="ctr">
+              <a:buNone/>
+            </a:pPr>
+            <a:endParaRPr lang="en-US" sz="2000" smtClean="0">
+              <a:solidFill>
+                <a:schemeClr val="bg1"/>
+              </a:solidFill>
+              <a:latin typeface="Courier New" panose="02070309020205020404" pitchFamily="49" charset="0"/>
+              <a:cs typeface="Courier New" panose="02070309020205020404" pitchFamily="49" charset="0"/>
+            </a:endParaRPr>
+          </a:p>
+          <a:p>
+            <a:pPr marL="0" indent="0">
+              <a:buNone/>
+            </a:pPr>
+            <a:r>
+              <a:rPr lang="en-US" sz="2800">
+                <a:solidFill>
+                  <a:schemeClr val="bg1"/>
+                </a:solidFill>
+                <a:latin typeface="Courier New" panose="02070309020205020404" pitchFamily="49" charset="0"/>
+                <a:cs typeface="Courier New" panose="02070309020205020404" pitchFamily="49" charset="0"/>
+              </a:rPr>
+              <a:t>:Luke</a:t>
+            </a:r>
+          </a:p>
+          <a:p>
+            <a:pPr marL="0" indent="0">
+              <a:buNone/>
+            </a:pPr>
+            <a:r>
+              <a:rPr lang="en-US" sz="2800">
+                <a:solidFill>
+                  <a:schemeClr val="bg1"/>
+                </a:solidFill>
+                <a:latin typeface="Courier New" panose="02070309020205020404" pitchFamily="49" charset="0"/>
+                <a:cs typeface="Courier New" panose="02070309020205020404" pitchFamily="49" charset="0"/>
+              </a:rPr>
+              <a:t>    foaf:givenName "Luke" ;</a:t>
+            </a:r>
+          </a:p>
+          <a:p>
+            <a:pPr marL="0" indent="0">
+              <a:buNone/>
+            </a:pPr>
+            <a:r>
+              <a:rPr lang="en-US" sz="2800">
+                <a:solidFill>
+                  <a:schemeClr val="bg1"/>
+                </a:solidFill>
+                <a:latin typeface="Courier New" panose="02070309020205020404" pitchFamily="49" charset="0"/>
+                <a:cs typeface="Courier New" panose="02070309020205020404" pitchFamily="49" charset="0"/>
+              </a:rPr>
+              <a:t>    foaf:familyName "Skywalker" </a:t>
+            </a:r>
+            <a:r>
+              <a:rPr lang="en-US" sz="2800" smtClean="0">
+                <a:solidFill>
+                  <a:schemeClr val="bg1"/>
+                </a:solidFill>
+                <a:latin typeface="Courier New" panose="02070309020205020404" pitchFamily="49" charset="0"/>
+                <a:cs typeface="Courier New" panose="02070309020205020404" pitchFamily="49" charset="0"/>
+              </a:rPr>
+              <a:t>.</a:t>
+            </a:r>
+          </a:p>
+          <a:p>
+            <a:pPr marL="0" indent="0">
+              <a:buNone/>
+            </a:pPr>
+            <a:endParaRPr lang="de-DE" sz="2800">
+              <a:solidFill>
+                <a:schemeClr val="bg1"/>
+              </a:solidFill>
+              <a:latin typeface="Courier New" panose="02070309020205020404" pitchFamily="49" charset="0"/>
+              <a:cs typeface="Courier New" panose="02070309020205020404" pitchFamily="49" charset="0"/>
+            </a:endParaRPr>
+          </a:p>
+          <a:p>
+            <a:pPr marL="0" indent="0">
+              <a:buNone/>
+            </a:pPr>
+            <a:r>
+              <a:rPr lang="en-US" sz="2800">
+                <a:solidFill>
+                  <a:schemeClr val="bg1"/>
+                </a:solidFill>
+                <a:latin typeface="Courier New" panose="02070309020205020404" pitchFamily="49" charset="0"/>
+                <a:cs typeface="Courier New" panose="02070309020205020404" pitchFamily="49" charset="0"/>
+              </a:rPr>
+              <a:t>:Leia</a:t>
+            </a:r>
+          </a:p>
+          <a:p>
+            <a:pPr marL="0" indent="0">
+              <a:buNone/>
+            </a:pPr>
+            <a:r>
+              <a:rPr lang="en-US" sz="2800">
+                <a:solidFill>
+                  <a:schemeClr val="bg1"/>
+                </a:solidFill>
+                <a:latin typeface="Courier New" panose="02070309020205020404" pitchFamily="49" charset="0"/>
+                <a:cs typeface="Courier New" panose="02070309020205020404" pitchFamily="49" charset="0"/>
+              </a:rPr>
+              <a:t>    foaf:name "Leia Skywalker" .</a:t>
+            </a:r>
+            <a:endParaRPr lang="en-US" sz="2800" smtClean="0">
+              <a:solidFill>
+                <a:schemeClr val="bg1"/>
+              </a:solidFill>
+              <a:latin typeface="Courier New" panose="02070309020205020404" pitchFamily="49" charset="0"/>
+              <a:cs typeface="Courier New" panose="02070309020205020404" pitchFamily="49" charset="0"/>
+            </a:endParaRPr>
+          </a:p>
+        </p:txBody>
+      </p:sp>
     </p:spTree>
     <p:extLst>
       <p:ext uri="{BB962C8B-B14F-4D97-AF65-F5344CB8AC3E}">
-        <p14:creationId xmlns:p14="http://schemas.microsoft.com/office/powerpoint/2010/main" val="516634332"/>
+        <p14:creationId xmlns:p14="http://schemas.microsoft.com/office/powerpoint/2010/main" val="2653606252"/>
       </p:ext>
     </p:extLst>
   </p:cSld>
@@ -8005,6 +9253,14 @@
 <file path=ppt/slides/slide15.xml><?xml version="1.0" encoding="utf-8"?>
 <p:sld xmlns:a="http://schemas.openxmlformats.org/drawingml/2006/main" xmlns:r="http://schemas.openxmlformats.org/officeDocument/2006/relationships" xmlns:p="http://schemas.openxmlformats.org/presentationml/2006/main">
   <p:cSld>
+    <p:bg>
+      <p:bgPr>
+        <a:solidFill>
+          <a:schemeClr val="tx1"/>
+        </a:solidFill>
+        <a:effectLst/>
+      </p:bgPr>
+    </p:bg>
     <p:spTree>
       <p:nvGrpSpPr>
         <p:cNvPr id="1" name=""/>
@@ -8021,18 +9277,18 @@
       </p:grpSpPr>
       <p:sp>
         <p:nvSpPr>
-          <p:cNvPr id="2" name="Titel 1"/>
-          <p:cNvSpPr>
-            <a:spLocks noGrp="1"/>
-          </p:cNvSpPr>
-          <p:nvPr>
-            <p:ph type="title"/>
+          <p:cNvPr id="5" name="Inhaltsplatzhalter 4"/>
+          <p:cNvSpPr>
+            <a:spLocks noGrp="1"/>
+          </p:cNvSpPr>
+          <p:nvPr>
+            <p:ph idx="1"/>
           </p:nvPr>
         </p:nvSpPr>
         <p:spPr>
           <a:xfrm>
-            <a:off x="0" y="0"/>
-            <a:ext cx="9144000" cy="6858000"/>
+            <a:off x="107504" y="476672"/>
+            <a:ext cx="8856984" cy="5649491"/>
           </a:xfrm>
         </p:spPr>
         <p:txBody>
@@ -8041,68 +9297,151 @@
           </a:bodyPr>
           <a:lstStyle/>
           <a:p>
-            <a:r>
-              <a:rPr lang="de-DE" sz="6000" smtClean="0"/>
-              <a:t>Which </a:t>
-            </a:r>
-            <a:br>
-              <a:rPr lang="de-DE" sz="6000" smtClean="0"/>
-            </a:br>
-            <a:r>
-              <a:rPr lang="de-DE" sz="10000" b="1" smtClean="0">
-                <a:solidFill>
-                  <a:srgbClr val="0000CC"/>
-                </a:solidFill>
-              </a:rPr>
-              <a:t>aggregated </a:t>
-            </a:r>
-            <a:r>
-              <a:rPr lang="de-DE" sz="10000" b="1">
-                <a:solidFill>
-                  <a:srgbClr val="0000CC"/>
-                </a:solidFill>
-              </a:rPr>
-              <a:t>data </a:t>
-            </a:r>
-            <a:r>
-              <a:rPr lang="de-DE" sz="6600" b="1" smtClean="0">
-                <a:solidFill>
-                  <a:srgbClr val="0000CC"/>
-                </a:solidFill>
-              </a:rPr>
-              <a:t/>
-            </a:r>
-            <a:br>
-              <a:rPr lang="de-DE" sz="6600" b="1" smtClean="0">
-                <a:solidFill>
-                  <a:srgbClr val="0000CC"/>
-                </a:solidFill>
-              </a:rPr>
-            </a:br>
-            <a:r>
-              <a:rPr lang="de-DE" sz="5400" smtClean="0"/>
-              <a:t>according </a:t>
-            </a:r>
-            <a:r>
-              <a:rPr lang="de-DE" sz="5400"/>
-              <a:t>to specific </a:t>
-            </a:r>
-            <a:r>
-              <a:rPr lang="de-DE" sz="8000" b="1"/>
-              <a:t>metadata</a:t>
-            </a:r>
-            <a:r>
-              <a:rPr lang="de-DE" sz="6000"/>
-              <a:t> </a:t>
-            </a:r>
-            <a:r>
-              <a:rPr lang="de-DE" sz="6000" smtClean="0"/>
-              <a:t>does exist?</a:t>
-            </a:r>
-            <a:endParaRPr lang="en-US" sz="6000" b="1">
+            <a:pPr marL="0" indent="0" algn="ctr">
+              <a:buNone/>
+            </a:pPr>
+            <a:r>
+              <a:rPr lang="en-US" sz="5200" smtClean="0">
+                <a:solidFill>
+                  <a:schemeClr val="bg1"/>
+                </a:solidFill>
+                <a:latin typeface="Courier New" panose="02070309020205020404" pitchFamily="49" charset="0"/>
+                <a:cs typeface="Courier New" panose="02070309020205020404" pitchFamily="49" charset="0"/>
+              </a:rPr>
+              <a:t>NOT matching </a:t>
+            </a:r>
+            <a:endParaRPr lang="en-US" sz="5200" smtClean="0">
               <a:solidFill>
-                <a:srgbClr val="0000CC"/>
+                <a:schemeClr val="bg1"/>
               </a:solidFill>
+              <a:latin typeface="Courier New" panose="02070309020205020404" pitchFamily="49" charset="0"/>
+              <a:cs typeface="Courier New" panose="02070309020205020404" pitchFamily="49" charset="0"/>
+            </a:endParaRPr>
+          </a:p>
+          <a:p>
+            <a:pPr marL="0" indent="0" algn="ctr">
+              <a:buNone/>
+            </a:pPr>
+            <a:r>
+              <a:rPr lang="en-US" sz="5200" smtClean="0">
+                <a:solidFill>
+                  <a:schemeClr val="bg1"/>
+                </a:solidFill>
+                <a:latin typeface="Courier New" panose="02070309020205020404" pitchFamily="49" charset="0"/>
+                <a:cs typeface="Courier New" panose="02070309020205020404" pitchFamily="49" charset="0"/>
+              </a:rPr>
+              <a:t>'Human</a:t>
+            </a:r>
+            <a:r>
+              <a:rPr lang="en-US" sz="5200">
+                <a:solidFill>
+                  <a:schemeClr val="bg1"/>
+                </a:solidFill>
+                <a:latin typeface="Courier New" panose="02070309020205020404" pitchFamily="49" charset="0"/>
+                <a:cs typeface="Courier New" panose="02070309020205020404" pitchFamily="49" charset="0"/>
+              </a:rPr>
+              <a:t>' </a:t>
+            </a:r>
+            <a:r>
+              <a:rPr lang="en-US" sz="5200" smtClean="0">
+                <a:solidFill>
+                  <a:schemeClr val="bg1"/>
+                </a:solidFill>
+                <a:latin typeface="Courier New" panose="02070309020205020404" pitchFamily="49" charset="0"/>
+                <a:cs typeface="Courier New" panose="02070309020205020404" pitchFamily="49" charset="0"/>
+              </a:rPr>
+              <a:t>shape</a:t>
+            </a:r>
+          </a:p>
+          <a:p>
+            <a:pPr marL="0" indent="0" algn="ctr">
+              <a:buNone/>
+            </a:pPr>
+            <a:endParaRPr lang="de-DE" sz="2000" smtClean="0">
+              <a:solidFill>
+                <a:schemeClr val="bg1"/>
+              </a:solidFill>
+              <a:latin typeface="Courier New" panose="02070309020205020404" pitchFamily="49" charset="0"/>
+              <a:cs typeface="Courier New" panose="02070309020205020404" pitchFamily="49" charset="0"/>
+            </a:endParaRPr>
+          </a:p>
+          <a:p>
+            <a:pPr marL="0" indent="0" algn="ctr">
+              <a:buNone/>
+            </a:pPr>
+            <a:endParaRPr lang="en-US" sz="2000" smtClean="0">
+              <a:solidFill>
+                <a:schemeClr val="bg1"/>
+              </a:solidFill>
+              <a:latin typeface="Courier New" panose="02070309020205020404" pitchFamily="49" charset="0"/>
+              <a:cs typeface="Courier New" panose="02070309020205020404" pitchFamily="49" charset="0"/>
+            </a:endParaRPr>
+          </a:p>
+          <a:p>
+            <a:pPr marL="0" indent="0">
+              <a:buNone/>
+            </a:pPr>
+            <a:r>
+              <a:rPr lang="en-US" sz="2800">
+                <a:solidFill>
+                  <a:schemeClr val="bg1"/>
+                </a:solidFill>
+                <a:latin typeface="Courier New" panose="02070309020205020404" pitchFamily="49" charset="0"/>
+                <a:cs typeface="Courier New" panose="02070309020205020404" pitchFamily="49" charset="0"/>
+              </a:rPr>
+              <a:t>:Anakin</a:t>
+            </a:r>
+          </a:p>
+          <a:p>
+            <a:pPr marL="0" indent="0">
+              <a:buNone/>
+            </a:pPr>
+            <a:r>
+              <a:rPr lang="en-US" sz="2800">
+                <a:solidFill>
+                  <a:schemeClr val="bg1"/>
+                </a:solidFill>
+                <a:latin typeface="Courier New" panose="02070309020205020404" pitchFamily="49" charset="0"/>
+                <a:cs typeface="Courier New" panose="02070309020205020404" pitchFamily="49" charset="0"/>
+              </a:rPr>
+              <a:t>    foaf:givenName "Anakin" ;</a:t>
+            </a:r>
+          </a:p>
+          <a:p>
+            <a:pPr marL="0" indent="0">
+              <a:buNone/>
+            </a:pPr>
+            <a:r>
+              <a:rPr lang="en-US" sz="2800">
+                <a:solidFill>
+                  <a:schemeClr val="bg1"/>
+                </a:solidFill>
+                <a:latin typeface="Courier New" panose="02070309020205020404" pitchFamily="49" charset="0"/>
+                <a:cs typeface="Courier New" panose="02070309020205020404" pitchFamily="49" charset="0"/>
+              </a:rPr>
+              <a:t>    foaf:familyName "Skywalker" ;</a:t>
+            </a:r>
+          </a:p>
+          <a:p>
+            <a:pPr marL="0" indent="0">
+              <a:buNone/>
+            </a:pPr>
+            <a:r>
+              <a:rPr lang="en-US" sz="2800">
+                <a:solidFill>
+                  <a:schemeClr val="bg1"/>
+                </a:solidFill>
+                <a:latin typeface="Courier New" panose="02070309020205020404" pitchFamily="49" charset="0"/>
+                <a:cs typeface="Courier New" panose="02070309020205020404" pitchFamily="49" charset="0"/>
+              </a:rPr>
+              <a:t>    foaf:name "Anakin Skywalker" .</a:t>
+            </a:r>
+            <a:endParaRPr lang="en-US" sz="2800" smtClean="0">
+              <a:solidFill>
+                <a:schemeClr val="bg1"/>
+              </a:solidFill>
+              <a:latin typeface="Courier New" panose="02070309020205020404" pitchFamily="49" charset="0"/>
+              <a:cs typeface="Courier New" panose="02070309020205020404" pitchFamily="49" charset="0"/>
             </a:endParaRPr>
           </a:p>
         </p:txBody>
@@ -8110,7 +9449,7 @@
     </p:spTree>
     <p:extLst>
       <p:ext uri="{BB962C8B-B14F-4D97-AF65-F5344CB8AC3E}">
-        <p14:creationId xmlns:p14="http://schemas.microsoft.com/office/powerpoint/2010/main" val="2157677815"/>
+        <p14:creationId xmlns:p14="http://schemas.microsoft.com/office/powerpoint/2010/main" val="4284835001"/>
       </p:ext>
     </p:extLst>
   </p:cSld>
@@ -8130,6 +9469,14 @@
 <file path=ppt/slides/slide16.xml><?xml version="1.0" encoding="utf-8"?>
 <p:sld xmlns:a="http://schemas.openxmlformats.org/drawingml/2006/main" xmlns:r="http://schemas.openxmlformats.org/officeDocument/2006/relationships" xmlns:p="http://schemas.openxmlformats.org/presentationml/2006/main">
   <p:cSld>
+    <p:bg>
+      <p:bgPr>
+        <a:solidFill>
+          <a:schemeClr val="tx1"/>
+        </a:solidFill>
+        <a:effectLst/>
+      </p:bgPr>
+    </p:bg>
     <p:spTree>
       <p:nvGrpSpPr>
         <p:cNvPr id="1" name=""/>
@@ -8144,51 +9491,162 @@
           <a:chExt cx="0" cy="0"/>
         </a:xfrm>
       </p:grpSpPr>
-      <p:pic>
-        <p:nvPicPr>
-          <p:cNvPr id="5122" name="Picture 2" descr="C:\Daten\Studium\Promotion\workshops\2013\SemStats\presentation\figures\4_200dpi.png"/>
-          <p:cNvPicPr>
-            <a:picLocks noChangeAspect="1" noChangeArrowheads="1"/>
-          </p:cNvPicPr>
-          <p:nvPr/>
-        </p:nvPicPr>
-        <p:blipFill>
-          <a:blip r:embed="rId2">
-            <a:extLst>
-              <a:ext uri="{28A0092B-C50C-407E-A947-70E740481C1C}">
-                <a14:useLocalDpi xmlns:a14="http://schemas.microsoft.com/office/drawing/2010/main" val="0"/>
-              </a:ext>
-            </a:extLst>
-          </a:blip>
-          <a:srcRect/>
-          <a:stretch>
-            <a:fillRect/>
-          </a:stretch>
-        </p:blipFill>
-        <p:spPr bwMode="auto">
+      <p:sp>
+        <p:nvSpPr>
+          <p:cNvPr id="5" name="Inhaltsplatzhalter 4"/>
+          <p:cNvSpPr>
+            <a:spLocks noGrp="1"/>
+          </p:cNvSpPr>
+          <p:nvPr>
+            <p:ph idx="1"/>
+          </p:nvPr>
+        </p:nvSpPr>
+        <p:spPr>
           <a:xfrm>
-            <a:off x="-13893" y="1124744"/>
-            <a:ext cx="9183246" cy="4896544"/>
+            <a:off x="179512" y="2143397"/>
+            <a:ext cx="8784976" cy="4525963"/>
           </a:xfrm>
-          <a:prstGeom prst="rect">
-            <a:avLst/>
-          </a:prstGeom>
-          <a:noFill/>
-          <a:extLst>
-            <a:ext uri="{909E8E84-426E-40DD-AFC4-6F175D3DCCD1}">
-              <a14:hiddenFill xmlns:a14="http://schemas.microsoft.com/office/drawing/2010/main">
-                <a:solidFill>
-                  <a:srgbClr val="FFFFFF"/>
-                </a:solidFill>
-              </a14:hiddenFill>
-            </a:ext>
-          </a:extLst>
         </p:spPr>
-      </p:pic>
+        <p:txBody>
+          <a:bodyPr>
+            <a:normAutofit/>
+          </a:bodyPr>
+          <a:lstStyle/>
+          <a:p>
+            <a:pPr marL="0" indent="0" algn="ctr">
+              <a:buNone/>
+            </a:pPr>
+            <a:r>
+              <a:rPr lang="de-DE" smtClean="0">
+                <a:solidFill>
+                  <a:schemeClr val="bg1"/>
+                </a:solidFill>
+                <a:latin typeface="Courier New" panose="02070309020205020404" pitchFamily="49" charset="0"/>
+                <a:cs typeface="Courier New" panose="02070309020205020404" pitchFamily="49" charset="0"/>
+              </a:rPr>
+              <a:t>validator</a:t>
+            </a:r>
+            <a:endParaRPr lang="en-US" smtClean="0">
+              <a:solidFill>
+                <a:schemeClr val="bg1"/>
+              </a:solidFill>
+              <a:latin typeface="Courier New" panose="02070309020205020404" pitchFamily="49" charset="0"/>
+              <a:cs typeface="Courier New" panose="02070309020205020404" pitchFamily="49" charset="0"/>
+            </a:endParaRPr>
+          </a:p>
+          <a:p>
+            <a:pPr marL="0" indent="0" algn="ctr">
+              <a:buNone/>
+            </a:pPr>
+            <a:r>
+              <a:rPr lang="en-US" smtClean="0">
+                <a:latin typeface="Courier New" panose="02070309020205020404" pitchFamily="49" charset="0"/>
+                <a:cs typeface="Courier New" panose="02070309020205020404" pitchFamily="49" charset="0"/>
+                <a:hlinkClick r:id="rId3"/>
+              </a:rPr>
+              <a:t>www.w3.org/2013/ShEx/FancyShExDemo</a:t>
+            </a:r>
+            <a:endParaRPr lang="en-US">
+              <a:latin typeface="Courier New" panose="02070309020205020404" pitchFamily="49" charset="0"/>
+              <a:cs typeface="Courier New" panose="02070309020205020404" pitchFamily="49" charset="0"/>
+            </a:endParaRPr>
+          </a:p>
+          <a:p>
+            <a:pPr marL="0" indent="0" algn="ctr">
+              <a:buNone/>
+            </a:pPr>
+            <a:endParaRPr lang="de-DE">
+              <a:latin typeface="Courier New" panose="02070309020205020404" pitchFamily="49" charset="0"/>
+              <a:cs typeface="Courier New" panose="02070309020205020404" pitchFamily="49" charset="0"/>
+            </a:endParaRPr>
+          </a:p>
+          <a:p>
+            <a:pPr marL="0" indent="0" algn="ctr">
+              <a:buNone/>
+            </a:pPr>
+            <a:r>
+              <a:rPr lang="de-DE" smtClean="0">
+                <a:solidFill>
+                  <a:schemeClr val="bg1"/>
+                </a:solidFill>
+                <a:latin typeface="Courier New" panose="02070309020205020404" pitchFamily="49" charset="0"/>
+                <a:cs typeface="Courier New" panose="02070309020205020404" pitchFamily="49" charset="0"/>
+              </a:rPr>
+              <a:t>executable examples</a:t>
+            </a:r>
+          </a:p>
+          <a:p>
+            <a:pPr marL="0" indent="0" algn="ctr">
+              <a:buNone/>
+            </a:pPr>
+            <a:r>
+              <a:rPr lang="en-US" smtClean="0">
+                <a:latin typeface="Courier New" panose="02070309020205020404" pitchFamily="49" charset="0"/>
+                <a:cs typeface="Courier New" panose="02070309020205020404" pitchFamily="49" charset="0"/>
+                <a:hlinkClick r:id="rId4"/>
+              </a:rPr>
+              <a:t>R-13-DISJOINT-GROUP-OF-PROPERTIES-CLASS-SPECIFIC </a:t>
+            </a:r>
+            <a:endParaRPr lang="en-US" smtClean="0">
+              <a:latin typeface="Courier New" panose="02070309020205020404" pitchFamily="49" charset="0"/>
+              <a:cs typeface="Courier New" panose="02070309020205020404" pitchFamily="49" charset="0"/>
+            </a:endParaRPr>
+          </a:p>
+          <a:p>
+            <a:pPr marL="0" indent="0" algn="ctr">
+              <a:buNone/>
+            </a:pPr>
+            <a:endParaRPr lang="de-DE" smtClean="0">
+              <a:latin typeface="Courier New" panose="02070309020205020404" pitchFamily="49" charset="0"/>
+              <a:cs typeface="Courier New" panose="02070309020205020404" pitchFamily="49" charset="0"/>
+            </a:endParaRPr>
+          </a:p>
+        </p:txBody>
+      </p:sp>
+      <p:sp>
+        <p:nvSpPr>
+          <p:cNvPr id="6" name="Titel 1"/>
+          <p:cNvSpPr>
+            <a:spLocks noGrp="1"/>
+          </p:cNvSpPr>
+          <p:nvPr>
+            <p:ph type="title"/>
+          </p:nvPr>
+        </p:nvSpPr>
+        <p:spPr>
+          <a:xfrm>
+            <a:off x="457200" y="274638"/>
+            <a:ext cx="8229600" cy="1143000"/>
+          </a:xfrm>
+        </p:spPr>
+        <p:txBody>
+          <a:bodyPr/>
+          <a:lstStyle/>
+          <a:p>
+            <a:r>
+              <a:rPr lang="de-DE" smtClean="0">
+                <a:solidFill>
+                  <a:schemeClr val="bg1"/>
+                </a:solidFill>
+                <a:latin typeface="Courier New" panose="02070309020205020404" pitchFamily="49" charset="0"/>
+                <a:cs typeface="Courier New" panose="02070309020205020404" pitchFamily="49" charset="0"/>
+              </a:rPr>
+              <a:t>validation</a:t>
+            </a:r>
+            <a:endParaRPr lang="en-US">
+              <a:solidFill>
+                <a:schemeClr val="bg1"/>
+              </a:solidFill>
+              <a:latin typeface="Courier New" panose="02070309020205020404" pitchFamily="49" charset="0"/>
+              <a:cs typeface="Courier New" panose="02070309020205020404" pitchFamily="49" charset="0"/>
+            </a:endParaRPr>
+          </a:p>
+        </p:txBody>
+      </p:sp>
     </p:spTree>
     <p:extLst>
       <p:ext uri="{BB962C8B-B14F-4D97-AF65-F5344CB8AC3E}">
-        <p14:creationId xmlns:p14="http://schemas.microsoft.com/office/powerpoint/2010/main" val="3578212942"/>
+        <p14:creationId xmlns:p14="http://schemas.microsoft.com/office/powerpoint/2010/main" val="3923691806"/>
       </p:ext>
     </p:extLst>
   </p:cSld>
@@ -8208,6 +9666,14 @@
 <file path=ppt/slides/slide17.xml><?xml version="1.0" encoding="utf-8"?>
 <p:sld xmlns:a="http://schemas.openxmlformats.org/drawingml/2006/main" xmlns:r="http://schemas.openxmlformats.org/officeDocument/2006/relationships" xmlns:p="http://schemas.openxmlformats.org/presentationml/2006/main">
   <p:cSld>
+    <p:bg>
+      <p:bgPr>
+        <a:solidFill>
+          <a:schemeClr val="tx1"/>
+        </a:solidFill>
+        <a:effectLst/>
+      </p:bgPr>
+    </p:bg>
     <p:spTree>
       <p:nvGrpSpPr>
         <p:cNvPr id="1" name=""/>
@@ -8224,18 +9690,18 @@
       </p:grpSpPr>
       <p:sp>
         <p:nvSpPr>
-          <p:cNvPr id="2" name="Titel 1"/>
-          <p:cNvSpPr>
-            <a:spLocks noGrp="1"/>
-          </p:cNvSpPr>
-          <p:nvPr>
-            <p:ph type="title"/>
+          <p:cNvPr id="5" name="Inhaltsplatzhalter 4"/>
+          <p:cNvSpPr>
+            <a:spLocks noGrp="1"/>
+          </p:cNvSpPr>
+          <p:nvPr>
+            <p:ph idx="1"/>
           </p:nvPr>
         </p:nvSpPr>
         <p:spPr>
           <a:xfrm>
-            <a:off x="0" y="0"/>
-            <a:ext cx="9144000" cy="6858000"/>
+            <a:off x="179512" y="2719461"/>
+            <a:ext cx="8784976" cy="1789659"/>
           </a:xfrm>
         </p:spPr>
         <p:txBody>
@@ -8244,46 +9710,108 @@
           </a:bodyPr>
           <a:lstStyle/>
           <a:p>
-            <a:r>
-              <a:rPr lang="de-DE" sz="6000" smtClean="0"/>
-              <a:t>Which </a:t>
-            </a:r>
-            <a:r>
-              <a:rPr lang="de-DE" sz="13800" b="1">
-                <a:solidFill>
-                  <a:srgbClr val="0000CC"/>
-                </a:solidFill>
-              </a:rPr>
-              <a:t>datasets</a:t>
-            </a:r>
-            <a:r>
-              <a:rPr lang="de-DE" sz="6000"/>
-              <a:t> are </a:t>
-            </a:r>
-            <a:r>
-              <a:rPr lang="de-DE" sz="6600" b="1"/>
-              <a:t>associated</a:t>
-            </a:r>
-            <a:r>
-              <a:rPr lang="de-DE" sz="6000"/>
-              <a:t> </a:t>
-            </a:r>
-            <a:r>
-              <a:rPr lang="de-DE" sz="6000" smtClean="0"/>
-              <a:t>with </a:t>
-            </a:r>
-            <a:r>
-              <a:rPr lang="de-DE" sz="8000" b="1">
-                <a:solidFill>
-                  <a:srgbClr val="0000CC"/>
-                </a:solidFill>
-              </a:rPr>
-              <a:t>aggregated data?</a:t>
-            </a:r>
-            <a:endParaRPr lang="en-US" sz="8000" b="1">
+            <a:pPr marL="0" indent="0" algn="ctr">
+              <a:buNone/>
+            </a:pPr>
+            <a:r>
+              <a:rPr lang="de-DE" sz="3600" smtClean="0">
+                <a:solidFill>
+                  <a:schemeClr val="bg1"/>
+                </a:solidFill>
+                <a:latin typeface="Courier New" panose="02070309020205020404" pitchFamily="49" charset="0"/>
+                <a:cs typeface="Courier New" panose="02070309020205020404" pitchFamily="49" charset="0"/>
+              </a:rPr>
+              <a:t>RDF validation database</a:t>
+            </a:r>
+            <a:endParaRPr lang="en-US" sz="3600" smtClean="0">
               <a:solidFill>
-                <a:srgbClr val="0000CC"/>
+                <a:schemeClr val="bg1"/>
               </a:solidFill>
+              <a:latin typeface="Courier New" panose="02070309020205020404" pitchFamily="49" charset="0"/>
+              <a:cs typeface="Courier New" panose="02070309020205020404" pitchFamily="49" charset="0"/>
+            </a:endParaRPr>
+          </a:p>
+          <a:p>
+            <a:pPr marL="0" indent="0" algn="ctr">
+              <a:buNone/>
+            </a:pPr>
+            <a:r>
+              <a:rPr lang="en-US">
+                <a:solidFill>
+                  <a:srgbClr val="558ED5"/>
+                </a:solidFill>
+                <a:latin typeface="Courier New" panose="02070309020205020404" pitchFamily="49" charset="0"/>
+                <a:cs typeface="Courier New" panose="02070309020205020404" pitchFamily="49" charset="0"/>
+              </a:rPr>
+              <a:t>purl.org/net/rdf-validation</a:t>
+            </a:r>
+            <a:endParaRPr lang="de-DE">
+              <a:solidFill>
+                <a:schemeClr val="bg1"/>
+              </a:solidFill>
+              <a:latin typeface="Courier New" panose="02070309020205020404" pitchFamily="49" charset="0"/>
+              <a:cs typeface="Courier New" panose="02070309020205020404" pitchFamily="49" charset="0"/>
+            </a:endParaRPr>
+          </a:p>
+          <a:p>
+            <a:pPr marL="0" indent="0" algn="ctr">
+              <a:buNone/>
+            </a:pPr>
+            <a:endParaRPr lang="de-DE" smtClean="0">
+              <a:latin typeface="Courier New" panose="02070309020205020404" pitchFamily="49" charset="0"/>
+              <a:cs typeface="Courier New" panose="02070309020205020404" pitchFamily="49" charset="0"/>
+            </a:endParaRPr>
+          </a:p>
+        </p:txBody>
+      </p:sp>
+      <p:sp>
+        <p:nvSpPr>
+          <p:cNvPr id="6" name="Titel 1"/>
+          <p:cNvSpPr>
+            <a:spLocks noGrp="1"/>
+          </p:cNvSpPr>
+          <p:nvPr>
+            <p:ph type="title"/>
+          </p:nvPr>
+        </p:nvSpPr>
+        <p:spPr>
+          <a:xfrm>
+            <a:off x="457200" y="274638"/>
+            <a:ext cx="8229600" cy="1143000"/>
+          </a:xfrm>
+        </p:spPr>
+        <p:txBody>
+          <a:bodyPr>
+            <a:normAutofit/>
+          </a:bodyPr>
+          <a:lstStyle/>
+          <a:p>
+            <a:r>
+              <a:rPr lang="de-DE" sz="5400">
+                <a:solidFill>
+                  <a:schemeClr val="bg1"/>
+                </a:solidFill>
+                <a:latin typeface="Courier New" panose="02070309020205020404" pitchFamily="49" charset="0"/>
+                <a:cs typeface="Courier New" panose="02070309020205020404" pitchFamily="49" charset="0"/>
+              </a:rPr>
+              <a:t>h</a:t>
+            </a:r>
+            <a:r>
+              <a:rPr lang="de-DE" sz="5400" smtClean="0">
+                <a:solidFill>
+                  <a:schemeClr val="bg1"/>
+                </a:solidFill>
+                <a:latin typeface="Courier New" panose="02070309020205020404" pitchFamily="49" charset="0"/>
+                <a:cs typeface="Courier New" panose="02070309020205020404" pitchFamily="49" charset="0"/>
+              </a:rPr>
+              <a:t>ow to contribute?</a:t>
+            </a:r>
+            <a:endParaRPr lang="en-US" sz="5400">
+              <a:solidFill>
+                <a:schemeClr val="bg1"/>
+              </a:solidFill>
+              <a:latin typeface="Courier New" panose="02070309020205020404" pitchFamily="49" charset="0"/>
+              <a:cs typeface="Courier New" panose="02070309020205020404" pitchFamily="49" charset="0"/>
             </a:endParaRPr>
           </a:p>
         </p:txBody>
@@ -8291,222 +9819,7 @@
     </p:spTree>
     <p:extLst>
       <p:ext uri="{BB962C8B-B14F-4D97-AF65-F5344CB8AC3E}">
-        <p14:creationId xmlns:p14="http://schemas.microsoft.com/office/powerpoint/2010/main" val="2192456254"/>
-      </p:ext>
-    </p:extLst>
-  </p:cSld>
-  <p:clrMapOvr>
-    <a:masterClrMapping/>
-  </p:clrMapOvr>
-  <p:timing>
-    <p:tnLst>
-      <p:par>
-        <p:cTn id="1" dur="indefinite" restart="never" nodeType="tmRoot"/>
-      </p:par>
-    </p:tnLst>
-  </p:timing>
-</p:sld>
-</file>
-
-<file path=ppt/slides/slide18.xml><?xml version="1.0" encoding="utf-8"?>
-<p:sld xmlns:a="http://schemas.openxmlformats.org/drawingml/2006/main" xmlns:r="http://schemas.openxmlformats.org/officeDocument/2006/relationships" xmlns:p="http://schemas.openxmlformats.org/presentationml/2006/main">
-  <p:cSld>
-    <p:spTree>
-      <p:nvGrpSpPr>
-        <p:cNvPr id="1" name=""/>
-        <p:cNvGrpSpPr/>
-        <p:nvPr/>
-      </p:nvGrpSpPr>
-      <p:grpSpPr>
-        <a:xfrm>
-          <a:off x="0" y="0"/>
-          <a:ext cx="0" cy="0"/>
-          <a:chOff x="0" y="0"/>
-          <a:chExt cx="0" cy="0"/>
-        </a:xfrm>
-      </p:grpSpPr>
-      <p:pic>
-        <p:nvPicPr>
-          <p:cNvPr id="6146" name="Picture 2" descr="C:\Daten\Studium\Promotion\workshops\2013\SemStats\presentation\figures\5_200dpi.png"/>
-          <p:cNvPicPr>
-            <a:picLocks noChangeAspect="1" noChangeArrowheads="1"/>
-          </p:cNvPicPr>
-          <p:nvPr/>
-        </p:nvPicPr>
-        <p:blipFill>
-          <a:blip r:embed="rId2" cstate="print">
-            <a:extLst>
-              <a:ext uri="{28A0092B-C50C-407E-A947-70E740481C1C}">
-                <a14:useLocalDpi xmlns:a14="http://schemas.microsoft.com/office/drawing/2010/main" val="0"/>
-              </a:ext>
-            </a:extLst>
-          </a:blip>
-          <a:srcRect/>
-          <a:stretch>
-            <a:fillRect/>
-          </a:stretch>
-        </p:blipFill>
-        <p:spPr bwMode="auto">
-          <a:xfrm>
-            <a:off x="35496" y="476672"/>
-            <a:ext cx="9081939" cy="6070414"/>
-          </a:xfrm>
-          <a:prstGeom prst="rect">
-            <a:avLst/>
-          </a:prstGeom>
-          <a:noFill/>
-          <a:extLst>
-            <a:ext uri="{909E8E84-426E-40DD-AFC4-6F175D3DCCD1}">
-              <a14:hiddenFill xmlns:a14="http://schemas.microsoft.com/office/drawing/2010/main">
-                <a:solidFill>
-                  <a:srgbClr val="FFFFFF"/>
-                </a:solidFill>
-              </a14:hiddenFill>
-            </a:ext>
-          </a:extLst>
-        </p:spPr>
-      </p:pic>
-    </p:spTree>
-    <p:extLst>
-      <p:ext uri="{BB962C8B-B14F-4D97-AF65-F5344CB8AC3E}">
-        <p14:creationId xmlns:p14="http://schemas.microsoft.com/office/powerpoint/2010/main" val="175851387"/>
-      </p:ext>
-    </p:extLst>
-  </p:cSld>
-  <p:clrMapOvr>
-    <a:masterClrMapping/>
-  </p:clrMapOvr>
-  <p:timing>
-    <p:tnLst>
-      <p:par>
-        <p:cTn id="1" dur="indefinite" restart="never" nodeType="tmRoot"/>
-      </p:par>
-    </p:tnLst>
-  </p:timing>
-</p:sld>
-</file>
-
-<file path=ppt/slides/slide19.xml><?xml version="1.0" encoding="utf-8"?>
-<p:sld xmlns:a="http://schemas.openxmlformats.org/drawingml/2006/main" xmlns:r="http://schemas.openxmlformats.org/officeDocument/2006/relationships" xmlns:p="http://schemas.openxmlformats.org/presentationml/2006/main">
-  <p:cSld>
-    <p:spTree>
-      <p:nvGrpSpPr>
-        <p:cNvPr id="1" name=""/>
-        <p:cNvGrpSpPr/>
-        <p:nvPr/>
-      </p:nvGrpSpPr>
-      <p:grpSpPr>
-        <a:xfrm>
-          <a:off x="0" y="0"/>
-          <a:ext cx="0" cy="0"/>
-          <a:chOff x="0" y="0"/>
-          <a:chExt cx="0" cy="0"/>
-        </a:xfrm>
-      </p:grpSpPr>
-      <p:sp>
-        <p:nvSpPr>
-          <p:cNvPr id="2" name="Titel 1"/>
-          <p:cNvSpPr>
-            <a:spLocks noGrp="1"/>
-          </p:cNvSpPr>
-          <p:nvPr>
-            <p:ph type="title"/>
-          </p:nvPr>
-        </p:nvSpPr>
-        <p:spPr>
-          <a:xfrm>
-            <a:off x="0" y="0"/>
-            <a:ext cx="9144000" cy="6858000"/>
-          </a:xfrm>
-        </p:spPr>
-        <p:txBody>
-          <a:bodyPr>
-            <a:normAutofit/>
-          </a:bodyPr>
-          <a:lstStyle/>
-          <a:p>
-            <a:r>
-              <a:rPr lang="de-DE" sz="9600" b="1">
-                <a:solidFill>
-                  <a:srgbClr val="0000CC"/>
-                </a:solidFill>
-              </a:rPr>
-              <a:t>From</a:t>
-            </a:r>
-            <a:r>
-              <a:rPr lang="de-DE" sz="6000"/>
-              <a:t> which </a:t>
-            </a:r>
-            <a:r>
-              <a:rPr lang="de-DE" sz="6000" smtClean="0"/>
-              <a:t/>
-            </a:r>
-            <a:br>
-              <a:rPr lang="de-DE" sz="6000" smtClean="0"/>
-            </a:br>
-            <a:r>
-              <a:rPr lang="de-DE" sz="6000" b="1" smtClean="0"/>
-              <a:t>microdata</a:t>
-            </a:r>
-            <a:r>
-              <a:rPr lang="de-DE" sz="6000" smtClean="0"/>
-              <a:t> </a:t>
-            </a:r>
-            <a:r>
-              <a:rPr lang="de-DE" sz="6000"/>
-              <a:t>datasets </a:t>
-            </a:r>
-            <a:r>
-              <a:rPr lang="de-DE" sz="6000" smtClean="0"/>
-              <a:t>is </a:t>
-            </a:r>
-            <a:r>
-              <a:rPr lang="de-DE" sz="6000"/>
-              <a:t>the </a:t>
-            </a:r>
-            <a:r>
-              <a:rPr lang="de-DE" sz="6000" b="1"/>
-              <a:t>aggregated</a:t>
-            </a:r>
-            <a:r>
-              <a:rPr lang="de-DE" sz="6000"/>
-              <a:t> dataset </a:t>
-            </a:r>
-            <a:r>
-              <a:rPr lang="de-DE" sz="6000" smtClean="0"/>
-              <a:t/>
-            </a:r>
-            <a:br>
-              <a:rPr lang="de-DE" sz="6000" smtClean="0"/>
-            </a:br>
-            <a:r>
-              <a:rPr lang="de-DE" sz="13800" b="1" smtClean="0">
-                <a:solidFill>
-                  <a:srgbClr val="0000CC"/>
-                </a:solidFill>
-              </a:rPr>
-              <a:t>derived</a:t>
-            </a:r>
-            <a:r>
-              <a:rPr lang="de-DE" sz="13800" b="1">
-                <a:solidFill>
-                  <a:srgbClr val="0000CC"/>
-                </a:solidFill>
-              </a:rPr>
-              <a:t>?</a:t>
-            </a:r>
-            <a:endParaRPr lang="en-US" sz="6000" b="1">
-              <a:solidFill>
-                <a:srgbClr val="0000CC"/>
-              </a:solidFill>
-            </a:endParaRPr>
-          </a:p>
-        </p:txBody>
-      </p:sp>
-    </p:spTree>
-    <p:extLst>
-      <p:ext uri="{BB962C8B-B14F-4D97-AF65-F5344CB8AC3E}">
-        <p14:creationId xmlns:p14="http://schemas.microsoft.com/office/powerpoint/2010/main" val="1769430095"/>
+        <p14:creationId xmlns:p14="http://schemas.microsoft.com/office/powerpoint/2010/main" val="4254298727"/>
       </p:ext>
     </p:extLst>
   </p:cSld>
@@ -8550,1051 +9863,6 @@
             <p:ph type="title"/>
           </p:nvPr>
         </p:nvSpPr>
-        <p:spPr/>
-        <p:txBody>
-          <a:bodyPr/>
-          <a:lstStyle/>
-          <a:p>
-            <a:endParaRPr lang="en-US"/>
-          </a:p>
-        </p:txBody>
-      </p:sp>
-      <p:sp>
-        <p:nvSpPr>
-          <p:cNvPr id="3" name="Inhaltsplatzhalter 2"/>
-          <p:cNvSpPr>
-            <a:spLocks noGrp="1"/>
-          </p:cNvSpPr>
-          <p:nvPr>
-            <p:ph idx="1"/>
-          </p:nvPr>
-        </p:nvSpPr>
-        <p:spPr/>
-        <p:txBody>
-          <a:bodyPr/>
-          <a:lstStyle/>
-          <a:p>
-            <a:endParaRPr lang="en-US"/>
-          </a:p>
-        </p:txBody>
-      </p:sp>
-    </p:spTree>
-    <p:extLst>
-      <p:ext uri="{BB962C8B-B14F-4D97-AF65-F5344CB8AC3E}">
-        <p14:creationId xmlns:p14="http://schemas.microsoft.com/office/powerpoint/2010/main" val="1593342365"/>
-      </p:ext>
-    </p:extLst>
-  </p:cSld>
-  <p:clrMapOvr>
-    <a:masterClrMapping/>
-  </p:clrMapOvr>
-  <p:timing>
-    <p:tnLst>
-      <p:par>
-        <p:cTn id="1" dur="indefinite" restart="never" nodeType="tmRoot"/>
-      </p:par>
-    </p:tnLst>
-  </p:timing>
-</p:sld>
-</file>
-
-<file path=ppt/slides/slide20.xml><?xml version="1.0" encoding="utf-8"?>
-<p:sld xmlns:a="http://schemas.openxmlformats.org/drawingml/2006/main" xmlns:r="http://schemas.openxmlformats.org/officeDocument/2006/relationships" xmlns:p="http://schemas.openxmlformats.org/presentationml/2006/main">
-  <p:cSld>
-    <p:spTree>
-      <p:nvGrpSpPr>
-        <p:cNvPr id="1" name=""/>
-        <p:cNvGrpSpPr/>
-        <p:nvPr/>
-      </p:nvGrpSpPr>
-      <p:grpSpPr>
-        <a:xfrm>
-          <a:off x="0" y="0"/>
-          <a:ext cx="0" cy="0"/>
-          <a:chOff x="0" y="0"/>
-          <a:chExt cx="0" cy="0"/>
-        </a:xfrm>
-      </p:grpSpPr>
-      <p:pic>
-        <p:nvPicPr>
-          <p:cNvPr id="1026" name="Picture 2" descr="C:\Daten\Studium\Promotion\workshops\2013\SemStats\presentation\6_200dpi.png"/>
-          <p:cNvPicPr>
-            <a:picLocks noChangeAspect="1" noChangeArrowheads="1"/>
-          </p:cNvPicPr>
-          <p:nvPr/>
-        </p:nvPicPr>
-        <p:blipFill>
-          <a:blip r:embed="rId2" cstate="print">
-            <a:extLst>
-              <a:ext uri="{28A0092B-C50C-407E-A947-70E740481C1C}">
-                <a14:useLocalDpi xmlns:a14="http://schemas.microsoft.com/office/drawing/2010/main" val="0"/>
-              </a:ext>
-            </a:extLst>
-          </a:blip>
-          <a:srcRect/>
-          <a:stretch>
-            <a:fillRect/>
-          </a:stretch>
-        </p:blipFill>
-        <p:spPr bwMode="auto">
-          <a:xfrm>
-            <a:off x="-1" y="1268760"/>
-            <a:ext cx="9240293" cy="4608512"/>
-          </a:xfrm>
-          <a:prstGeom prst="rect">
-            <a:avLst/>
-          </a:prstGeom>
-          <a:noFill/>
-          <a:extLst>
-            <a:ext uri="{909E8E84-426E-40DD-AFC4-6F175D3DCCD1}">
-              <a14:hiddenFill xmlns:a14="http://schemas.microsoft.com/office/drawing/2010/main">
-                <a:solidFill>
-                  <a:srgbClr val="FFFFFF"/>
-                </a:solidFill>
-              </a14:hiddenFill>
-            </a:ext>
-          </a:extLst>
-        </p:spPr>
-      </p:pic>
-    </p:spTree>
-    <p:extLst>
-      <p:ext uri="{BB962C8B-B14F-4D97-AF65-F5344CB8AC3E}">
-        <p14:creationId xmlns:p14="http://schemas.microsoft.com/office/powerpoint/2010/main" val="175851387"/>
-      </p:ext>
-    </p:extLst>
-  </p:cSld>
-  <p:clrMapOvr>
-    <a:masterClrMapping/>
-  </p:clrMapOvr>
-  <p:timing>
-    <p:tnLst>
-      <p:par>
-        <p:cTn id="1" dur="indefinite" restart="never" nodeType="tmRoot"/>
-      </p:par>
-    </p:tnLst>
-  </p:timing>
-</p:sld>
-</file>
-
-<file path=ppt/slides/slide21.xml><?xml version="1.0" encoding="utf-8"?>
-<p:sld xmlns:a="http://schemas.openxmlformats.org/drawingml/2006/main" xmlns:r="http://schemas.openxmlformats.org/officeDocument/2006/relationships" xmlns:p="http://schemas.openxmlformats.org/presentationml/2006/main">
-  <p:cSld>
-    <p:spTree>
-      <p:nvGrpSpPr>
-        <p:cNvPr id="1" name=""/>
-        <p:cNvGrpSpPr/>
-        <p:nvPr/>
-      </p:nvGrpSpPr>
-      <p:grpSpPr>
-        <a:xfrm>
-          <a:off x="0" y="0"/>
-          <a:ext cx="0" cy="0"/>
-          <a:chOff x="0" y="0"/>
-          <a:chExt cx="0" cy="0"/>
-        </a:xfrm>
-      </p:grpSpPr>
-      <p:sp>
-        <p:nvSpPr>
-          <p:cNvPr id="2" name="Titel 1"/>
-          <p:cNvSpPr>
-            <a:spLocks noGrp="1"/>
-          </p:cNvSpPr>
-          <p:nvPr>
-            <p:ph type="title"/>
-          </p:nvPr>
-        </p:nvSpPr>
-        <p:spPr>
-          <a:xfrm>
-            <a:off x="0" y="0"/>
-            <a:ext cx="9144000" cy="6858000"/>
-          </a:xfrm>
-        </p:spPr>
-        <p:txBody>
-          <a:bodyPr>
-            <a:normAutofit/>
-          </a:bodyPr>
-          <a:lstStyle/>
-          <a:p>
-            <a:r>
-              <a:rPr lang="de-DE" sz="7200" smtClean="0"/>
-              <a:t>Which</a:t>
-            </a:r>
-            <a:r>
-              <a:rPr lang="de-DE" sz="9600" smtClean="0"/>
-              <a:t> </a:t>
-            </a:r>
-            <a:br>
-              <a:rPr lang="de-DE" sz="9600" smtClean="0"/>
-            </a:br>
-            <a:r>
-              <a:rPr lang="de-DE" sz="12000" b="1" smtClean="0">
-                <a:solidFill>
-                  <a:srgbClr val="0000CC"/>
-                </a:solidFill>
-              </a:rPr>
-              <a:t>summary </a:t>
-            </a:r>
-            <a:r>
-              <a:rPr lang="de-DE" sz="12000" b="1">
-                <a:solidFill>
-                  <a:srgbClr val="0000CC"/>
-                </a:solidFill>
-              </a:rPr>
-              <a:t>statistics</a:t>
-            </a:r>
-            <a:r>
-              <a:rPr lang="de-DE" sz="11800" b="1">
-                <a:solidFill>
-                  <a:srgbClr val="0000CC"/>
-                </a:solidFill>
-              </a:rPr>
-              <a:t> </a:t>
-            </a:r>
-            <a:r>
-              <a:rPr lang="de-DE" sz="7200" smtClean="0"/>
-              <a:t>does a </a:t>
-            </a:r>
-            <a:r>
-              <a:rPr lang="de-DE" sz="8800" b="1"/>
-              <a:t>variable</a:t>
-            </a:r>
-            <a:r>
-              <a:rPr lang="de-DE" sz="7200"/>
-              <a:t> have? </a:t>
-            </a:r>
-            <a:endParaRPr lang="en-US" sz="6000" b="1">
-              <a:solidFill>
-                <a:srgbClr val="0000CC"/>
-              </a:solidFill>
-            </a:endParaRPr>
-          </a:p>
-        </p:txBody>
-      </p:sp>
-    </p:spTree>
-    <p:extLst>
-      <p:ext uri="{BB962C8B-B14F-4D97-AF65-F5344CB8AC3E}">
-        <p14:creationId xmlns:p14="http://schemas.microsoft.com/office/powerpoint/2010/main" val="742900914"/>
-      </p:ext>
-    </p:extLst>
-  </p:cSld>
-  <p:clrMapOvr>
-    <a:masterClrMapping/>
-  </p:clrMapOvr>
-  <p:timing>
-    <p:tnLst>
-      <p:par>
-        <p:cTn id="1" dur="indefinite" restart="never" nodeType="tmRoot"/>
-      </p:par>
-    </p:tnLst>
-  </p:timing>
-</p:sld>
-</file>
-
-<file path=ppt/slides/slide22.xml><?xml version="1.0" encoding="utf-8"?>
-<p:sld xmlns:a="http://schemas.openxmlformats.org/drawingml/2006/main" xmlns:r="http://schemas.openxmlformats.org/officeDocument/2006/relationships" xmlns:p="http://schemas.openxmlformats.org/presentationml/2006/main">
-  <p:cSld>
-    <p:spTree>
-      <p:nvGrpSpPr>
-        <p:cNvPr id="1" name=""/>
-        <p:cNvGrpSpPr/>
-        <p:nvPr/>
-      </p:nvGrpSpPr>
-      <p:grpSpPr>
-        <a:xfrm>
-          <a:off x="0" y="0"/>
-          <a:ext cx="0" cy="0"/>
-          <a:chOff x="0" y="0"/>
-          <a:chExt cx="0" cy="0"/>
-        </a:xfrm>
-      </p:grpSpPr>
-      <p:pic>
-        <p:nvPicPr>
-          <p:cNvPr id="2050" name="Picture 2" descr="C:\Daten\Studium\Promotion\workshops\2013\SemStats\presentation\summaryStatistics_200dpi.png"/>
-          <p:cNvPicPr>
-            <a:picLocks noChangeAspect="1" noChangeArrowheads="1"/>
-          </p:cNvPicPr>
-          <p:nvPr/>
-        </p:nvPicPr>
-        <p:blipFill>
-          <a:blip r:embed="rId2">
-            <a:extLst>
-              <a:ext uri="{28A0092B-C50C-407E-A947-70E740481C1C}">
-                <a14:useLocalDpi xmlns:a14="http://schemas.microsoft.com/office/drawing/2010/main" val="0"/>
-              </a:ext>
-            </a:extLst>
-          </a:blip>
-          <a:srcRect/>
-          <a:stretch>
-            <a:fillRect/>
-          </a:stretch>
-        </p:blipFill>
-        <p:spPr bwMode="auto">
-          <a:xfrm>
-            <a:off x="9103" y="1700808"/>
-            <a:ext cx="9133369" cy="3600400"/>
-          </a:xfrm>
-          <a:prstGeom prst="rect">
-            <a:avLst/>
-          </a:prstGeom>
-          <a:noFill/>
-          <a:extLst>
-            <a:ext uri="{909E8E84-426E-40DD-AFC4-6F175D3DCCD1}">
-              <a14:hiddenFill xmlns:a14="http://schemas.microsoft.com/office/drawing/2010/main">
-                <a:solidFill>
-                  <a:srgbClr val="FFFFFF"/>
-                </a:solidFill>
-              </a14:hiddenFill>
-            </a:ext>
-          </a:extLst>
-        </p:spPr>
-      </p:pic>
-    </p:spTree>
-    <p:extLst>
-      <p:ext uri="{BB962C8B-B14F-4D97-AF65-F5344CB8AC3E}">
-        <p14:creationId xmlns:p14="http://schemas.microsoft.com/office/powerpoint/2010/main" val="175851387"/>
-      </p:ext>
-    </p:extLst>
-  </p:cSld>
-  <p:clrMapOvr>
-    <a:masterClrMapping/>
-  </p:clrMapOvr>
-  <p:timing>
-    <p:tnLst>
-      <p:par>
-        <p:cTn id="1" dur="indefinite" restart="never" nodeType="tmRoot"/>
-      </p:par>
-    </p:tnLst>
-  </p:timing>
-</p:sld>
-</file>
-
-<file path=ppt/slides/slide23.xml><?xml version="1.0" encoding="utf-8"?>
-<p:sld xmlns:a="http://schemas.openxmlformats.org/drawingml/2006/main" xmlns:r="http://schemas.openxmlformats.org/officeDocument/2006/relationships" xmlns:p="http://schemas.openxmlformats.org/presentationml/2006/main">
-  <p:cSld>
-    <p:spTree>
-      <p:nvGrpSpPr>
-        <p:cNvPr id="1" name=""/>
-        <p:cNvGrpSpPr/>
-        <p:nvPr/>
-      </p:nvGrpSpPr>
-      <p:grpSpPr>
-        <a:xfrm>
-          <a:off x="0" y="0"/>
-          <a:ext cx="0" cy="0"/>
-          <a:chOff x="0" y="0"/>
-          <a:chExt cx="0" cy="0"/>
-        </a:xfrm>
-      </p:grpSpPr>
-      <p:sp>
-        <p:nvSpPr>
-          <p:cNvPr id="2" name="Titel 1"/>
-          <p:cNvSpPr>
-            <a:spLocks noGrp="1"/>
-          </p:cNvSpPr>
-          <p:nvPr>
-            <p:ph type="title"/>
-          </p:nvPr>
-        </p:nvSpPr>
-        <p:spPr>
-          <a:xfrm>
-            <a:off x="0" y="0"/>
-            <a:ext cx="9144000" cy="6858000"/>
-          </a:xfrm>
-        </p:spPr>
-        <p:txBody>
-          <a:bodyPr>
-            <a:normAutofit/>
-          </a:bodyPr>
-          <a:lstStyle/>
-          <a:p>
-            <a:r>
-              <a:rPr lang="de-DE" sz="6000" smtClean="0"/>
-              <a:t>Which </a:t>
-            </a:r>
-            <a:r>
-              <a:rPr lang="de-DE" sz="9600" smtClean="0"/>
-              <a:t/>
-            </a:r>
-            <a:br>
-              <a:rPr lang="de-DE" sz="9600" smtClean="0"/>
-            </a:br>
-            <a:r>
-              <a:rPr lang="de-DE" sz="11500" b="1" smtClean="0">
-                <a:solidFill>
-                  <a:srgbClr val="0000CC"/>
-                </a:solidFill>
-              </a:rPr>
-              <a:t>category </a:t>
-            </a:r>
-            <a:br>
-              <a:rPr lang="de-DE" sz="11500" b="1" smtClean="0">
-                <a:solidFill>
-                  <a:srgbClr val="0000CC"/>
-                </a:solidFill>
-              </a:rPr>
-            </a:br>
-            <a:r>
-              <a:rPr lang="de-DE" sz="11500" b="1" smtClean="0">
-                <a:solidFill>
-                  <a:srgbClr val="0000CC"/>
-                </a:solidFill>
-              </a:rPr>
-              <a:t>statistics </a:t>
-            </a:r>
-            <a:r>
-              <a:rPr lang="de-DE" sz="6000"/>
-              <a:t>does a </a:t>
-            </a:r>
-            <a:r>
-              <a:rPr lang="de-DE" sz="7200" b="1"/>
-              <a:t>variable</a:t>
-            </a:r>
-            <a:r>
-              <a:rPr lang="de-DE" sz="6000"/>
-              <a:t> </a:t>
-            </a:r>
-            <a:r>
-              <a:rPr lang="de-DE" sz="4800"/>
-              <a:t>representation have?</a:t>
-            </a:r>
-            <a:endParaRPr lang="en-US" sz="4800" b="1">
-              <a:solidFill>
-                <a:srgbClr val="0000CC"/>
-              </a:solidFill>
-            </a:endParaRPr>
-          </a:p>
-        </p:txBody>
-      </p:sp>
-    </p:spTree>
-    <p:extLst>
-      <p:ext uri="{BB962C8B-B14F-4D97-AF65-F5344CB8AC3E}">
-        <p14:creationId xmlns:p14="http://schemas.microsoft.com/office/powerpoint/2010/main" val="3872180374"/>
-      </p:ext>
-    </p:extLst>
-  </p:cSld>
-  <p:clrMapOvr>
-    <a:masterClrMapping/>
-  </p:clrMapOvr>
-  <p:timing>
-    <p:tnLst>
-      <p:par>
-        <p:cTn id="1" dur="indefinite" restart="never" nodeType="tmRoot"/>
-      </p:par>
-    </p:tnLst>
-  </p:timing>
-</p:sld>
-</file>
-
-<file path=ppt/slides/slide24.xml><?xml version="1.0" encoding="utf-8"?>
-<p:sld xmlns:a="http://schemas.openxmlformats.org/drawingml/2006/main" xmlns:r="http://schemas.openxmlformats.org/officeDocument/2006/relationships" xmlns:p="http://schemas.openxmlformats.org/presentationml/2006/main">
-  <p:cSld>
-    <p:spTree>
-      <p:nvGrpSpPr>
-        <p:cNvPr id="1" name=""/>
-        <p:cNvGrpSpPr/>
-        <p:nvPr/>
-      </p:nvGrpSpPr>
-      <p:grpSpPr>
-        <a:xfrm>
-          <a:off x="0" y="0"/>
-          <a:ext cx="0" cy="0"/>
-          <a:chOff x="0" y="0"/>
-          <a:chExt cx="0" cy="0"/>
-        </a:xfrm>
-      </p:grpSpPr>
-      <p:pic>
-        <p:nvPicPr>
-          <p:cNvPr id="3074" name="Picture 2" descr="C:\Daten\Studium\Promotion\workshops\2013\SemStats\presentation\categoryStatistics_200dpi.png"/>
-          <p:cNvPicPr>
-            <a:picLocks noChangeAspect="1" noChangeArrowheads="1"/>
-          </p:cNvPicPr>
-          <p:nvPr/>
-        </p:nvPicPr>
-        <p:blipFill>
-          <a:blip r:embed="rId2" cstate="print">
-            <a:extLst>
-              <a:ext uri="{28A0092B-C50C-407E-A947-70E740481C1C}">
-                <a14:useLocalDpi xmlns:a14="http://schemas.microsoft.com/office/drawing/2010/main" val="0"/>
-              </a:ext>
-            </a:extLst>
-          </a:blip>
-          <a:srcRect/>
-          <a:stretch>
-            <a:fillRect/>
-          </a:stretch>
-        </p:blipFill>
-        <p:spPr bwMode="auto">
-          <a:xfrm>
-            <a:off x="0" y="1628800"/>
-            <a:ext cx="9088078" cy="4104456"/>
-          </a:xfrm>
-          <a:prstGeom prst="rect">
-            <a:avLst/>
-          </a:prstGeom>
-          <a:noFill/>
-          <a:extLst>
-            <a:ext uri="{909E8E84-426E-40DD-AFC4-6F175D3DCCD1}">
-              <a14:hiddenFill xmlns:a14="http://schemas.microsoft.com/office/drawing/2010/main">
-                <a:solidFill>
-                  <a:srgbClr val="FFFFFF"/>
-                </a:solidFill>
-              </a14:hiddenFill>
-            </a:ext>
-          </a:extLst>
-        </p:spPr>
-      </p:pic>
-    </p:spTree>
-    <p:extLst>
-      <p:ext uri="{BB962C8B-B14F-4D97-AF65-F5344CB8AC3E}">
-        <p14:creationId xmlns:p14="http://schemas.microsoft.com/office/powerpoint/2010/main" val="175851387"/>
-      </p:ext>
-    </p:extLst>
-  </p:cSld>
-  <p:clrMapOvr>
-    <a:masterClrMapping/>
-  </p:clrMapOvr>
-  <p:timing>
-    <p:tnLst>
-      <p:par>
-        <p:cTn id="1" dur="indefinite" restart="never" nodeType="tmRoot"/>
-      </p:par>
-    </p:tnLst>
-  </p:timing>
-</p:sld>
-</file>
-
-<file path=ppt/slides/slide25.xml><?xml version="1.0" encoding="utf-8"?>
-<p:sld xmlns:a="http://schemas.openxmlformats.org/drawingml/2006/main" xmlns:r="http://schemas.openxmlformats.org/officeDocument/2006/relationships" xmlns:p="http://schemas.openxmlformats.org/presentationml/2006/main">
-  <p:cSld>
-    <p:spTree>
-      <p:nvGrpSpPr>
-        <p:cNvPr id="1" name=""/>
-        <p:cNvGrpSpPr/>
-        <p:nvPr/>
-      </p:nvGrpSpPr>
-      <p:grpSpPr>
-        <a:xfrm>
-          <a:off x="0" y="0"/>
-          <a:ext cx="0" cy="0"/>
-          <a:chOff x="0" y="0"/>
-          <a:chExt cx="0" cy="0"/>
-        </a:xfrm>
-      </p:grpSpPr>
-      <p:sp>
-        <p:nvSpPr>
-          <p:cNvPr id="2" name="Titel 1"/>
-          <p:cNvSpPr>
-            <a:spLocks noGrp="1"/>
-          </p:cNvSpPr>
-          <p:nvPr>
-            <p:ph type="title"/>
-          </p:nvPr>
-        </p:nvSpPr>
-        <p:spPr>
-          <a:xfrm>
-            <a:off x="0" y="0"/>
-            <a:ext cx="9144000" cy="6858000"/>
-          </a:xfrm>
-        </p:spPr>
-        <p:txBody>
-          <a:bodyPr>
-            <a:normAutofit/>
-          </a:bodyPr>
-          <a:lstStyle/>
-          <a:p>
-            <a:r>
-              <a:rPr lang="de-DE" sz="6000" smtClean="0"/>
-              <a:t>Which </a:t>
-            </a:r>
-            <a:r>
-              <a:rPr lang="de-DE" sz="9600" b="1">
-                <a:solidFill>
-                  <a:srgbClr val="0000CC"/>
-                </a:solidFill>
-              </a:rPr>
-              <a:t>microdata datasets</a:t>
-            </a:r>
-            <a:r>
-              <a:rPr lang="de-DE" sz="9600" b="1"/>
-              <a:t> </a:t>
-            </a:r>
-            <a:r>
-              <a:rPr lang="de-DE" sz="6000"/>
-              <a:t>are </a:t>
-            </a:r>
-            <a:r>
-              <a:rPr lang="de-DE" sz="6000" b="1">
-                <a:solidFill>
-                  <a:srgbClr val="0000CC"/>
-                </a:solidFill>
-              </a:rPr>
-              <a:t>created by</a:t>
-            </a:r>
-            <a:r>
-              <a:rPr lang="de-DE" sz="6000" b="1"/>
-              <a:t> </a:t>
-            </a:r>
-            <a:r>
-              <a:rPr lang="de-DE" sz="6000"/>
-              <a:t>the research institute </a:t>
-            </a:r>
-            <a:r>
-              <a:rPr lang="de-DE" sz="6000" smtClean="0"/>
-              <a:t>'GESIS'? </a:t>
-            </a:r>
-            <a:endParaRPr lang="en-US" sz="6000" b="1">
-              <a:solidFill>
-                <a:srgbClr val="0000CC"/>
-              </a:solidFill>
-            </a:endParaRPr>
-          </a:p>
-        </p:txBody>
-      </p:sp>
-    </p:spTree>
-    <p:extLst>
-      <p:ext uri="{BB962C8B-B14F-4D97-AF65-F5344CB8AC3E}">
-        <p14:creationId xmlns:p14="http://schemas.microsoft.com/office/powerpoint/2010/main" val="2394537715"/>
-      </p:ext>
-    </p:extLst>
-  </p:cSld>
-  <p:clrMapOvr>
-    <a:masterClrMapping/>
-  </p:clrMapOvr>
-  <p:timing>
-    <p:tnLst>
-      <p:par>
-        <p:cTn id="1" dur="indefinite" restart="never" nodeType="tmRoot"/>
-      </p:par>
-    </p:tnLst>
-  </p:timing>
-</p:sld>
-</file>
-
-<file path=ppt/slides/slide26.xml><?xml version="1.0" encoding="utf-8"?>
-<p:sld xmlns:a="http://schemas.openxmlformats.org/drawingml/2006/main" xmlns:r="http://schemas.openxmlformats.org/officeDocument/2006/relationships" xmlns:p="http://schemas.openxmlformats.org/presentationml/2006/main">
-  <p:cSld>
-    <p:spTree>
-      <p:nvGrpSpPr>
-        <p:cNvPr id="1" name=""/>
-        <p:cNvGrpSpPr/>
-        <p:nvPr/>
-      </p:nvGrpSpPr>
-      <p:grpSpPr>
-        <a:xfrm>
-          <a:off x="0" y="0"/>
-          <a:ext cx="0" cy="0"/>
-          <a:chOff x="0" y="0"/>
-          <a:chExt cx="0" cy="0"/>
-        </a:xfrm>
-      </p:grpSpPr>
-      <p:pic>
-        <p:nvPicPr>
-          <p:cNvPr id="11266" name="Picture 2" descr="C:\Daten\Studium\Promotion\workshops\2013\SemStats\presentation\figures\other studies and datasets_200dpi.png"/>
-          <p:cNvPicPr>
-            <a:picLocks noChangeAspect="1" noChangeArrowheads="1"/>
-          </p:cNvPicPr>
-          <p:nvPr/>
-        </p:nvPicPr>
-        <p:blipFill>
-          <a:blip r:embed="rId2" cstate="print">
-            <a:extLst>
-              <a:ext uri="{28A0092B-C50C-407E-A947-70E740481C1C}">
-                <a14:useLocalDpi xmlns:a14="http://schemas.microsoft.com/office/drawing/2010/main" val="0"/>
-              </a:ext>
-            </a:extLst>
-          </a:blip>
-          <a:srcRect/>
-          <a:stretch>
-            <a:fillRect/>
-          </a:stretch>
-        </p:blipFill>
-        <p:spPr bwMode="auto">
-          <a:xfrm>
-            <a:off x="0" y="476672"/>
-            <a:ext cx="9156700" cy="6155682"/>
-          </a:xfrm>
-          <a:prstGeom prst="rect">
-            <a:avLst/>
-          </a:prstGeom>
-          <a:noFill/>
-          <a:extLst>
-            <a:ext uri="{909E8E84-426E-40DD-AFC4-6F175D3DCCD1}">
-              <a14:hiddenFill xmlns:a14="http://schemas.microsoft.com/office/drawing/2010/main">
-                <a:solidFill>
-                  <a:srgbClr val="FFFFFF"/>
-                </a:solidFill>
-              </a14:hiddenFill>
-            </a:ext>
-          </a:extLst>
-        </p:spPr>
-      </p:pic>
-    </p:spTree>
-    <p:extLst>
-      <p:ext uri="{BB962C8B-B14F-4D97-AF65-F5344CB8AC3E}">
-        <p14:creationId xmlns:p14="http://schemas.microsoft.com/office/powerpoint/2010/main" val="3266519238"/>
-      </p:ext>
-    </p:extLst>
-  </p:cSld>
-  <p:clrMapOvr>
-    <a:masterClrMapping/>
-  </p:clrMapOvr>
-  <p:timing>
-    <p:tnLst>
-      <p:par>
-        <p:cTn id="1" dur="indefinite" restart="never" nodeType="tmRoot"/>
-      </p:par>
-    </p:tnLst>
-  </p:timing>
-</p:sld>
-</file>
-
-<file path=ppt/slides/slide27.xml><?xml version="1.0" encoding="utf-8"?>
-<p:sld xmlns:a="http://schemas.openxmlformats.org/drawingml/2006/main" xmlns:r="http://schemas.openxmlformats.org/officeDocument/2006/relationships" xmlns:p="http://schemas.openxmlformats.org/presentationml/2006/main">
-  <p:cSld>
-    <p:spTree>
-      <p:nvGrpSpPr>
-        <p:cNvPr id="1" name=""/>
-        <p:cNvGrpSpPr/>
-        <p:nvPr/>
-      </p:nvGrpSpPr>
-      <p:grpSpPr>
-        <a:xfrm>
-          <a:off x="0" y="0"/>
-          <a:ext cx="0" cy="0"/>
-          <a:chOff x="0" y="0"/>
-          <a:chExt cx="0" cy="0"/>
-        </a:xfrm>
-      </p:grpSpPr>
-      <p:pic>
-        <p:nvPicPr>
-          <p:cNvPr id="4" name="Picture 2" descr="C:\Daten\Studium\Promotion\workshops\2013\SemStats\presentation\figures\Conclusion_200dpi.png"/>
-          <p:cNvPicPr>
-            <a:picLocks noChangeAspect="1" noChangeArrowheads="1"/>
-          </p:cNvPicPr>
-          <p:nvPr/>
-        </p:nvPicPr>
-        <p:blipFill>
-          <a:blip r:embed="rId2">
-            <a:extLst>
-              <a:ext uri="{28A0092B-C50C-407E-A947-70E740481C1C}">
-                <a14:useLocalDpi xmlns:a14="http://schemas.microsoft.com/office/drawing/2010/main" val="0"/>
-              </a:ext>
-            </a:extLst>
-          </a:blip>
-          <a:srcRect/>
-          <a:stretch>
-            <a:fillRect/>
-          </a:stretch>
-        </p:blipFill>
-        <p:spPr bwMode="auto">
-          <a:xfrm>
-            <a:off x="-108520" y="2276872"/>
-            <a:ext cx="9372600" cy="3579812"/>
-          </a:xfrm>
-          <a:prstGeom prst="rect">
-            <a:avLst/>
-          </a:prstGeom>
-          <a:noFill/>
-          <a:extLst>
-            <a:ext uri="{909E8E84-426E-40DD-AFC4-6F175D3DCCD1}">
-              <a14:hiddenFill xmlns:a14="http://schemas.microsoft.com/office/drawing/2010/main">
-                <a:solidFill>
-                  <a:srgbClr val="FFFFFF"/>
-                </a:solidFill>
-              </a14:hiddenFill>
-            </a:ext>
-          </a:extLst>
-        </p:spPr>
-      </p:pic>
-      <p:sp>
-        <p:nvSpPr>
-          <p:cNvPr id="2" name="Titel 1"/>
-          <p:cNvSpPr>
-            <a:spLocks noGrp="1"/>
-          </p:cNvSpPr>
-          <p:nvPr>
-            <p:ph type="title"/>
-          </p:nvPr>
-        </p:nvSpPr>
-        <p:spPr/>
-        <p:txBody>
-          <a:bodyPr>
-            <a:normAutofit/>
-          </a:bodyPr>
-          <a:lstStyle/>
-          <a:p>
-            <a:r>
-              <a:rPr lang="de-DE" sz="4800" b="1"/>
-              <a:t>Conclusion</a:t>
-            </a:r>
-            <a:endParaRPr lang="en-US" sz="4800" b="1"/>
-          </a:p>
-        </p:txBody>
-      </p:sp>
-    </p:spTree>
-    <p:extLst>
-      <p:ext uri="{BB962C8B-B14F-4D97-AF65-F5344CB8AC3E}">
-        <p14:creationId xmlns:p14="http://schemas.microsoft.com/office/powerpoint/2010/main" val="3777653641"/>
-      </p:ext>
-    </p:extLst>
-  </p:cSld>
-  <p:clrMapOvr>
-    <a:masterClrMapping/>
-  </p:clrMapOvr>
-  <p:timing>
-    <p:tnLst>
-      <p:par>
-        <p:cTn id="1" dur="indefinite" restart="never" nodeType="tmRoot"/>
-      </p:par>
-    </p:tnLst>
-  </p:timing>
-</p:sld>
-</file>
-
-<file path=ppt/slides/slide28.xml><?xml version="1.0" encoding="utf-8"?>
-<p:sld xmlns:a="http://schemas.openxmlformats.org/drawingml/2006/main" xmlns:r="http://schemas.openxmlformats.org/officeDocument/2006/relationships" xmlns:p="http://schemas.openxmlformats.org/presentationml/2006/main">
-  <p:cSld>
-    <p:spTree>
-      <p:nvGrpSpPr>
-        <p:cNvPr id="1" name=""/>
-        <p:cNvGrpSpPr/>
-        <p:nvPr/>
-      </p:nvGrpSpPr>
-      <p:grpSpPr>
-        <a:xfrm>
-          <a:off x="0" y="0"/>
-          <a:ext cx="0" cy="0"/>
-          <a:chOff x="0" y="0"/>
-          <a:chExt cx="0" cy="0"/>
-        </a:xfrm>
-      </p:grpSpPr>
-      <p:sp>
-        <p:nvSpPr>
-          <p:cNvPr id="2" name="Titel 1"/>
-          <p:cNvSpPr>
-            <a:spLocks noGrp="1"/>
-          </p:cNvSpPr>
-          <p:nvPr>
-            <p:ph type="title"/>
-          </p:nvPr>
-        </p:nvSpPr>
-        <p:spPr/>
-        <p:txBody>
-          <a:bodyPr>
-            <a:normAutofit/>
-          </a:bodyPr>
-          <a:lstStyle/>
-          <a:p>
-            <a:r>
-              <a:rPr lang="de-DE" sz="4800" b="1" smtClean="0"/>
-              <a:t>Thank you for your attention…</a:t>
-            </a:r>
-            <a:endParaRPr lang="en-US" sz="4800" b="1"/>
-          </a:p>
-        </p:txBody>
-      </p:sp>
-      <p:pic>
-        <p:nvPicPr>
-          <p:cNvPr id="7" name="Picture 2" descr="C:\Daten\Studium\Promotion\workshops\2013\SemStats\presentation\figures\Contact_200dpi.png"/>
-          <p:cNvPicPr>
-            <a:picLocks noChangeAspect="1" noChangeArrowheads="1"/>
-          </p:cNvPicPr>
-          <p:nvPr/>
-        </p:nvPicPr>
-        <p:blipFill>
-          <a:blip r:embed="rId2">
-            <a:extLst>
-              <a:ext uri="{28A0092B-C50C-407E-A947-70E740481C1C}">
-                <a14:useLocalDpi xmlns:a14="http://schemas.microsoft.com/office/drawing/2010/main" val="0"/>
-              </a:ext>
-            </a:extLst>
-          </a:blip>
-          <a:srcRect/>
-          <a:stretch>
-            <a:fillRect/>
-          </a:stretch>
-        </p:blipFill>
-        <p:spPr bwMode="auto">
-          <a:xfrm>
-            <a:off x="-18356" y="2348880"/>
-            <a:ext cx="9196087" cy="3470076"/>
-          </a:xfrm>
-          <a:prstGeom prst="rect">
-            <a:avLst/>
-          </a:prstGeom>
-          <a:noFill/>
-          <a:extLst>
-            <a:ext uri="{909E8E84-426E-40DD-AFC4-6F175D3DCCD1}">
-              <a14:hiddenFill xmlns:a14="http://schemas.microsoft.com/office/drawing/2010/main">
-                <a:solidFill>
-                  <a:srgbClr val="FFFFFF"/>
-                </a:solidFill>
-              </a14:hiddenFill>
-            </a:ext>
-          </a:extLst>
-        </p:spPr>
-      </p:pic>
-    </p:spTree>
-    <p:extLst>
-      <p:ext uri="{BB962C8B-B14F-4D97-AF65-F5344CB8AC3E}">
-        <p14:creationId xmlns:p14="http://schemas.microsoft.com/office/powerpoint/2010/main" val="969591520"/>
-      </p:ext>
-    </p:extLst>
-  </p:cSld>
-  <p:clrMapOvr>
-    <a:masterClrMapping/>
-  </p:clrMapOvr>
-  <p:timing>
-    <p:tnLst>
-      <p:par>
-        <p:cTn id="1" dur="indefinite" restart="never" nodeType="tmRoot"/>
-      </p:par>
-    </p:tnLst>
-  </p:timing>
-</p:sld>
-</file>
-
-<file path=ppt/slides/slide3.xml><?xml version="1.0" encoding="utf-8"?>
-<p:sld xmlns:a="http://schemas.openxmlformats.org/drawingml/2006/main" xmlns:r="http://schemas.openxmlformats.org/officeDocument/2006/relationships" xmlns:p="http://schemas.openxmlformats.org/presentationml/2006/main">
-  <p:cSld>
-    <p:spTree>
-      <p:nvGrpSpPr>
-        <p:cNvPr id="1" name=""/>
-        <p:cNvGrpSpPr/>
-        <p:nvPr/>
-      </p:nvGrpSpPr>
-      <p:grpSpPr>
-        <a:xfrm>
-          <a:off x="0" y="0"/>
-          <a:ext cx="0" cy="0"/>
-          <a:chOff x="0" y="0"/>
-          <a:chExt cx="0" cy="0"/>
-        </a:xfrm>
-      </p:grpSpPr>
-      <p:sp>
-        <p:nvSpPr>
-          <p:cNvPr id="4" name="Titel 3"/>
-          <p:cNvSpPr>
-            <a:spLocks noGrp="1"/>
-          </p:cNvSpPr>
-          <p:nvPr>
-            <p:ph type="title"/>
-          </p:nvPr>
-        </p:nvSpPr>
-        <p:spPr/>
-        <p:txBody>
-          <a:bodyPr>
-            <a:normAutofit fontScale="90000"/>
-          </a:bodyPr>
-          <a:lstStyle/>
-          <a:p>
-            <a:r>
-              <a:rPr lang="en-US"/>
-              <a:t>From a Case Study to a Solution (and </a:t>
-            </a:r>
-            <a:r>
-              <a:rPr lang="en-US"/>
-              <a:t>Back</a:t>
-            </a:r>
-            <a:r>
-              <a:rPr lang="en-US" smtClean="0"/>
-              <a:t>)</a:t>
-            </a:r>
-            <a:endParaRPr lang="en-US"/>
-          </a:p>
-        </p:txBody>
-      </p:sp>
-      <p:sp>
-        <p:nvSpPr>
-          <p:cNvPr id="5" name="Inhaltsplatzhalter 4"/>
-          <p:cNvSpPr>
-            <a:spLocks noGrp="1"/>
-          </p:cNvSpPr>
-          <p:nvPr>
-            <p:ph idx="1"/>
-          </p:nvPr>
-        </p:nvSpPr>
-        <p:spPr>
-          <a:xfrm>
-            <a:off x="457200" y="1628800"/>
-            <a:ext cx="8229600" cy="4525963"/>
-          </a:xfrm>
-        </p:spPr>
-        <p:txBody>
-          <a:bodyPr/>
-          <a:lstStyle/>
-          <a:p>
-            <a:pPr marL="0" indent="0">
-              <a:buNone/>
-            </a:pPr>
-            <a:r>
-              <a:rPr lang="de-DE" smtClean="0"/>
-              <a:t>Case Study: DM2E</a:t>
-            </a:r>
-          </a:p>
-          <a:p>
-            <a:pPr marL="0" indent="0">
-              <a:buNone/>
-            </a:pPr>
-            <a:r>
-              <a:rPr lang="de-DE"/>
-              <a:t>	</a:t>
-            </a:r>
-            <a:r>
-              <a:rPr lang="de-DE" smtClean="0"/>
-              <a:t>Use Cases: </a:t>
-            </a:r>
-            <a:endParaRPr lang="en-US"/>
-          </a:p>
-        </p:txBody>
-      </p:sp>
-    </p:spTree>
-    <p:extLst>
-      <p:ext uri="{BB962C8B-B14F-4D97-AF65-F5344CB8AC3E}">
-        <p14:creationId xmlns:p14="http://schemas.microsoft.com/office/powerpoint/2010/main" val="56555857"/>
-      </p:ext>
-    </p:extLst>
-  </p:cSld>
-  <p:clrMapOvr>
-    <a:masterClrMapping/>
-  </p:clrMapOvr>
-  <p:timing>
-    <p:tnLst>
-      <p:par>
-        <p:cTn id="1" dur="indefinite" restart="never" nodeType="tmRoot"/>
-      </p:par>
-    </p:tnLst>
-  </p:timing>
-</p:sld>
-</file>
-
-<file path=ppt/slides/slide4.xml><?xml version="1.0" encoding="utf-8"?>
-<p:sld xmlns:a="http://schemas.openxmlformats.org/drawingml/2006/main" xmlns:r="http://schemas.openxmlformats.org/officeDocument/2006/relationships" xmlns:p="http://schemas.openxmlformats.org/presentationml/2006/main">
-  <p:cSld>
-    <p:spTree>
-      <p:nvGrpSpPr>
-        <p:cNvPr id="1" name=""/>
-        <p:cNvGrpSpPr/>
-        <p:nvPr/>
-      </p:nvGrpSpPr>
-      <p:grpSpPr>
-        <a:xfrm>
-          <a:off x="0" y="0"/>
-          <a:ext cx="0" cy="0"/>
-          <a:chOff x="0" y="0"/>
-          <a:chExt cx="0" cy="0"/>
-        </a:xfrm>
-      </p:grpSpPr>
-      <p:sp>
-        <p:nvSpPr>
-          <p:cNvPr id="2" name="Titel 1"/>
-          <p:cNvSpPr>
-            <a:spLocks noGrp="1"/>
-          </p:cNvSpPr>
-          <p:nvPr>
-            <p:ph type="title"/>
-          </p:nvPr>
-        </p:nvSpPr>
         <p:spPr>
           <a:xfrm>
             <a:off x="0" y="0"/>
@@ -9604,25 +9872,6 @@
             <a:schemeClr val="tx1"/>
           </a:solidFill>
         </p:spPr>
-        <p:txBody>
-          <a:bodyPr/>
-          <a:lstStyle/>
-          <a:p>
-            <a:endParaRPr lang="en-US"/>
-          </a:p>
-        </p:txBody>
-      </p:sp>
-      <p:sp>
-        <p:nvSpPr>
-          <p:cNvPr id="3" name="Inhaltsplatzhalter 2"/>
-          <p:cNvSpPr>
-            <a:spLocks noGrp="1"/>
-          </p:cNvSpPr>
-          <p:nvPr>
-            <p:ph idx="1"/>
-          </p:nvPr>
-        </p:nvSpPr>
-        <p:spPr/>
         <p:txBody>
           <a:bodyPr/>
           <a:lstStyle/>
@@ -9647,7 +9896,7 @@
         </p:blipFill>
         <p:spPr>
           <a:xfrm>
-            <a:off x="50566" y="516467"/>
+            <a:off x="50566" y="1740603"/>
             <a:ext cx="9093433" cy="5792853"/>
           </a:xfrm>
           <a:prstGeom prst="rect">
@@ -9655,6 +9904,96 @@
           </a:prstGeom>
         </p:spPr>
       </p:pic>
+      <p:sp>
+        <p:nvSpPr>
+          <p:cNvPr id="6" name="Inhaltsplatzhalter 4"/>
+          <p:cNvSpPr>
+            <a:spLocks noGrp="1"/>
+          </p:cNvSpPr>
+          <p:nvPr>
+            <p:ph idx="1"/>
+          </p:nvPr>
+        </p:nvSpPr>
+        <p:spPr>
+          <a:xfrm>
+            <a:off x="179512" y="404664"/>
+            <a:ext cx="8712968" cy="4824536"/>
+          </a:xfrm>
+        </p:spPr>
+        <p:txBody>
+          <a:bodyPr>
+            <a:normAutofit/>
+          </a:bodyPr>
+          <a:lstStyle/>
+          <a:p>
+            <a:pPr marL="0" indent="0" algn="ctr">
+              <a:buNone/>
+            </a:pPr>
+            <a:r>
+              <a:rPr lang="en-US" sz="5400">
+                <a:solidFill>
+                  <a:schemeClr val="bg1"/>
+                </a:solidFill>
+                <a:latin typeface="Courier New" panose="02070309020205020404" pitchFamily="49" charset="0"/>
+                <a:cs typeface="Courier New" panose="02070309020205020404" pitchFamily="49" charset="0"/>
+              </a:rPr>
+              <a:t>from a case </a:t>
+            </a:r>
+            <a:r>
+              <a:rPr lang="en-US" sz="5400">
+                <a:solidFill>
+                  <a:schemeClr val="bg1"/>
+                </a:solidFill>
+                <a:latin typeface="Courier New" panose="02070309020205020404" pitchFamily="49" charset="0"/>
+                <a:cs typeface="Courier New" panose="02070309020205020404" pitchFamily="49" charset="0"/>
+              </a:rPr>
+              <a:t>study </a:t>
+            </a:r>
+            <a:endParaRPr lang="en-US" sz="5400" smtClean="0">
+              <a:solidFill>
+                <a:schemeClr val="bg1"/>
+              </a:solidFill>
+              <a:latin typeface="Courier New" panose="02070309020205020404" pitchFamily="49" charset="0"/>
+              <a:cs typeface="Courier New" panose="02070309020205020404" pitchFamily="49" charset="0"/>
+            </a:endParaRPr>
+          </a:p>
+          <a:p>
+            <a:pPr marL="0" indent="0" algn="ctr">
+              <a:buNone/>
+            </a:pPr>
+            <a:r>
+              <a:rPr lang="en-US" sz="5400" smtClean="0">
+                <a:solidFill>
+                  <a:schemeClr val="bg1"/>
+                </a:solidFill>
+                <a:latin typeface="Courier New" panose="02070309020205020404" pitchFamily="49" charset="0"/>
+                <a:cs typeface="Courier New" panose="02070309020205020404" pitchFamily="49" charset="0"/>
+              </a:rPr>
+              <a:t>to </a:t>
+            </a:r>
+            <a:r>
+              <a:rPr lang="en-US" sz="5400">
+                <a:solidFill>
+                  <a:schemeClr val="bg1"/>
+                </a:solidFill>
+                <a:latin typeface="Courier New" panose="02070309020205020404" pitchFamily="49" charset="0"/>
+                <a:cs typeface="Courier New" panose="02070309020205020404" pitchFamily="49" charset="0"/>
+              </a:rPr>
+              <a:t>a </a:t>
+            </a:r>
+            <a:r>
+              <a:rPr lang="en-US" sz="5400" smtClean="0">
+                <a:solidFill>
+                  <a:schemeClr val="bg1"/>
+                </a:solidFill>
+                <a:latin typeface="Courier New" panose="02070309020205020404" pitchFamily="49" charset="0"/>
+                <a:cs typeface="Courier New" panose="02070309020205020404" pitchFamily="49" charset="0"/>
+              </a:rPr>
+              <a:t>solution</a:t>
+            </a:r>
+          </a:p>
+        </p:txBody>
+      </p:sp>
     </p:spTree>
     <p:extLst>
       <p:ext uri="{BB962C8B-B14F-4D97-AF65-F5344CB8AC3E}">
@@ -9675,9 +10014,17 @@
 </p:sld>
 </file>
 
-<file path=ppt/slides/slide5.xml><?xml version="1.0" encoding="utf-8"?>
+<file path=ppt/slides/slide3.xml><?xml version="1.0" encoding="utf-8"?>
 <p:sld xmlns:a="http://schemas.openxmlformats.org/drawingml/2006/main" xmlns:r="http://schemas.openxmlformats.org/officeDocument/2006/relationships" xmlns:p="http://schemas.openxmlformats.org/presentationml/2006/main">
   <p:cSld>
+    <p:bg>
+      <p:bgPr>
+        <a:solidFill>
+          <a:schemeClr val="tx1"/>
+        </a:solidFill>
+        <a:effectLst/>
+      </p:bgPr>
+    </p:bg>
     <p:spTree>
       <p:nvGrpSpPr>
         <p:cNvPr id="1" name=""/>
@@ -9692,20 +10039,44 @@
           <a:chExt cx="0" cy="0"/>
         </a:xfrm>
       </p:grpSpPr>
-      <p:sp>
-        <p:nvSpPr>
-          <p:cNvPr id="2" name="Titel 1"/>
-          <p:cNvSpPr>
-            <a:spLocks noGrp="1"/>
-          </p:cNvSpPr>
-          <p:nvPr>
-            <p:ph type="title"/>
-          </p:nvPr>
-        </p:nvSpPr>
+      <p:pic>
+        <p:nvPicPr>
+          <p:cNvPr id="3" name="Grafik 2"/>
+          <p:cNvPicPr>
+            <a:picLocks noChangeAspect="1"/>
+          </p:cNvPicPr>
+          <p:nvPr/>
+        </p:nvPicPr>
+        <p:blipFill>
+          <a:blip r:embed="rId2"/>
+          <a:stretch>
+            <a:fillRect/>
+          </a:stretch>
+        </p:blipFill>
         <p:spPr>
           <a:xfrm>
-            <a:off x="0" y="0"/>
-            <a:ext cx="9144000" cy="6858000"/>
+            <a:off x="179512" y="1556792"/>
+            <a:ext cx="8712967" cy="5578884"/>
+          </a:xfrm>
+          <a:prstGeom prst="rect">
+            <a:avLst/>
+          </a:prstGeom>
+        </p:spPr>
+      </p:pic>
+      <p:sp>
+        <p:nvSpPr>
+          <p:cNvPr id="4" name="Inhaltsplatzhalter 4"/>
+          <p:cNvSpPr>
+            <a:spLocks noGrp="1"/>
+          </p:cNvSpPr>
+          <p:nvPr>
+            <p:ph idx="1"/>
+          </p:nvPr>
+        </p:nvSpPr>
+        <p:spPr>
+          <a:xfrm>
+            <a:off x="179512" y="404664"/>
+            <a:ext cx="8712968" cy="2664296"/>
           </a:xfrm>
         </p:spPr>
         <p:txBody>
@@ -9714,52 +10085,50 @@
           </a:bodyPr>
           <a:lstStyle/>
           <a:p>
-            <a:r>
-              <a:rPr lang="de-DE" sz="6000" smtClean="0"/>
-              <a:t>From </a:t>
-            </a:r>
-            <a:br>
-              <a:rPr lang="de-DE" sz="6000" smtClean="0"/>
-            </a:br>
-            <a:r>
-              <a:rPr lang="de-DE" sz="11500" b="1" smtClean="0">
-                <a:solidFill>
-                  <a:srgbClr val="0000CC"/>
-                </a:solidFill>
-              </a:rPr>
-              <a:t>Case Studies</a:t>
-            </a:r>
-            <a:r>
-              <a:rPr lang="de-DE" sz="6000" smtClean="0"/>
-              <a:t> </a:t>
-            </a:r>
-            <a:r>
-              <a:rPr lang="de-DE" sz="4800" smtClean="0"/>
-              <a:t>does exist</a:t>
-            </a:r>
-            <a:r>
-              <a:rPr lang="de-DE" sz="6000" smtClean="0"/>
-              <a:t/>
-            </a:r>
-            <a:br>
-              <a:rPr lang="de-DE" sz="6000" smtClean="0"/>
-            </a:br>
-            <a:r>
-              <a:rPr lang="de-DE" sz="6000" smtClean="0"/>
-              <a:t>according </a:t>
-            </a:r>
-            <a:r>
-              <a:rPr lang="de-DE" sz="6000"/>
-              <a:t>to specific </a:t>
-            </a:r>
-            <a:r>
-              <a:rPr lang="de-DE" sz="8000" b="1" smtClean="0"/>
-              <a:t>metadata?</a:t>
-            </a:r>
-            <a:endParaRPr lang="en-US" sz="23900" b="1">
+            <a:pPr marL="0" indent="0" algn="ctr">
+              <a:buNone/>
+            </a:pPr>
+            <a:r>
+              <a:rPr lang="de-DE" sz="6000">
+                <a:solidFill>
+                  <a:schemeClr val="bg1"/>
+                </a:solidFill>
+                <a:latin typeface="Courier New" panose="02070309020205020404" pitchFamily="49" charset="0"/>
+                <a:cs typeface="Courier New" panose="02070309020205020404" pitchFamily="49" charset="0"/>
+              </a:rPr>
+              <a:t>r</a:t>
+            </a:r>
+            <a:r>
+              <a:rPr lang="de-DE" sz="6000" smtClean="0">
+                <a:solidFill>
+                  <a:schemeClr val="bg1"/>
+                </a:solidFill>
+                <a:latin typeface="Courier New" panose="02070309020205020404" pitchFamily="49" charset="0"/>
+                <a:cs typeface="Courier New" panose="02070309020205020404" pitchFamily="49" charset="0"/>
+              </a:rPr>
+              <a:t>equirements </a:t>
+            </a:r>
+          </a:p>
+          <a:p>
+            <a:pPr marL="0" indent="0" algn="ctr">
+              <a:buNone/>
+            </a:pPr>
+            <a:r>
+              <a:rPr lang="de-DE" sz="6000" smtClean="0">
+                <a:solidFill>
+                  <a:schemeClr val="bg1"/>
+                </a:solidFill>
+                <a:latin typeface="Courier New" panose="02070309020205020404" pitchFamily="49" charset="0"/>
+                <a:cs typeface="Courier New" panose="02070309020205020404" pitchFamily="49" charset="0"/>
+              </a:rPr>
+              <a:t>classification</a:t>
+            </a:r>
+            <a:endParaRPr lang="en-US" sz="6000" smtClean="0">
               <a:solidFill>
-                <a:srgbClr val="0000CC"/>
+                <a:schemeClr val="bg1"/>
               </a:solidFill>
+              <a:latin typeface="Courier New" panose="02070309020205020404" pitchFamily="49" charset="0"/>
+              <a:cs typeface="Courier New" panose="02070309020205020404" pitchFamily="49" charset="0"/>
             </a:endParaRPr>
           </a:p>
         </p:txBody>
@@ -9767,7 +10136,295 @@
     </p:spTree>
     <p:extLst>
       <p:ext uri="{BB962C8B-B14F-4D97-AF65-F5344CB8AC3E}">
-        <p14:creationId xmlns:p14="http://schemas.microsoft.com/office/powerpoint/2010/main" val="1665716400"/>
+        <p14:creationId xmlns:p14="http://schemas.microsoft.com/office/powerpoint/2010/main" val="2926504610"/>
+      </p:ext>
+    </p:extLst>
+  </p:cSld>
+  <p:clrMapOvr>
+    <a:masterClrMapping/>
+  </p:clrMapOvr>
+  <p:timing>
+    <p:tnLst>
+      <p:par>
+        <p:cTn id="1" dur="indefinite" restart="never" nodeType="tmRoot"/>
+      </p:par>
+    </p:tnLst>
+  </p:timing>
+</p:sld>
+</file>
+
+<file path=ppt/slides/slide4.xml><?xml version="1.0" encoding="utf-8"?>
+<p:sld xmlns:a="http://schemas.openxmlformats.org/drawingml/2006/main" xmlns:r="http://schemas.openxmlformats.org/officeDocument/2006/relationships" xmlns:p="http://schemas.openxmlformats.org/presentationml/2006/main">
+  <p:cSld>
+    <p:bg>
+      <p:bgPr>
+        <a:solidFill>
+          <a:schemeClr val="tx1"/>
+        </a:solidFill>
+        <a:effectLst/>
+      </p:bgPr>
+    </p:bg>
+    <p:spTree>
+      <p:nvGrpSpPr>
+        <p:cNvPr id="1" name=""/>
+        <p:cNvGrpSpPr/>
+        <p:nvPr/>
+      </p:nvGrpSpPr>
+      <p:grpSpPr>
+        <a:xfrm>
+          <a:off x="0" y="0"/>
+          <a:ext cx="0" cy="0"/>
+          <a:chOff x="0" y="0"/>
+          <a:chExt cx="0" cy="0"/>
+        </a:xfrm>
+      </p:grpSpPr>
+      <p:pic>
+        <p:nvPicPr>
+          <p:cNvPr id="10" name="Grafik 9"/>
+          <p:cNvPicPr>
+            <a:picLocks noChangeAspect="1"/>
+          </p:cNvPicPr>
+          <p:nvPr/>
+        </p:nvPicPr>
+        <p:blipFill>
+          <a:blip r:embed="rId3"/>
+          <a:stretch>
+            <a:fillRect/>
+          </a:stretch>
+        </p:blipFill>
+        <p:spPr>
+          <a:xfrm>
+            <a:off x="107504" y="764705"/>
+            <a:ext cx="8868542" cy="5688631"/>
+          </a:xfrm>
+          <a:prstGeom prst="rect">
+            <a:avLst/>
+          </a:prstGeom>
+        </p:spPr>
+      </p:pic>
+      <p:sp>
+        <p:nvSpPr>
+          <p:cNvPr id="3" name="Inhaltsplatzhalter 4"/>
+          <p:cNvSpPr>
+            <a:spLocks noGrp="1"/>
+          </p:cNvSpPr>
+          <p:nvPr>
+            <p:ph idx="1"/>
+          </p:nvPr>
+        </p:nvSpPr>
+        <p:spPr>
+          <a:xfrm>
+            <a:off x="179512" y="476672"/>
+            <a:ext cx="8712968" cy="2664296"/>
+          </a:xfrm>
+        </p:spPr>
+        <p:txBody>
+          <a:bodyPr>
+            <a:normAutofit/>
+          </a:bodyPr>
+          <a:lstStyle/>
+          <a:p>
+            <a:pPr marL="0" indent="0" algn="ctr">
+              <a:buNone/>
+            </a:pPr>
+            <a:r>
+              <a:rPr lang="de-DE" sz="7200" smtClean="0">
+                <a:solidFill>
+                  <a:schemeClr val="bg1"/>
+                </a:solidFill>
+                <a:latin typeface="Courier New" panose="02070309020205020404" pitchFamily="49" charset="0"/>
+                <a:cs typeface="Courier New" panose="02070309020205020404" pitchFamily="49" charset="0"/>
+              </a:rPr>
+              <a:t>evaluation</a:t>
+            </a:r>
+            <a:endParaRPr lang="en-US" sz="7200" smtClean="0">
+              <a:solidFill>
+                <a:schemeClr val="bg1"/>
+              </a:solidFill>
+              <a:latin typeface="Courier New" panose="02070309020205020404" pitchFamily="49" charset="0"/>
+              <a:cs typeface="Courier New" panose="02070309020205020404" pitchFamily="49" charset="0"/>
+            </a:endParaRPr>
+          </a:p>
+        </p:txBody>
+      </p:sp>
+    </p:spTree>
+    <p:extLst>
+      <p:ext uri="{BB962C8B-B14F-4D97-AF65-F5344CB8AC3E}">
+        <p14:creationId xmlns:p14="http://schemas.microsoft.com/office/powerpoint/2010/main" val="2708945502"/>
+      </p:ext>
+    </p:extLst>
+  </p:cSld>
+  <p:clrMapOvr>
+    <a:masterClrMapping/>
+  </p:clrMapOvr>
+  <p:timing>
+    <p:tnLst>
+      <p:par>
+        <p:cTn id="1" dur="indefinite" restart="never" nodeType="tmRoot"/>
+      </p:par>
+    </p:tnLst>
+  </p:timing>
+</p:sld>
+</file>
+
+<file path=ppt/slides/slide5.xml><?xml version="1.0" encoding="utf-8"?>
+<p:sld xmlns:a="http://schemas.openxmlformats.org/drawingml/2006/main" xmlns:r="http://schemas.openxmlformats.org/officeDocument/2006/relationships" xmlns:p="http://schemas.openxmlformats.org/presentationml/2006/main">
+  <p:cSld>
+    <p:bg>
+      <p:bgPr>
+        <a:solidFill>
+          <a:schemeClr val="tx1"/>
+        </a:solidFill>
+        <a:effectLst/>
+      </p:bgPr>
+    </p:bg>
+    <p:spTree>
+      <p:nvGrpSpPr>
+        <p:cNvPr id="1" name=""/>
+        <p:cNvGrpSpPr/>
+        <p:nvPr/>
+      </p:nvGrpSpPr>
+      <p:grpSpPr>
+        <a:xfrm>
+          <a:off x="0" y="0"/>
+          <a:ext cx="0" cy="0"/>
+          <a:chOff x="0" y="0"/>
+          <a:chExt cx="0" cy="0"/>
+        </a:xfrm>
+      </p:grpSpPr>
+      <p:sp>
+        <p:nvSpPr>
+          <p:cNvPr id="2" name="Titel 1"/>
+          <p:cNvSpPr>
+            <a:spLocks noGrp="1"/>
+          </p:cNvSpPr>
+          <p:nvPr>
+            <p:ph type="title"/>
+          </p:nvPr>
+        </p:nvSpPr>
+        <p:spPr>
+          <a:xfrm>
+            <a:off x="457200" y="1637928"/>
+            <a:ext cx="8229600" cy="1143000"/>
+          </a:xfrm>
+        </p:spPr>
+        <p:txBody>
+          <a:bodyPr>
+            <a:noAutofit/>
+          </a:bodyPr>
+          <a:lstStyle/>
+          <a:p>
+            <a:r>
+              <a:rPr lang="en-US" sz="6000" smtClean="0">
+                <a:solidFill>
+                  <a:srgbClr val="558ED5"/>
+                </a:solidFill>
+                <a:latin typeface="Courier New" panose="02070309020205020404" pitchFamily="49" charset="0"/>
+                <a:cs typeface="Courier New" panose="02070309020205020404" pitchFamily="49" charset="0"/>
+                <a:hlinkClick r:id="rId2"/>
+              </a:rPr>
+              <a:t>R-68-REQUIRED-PROPERTIES</a:t>
+            </a:r>
+            <a:endParaRPr lang="en-US" sz="5400">
+              <a:solidFill>
+                <a:srgbClr val="558ED5"/>
+              </a:solidFill>
+              <a:latin typeface="Courier New" panose="02070309020205020404" pitchFamily="49" charset="0"/>
+              <a:cs typeface="Courier New" panose="02070309020205020404" pitchFamily="49" charset="0"/>
+            </a:endParaRPr>
+          </a:p>
+        </p:txBody>
+      </p:sp>
+      <p:sp>
+        <p:nvSpPr>
+          <p:cNvPr id="3" name="Inhaltsplatzhalter 2"/>
+          <p:cNvSpPr>
+            <a:spLocks noGrp="1"/>
+          </p:cNvSpPr>
+          <p:nvPr>
+            <p:ph idx="1"/>
+          </p:nvPr>
+        </p:nvSpPr>
+        <p:spPr>
+          <a:xfrm>
+            <a:off x="457200" y="4476253"/>
+            <a:ext cx="8229600" cy="2193107"/>
+          </a:xfrm>
+        </p:spPr>
+        <p:txBody>
+          <a:bodyPr/>
+          <a:lstStyle/>
+          <a:p>
+            <a:pPr marL="0" indent="0" algn="ctr">
+              <a:buNone/>
+            </a:pPr>
+            <a:r>
+              <a:rPr lang="en-US" smtClean="0">
+                <a:solidFill>
+                  <a:schemeClr val="bg1"/>
+                </a:solidFill>
+                <a:latin typeface="Courier New" panose="02070309020205020404" pitchFamily="49" charset="0"/>
+                <a:cs typeface="Courier New" panose="02070309020205020404" pitchFamily="49" charset="0"/>
+              </a:rPr>
+              <a:t>Bibframe, DQTP, </a:t>
+            </a:r>
+            <a:r>
+              <a:rPr lang="en-US" smtClean="0">
+                <a:solidFill>
+                  <a:srgbClr val="558ED5"/>
+                </a:solidFill>
+                <a:latin typeface="Courier New" panose="02070309020205020404" pitchFamily="49" charset="0"/>
+                <a:cs typeface="Courier New" panose="02070309020205020404" pitchFamily="49" charset="0"/>
+              </a:rPr>
+              <a:t>DSP</a:t>
+            </a:r>
+            <a:r>
+              <a:rPr lang="en-US" smtClean="0">
+                <a:solidFill>
+                  <a:schemeClr val="bg1"/>
+                </a:solidFill>
+                <a:latin typeface="Courier New" panose="02070309020205020404" pitchFamily="49" charset="0"/>
+                <a:cs typeface="Courier New" panose="02070309020205020404" pitchFamily="49" charset="0"/>
+              </a:rPr>
+              <a:t>, </a:t>
+            </a:r>
+            <a:r>
+              <a:rPr lang="en-US" smtClean="0">
+                <a:solidFill>
+                  <a:srgbClr val="558ED5"/>
+                </a:solidFill>
+                <a:latin typeface="Courier New" panose="02070309020205020404" pitchFamily="49" charset="0"/>
+                <a:cs typeface="Courier New" panose="02070309020205020404" pitchFamily="49" charset="0"/>
+              </a:rPr>
+              <a:t>OWL 2</a:t>
+            </a:r>
+            <a:r>
+              <a:rPr lang="en-US" smtClean="0">
+                <a:solidFill>
+                  <a:schemeClr val="bg1"/>
+                </a:solidFill>
+                <a:latin typeface="Courier New" panose="02070309020205020404" pitchFamily="49" charset="0"/>
+                <a:cs typeface="Courier New" panose="02070309020205020404" pitchFamily="49" charset="0"/>
+              </a:rPr>
+              <a:t>, ReSh, ShEx, SPIN</a:t>
+            </a:r>
+            <a:r>
+              <a:rPr lang="en-US">
+                <a:solidFill>
+                  <a:schemeClr val="bg1"/>
+                </a:solidFill>
+                <a:latin typeface="Courier New" panose="02070309020205020404" pitchFamily="49" charset="0"/>
+                <a:cs typeface="Courier New" panose="02070309020205020404" pitchFamily="49" charset="0"/>
+              </a:rPr>
+              <a:t>, SPARQL</a:t>
+            </a:r>
+          </a:p>
+        </p:txBody>
+      </p:sp>
+    </p:spTree>
+    <p:extLst>
+      <p:ext uri="{BB962C8B-B14F-4D97-AF65-F5344CB8AC3E}">
+        <p14:creationId xmlns:p14="http://schemas.microsoft.com/office/powerpoint/2010/main" val="2311979519"/>
       </p:ext>
     </p:extLst>
   </p:cSld>
@@ -9787,6 +10444,14 @@
 <file path=ppt/slides/slide6.xml><?xml version="1.0" encoding="utf-8"?>
 <p:sld xmlns:a="http://schemas.openxmlformats.org/drawingml/2006/main" xmlns:r="http://schemas.openxmlformats.org/officeDocument/2006/relationships" xmlns:p="http://schemas.openxmlformats.org/presentationml/2006/main">
   <p:cSld>
+    <p:bg>
+      <p:bgPr>
+        <a:solidFill>
+          <a:schemeClr val="tx1"/>
+        </a:solidFill>
+        <a:effectLst/>
+      </p:bgPr>
+    </p:bg>
     <p:spTree>
       <p:nvGrpSpPr>
         <p:cNvPr id="1" name=""/>
@@ -9803,18 +10468,18 @@
       </p:grpSpPr>
       <p:sp>
         <p:nvSpPr>
-          <p:cNvPr id="2" name="Titel 1"/>
-          <p:cNvSpPr>
-            <a:spLocks noGrp="1"/>
-          </p:cNvSpPr>
-          <p:nvPr>
-            <p:ph type="title"/>
+          <p:cNvPr id="5" name="Inhaltsplatzhalter 4"/>
+          <p:cNvSpPr>
+            <a:spLocks noGrp="1"/>
+          </p:cNvSpPr>
+          <p:nvPr>
+            <p:ph idx="1"/>
           </p:nvPr>
         </p:nvSpPr>
         <p:spPr>
           <a:xfrm>
-            <a:off x="0" y="0"/>
-            <a:ext cx="9144000" cy="6858000"/>
+            <a:off x="179512" y="476672"/>
+            <a:ext cx="8712968" cy="5649491"/>
           </a:xfrm>
         </p:spPr>
         <p:txBody>
@@ -9823,52 +10488,139 @@
           </a:bodyPr>
           <a:lstStyle/>
           <a:p>
-            <a:r>
-              <a:rPr lang="de-DE" sz="6000" smtClean="0"/>
-              <a:t>Which </a:t>
-            </a:r>
-            <a:br>
-              <a:rPr lang="de-DE" sz="6000" smtClean="0"/>
-            </a:br>
-            <a:r>
-              <a:rPr lang="de-DE" sz="11500" b="1" smtClean="0">
-                <a:solidFill>
-                  <a:srgbClr val="0000CC"/>
-                </a:solidFill>
-              </a:rPr>
-              <a:t>microdata</a:t>
-            </a:r>
-            <a:r>
-              <a:rPr lang="de-DE" sz="6000" smtClean="0"/>
-              <a:t> </a:t>
-            </a:r>
-            <a:r>
-              <a:rPr lang="de-DE" sz="4800" smtClean="0"/>
-              <a:t>does exist</a:t>
-            </a:r>
-            <a:r>
-              <a:rPr lang="de-DE" sz="6000" smtClean="0"/>
-              <a:t/>
-            </a:r>
-            <a:br>
-              <a:rPr lang="de-DE" sz="6000" smtClean="0"/>
-            </a:br>
-            <a:r>
-              <a:rPr lang="de-DE" sz="6000" smtClean="0"/>
-              <a:t>according </a:t>
-            </a:r>
-            <a:r>
-              <a:rPr lang="de-DE" sz="6000"/>
-              <a:t>to specific </a:t>
-            </a:r>
-            <a:r>
-              <a:rPr lang="de-DE" sz="8000" b="1" smtClean="0"/>
-              <a:t>metadata?</a:t>
-            </a:r>
-            <a:endParaRPr lang="en-US" sz="23900" b="1">
+            <a:pPr marL="0" indent="0" algn="ctr">
+              <a:buNone/>
+            </a:pPr>
+            <a:r>
+              <a:rPr lang="de-DE" sz="5400">
+                <a:solidFill>
+                  <a:schemeClr val="bg1"/>
+                </a:solidFill>
+                <a:latin typeface="Courier New" panose="02070309020205020404" pitchFamily="49" charset="0"/>
+                <a:cs typeface="Courier New" panose="02070309020205020404" pitchFamily="49" charset="0"/>
+              </a:rPr>
+              <a:t>valid </a:t>
+            </a:r>
+            <a:r>
+              <a:rPr lang="de-DE" sz="5400" smtClean="0">
+                <a:solidFill>
+                  <a:schemeClr val="bg1"/>
+                </a:solidFill>
+                <a:latin typeface="Courier New" panose="02070309020205020404" pitchFamily="49" charset="0"/>
+                <a:cs typeface="Courier New" panose="02070309020205020404" pitchFamily="49" charset="0"/>
+              </a:rPr>
+              <a:t>data</a:t>
+            </a:r>
+          </a:p>
+          <a:p>
+            <a:pPr marL="0" indent="0" algn="ctr">
+              <a:buNone/>
+            </a:pPr>
+            <a:endParaRPr lang="en-US" sz="2000" smtClean="0">
               <a:solidFill>
-                <a:srgbClr val="0000CC"/>
+                <a:schemeClr val="bg1"/>
               </a:solidFill>
+              <a:latin typeface="Courier New" panose="02070309020205020404" pitchFamily="49" charset="0"/>
+              <a:cs typeface="Courier New" panose="02070309020205020404" pitchFamily="49" charset="0"/>
+            </a:endParaRPr>
+          </a:p>
+          <a:p>
+            <a:pPr marL="0" indent="0">
+              <a:buNone/>
+            </a:pPr>
+            <a:r>
+              <a:rPr lang="en-US" sz="2400" smtClean="0">
+                <a:solidFill>
+                  <a:schemeClr val="bg1"/>
+                </a:solidFill>
+                <a:latin typeface="Courier New" panose="02070309020205020404" pitchFamily="49" charset="0"/>
+                <a:cs typeface="Courier New" panose="02070309020205020404" pitchFamily="49" charset="0"/>
+              </a:rPr>
+              <a:t>:dcmi </a:t>
+            </a:r>
+            <a:endParaRPr lang="en-US" sz="2400">
+              <a:solidFill>
+                <a:schemeClr val="bg1"/>
+              </a:solidFill>
+              <a:latin typeface="Courier New" panose="02070309020205020404" pitchFamily="49" charset="0"/>
+              <a:cs typeface="Courier New" panose="02070309020205020404" pitchFamily="49" charset="0"/>
+            </a:endParaRPr>
+          </a:p>
+          <a:p>
+            <a:pPr marL="0" indent="0">
+              <a:buNone/>
+            </a:pPr>
+            <a:r>
+              <a:rPr lang="en-US" sz="2400">
+                <a:solidFill>
+                  <a:schemeClr val="bg1"/>
+                </a:solidFill>
+                <a:latin typeface="Courier New" panose="02070309020205020404" pitchFamily="49" charset="0"/>
+                <a:cs typeface="Courier New" panose="02070309020205020404" pitchFamily="49" charset="0"/>
+              </a:rPr>
+              <a:t>    a</a:t>
+            </a:r>
+            <a:r>
+              <a:rPr lang="en-US" sz="2400" smtClean="0">
+                <a:solidFill>
+                  <a:schemeClr val="bg1"/>
+                </a:solidFill>
+                <a:latin typeface="Courier New" panose="02070309020205020404" pitchFamily="49" charset="0"/>
+                <a:cs typeface="Courier New" panose="02070309020205020404" pitchFamily="49" charset="0"/>
+              </a:rPr>
+              <a:t> :Organization </a:t>
+            </a:r>
+            <a:r>
+              <a:rPr lang="en-US" sz="2400">
+                <a:solidFill>
+                  <a:schemeClr val="bg1"/>
+                </a:solidFill>
+                <a:latin typeface="Courier New" panose="02070309020205020404" pitchFamily="49" charset="0"/>
+                <a:cs typeface="Courier New" panose="02070309020205020404" pitchFamily="49" charset="0"/>
+              </a:rPr>
+              <a:t>;</a:t>
+            </a:r>
+          </a:p>
+          <a:p>
+            <a:pPr marL="0" indent="0">
+              <a:buNone/>
+            </a:pPr>
+            <a:r>
+              <a:rPr lang="en-US" sz="2400">
+                <a:solidFill>
+                  <a:schemeClr val="bg1"/>
+                </a:solidFill>
+                <a:latin typeface="Courier New" panose="02070309020205020404" pitchFamily="49" charset="0"/>
+                <a:cs typeface="Courier New" panose="02070309020205020404" pitchFamily="49" charset="0"/>
+              </a:rPr>
+              <a:t>    </a:t>
+            </a:r>
+            <a:r>
+              <a:rPr lang="en-US" sz="2400" smtClean="0">
+                <a:solidFill>
+                  <a:srgbClr val="558ED5"/>
+                </a:solidFill>
+                <a:latin typeface="Courier New" panose="02070309020205020404" pitchFamily="49" charset="0"/>
+                <a:cs typeface="Courier New" panose="02070309020205020404" pitchFamily="49" charset="0"/>
+              </a:rPr>
+              <a:t>:name </a:t>
+            </a:r>
+            <a:r>
+              <a:rPr lang="en-US" sz="2400">
+                <a:solidFill>
+                  <a:schemeClr val="bg1"/>
+                </a:solidFill>
+                <a:latin typeface="Courier New" panose="02070309020205020404" pitchFamily="49" charset="0"/>
+                <a:cs typeface="Courier New" panose="02070309020205020404" pitchFamily="49" charset="0"/>
+              </a:rPr>
+              <a:t>"Dublin Core Metadata Initiative" .</a:t>
+            </a:r>
+            <a:endParaRPr lang="en-US" sz="2400" smtClean="0">
+              <a:solidFill>
+                <a:schemeClr val="bg1"/>
+              </a:solidFill>
+              <a:latin typeface="Courier New" panose="02070309020205020404" pitchFamily="49" charset="0"/>
+              <a:cs typeface="Courier New" panose="02070309020205020404" pitchFamily="49" charset="0"/>
             </a:endParaRPr>
           </a:p>
         </p:txBody>
@@ -9876,7 +10628,7 @@
     </p:spTree>
     <p:extLst>
       <p:ext uri="{BB962C8B-B14F-4D97-AF65-F5344CB8AC3E}">
-        <p14:creationId xmlns:p14="http://schemas.microsoft.com/office/powerpoint/2010/main" val="1054942560"/>
+        <p14:creationId xmlns:p14="http://schemas.microsoft.com/office/powerpoint/2010/main" val="560251982"/>
       </p:ext>
     </p:extLst>
   </p:cSld>
@@ -9896,6 +10648,14 @@
 <file path=ppt/slides/slide7.xml><?xml version="1.0" encoding="utf-8"?>
 <p:sld xmlns:a="http://schemas.openxmlformats.org/drawingml/2006/main" xmlns:r="http://schemas.openxmlformats.org/officeDocument/2006/relationships" xmlns:p="http://schemas.openxmlformats.org/presentationml/2006/main">
   <p:cSld>
+    <p:bg>
+      <p:bgPr>
+        <a:solidFill>
+          <a:schemeClr val="tx1"/>
+        </a:solidFill>
+        <a:effectLst/>
+      </p:bgPr>
+    </p:bg>
     <p:spTree>
       <p:nvGrpSpPr>
         <p:cNvPr id="1" name=""/>
@@ -9912,7 +10672,7 @@
       </p:grpSpPr>
       <p:sp>
         <p:nvSpPr>
-          <p:cNvPr id="2" name="Titel 1"/>
+          <p:cNvPr id="4" name="Titel 3"/>
           <p:cNvSpPr>
             <a:spLocks noGrp="1"/>
           </p:cNvSpPr>
@@ -9928,58 +10688,508 @@
           <a:lstStyle/>
           <a:p>
             <a:r>
-              <a:rPr lang="de-DE" sz="6000" b="1" smtClean="0"/>
-              <a:t>Why DDI as Linked Data?</a:t>
-            </a:r>
-            <a:endParaRPr lang="en-US" sz="6000" b="1"/>
-          </a:p>
-        </p:txBody>
-      </p:sp>
-      <p:pic>
-        <p:nvPicPr>
-          <p:cNvPr id="4" name="Picture 2" descr="C:\Daten\Studium\Promotion\workshops\2013\SemStats\presentation\figures\Why DDI as Linked Data_200dpi.png"/>
-          <p:cNvPicPr>
-            <a:picLocks noChangeAspect="1" noChangeArrowheads="1"/>
-          </p:cNvPicPr>
-          <p:nvPr/>
-        </p:nvPicPr>
-        <p:blipFill>
-          <a:blip r:embed="rId3">
-            <a:extLst>
-              <a:ext uri="{28A0092B-C50C-407E-A947-70E740481C1C}">
-                <a14:useLocalDpi xmlns:a14="http://schemas.microsoft.com/office/drawing/2010/main" val="0"/>
-              </a:ext>
-            </a:extLst>
-          </a:blip>
-          <a:srcRect/>
-          <a:stretch>
-            <a:fillRect/>
-          </a:stretch>
-        </p:blipFill>
-        <p:spPr bwMode="auto">
+              <a:rPr lang="de-DE" sz="5400">
+                <a:solidFill>
+                  <a:schemeClr val="bg1"/>
+                </a:solidFill>
+                <a:latin typeface="Courier New" panose="02070309020205020404" pitchFamily="49" charset="0"/>
+                <a:cs typeface="Courier New" panose="02070309020205020404" pitchFamily="49" charset="0"/>
+              </a:rPr>
+              <a:t>c</a:t>
+            </a:r>
+            <a:r>
+              <a:rPr lang="de-DE" sz="5400" smtClean="0">
+                <a:solidFill>
+                  <a:schemeClr val="bg1"/>
+                </a:solidFill>
+                <a:latin typeface="Courier New" panose="02070309020205020404" pitchFamily="49" charset="0"/>
+                <a:cs typeface="Courier New" panose="02070309020205020404" pitchFamily="49" charset="0"/>
+              </a:rPr>
+              <a:t>onstraint (DSP)</a:t>
+            </a:r>
+            <a:endParaRPr lang="en-US" sz="5400">
+              <a:solidFill>
+                <a:schemeClr val="bg1"/>
+              </a:solidFill>
+              <a:latin typeface="Courier New" panose="02070309020205020404" pitchFamily="49" charset="0"/>
+              <a:cs typeface="Courier New" panose="02070309020205020404" pitchFamily="49" charset="0"/>
+            </a:endParaRPr>
+          </a:p>
+        </p:txBody>
+      </p:sp>
+      <p:sp>
+        <p:nvSpPr>
+          <p:cNvPr id="5" name="Inhaltsplatzhalter 4"/>
+          <p:cNvSpPr>
+            <a:spLocks noGrp="1"/>
+          </p:cNvSpPr>
+          <p:nvPr>
+            <p:ph idx="1"/>
+          </p:nvPr>
+        </p:nvSpPr>
+        <p:spPr>
           <a:xfrm>
-            <a:off x="0" y="1577619"/>
-            <a:ext cx="9144000" cy="5163749"/>
+            <a:off x="457200" y="1600200"/>
+            <a:ext cx="8229600" cy="4925144"/>
           </a:xfrm>
-          <a:prstGeom prst="rect">
-            <a:avLst/>
-          </a:prstGeom>
-          <a:noFill/>
-          <a:extLst>
-            <a:ext uri="{909E8E84-426E-40DD-AFC4-6F175D3DCCD1}">
-              <a14:hiddenFill xmlns:a14="http://schemas.microsoft.com/office/drawing/2010/main">
-                <a:solidFill>
-                  <a:srgbClr val="FFFFFF"/>
-                </a:solidFill>
-              </a14:hiddenFill>
-            </a:ext>
-          </a:extLst>
         </p:spPr>
-      </p:pic>
+        <p:txBody>
+          <a:bodyPr>
+            <a:normAutofit/>
+          </a:bodyPr>
+          <a:lstStyle/>
+          <a:p>
+            <a:pPr marL="0" indent="0">
+              <a:buNone/>
+            </a:pPr>
+            <a:r>
+              <a:rPr lang="en-US" sz="2400" smtClean="0">
+                <a:solidFill>
+                  <a:schemeClr val="bg1"/>
+                </a:solidFill>
+                <a:latin typeface="Courier New" panose="02070309020205020404" pitchFamily="49" charset="0"/>
+                <a:cs typeface="Courier New" panose="02070309020205020404" pitchFamily="49" charset="0"/>
+              </a:rPr>
+              <a:t>:</a:t>
+            </a:r>
+            <a:r>
+              <a:rPr lang="en-US" sz="2400">
+                <a:solidFill>
+                  <a:schemeClr val="bg1"/>
+                </a:solidFill>
+                <a:latin typeface="Courier New" panose="02070309020205020404" pitchFamily="49" charset="0"/>
+                <a:cs typeface="Courier New" panose="02070309020205020404" pitchFamily="49" charset="0"/>
+              </a:rPr>
+              <a:t>organizationDescriptionTemplate</a:t>
+            </a:r>
+          </a:p>
+          <a:p>
+            <a:pPr marL="0" indent="0">
+              <a:buNone/>
+            </a:pPr>
+            <a:r>
+              <a:rPr lang="en-US" sz="2400" smtClean="0">
+                <a:solidFill>
+                  <a:schemeClr val="bg1"/>
+                </a:solidFill>
+                <a:latin typeface="Courier New" panose="02070309020205020404" pitchFamily="49" charset="0"/>
+                <a:cs typeface="Courier New" panose="02070309020205020404" pitchFamily="49" charset="0"/>
+              </a:rPr>
+              <a:t>    a </a:t>
+            </a:r>
+            <a:r>
+              <a:rPr lang="en-US" sz="2400">
+                <a:solidFill>
+                  <a:schemeClr val="bg1"/>
+                </a:solidFill>
+                <a:latin typeface="Courier New" panose="02070309020205020404" pitchFamily="49" charset="0"/>
+                <a:cs typeface="Courier New" panose="02070309020205020404" pitchFamily="49" charset="0"/>
+              </a:rPr>
+              <a:t>dsp:DescriptionTemplate ;</a:t>
+            </a:r>
+          </a:p>
+          <a:p>
+            <a:pPr marL="0" indent="0">
+              <a:buNone/>
+            </a:pPr>
+            <a:r>
+              <a:rPr lang="en-US" sz="2400">
+                <a:solidFill>
+                  <a:schemeClr val="bg1"/>
+                </a:solidFill>
+                <a:latin typeface="Courier New" panose="02070309020205020404" pitchFamily="49" charset="0"/>
+                <a:cs typeface="Courier New" panose="02070309020205020404" pitchFamily="49" charset="0"/>
+              </a:rPr>
+              <a:t>    </a:t>
+            </a:r>
+            <a:r>
+              <a:rPr lang="en-US" sz="2400" smtClean="0">
+                <a:solidFill>
+                  <a:schemeClr val="bg1"/>
+                </a:solidFill>
+                <a:latin typeface="Courier New" panose="02070309020205020404" pitchFamily="49" charset="0"/>
+                <a:cs typeface="Courier New" panose="02070309020205020404" pitchFamily="49" charset="0"/>
+              </a:rPr>
+              <a:t>dsp:minOccur 1 </a:t>
+            </a:r>
+            <a:r>
+              <a:rPr lang="en-US" sz="2400">
+                <a:solidFill>
+                  <a:schemeClr val="bg1"/>
+                </a:solidFill>
+                <a:latin typeface="Courier New" panose="02070309020205020404" pitchFamily="49" charset="0"/>
+                <a:cs typeface="Courier New" panose="02070309020205020404" pitchFamily="49" charset="0"/>
+              </a:rPr>
+              <a:t>; </a:t>
+            </a:r>
+          </a:p>
+          <a:p>
+            <a:pPr marL="0" indent="0">
+              <a:buNone/>
+            </a:pPr>
+            <a:r>
+              <a:rPr lang="en-US" sz="2400">
+                <a:solidFill>
+                  <a:schemeClr val="bg1"/>
+                </a:solidFill>
+                <a:latin typeface="Courier New" panose="02070309020205020404" pitchFamily="49" charset="0"/>
+                <a:cs typeface="Courier New" panose="02070309020205020404" pitchFamily="49" charset="0"/>
+              </a:rPr>
+              <a:t>    </a:t>
+            </a:r>
+            <a:r>
+              <a:rPr lang="en-US" sz="2400" smtClean="0">
+                <a:solidFill>
+                  <a:schemeClr val="bg1"/>
+                </a:solidFill>
+                <a:latin typeface="Courier New" panose="02070309020205020404" pitchFamily="49" charset="0"/>
+                <a:cs typeface="Courier New" panose="02070309020205020404" pitchFamily="49" charset="0"/>
+              </a:rPr>
+              <a:t>dsp:maxOccur </a:t>
+            </a:r>
+            <a:r>
+              <a:rPr lang="en-US" sz="2400">
+                <a:solidFill>
+                  <a:schemeClr val="bg1"/>
+                </a:solidFill>
+                <a:latin typeface="Courier New" panose="02070309020205020404" pitchFamily="49" charset="0"/>
+                <a:cs typeface="Courier New" panose="02070309020205020404" pitchFamily="49" charset="0"/>
+              </a:rPr>
+              <a:t>"infinity</a:t>
+            </a:r>
+            <a:r>
+              <a:rPr lang="en-US" sz="2400" smtClean="0">
+                <a:solidFill>
+                  <a:schemeClr val="bg1"/>
+                </a:solidFill>
+                <a:latin typeface="Courier New" panose="02070309020205020404" pitchFamily="49" charset="0"/>
+                <a:cs typeface="Courier New" panose="02070309020205020404" pitchFamily="49" charset="0"/>
+              </a:rPr>
+              <a:t>" </a:t>
+            </a:r>
+            <a:r>
+              <a:rPr lang="en-US" sz="2400">
+                <a:solidFill>
+                  <a:schemeClr val="bg1"/>
+                </a:solidFill>
+                <a:latin typeface="Courier New" panose="02070309020205020404" pitchFamily="49" charset="0"/>
+                <a:cs typeface="Courier New" panose="02070309020205020404" pitchFamily="49" charset="0"/>
+              </a:rPr>
+              <a:t>; </a:t>
+            </a:r>
+          </a:p>
+          <a:p>
+            <a:pPr marL="0" indent="0">
+              <a:buNone/>
+            </a:pPr>
+            <a:r>
+              <a:rPr lang="en-US" sz="2400">
+                <a:solidFill>
+                  <a:schemeClr val="bg1"/>
+                </a:solidFill>
+                <a:latin typeface="Courier New" panose="02070309020205020404" pitchFamily="49" charset="0"/>
+                <a:cs typeface="Courier New" panose="02070309020205020404" pitchFamily="49" charset="0"/>
+              </a:rPr>
+              <a:t>    </a:t>
+            </a:r>
+            <a:r>
+              <a:rPr lang="en-US" sz="2400" smtClean="0">
+                <a:solidFill>
+                  <a:schemeClr val="bg1"/>
+                </a:solidFill>
+                <a:latin typeface="Courier New" panose="02070309020205020404" pitchFamily="49" charset="0"/>
+                <a:cs typeface="Courier New" panose="02070309020205020404" pitchFamily="49" charset="0"/>
+              </a:rPr>
+              <a:t>dsp:resourceClass </a:t>
+            </a:r>
+            <a:r>
+              <a:rPr lang="en-US" sz="2400" smtClean="0">
+                <a:solidFill>
+                  <a:schemeClr val="tx2">
+                    <a:lumMod val="60000"/>
+                    <a:lumOff val="40000"/>
+                  </a:schemeClr>
+                </a:solidFill>
+                <a:latin typeface="Courier New" panose="02070309020205020404" pitchFamily="49" charset="0"/>
+                <a:cs typeface="Courier New" panose="02070309020205020404" pitchFamily="49" charset="0"/>
+              </a:rPr>
+              <a:t>:O</a:t>
+            </a:r>
+            <a:r>
+              <a:rPr lang="en-US" sz="2400" smtClean="0">
+                <a:solidFill>
+                  <a:srgbClr val="558ED5"/>
+                </a:solidFill>
+                <a:latin typeface="Courier New" panose="02070309020205020404" pitchFamily="49" charset="0"/>
+                <a:cs typeface="Courier New" panose="02070309020205020404" pitchFamily="49" charset="0"/>
+              </a:rPr>
+              <a:t>rgan</a:t>
+            </a:r>
+            <a:r>
+              <a:rPr lang="en-US" sz="2400" smtClean="0">
+                <a:solidFill>
+                  <a:schemeClr val="tx2">
+                    <a:lumMod val="60000"/>
+                    <a:lumOff val="40000"/>
+                  </a:schemeClr>
+                </a:solidFill>
+                <a:latin typeface="Courier New" panose="02070309020205020404" pitchFamily="49" charset="0"/>
+                <a:cs typeface="Courier New" panose="02070309020205020404" pitchFamily="49" charset="0"/>
+              </a:rPr>
+              <a:t>ization </a:t>
+            </a:r>
+            <a:r>
+              <a:rPr lang="en-US" sz="2400">
+                <a:solidFill>
+                  <a:schemeClr val="bg1"/>
+                </a:solidFill>
+                <a:latin typeface="Courier New" panose="02070309020205020404" pitchFamily="49" charset="0"/>
+                <a:cs typeface="Courier New" panose="02070309020205020404" pitchFamily="49" charset="0"/>
+              </a:rPr>
+              <a:t>; </a:t>
+            </a:r>
+          </a:p>
+          <a:p>
+            <a:pPr marL="0" indent="0">
+              <a:buNone/>
+            </a:pPr>
+            <a:r>
+              <a:rPr lang="en-US" sz="2400">
+                <a:solidFill>
+                  <a:schemeClr val="bg1"/>
+                </a:solidFill>
+                <a:latin typeface="Courier New" panose="02070309020205020404" pitchFamily="49" charset="0"/>
+                <a:cs typeface="Courier New" panose="02070309020205020404" pitchFamily="49" charset="0"/>
+              </a:rPr>
+              <a:t>    </a:t>
+            </a:r>
+            <a:r>
+              <a:rPr lang="en-US" sz="2400" smtClean="0">
+                <a:solidFill>
+                  <a:schemeClr val="bg1"/>
+                </a:solidFill>
+                <a:latin typeface="Courier New" panose="02070309020205020404" pitchFamily="49" charset="0"/>
+                <a:cs typeface="Courier New" panose="02070309020205020404" pitchFamily="49" charset="0"/>
+              </a:rPr>
+              <a:t>dsp:statementTemplate </a:t>
+            </a:r>
+            <a:r>
+              <a:rPr lang="en-US" sz="2400">
+                <a:solidFill>
+                  <a:schemeClr val="bg1"/>
+                </a:solidFill>
+                <a:latin typeface="Courier New" panose="02070309020205020404" pitchFamily="49" charset="0"/>
+                <a:cs typeface="Courier New" panose="02070309020205020404" pitchFamily="49" charset="0"/>
+              </a:rPr>
+              <a:t>[</a:t>
+            </a:r>
+          </a:p>
+          <a:p>
+            <a:pPr marL="0" indent="0">
+              <a:buNone/>
+            </a:pPr>
+            <a:r>
+              <a:rPr lang="en-US" sz="2400">
+                <a:solidFill>
+                  <a:schemeClr val="bg1"/>
+                </a:solidFill>
+                <a:latin typeface="Courier New" panose="02070309020205020404" pitchFamily="49" charset="0"/>
+                <a:cs typeface="Courier New" panose="02070309020205020404" pitchFamily="49" charset="0"/>
+              </a:rPr>
+              <a:t>     </a:t>
+            </a:r>
+            <a:r>
+              <a:rPr lang="en-US" sz="2400" smtClean="0">
+                <a:solidFill>
+                  <a:schemeClr val="bg1"/>
+                </a:solidFill>
+                <a:latin typeface="Courier New" panose="02070309020205020404" pitchFamily="49" charset="0"/>
+                <a:cs typeface="Courier New" panose="02070309020205020404" pitchFamily="49" charset="0"/>
+              </a:rPr>
+              <a:t>   a dsp:NonLiteralStatementTemplate;</a:t>
+            </a:r>
+            <a:endParaRPr lang="en-US" sz="2400">
+              <a:solidFill>
+                <a:schemeClr val="bg1"/>
+              </a:solidFill>
+              <a:latin typeface="Courier New" panose="02070309020205020404" pitchFamily="49" charset="0"/>
+              <a:cs typeface="Courier New" panose="02070309020205020404" pitchFamily="49" charset="0"/>
+            </a:endParaRPr>
+          </a:p>
+          <a:p>
+            <a:pPr marL="0" indent="0">
+              <a:buNone/>
+            </a:pPr>
+            <a:r>
+              <a:rPr lang="en-US" sz="2400">
+                <a:solidFill>
+                  <a:schemeClr val="bg1"/>
+                </a:solidFill>
+                <a:latin typeface="Courier New" panose="02070309020205020404" pitchFamily="49" charset="0"/>
+                <a:cs typeface="Courier New" panose="02070309020205020404" pitchFamily="49" charset="0"/>
+              </a:rPr>
+              <a:t>        </a:t>
+            </a:r>
+            <a:r>
+              <a:rPr lang="en-US" sz="2400" smtClean="0">
+                <a:solidFill>
+                  <a:schemeClr val="bg1"/>
+                </a:solidFill>
+                <a:latin typeface="Courier New" panose="02070309020205020404" pitchFamily="49" charset="0"/>
+                <a:cs typeface="Courier New" panose="02070309020205020404" pitchFamily="49" charset="0"/>
+              </a:rPr>
+              <a:t>dsp:minOccur </a:t>
+            </a:r>
+            <a:r>
+              <a:rPr lang="en-US" sz="2400" smtClean="0">
+                <a:solidFill>
+                  <a:schemeClr val="tx2">
+                    <a:lumMod val="60000"/>
+                    <a:lumOff val="40000"/>
+                  </a:schemeClr>
+                </a:solidFill>
+                <a:latin typeface="Courier New" panose="02070309020205020404" pitchFamily="49" charset="0"/>
+                <a:cs typeface="Courier New" panose="02070309020205020404" pitchFamily="49" charset="0"/>
+              </a:rPr>
+              <a:t>1</a:t>
+            </a:r>
+            <a:r>
+              <a:rPr lang="en-US" sz="2400" smtClean="0">
+                <a:solidFill>
+                  <a:schemeClr val="bg1"/>
+                </a:solidFill>
+                <a:latin typeface="Courier New" panose="02070309020205020404" pitchFamily="49" charset="0"/>
+                <a:cs typeface="Courier New" panose="02070309020205020404" pitchFamily="49" charset="0"/>
+              </a:rPr>
+              <a:t> </a:t>
+            </a:r>
+            <a:r>
+              <a:rPr lang="en-US" sz="2400">
+                <a:solidFill>
+                  <a:schemeClr val="bg1"/>
+                </a:solidFill>
+                <a:latin typeface="Courier New" panose="02070309020205020404" pitchFamily="49" charset="0"/>
+                <a:cs typeface="Courier New" panose="02070309020205020404" pitchFamily="49" charset="0"/>
+              </a:rPr>
+              <a:t>; </a:t>
+            </a:r>
+          </a:p>
+          <a:p>
+            <a:pPr marL="0" indent="0">
+              <a:buNone/>
+            </a:pPr>
+            <a:r>
+              <a:rPr lang="en-US" sz="2400">
+                <a:solidFill>
+                  <a:schemeClr val="bg1"/>
+                </a:solidFill>
+                <a:latin typeface="Courier New" panose="02070309020205020404" pitchFamily="49" charset="0"/>
+                <a:cs typeface="Courier New" panose="02070309020205020404" pitchFamily="49" charset="0"/>
+              </a:rPr>
+              <a:t>        </a:t>
+            </a:r>
+            <a:r>
+              <a:rPr lang="en-US" sz="2400" smtClean="0">
+                <a:solidFill>
+                  <a:schemeClr val="bg1"/>
+                </a:solidFill>
+                <a:latin typeface="Courier New" panose="02070309020205020404" pitchFamily="49" charset="0"/>
+                <a:cs typeface="Courier New" panose="02070309020205020404" pitchFamily="49" charset="0"/>
+              </a:rPr>
+              <a:t>dsp:maxOccur </a:t>
+            </a:r>
+            <a:r>
+              <a:rPr lang="en-US" sz="2400">
+                <a:solidFill>
+                  <a:schemeClr val="bg1"/>
+                </a:solidFill>
+                <a:latin typeface="Courier New" panose="02070309020205020404" pitchFamily="49" charset="0"/>
+                <a:cs typeface="Courier New" panose="02070309020205020404" pitchFamily="49" charset="0"/>
+              </a:rPr>
+              <a:t>"infinity</a:t>
+            </a:r>
+            <a:r>
+              <a:rPr lang="en-US" sz="2400" smtClean="0">
+                <a:solidFill>
+                  <a:schemeClr val="bg1"/>
+                </a:solidFill>
+                <a:latin typeface="Courier New" panose="02070309020205020404" pitchFamily="49" charset="0"/>
+                <a:cs typeface="Courier New" panose="02070309020205020404" pitchFamily="49" charset="0"/>
+              </a:rPr>
+              <a:t>" </a:t>
+            </a:r>
+            <a:r>
+              <a:rPr lang="en-US" sz="2400">
+                <a:solidFill>
+                  <a:schemeClr val="bg1"/>
+                </a:solidFill>
+                <a:latin typeface="Courier New" panose="02070309020205020404" pitchFamily="49" charset="0"/>
+                <a:cs typeface="Courier New" panose="02070309020205020404" pitchFamily="49" charset="0"/>
+              </a:rPr>
+              <a:t>; </a:t>
+            </a:r>
+          </a:p>
+          <a:p>
+            <a:pPr marL="0" indent="0">
+              <a:buNone/>
+            </a:pPr>
+            <a:r>
+              <a:rPr lang="en-US" sz="2400">
+                <a:solidFill>
+                  <a:schemeClr val="bg1"/>
+                </a:solidFill>
+                <a:latin typeface="Courier New" panose="02070309020205020404" pitchFamily="49" charset="0"/>
+                <a:cs typeface="Courier New" panose="02070309020205020404" pitchFamily="49" charset="0"/>
+              </a:rPr>
+              <a:t>        </a:t>
+            </a:r>
+            <a:r>
+              <a:rPr lang="en-US" sz="2400" smtClean="0">
+                <a:solidFill>
+                  <a:schemeClr val="bg1"/>
+                </a:solidFill>
+                <a:latin typeface="Courier New" panose="02070309020205020404" pitchFamily="49" charset="0"/>
+                <a:cs typeface="Courier New" panose="02070309020205020404" pitchFamily="49" charset="0"/>
+              </a:rPr>
+              <a:t>dsp:property </a:t>
+            </a:r>
+            <a:r>
+              <a:rPr lang="en-US" sz="2400" smtClean="0">
+                <a:solidFill>
+                  <a:schemeClr val="tx2">
+                    <a:lumMod val="60000"/>
+                    <a:lumOff val="40000"/>
+                  </a:schemeClr>
+                </a:solidFill>
+                <a:latin typeface="Courier New" panose="02070309020205020404" pitchFamily="49" charset="0"/>
+                <a:cs typeface="Courier New" panose="02070309020205020404" pitchFamily="49" charset="0"/>
+              </a:rPr>
+              <a:t>:name </a:t>
+            </a:r>
+            <a:r>
+              <a:rPr lang="en-US" sz="2400">
+                <a:solidFill>
+                  <a:schemeClr val="bg1"/>
+                </a:solidFill>
+                <a:latin typeface="Courier New" panose="02070309020205020404" pitchFamily="49" charset="0"/>
+                <a:cs typeface="Courier New" panose="02070309020205020404" pitchFamily="49" charset="0"/>
+              </a:rPr>
+              <a:t>] .</a:t>
+            </a:r>
+            <a:endParaRPr lang="en-US" sz="1800">
+              <a:solidFill>
+                <a:schemeClr val="bg1"/>
+              </a:solidFill>
+              <a:latin typeface="Courier New" panose="02070309020205020404" pitchFamily="49" charset="0"/>
+              <a:cs typeface="Courier New" panose="02070309020205020404" pitchFamily="49" charset="0"/>
+            </a:endParaRPr>
+          </a:p>
+        </p:txBody>
+      </p:sp>
     </p:spTree>
     <p:extLst>
       <p:ext uri="{BB962C8B-B14F-4D97-AF65-F5344CB8AC3E}">
-        <p14:creationId xmlns:p14="http://schemas.microsoft.com/office/powerpoint/2010/main" val="3256918215"/>
+        <p14:creationId xmlns:p14="http://schemas.microsoft.com/office/powerpoint/2010/main" val="3620782718"/>
       </p:ext>
     </p:extLst>
   </p:cSld>
@@ -9999,6 +11209,14 @@
 <file path=ppt/slides/slide8.xml><?xml version="1.0" encoding="utf-8"?>
 <p:sld xmlns:a="http://schemas.openxmlformats.org/drawingml/2006/main" xmlns:r="http://schemas.openxmlformats.org/officeDocument/2006/relationships" xmlns:p="http://schemas.openxmlformats.org/presentationml/2006/main">
   <p:cSld>
+    <p:bg>
+      <p:bgPr>
+        <a:solidFill>
+          <a:schemeClr val="tx1"/>
+        </a:solidFill>
+        <a:effectLst/>
+      </p:bgPr>
+    </p:bg>
     <p:spTree>
       <p:nvGrpSpPr>
         <p:cNvPr id="1" name=""/>
@@ -10013,297 +11231,173 @@
           <a:chExt cx="0" cy="0"/>
         </a:xfrm>
       </p:grpSpPr>
-      <p:pic>
-        <p:nvPicPr>
-          <p:cNvPr id="5" name="Picture 2" descr="C:\Daten\Studium\Promotion\workshops\2013\LDOW\figures\overview.wmf"/>
-          <p:cNvPicPr>
-            <a:picLocks noChangeAspect="1" noChangeArrowheads="1"/>
-          </p:cNvPicPr>
-          <p:nvPr/>
-        </p:nvPicPr>
-        <p:blipFill>
-          <a:blip r:embed="rId3" cstate="print">
-            <a:extLst>
-              <a:ext uri="{28A0092B-C50C-407E-A947-70E740481C1C}">
-                <a14:useLocalDpi xmlns:a14="http://schemas.microsoft.com/office/drawing/2010/main" val="0"/>
-              </a:ext>
-            </a:extLst>
-          </a:blip>
-          <a:srcRect/>
-          <a:stretch>
-            <a:fillRect/>
-          </a:stretch>
-        </p:blipFill>
-        <p:spPr bwMode="auto">
-          <a:xfrm>
-            <a:off x="395536" y="1124744"/>
-            <a:ext cx="8568952" cy="5735089"/>
-          </a:xfrm>
-          <a:prstGeom prst="rect">
-            <a:avLst/>
-          </a:prstGeom>
-          <a:noFill/>
-          <a:extLst>
-            <a:ext uri="{909E8E84-426E-40DD-AFC4-6F175D3DCCD1}">
-              <a14:hiddenFill xmlns:a14="http://schemas.microsoft.com/office/drawing/2010/main">
-                <a:solidFill>
-                  <a:srgbClr val="FFFFFF"/>
-                </a:solidFill>
-              </a14:hiddenFill>
-            </a:ext>
-          </a:extLst>
-        </p:spPr>
-      </p:pic>
-      <p:pic>
-        <p:nvPicPr>
-          <p:cNvPr id="6" name="Picture 2"/>
-          <p:cNvPicPr>
-            <a:picLocks noChangeAspect="1" noChangeArrowheads="1"/>
-          </p:cNvPicPr>
-          <p:nvPr/>
-        </p:nvPicPr>
-        <p:blipFill>
-          <a:blip r:embed="rId4">
-            <a:extLst>
-              <a:ext uri="{28A0092B-C50C-407E-A947-70E740481C1C}">
-                <a14:useLocalDpi xmlns:a14="http://schemas.microsoft.com/office/drawing/2010/main" val="0"/>
-              </a:ext>
-            </a:extLst>
-          </a:blip>
-          <a:srcRect/>
-          <a:stretch>
-            <a:fillRect/>
-          </a:stretch>
-        </p:blipFill>
-        <p:spPr bwMode="auto">
-          <a:xfrm>
-            <a:off x="276097" y="1052736"/>
-            <a:ext cx="8867903" cy="432048"/>
-          </a:xfrm>
-          <a:prstGeom prst="rect">
-            <a:avLst/>
-          </a:prstGeom>
-          <a:noFill/>
-          <a:ln>
-            <a:noFill/>
-          </a:ln>
-          <a:extLst>
-            <a:ext uri="{909E8E84-426E-40DD-AFC4-6F175D3DCCD1}">
-              <a14:hiddenFill xmlns:a14="http://schemas.microsoft.com/office/drawing/2010/main">
-                <a:solidFill>
-                  <a:schemeClr val="accent1"/>
-                </a:solidFill>
-              </a14:hiddenFill>
-            </a:ext>
-            <a:ext uri="{91240B29-F687-4F45-9708-019B960494DF}">
-              <a14:hiddenLine xmlns:a14="http://schemas.microsoft.com/office/drawing/2010/main" w="9525">
-                <a:solidFill>
-                  <a:schemeClr val="tx1"/>
-                </a:solidFill>
-                <a:miter lim="800000"/>
-                <a:headEnd/>
-                <a:tailEnd/>
-              </a14:hiddenLine>
-            </a:ext>
-          </a:extLst>
-        </p:spPr>
-      </p:pic>
-      <p:pic>
-        <p:nvPicPr>
-          <p:cNvPr id="7" name="Picture 2"/>
-          <p:cNvPicPr>
-            <a:picLocks noChangeAspect="1" noChangeArrowheads="1"/>
-          </p:cNvPicPr>
-          <p:nvPr/>
-        </p:nvPicPr>
-        <p:blipFill>
-          <a:blip r:embed="rId4">
-            <a:extLst>
-              <a:ext uri="{28A0092B-C50C-407E-A947-70E740481C1C}">
-                <a14:useLocalDpi xmlns:a14="http://schemas.microsoft.com/office/drawing/2010/main" val="0"/>
-              </a:ext>
-            </a:extLst>
-          </a:blip>
-          <a:srcRect/>
-          <a:stretch>
-            <a:fillRect/>
-          </a:stretch>
-        </p:blipFill>
-        <p:spPr bwMode="auto">
-          <a:xfrm>
-            <a:off x="179512" y="6620579"/>
-            <a:ext cx="8867903" cy="239253"/>
-          </a:xfrm>
-          <a:prstGeom prst="rect">
-            <a:avLst/>
-          </a:prstGeom>
-          <a:noFill/>
-          <a:ln>
-            <a:noFill/>
-          </a:ln>
-          <a:extLst>
-            <a:ext uri="{909E8E84-426E-40DD-AFC4-6F175D3DCCD1}">
-              <a14:hiddenFill xmlns:a14="http://schemas.microsoft.com/office/drawing/2010/main">
-                <a:solidFill>
-                  <a:schemeClr val="accent1"/>
-                </a:solidFill>
-              </a14:hiddenFill>
-            </a:ext>
-            <a:ext uri="{91240B29-F687-4F45-9708-019B960494DF}">
-              <a14:hiddenLine xmlns:a14="http://schemas.microsoft.com/office/drawing/2010/main" w="9525">
-                <a:solidFill>
-                  <a:schemeClr val="tx1"/>
-                </a:solidFill>
-                <a:miter lim="800000"/>
-                <a:headEnd/>
-                <a:tailEnd/>
-              </a14:hiddenLine>
-            </a:ext>
-          </a:extLst>
-        </p:spPr>
-      </p:pic>
-      <p:pic>
-        <p:nvPicPr>
-          <p:cNvPr id="8" name="Picture 2"/>
-          <p:cNvPicPr>
-            <a:picLocks noChangeAspect="1" noChangeArrowheads="1"/>
-          </p:cNvPicPr>
-          <p:nvPr/>
-        </p:nvPicPr>
-        <p:blipFill>
-          <a:blip r:embed="rId4">
-            <a:extLst>
-              <a:ext uri="{28A0092B-C50C-407E-A947-70E740481C1C}">
-                <a14:useLocalDpi xmlns:a14="http://schemas.microsoft.com/office/drawing/2010/main" val="0"/>
-              </a:ext>
-            </a:extLst>
-          </a:blip>
-          <a:srcRect/>
-          <a:stretch>
-            <a:fillRect/>
-          </a:stretch>
-        </p:blipFill>
-        <p:spPr bwMode="auto">
-          <a:xfrm>
-            <a:off x="274073" y="-9882"/>
-            <a:ext cx="265479" cy="6829935"/>
-          </a:xfrm>
-          <a:prstGeom prst="rect">
-            <a:avLst/>
-          </a:prstGeom>
-          <a:noFill/>
-          <a:ln>
-            <a:noFill/>
-          </a:ln>
-          <a:extLst>
-            <a:ext uri="{909E8E84-426E-40DD-AFC4-6F175D3DCCD1}">
-              <a14:hiddenFill xmlns:a14="http://schemas.microsoft.com/office/drawing/2010/main">
-                <a:solidFill>
-                  <a:schemeClr val="accent1"/>
-                </a:solidFill>
-              </a14:hiddenFill>
-            </a:ext>
-            <a:ext uri="{91240B29-F687-4F45-9708-019B960494DF}">
-              <a14:hiddenLine xmlns:a14="http://schemas.microsoft.com/office/drawing/2010/main" w="9525">
-                <a:solidFill>
-                  <a:schemeClr val="tx1"/>
-                </a:solidFill>
-                <a:miter lim="800000"/>
-                <a:headEnd/>
-                <a:tailEnd/>
-              </a14:hiddenLine>
-            </a:ext>
-          </a:extLst>
-        </p:spPr>
-      </p:pic>
-      <p:pic>
-        <p:nvPicPr>
-          <p:cNvPr id="9" name="Picture 2"/>
-          <p:cNvPicPr>
-            <a:picLocks noChangeAspect="1" noChangeArrowheads="1"/>
-          </p:cNvPicPr>
-          <p:nvPr/>
-        </p:nvPicPr>
-        <p:blipFill>
-          <a:blip r:embed="rId4">
-            <a:extLst>
-              <a:ext uri="{28A0092B-C50C-407E-A947-70E740481C1C}">
-                <a14:useLocalDpi xmlns:a14="http://schemas.microsoft.com/office/drawing/2010/main" val="0"/>
-              </a:ext>
-            </a:extLst>
-          </a:blip>
-          <a:srcRect/>
-          <a:stretch>
-            <a:fillRect/>
-          </a:stretch>
-        </p:blipFill>
-        <p:spPr bwMode="auto">
-          <a:xfrm>
-            <a:off x="8843025" y="-9882"/>
-            <a:ext cx="265479" cy="6829935"/>
-          </a:xfrm>
-          <a:prstGeom prst="rect">
-            <a:avLst/>
-          </a:prstGeom>
-          <a:noFill/>
-          <a:ln>
-            <a:noFill/>
-          </a:ln>
-          <a:extLst>
-            <a:ext uri="{909E8E84-426E-40DD-AFC4-6F175D3DCCD1}">
-              <a14:hiddenFill xmlns:a14="http://schemas.microsoft.com/office/drawing/2010/main">
-                <a:solidFill>
-                  <a:schemeClr val="accent1"/>
-                </a:solidFill>
-              </a14:hiddenFill>
-            </a:ext>
-            <a:ext uri="{91240B29-F687-4F45-9708-019B960494DF}">
-              <a14:hiddenLine xmlns:a14="http://schemas.microsoft.com/office/drawing/2010/main" w="9525">
-                <a:solidFill>
-                  <a:schemeClr val="tx1"/>
-                </a:solidFill>
-                <a:miter lim="800000"/>
-                <a:headEnd/>
-                <a:tailEnd/>
-              </a14:hiddenLine>
-            </a:ext>
-          </a:extLst>
-        </p:spPr>
-      </p:pic>
-      <p:sp>
-        <p:nvSpPr>
-          <p:cNvPr id="4" name="Titel 5"/>
-          <p:cNvSpPr>
-            <a:spLocks noGrp="1"/>
-          </p:cNvSpPr>
-          <p:nvPr>
-            <p:ph type="title"/>
+      <p:sp>
+        <p:nvSpPr>
+          <p:cNvPr id="5" name="Inhaltsplatzhalter 4"/>
+          <p:cNvSpPr>
+            <a:spLocks noGrp="1"/>
+          </p:cNvSpPr>
+          <p:nvPr>
+            <p:ph idx="1"/>
           </p:nvPr>
         </p:nvSpPr>
         <p:spPr>
           <a:xfrm>
-            <a:off x="457200" y="197768"/>
-            <a:ext cx="8229600" cy="1143000"/>
+            <a:off x="457200" y="476672"/>
+            <a:ext cx="8229600" cy="5649491"/>
           </a:xfrm>
         </p:spPr>
         <p:txBody>
           <a:bodyPr>
-            <a:noAutofit/>
+            <a:normAutofit/>
           </a:bodyPr>
           <a:lstStyle/>
           <a:p>
-            <a:r>
-              <a:rPr lang="de-DE" sz="7200" b="1" smtClean="0"/>
-              <a:t>Overview</a:t>
-            </a:r>
-            <a:endParaRPr lang="en-US" sz="7200" b="1"/>
+            <a:pPr marL="0" indent="0" algn="ctr">
+              <a:buNone/>
+            </a:pPr>
+            <a:r>
+              <a:rPr lang="de-DE" sz="5400" smtClean="0">
+                <a:solidFill>
+                  <a:schemeClr val="bg1"/>
+                </a:solidFill>
+                <a:latin typeface="Courier New" panose="02070309020205020404" pitchFamily="49" charset="0"/>
+                <a:cs typeface="Courier New" panose="02070309020205020404" pitchFamily="49" charset="0"/>
+              </a:rPr>
+              <a:t>invalid </a:t>
+            </a:r>
+            <a:r>
+              <a:rPr lang="de-DE" sz="5400">
+                <a:solidFill>
+                  <a:schemeClr val="bg1"/>
+                </a:solidFill>
+                <a:latin typeface="Courier New" panose="02070309020205020404" pitchFamily="49" charset="0"/>
+                <a:cs typeface="Courier New" panose="02070309020205020404" pitchFamily="49" charset="0"/>
+              </a:rPr>
+              <a:t>data</a:t>
+            </a:r>
+          </a:p>
+          <a:p>
+            <a:pPr marL="0" indent="0" algn="ctr">
+              <a:buNone/>
+            </a:pPr>
+            <a:endParaRPr lang="de-DE" sz="2000" smtClean="0">
+              <a:solidFill>
+                <a:schemeClr val="bg1"/>
+              </a:solidFill>
+              <a:latin typeface="Courier New" panose="02070309020205020404" pitchFamily="49" charset="0"/>
+              <a:cs typeface="Courier New" panose="02070309020205020404" pitchFamily="49" charset="0"/>
+            </a:endParaRPr>
+          </a:p>
+          <a:p>
+            <a:pPr marL="0" indent="0" algn="ctr">
+              <a:buNone/>
+            </a:pPr>
+            <a:endParaRPr lang="en-US" sz="2000">
+              <a:solidFill>
+                <a:schemeClr val="bg1"/>
+              </a:solidFill>
+              <a:latin typeface="Courier New" panose="02070309020205020404" pitchFamily="49" charset="0"/>
+              <a:cs typeface="Courier New" panose="02070309020205020404" pitchFamily="49" charset="0"/>
+            </a:endParaRPr>
+          </a:p>
+          <a:p>
+            <a:pPr marL="0" indent="0">
+              <a:buNone/>
+            </a:pPr>
+            <a:r>
+              <a:rPr lang="en-US" smtClean="0">
+                <a:solidFill>
+                  <a:schemeClr val="bg1"/>
+                </a:solidFill>
+                <a:latin typeface="Courier New" panose="02070309020205020404" pitchFamily="49" charset="0"/>
+                <a:cs typeface="Courier New" panose="02070309020205020404" pitchFamily="49" charset="0"/>
+              </a:rPr>
+              <a:t>:dcmi </a:t>
+            </a:r>
+            <a:endParaRPr lang="en-US">
+              <a:solidFill>
+                <a:schemeClr val="bg1"/>
+              </a:solidFill>
+              <a:latin typeface="Courier New" panose="02070309020205020404" pitchFamily="49" charset="0"/>
+              <a:cs typeface="Courier New" panose="02070309020205020404" pitchFamily="49" charset="0"/>
+            </a:endParaRPr>
+          </a:p>
+          <a:p>
+            <a:pPr marL="0" indent="0">
+              <a:buNone/>
+            </a:pPr>
+            <a:r>
+              <a:rPr lang="en-US">
+                <a:solidFill>
+                  <a:schemeClr val="bg1"/>
+                </a:solidFill>
+                <a:latin typeface="Courier New" panose="02070309020205020404" pitchFamily="49" charset="0"/>
+                <a:cs typeface="Courier New" panose="02070309020205020404" pitchFamily="49" charset="0"/>
+              </a:rPr>
+              <a:t>    </a:t>
+            </a:r>
+            <a:r>
+              <a:rPr lang="en-US" smtClean="0">
+                <a:solidFill>
+                  <a:schemeClr val="bg1"/>
+                </a:solidFill>
+                <a:latin typeface="Courier New" panose="02070309020205020404" pitchFamily="49" charset="0"/>
+                <a:cs typeface="Courier New" panose="02070309020205020404" pitchFamily="49" charset="0"/>
+              </a:rPr>
+              <a:t>a :Organization </a:t>
+            </a:r>
+            <a:r>
+              <a:rPr lang="en-US">
+                <a:solidFill>
+                  <a:schemeClr val="bg1"/>
+                </a:solidFill>
+                <a:latin typeface="Courier New" panose="02070309020205020404" pitchFamily="49" charset="0"/>
+                <a:cs typeface="Courier New" panose="02070309020205020404" pitchFamily="49" charset="0"/>
+              </a:rPr>
+              <a:t>.</a:t>
+            </a:r>
+            <a:endParaRPr lang="de-DE">
+              <a:solidFill>
+                <a:schemeClr val="bg1"/>
+              </a:solidFill>
+              <a:latin typeface="Courier New" panose="02070309020205020404" pitchFamily="49" charset="0"/>
+              <a:cs typeface="Courier New" panose="02070309020205020404" pitchFamily="49" charset="0"/>
+            </a:endParaRPr>
+          </a:p>
+          <a:p>
+            <a:pPr marL="0" indent="0">
+              <a:buNone/>
+            </a:pPr>
+            <a:endParaRPr lang="de-DE" sz="2000" smtClean="0">
+              <a:latin typeface="Courier New" panose="02070309020205020404" pitchFamily="49" charset="0"/>
+              <a:cs typeface="Courier New" panose="02070309020205020404" pitchFamily="49" charset="0"/>
+            </a:endParaRPr>
+          </a:p>
+          <a:p>
+            <a:pPr marL="0" indent="0">
+              <a:buNone/>
+            </a:pPr>
+            <a:endParaRPr lang="de-DE" sz="2000" smtClean="0">
+              <a:latin typeface="Courier New" panose="02070309020205020404" pitchFamily="49" charset="0"/>
+              <a:cs typeface="Courier New" panose="02070309020205020404" pitchFamily="49" charset="0"/>
+            </a:endParaRPr>
+          </a:p>
+          <a:p>
+            <a:pPr marL="0" indent="0">
+              <a:buNone/>
+            </a:pPr>
+            <a:endParaRPr lang="de-DE" sz="2000" smtClean="0">
+              <a:latin typeface="Courier New" panose="02070309020205020404" pitchFamily="49" charset="0"/>
+              <a:cs typeface="Courier New" panose="02070309020205020404" pitchFamily="49" charset="0"/>
+            </a:endParaRPr>
           </a:p>
         </p:txBody>
       </p:sp>
     </p:spTree>
     <p:extLst>
       <p:ext uri="{BB962C8B-B14F-4D97-AF65-F5344CB8AC3E}">
-        <p14:creationId xmlns:p14="http://schemas.microsoft.com/office/powerpoint/2010/main" val="2217813225"/>
+        <p14:creationId xmlns:p14="http://schemas.microsoft.com/office/powerpoint/2010/main" val="2296226339"/>
       </p:ext>
     </p:extLst>
   </p:cSld>
@@ -10323,6 +11417,14 @@
 <file path=ppt/slides/slide9.xml><?xml version="1.0" encoding="utf-8"?>
 <p:sld xmlns:a="http://schemas.openxmlformats.org/drawingml/2006/main" xmlns:r="http://schemas.openxmlformats.org/officeDocument/2006/relationships" xmlns:p="http://schemas.openxmlformats.org/presentationml/2006/main">
   <p:cSld>
+    <p:bg>
+      <p:bgPr>
+        <a:solidFill>
+          <a:schemeClr val="tx1"/>
+        </a:solidFill>
+        <a:effectLst/>
+      </p:bgPr>
+    </p:bg>
     <p:spTree>
       <p:nvGrpSpPr>
         <p:cNvPr id="1" name=""/>
@@ -10339,7 +11441,7 @@
       </p:grpSpPr>
       <p:sp>
         <p:nvSpPr>
-          <p:cNvPr id="2" name="Titel 1"/>
+          <p:cNvPr id="4" name="Titel 3"/>
           <p:cNvSpPr>
             <a:spLocks noGrp="1"/>
           </p:cNvSpPr>
@@ -10347,12 +11449,7 @@
             <p:ph type="title"/>
           </p:nvPr>
         </p:nvSpPr>
-        <p:spPr>
-          <a:xfrm>
-            <a:off x="0" y="0"/>
-            <a:ext cx="9144000" cy="6858000"/>
-          </a:xfrm>
-        </p:spPr>
+        <p:spPr/>
         <p:txBody>
           <a:bodyPr>
             <a:normAutofit/>
@@ -10360,67 +11457,214 @@
           <a:lstStyle/>
           <a:p>
             <a:r>
-              <a:rPr lang="de-DE" sz="6000"/>
-              <a:t>Where</a:t>
-            </a:r>
-            <a:r>
-              <a:rPr lang="de-DE" sz="6000" b="1"/>
+              <a:rPr lang="de-DE" sz="5400">
+                <a:solidFill>
+                  <a:schemeClr val="bg1"/>
+                </a:solidFill>
+                <a:latin typeface="Courier New" panose="02070309020205020404" pitchFamily="49" charset="0"/>
+                <a:cs typeface="Courier New" panose="02070309020205020404" pitchFamily="49" charset="0"/>
+              </a:rPr>
+              <a:t>c</a:t>
+            </a:r>
+            <a:r>
+              <a:rPr lang="de-DE" sz="5400" smtClean="0">
+                <a:solidFill>
+                  <a:schemeClr val="bg1"/>
+                </a:solidFill>
+                <a:latin typeface="Courier New" panose="02070309020205020404" pitchFamily="49" charset="0"/>
+                <a:cs typeface="Courier New" panose="02070309020205020404" pitchFamily="49" charset="0"/>
+              </a:rPr>
+              <a:t>onstraint (OWL2)</a:t>
+            </a:r>
+            <a:endParaRPr lang="en-US" sz="5400">
+              <a:solidFill>
+                <a:schemeClr val="bg1"/>
+              </a:solidFill>
+              <a:latin typeface="Courier New" panose="02070309020205020404" pitchFamily="49" charset="0"/>
+              <a:cs typeface="Courier New" panose="02070309020205020404" pitchFamily="49" charset="0"/>
+            </a:endParaRPr>
+          </a:p>
+        </p:txBody>
+      </p:sp>
+      <p:sp>
+        <p:nvSpPr>
+          <p:cNvPr id="5" name="Inhaltsplatzhalter 4"/>
+          <p:cNvSpPr>
+            <a:spLocks noGrp="1"/>
+          </p:cNvSpPr>
+          <p:nvPr>
+            <p:ph idx="1"/>
+          </p:nvPr>
+        </p:nvSpPr>
+        <p:spPr>
+          <a:xfrm>
+            <a:off x="179512" y="1888232"/>
+            <a:ext cx="8784976" cy="3340968"/>
+          </a:xfrm>
+        </p:spPr>
+        <p:txBody>
+          <a:bodyPr>
+            <a:normAutofit/>
+          </a:bodyPr>
+          <a:lstStyle/>
+          <a:p>
+            <a:pPr marL="0" indent="0">
+              <a:buNone/>
+            </a:pPr>
+            <a:r>
+              <a:rPr lang="en-US" sz="2800" smtClean="0">
+                <a:solidFill>
+                  <a:schemeClr val="bg1"/>
+                </a:solidFill>
+                <a:latin typeface="Courier New" panose="02070309020205020404" pitchFamily="49" charset="0"/>
+                <a:cs typeface="Courier New" panose="02070309020205020404" pitchFamily="49" charset="0"/>
+              </a:rPr>
+              <a:t>:Organization</a:t>
+            </a:r>
+            <a:endParaRPr lang="en-US" sz="2800">
+              <a:solidFill>
+                <a:schemeClr val="bg1"/>
+              </a:solidFill>
+              <a:latin typeface="Courier New" panose="02070309020205020404" pitchFamily="49" charset="0"/>
+              <a:cs typeface="Courier New" panose="02070309020205020404" pitchFamily="49" charset="0"/>
+            </a:endParaRPr>
+          </a:p>
+          <a:p>
+            <a:pPr marL="0" indent="0">
+              <a:buNone/>
+            </a:pPr>
+            <a:r>
+              <a:rPr lang="en-US" sz="2800">
+                <a:solidFill>
+                  <a:schemeClr val="bg1"/>
+                </a:solidFill>
+                <a:latin typeface="Courier New" panose="02070309020205020404" pitchFamily="49" charset="0"/>
+                <a:cs typeface="Courier New" panose="02070309020205020404" pitchFamily="49" charset="0"/>
+              </a:rPr>
+              <a:t>    rdfs:subClassOf [</a:t>
+            </a:r>
+          </a:p>
+          <a:p>
+            <a:pPr marL="0" indent="0">
+              <a:buNone/>
+            </a:pPr>
+            <a:r>
+              <a:rPr lang="en-US" sz="2800">
+                <a:solidFill>
+                  <a:schemeClr val="bg1"/>
+                </a:solidFill>
+                <a:latin typeface="Courier New" panose="02070309020205020404" pitchFamily="49" charset="0"/>
+                <a:cs typeface="Courier New" panose="02070309020205020404" pitchFamily="49" charset="0"/>
+              </a:rPr>
+              <a:t>        a</a:t>
+            </a:r>
+            <a:r>
+              <a:rPr lang="en-US" sz="2800" smtClean="0">
+                <a:solidFill>
+                  <a:schemeClr val="bg1"/>
+                </a:solidFill>
+                <a:latin typeface="Courier New" panose="02070309020205020404" pitchFamily="49" charset="0"/>
+                <a:cs typeface="Courier New" panose="02070309020205020404" pitchFamily="49" charset="0"/>
+              </a:rPr>
               <a:t> </a:t>
             </a:r>
             <a:r>
-              <a:rPr lang="de-DE" smtClean="0"/>
-              <a:t/>
-            </a:r>
-            <a:br>
-              <a:rPr lang="de-DE" smtClean="0"/>
-            </a:br>
-            <a:r>
-              <a:rPr lang="de-DE" smtClean="0"/>
-              <a:t>to </a:t>
-            </a:r>
-            <a:r>
-              <a:rPr lang="de-DE" sz="8000" b="1"/>
-              <a:t>search</a:t>
-            </a:r>
-            <a:r>
-              <a:rPr lang="de-DE"/>
-              <a:t> for </a:t>
-            </a:r>
-            <a:r>
-              <a:rPr lang="de-DE" smtClean="0"/>
+              <a:rPr lang="en-US" sz="2800">
+                <a:solidFill>
+                  <a:schemeClr val="bg1"/>
+                </a:solidFill>
+                <a:latin typeface="Courier New" panose="02070309020205020404" pitchFamily="49" charset="0"/>
+                <a:cs typeface="Courier New" panose="02070309020205020404" pitchFamily="49" charset="0"/>
+              </a:rPr>
+              <a:t>owl:Restriction ;</a:t>
+            </a:r>
+          </a:p>
+          <a:p>
+            <a:pPr marL="0" indent="0">
+              <a:buNone/>
+            </a:pPr>
+            <a:r>
+              <a:rPr lang="en-US" sz="2800">
+                <a:solidFill>
+                  <a:schemeClr val="bg1"/>
+                </a:solidFill>
+                <a:latin typeface="Courier New" panose="02070309020205020404" pitchFamily="49" charset="0"/>
+                <a:cs typeface="Courier New" panose="02070309020205020404" pitchFamily="49" charset="0"/>
+              </a:rPr>
+              <a:t>        owl:minCardinality </a:t>
+            </a:r>
+            <a:r>
+              <a:rPr lang="en-US" sz="2800" smtClean="0">
+                <a:solidFill>
+                  <a:srgbClr val="558ED5"/>
+                </a:solidFill>
+                <a:latin typeface="Courier New" panose="02070309020205020404" pitchFamily="49" charset="0"/>
+                <a:cs typeface="Courier New" panose="02070309020205020404" pitchFamily="49" charset="0"/>
+              </a:rPr>
+              <a:t>1</a:t>
+            </a:r>
+            <a:r>
+              <a:rPr lang="en-US" sz="2800" smtClean="0">
+                <a:solidFill>
+                  <a:schemeClr val="bg1"/>
+                </a:solidFill>
+                <a:latin typeface="Courier New" panose="02070309020205020404" pitchFamily="49" charset="0"/>
+                <a:cs typeface="Courier New" panose="02070309020205020404" pitchFamily="49" charset="0"/>
+              </a:rPr>
               <a:t> </a:t>
             </a:r>
-            <a:br>
-              <a:rPr lang="de-DE" smtClean="0"/>
-            </a:br>
-            <a:r>
-              <a:rPr lang="de-DE" sz="13800" b="1" smtClean="0">
-                <a:solidFill>
-                  <a:srgbClr val="0000CC"/>
-                </a:solidFill>
-              </a:rPr>
-              <a:t>data</a:t>
-            </a:r>
-            <a:r>
-              <a:rPr lang="de-DE" sz="13800" b="1">
-                <a:solidFill>
-                  <a:srgbClr val="0000CC"/>
-                </a:solidFill>
-              </a:rPr>
-              <a:t>?</a:t>
-            </a:r>
-            <a:endParaRPr lang="en-US" sz="13800" b="1">
-              <a:solidFill>
-                <a:srgbClr val="0000CC"/>
-              </a:solidFill>
-            </a:endParaRPr>
+            <a:r>
+              <a:rPr lang="en-US" sz="2800">
+                <a:solidFill>
+                  <a:schemeClr val="bg1"/>
+                </a:solidFill>
+                <a:latin typeface="Courier New" panose="02070309020205020404" pitchFamily="49" charset="0"/>
+                <a:cs typeface="Courier New" panose="02070309020205020404" pitchFamily="49" charset="0"/>
+              </a:rPr>
+              <a:t>;</a:t>
+            </a:r>
+          </a:p>
+          <a:p>
+            <a:pPr marL="0" indent="0">
+              <a:buNone/>
+            </a:pPr>
+            <a:r>
+              <a:rPr lang="en-US" sz="2800">
+                <a:solidFill>
+                  <a:schemeClr val="bg1"/>
+                </a:solidFill>
+                <a:latin typeface="Courier New" panose="02070309020205020404" pitchFamily="49" charset="0"/>
+                <a:cs typeface="Courier New" panose="02070309020205020404" pitchFamily="49" charset="0"/>
+              </a:rPr>
+              <a:t>        owl:onProperty </a:t>
+            </a:r>
+            <a:r>
+              <a:rPr lang="en-US" sz="2800" smtClean="0">
+                <a:solidFill>
+                  <a:srgbClr val="558ED5"/>
+                </a:solidFill>
+                <a:latin typeface="Courier New" panose="02070309020205020404" pitchFamily="49" charset="0"/>
+                <a:cs typeface="Courier New" panose="02070309020205020404" pitchFamily="49" charset="0"/>
+              </a:rPr>
+              <a:t>:name </a:t>
+            </a:r>
+            <a:r>
+              <a:rPr lang="en-US" sz="2800">
+                <a:solidFill>
+                  <a:schemeClr val="bg1"/>
+                </a:solidFill>
+                <a:latin typeface="Courier New" panose="02070309020205020404" pitchFamily="49" charset="0"/>
+                <a:cs typeface="Courier New" panose="02070309020205020404" pitchFamily="49" charset="0"/>
+              </a:rPr>
+              <a:t>] .</a:t>
+            </a:r>
           </a:p>
         </p:txBody>
       </p:sp>
     </p:spTree>
     <p:extLst>
       <p:ext uri="{BB962C8B-B14F-4D97-AF65-F5344CB8AC3E}">
-        <p14:creationId xmlns:p14="http://schemas.microsoft.com/office/powerpoint/2010/main" val="2830776579"/>
+        <p14:creationId xmlns:p14="http://schemas.microsoft.com/office/powerpoint/2010/main" val="39338698"/>
       </p:ext>
     </p:extLst>
   </p:cSld>
@@ -10723,7 +11967,7 @@
 <file path=ppt/theme/theme2.xml><?xml version="1.0" encoding="utf-8"?>
 <a:theme xmlns:a="http://schemas.openxmlformats.org/drawingml/2006/main" name="1_Benutzerdefiniertes Design">
   <a:themeElements>
-    <a:clrScheme name="Larissa">
+    <a:clrScheme name="Benutzerdefiniert 1">
       <a:dk1>
         <a:sysClr val="windowText" lastClr="000000"/>
       </a:dk1>
@@ -10755,10 +11999,10 @@
         <a:srgbClr val="F79646"/>
       </a:accent6>
       <a:hlink>
-        <a:srgbClr val="0000FF"/>
+        <a:srgbClr val="0070C0"/>
       </a:hlink>
       <a:folHlink>
-        <a:srgbClr val="800080"/>
+        <a:srgbClr val="0070C0"/>
       </a:folHlink>
     </a:clrScheme>
     <a:fontScheme name="Larissa">

--- a/presentations/Bosch, Eckert. Requirements on RDF Constraint Formulation and Validation (DC 2014).pptx
+++ b/presentations/Bosch, Eckert. Requirements on RDF Constraint Formulation and Validation (DC 2014).pptx
@@ -8009,8 +8009,25 @@
                 <a:latin typeface="Courier New" panose="02070309020205020404" pitchFamily="49" charset="0"/>
                 <a:cs typeface="Courier New" panose="02070309020205020404" pitchFamily="49" charset="0"/>
               </a:rPr>
-              <a:t>Thomas Bosch </a:t>
-            </a:r>
+              <a:t>Thomas </a:t>
+            </a:r>
+            <a:r>
+              <a:rPr lang="en-US" sz="2400" smtClean="0">
+                <a:solidFill>
+                  <a:schemeClr val="bg1"/>
+                </a:solidFill>
+                <a:latin typeface="Courier New" panose="02070309020205020404" pitchFamily="49" charset="0"/>
+                <a:cs typeface="Courier New" panose="02070309020205020404" pitchFamily="49" charset="0"/>
+              </a:rPr>
+              <a:t>Bosch, Kai Eckert </a:t>
+            </a:r>
+            <a:endParaRPr lang="en-US" sz="2400" smtClean="0">
+              <a:solidFill>
+                <a:schemeClr val="bg1"/>
+              </a:solidFill>
+              <a:latin typeface="Courier New" panose="02070309020205020404" pitchFamily="49" charset="0"/>
+              <a:cs typeface="Courier New" panose="02070309020205020404" pitchFamily="49" charset="0"/>
+            </a:endParaRPr>
           </a:p>
           <a:p>
             <a:pPr algn="ctr"/>
@@ -8042,32 +8059,15 @@
               <a:buNone/>
             </a:pPr>
             <a:r>
-              <a:rPr lang="de-DE" sz="2400" smtClean="0">
+              <a:rPr lang="de-DE" sz="2400">
                 <a:solidFill>
                   <a:schemeClr val="bg1"/>
                 </a:solidFill>
                 <a:latin typeface="Courier New" panose="02070309020205020404" pitchFamily="49" charset="0"/>
                 <a:cs typeface="Courier New" panose="02070309020205020404" pitchFamily="49" charset="0"/>
               </a:rPr>
-              <a:t>boschthomas.blogspot.com</a:t>
-            </a:r>
-          </a:p>
-          <a:p>
-            <a:pPr marL="0" indent="0" algn="ctr">
-              <a:buNone/>
-            </a:pPr>
-            <a:r>
-              <a:rPr lang="en-US" sz="2400" smtClean="0">
-                <a:solidFill>
-                  <a:schemeClr val="bg1"/>
-                </a:solidFill>
-                <a:latin typeface="Courier New" panose="02070309020205020404" pitchFamily="49" charset="0"/>
-                <a:cs typeface="Courier New" panose="02070309020205020404" pitchFamily="49" charset="0"/>
-              </a:rPr>
-              <a:t>https://github.com/boschthomas</a:t>
-            </a:r>
-          </a:p>
-          <a:p>
+              <a:t>kai@informatik.uni-mannheim.de</a:t>
+            </a:r>
             <a:endParaRPr lang="de-DE">
               <a:solidFill>
                 <a:schemeClr val="bg1"/>
@@ -9057,13 +9057,6 @@
               </a:rPr>
               <a:t>matching </a:t>
             </a:r>
-            <a:endParaRPr lang="en-US" sz="5200" smtClean="0">
-              <a:solidFill>
-                <a:schemeClr val="bg1"/>
-              </a:solidFill>
-              <a:latin typeface="Courier New" panose="02070309020205020404" pitchFamily="49" charset="0"/>
-              <a:cs typeface="Courier New" panose="02070309020205020404" pitchFamily="49" charset="0"/>
-            </a:endParaRPr>
           </a:p>
           <a:p>
             <a:pPr marL="0" indent="0" algn="ctr">
@@ -9310,13 +9303,6 @@
               </a:rPr>
               <a:t>NOT matching </a:t>
             </a:r>
-            <a:endParaRPr lang="en-US" sz="5200" smtClean="0">
-              <a:solidFill>
-                <a:schemeClr val="bg1"/>
-              </a:solidFill>
-              <a:latin typeface="Courier New" panose="02070309020205020404" pitchFamily="49" charset="0"/>
-              <a:cs typeface="Courier New" panose="02070309020205020404" pitchFamily="49" charset="0"/>
-            </a:endParaRPr>
           </a:p>
           <a:p>
             <a:pPr marL="0" indent="0" algn="ctr">
@@ -9937,17 +9923,7 @@
                 <a:latin typeface="Courier New" panose="02070309020205020404" pitchFamily="49" charset="0"/>
                 <a:cs typeface="Courier New" panose="02070309020205020404" pitchFamily="49" charset="0"/>
               </a:rPr>
-              <a:t>from a case </a:t>
-            </a:r>
-            <a:r>
-              <a:rPr lang="en-US" sz="5400">
-                <a:solidFill>
-                  <a:schemeClr val="bg1"/>
-                </a:solidFill>
-                <a:latin typeface="Courier New" panose="02070309020205020404" pitchFamily="49" charset="0"/>
-                <a:cs typeface="Courier New" panose="02070309020205020404" pitchFamily="49" charset="0"/>
-              </a:rPr>
-              <a:t>study </a:t>
+              <a:t>from a case study </a:t>
             </a:r>
             <a:endParaRPr lang="en-US" sz="5400" smtClean="0">
               <a:solidFill>
@@ -12535,6 +12511,18 @@
 </file>
 
 <file path=customXml/item1.xml><?xml version="1.0" encoding="utf-8"?>
+<p:properties xmlns:p="http://schemas.microsoft.com/office/2006/metadata/properties" xmlns:xsi="http://www.w3.org/2001/XMLSchema-instance">
+  <documentManagement>
+    <_dlc_DocIdUrl xmlns="f90a23b0-552c-4f8d-b330-f53f4fcdfcf9">
+      <Url>http://intranet.gesis.intra/pr/Vorlagen/_layouts/DocIdRedir.aspx?ID=GESISDOC-552-18</Url>
+      <Description>GESISDOC-552-18</Description>
+    </_dlc_DocIdUrl>
+    <_dlc_DocId xmlns="f90a23b0-552c-4f8d-b330-f53f4fcdfcf9">GESISDOC-552-18</_dlc_DocId>
+  </documentManagement>
+</p:properties>
+</file>
+
+<file path=customXml/item2.xml><?xml version="1.0" encoding="utf-8"?>
 <?mso-contentType ?>
 <spe:Receivers xmlns:spe="http://schemas.microsoft.com/sharepoint/events">
   <Receiver>
@@ -12580,28 +12568,7 @@
 </spe:Receivers>
 </file>
 
-<file path=customXml/item2.xml><?xml version="1.0" encoding="utf-8"?>
-<p:properties xmlns:p="http://schemas.microsoft.com/office/2006/metadata/properties" xmlns:xsi="http://www.w3.org/2001/XMLSchema-instance">
-  <documentManagement>
-    <_dlc_DocIdUrl xmlns="f90a23b0-552c-4f8d-b330-f53f4fcdfcf9">
-      <Url>http://intranet.gesis.intra/pr/Vorlagen/_layouts/DocIdRedir.aspx?ID=GESISDOC-552-18</Url>
-      <Description>GESISDOC-552-18</Description>
-    </_dlc_DocIdUrl>
-    <_dlc_DocId xmlns="f90a23b0-552c-4f8d-b330-f53f4fcdfcf9">GESISDOC-552-18</_dlc_DocId>
-  </documentManagement>
-</p:properties>
-</file>
-
 <file path=customXml/item3.xml><?xml version="1.0" encoding="utf-8"?>
-<?mso-contentType ?>
-<FormTemplates xmlns="http://schemas.microsoft.com/sharepoint/v3/contenttype/forms">
-  <Display>DocumentLibraryForm</Display>
-  <Edit>DocumentLibraryForm</Edit>
-  <New>DocumentLibraryForm</New>
-</FormTemplates>
-</file>
-
-<file path=customXml/item4.xml><?xml version="1.0" encoding="utf-8"?>
 <ct:contentTypeSchema xmlns:ct="http://schemas.microsoft.com/office/2006/metadata/contentType" xmlns:ma="http://schemas.microsoft.com/office/2006/metadata/properties/metaAttributes" ct:_="" ma:_="" ma:contentTypeName="Dokument" ma:contentTypeID="0x010100B1ACB0F0E4D8D847898BCFF327EAA86F" ma:contentTypeVersion="14" ma:contentTypeDescription="Ein neues Dokument erstellen." ma:contentTypeScope="" ma:versionID="076608a465e9f4abe123e33d8ae2290f">
   <xsd:schema xmlns:xsd="http://www.w3.org/2001/XMLSchema" xmlns:xs="http://www.w3.org/2001/XMLSchema" xmlns:p="http://schemas.microsoft.com/office/2006/metadata/properties" xmlns:ns2="f90a23b0-552c-4f8d-b330-f53f4fcdfcf9" targetNamespace="http://schemas.microsoft.com/office/2006/metadata/properties" ma:root="true" ma:fieldsID="9f72fafb60184820a38988fa3fe2d22b" ns2:_="">
     <xsd:import namespace="f90a23b0-552c-4f8d-b330-f53f4fcdfcf9"/>
@@ -12746,15 +12713,16 @@
 </ct:contentTypeSchema>
 </file>
 
-<file path=customXml/itemProps1.xml><?xml version="1.0" encoding="utf-8"?>
-<ds:datastoreItem xmlns:ds="http://schemas.openxmlformats.org/officeDocument/2006/customXml" ds:itemID="{182FFA55-C622-4F3D-AABF-4236B175EAD1}">
-  <ds:schemaRefs>
-    <ds:schemaRef ds:uri="http://schemas.microsoft.com/sharepoint/events"/>
-  </ds:schemaRefs>
-</ds:datastoreItem>
+<file path=customXml/item4.xml><?xml version="1.0" encoding="utf-8"?>
+<?mso-contentType ?>
+<FormTemplates xmlns="http://schemas.microsoft.com/sharepoint/v3/contenttype/forms">
+  <Display>DocumentLibraryForm</Display>
+  <Edit>DocumentLibraryForm</Edit>
+  <New>DocumentLibraryForm</New>
+</FormTemplates>
 </file>
 
-<file path=customXml/itemProps2.xml><?xml version="1.0" encoding="utf-8"?>
+<file path=customXml/itemProps1.xml><?xml version="1.0" encoding="utf-8"?>
 <ds:datastoreItem xmlns:ds="http://schemas.openxmlformats.org/officeDocument/2006/customXml" ds:itemID="{4449D386-2FCB-4353-94CE-7C0896CF81B1}">
   <ds:schemaRefs>
     <ds:schemaRef ds:uri="http://purl.org/dc/terms/"/>
@@ -12770,15 +12738,15 @@
 </ds:datastoreItem>
 </file>
 
-<file path=customXml/itemProps3.xml><?xml version="1.0" encoding="utf-8"?>
-<ds:datastoreItem xmlns:ds="http://schemas.openxmlformats.org/officeDocument/2006/customXml" ds:itemID="{D12E0BAE-FAF0-4E78-A2C3-2AAC064B5FDE}">
+<file path=customXml/itemProps2.xml><?xml version="1.0" encoding="utf-8"?>
+<ds:datastoreItem xmlns:ds="http://schemas.openxmlformats.org/officeDocument/2006/customXml" ds:itemID="{182FFA55-C622-4F3D-AABF-4236B175EAD1}">
   <ds:schemaRefs>
-    <ds:schemaRef ds:uri="http://schemas.microsoft.com/sharepoint/v3/contenttype/forms"/>
+    <ds:schemaRef ds:uri="http://schemas.microsoft.com/sharepoint/events"/>
   </ds:schemaRefs>
 </ds:datastoreItem>
 </file>
 
-<file path=customXml/itemProps4.xml><?xml version="1.0" encoding="utf-8"?>
+<file path=customXml/itemProps3.xml><?xml version="1.0" encoding="utf-8"?>
 <ds:datastoreItem xmlns:ds="http://schemas.openxmlformats.org/officeDocument/2006/customXml" ds:itemID="{2EA11C62-2FF4-41AB-AE80-7BB53752809E}">
   <ds:schemaRefs>
     <ds:schemaRef ds:uri="http://schemas.microsoft.com/office/2006/metadata/contentType"/>
@@ -12794,4 +12762,12 @@
     <ds:schemaRef ds:uri="http://schemas.microsoft.com/internal/obd"/>
   </ds:schemaRefs>
 </ds:datastoreItem>
+</file>
+
+<file path=customXml/itemProps4.xml><?xml version="1.0" encoding="utf-8"?>
+<ds:datastoreItem xmlns:ds="http://schemas.openxmlformats.org/officeDocument/2006/customXml" ds:itemID="{D12E0BAE-FAF0-4E78-A2C3-2AAC064B5FDE}">
+  <ds:schemaRefs>
+    <ds:schemaRef ds:uri="http://schemas.microsoft.com/sharepoint/v3/contenttype/forms"/>
+  </ds:schemaRefs>
+</ds:datastoreItem>
 </file>
--- a/presentations/Bosch, Eckert. Requirements on RDF Constraint Formulation and Validation (DC 2014).pptx
+++ b/presentations/Bosch, Eckert. Requirements on RDF Constraint Formulation and Validation (DC 2014).pptx
@@ -8009,25 +8009,8 @@
                 <a:latin typeface="Courier New" panose="02070309020205020404" pitchFamily="49" charset="0"/>
                 <a:cs typeface="Courier New" panose="02070309020205020404" pitchFamily="49" charset="0"/>
               </a:rPr>
-              <a:t>Thomas </a:t>
-            </a:r>
-            <a:r>
-              <a:rPr lang="en-US" sz="2400" smtClean="0">
-                <a:solidFill>
-                  <a:schemeClr val="bg1"/>
-                </a:solidFill>
-                <a:latin typeface="Courier New" panose="02070309020205020404" pitchFamily="49" charset="0"/>
-                <a:cs typeface="Courier New" panose="02070309020205020404" pitchFamily="49" charset="0"/>
-              </a:rPr>
-              <a:t>Bosch, Kai Eckert </a:t>
-            </a:r>
-            <a:endParaRPr lang="en-US" sz="2400" smtClean="0">
-              <a:solidFill>
-                <a:schemeClr val="bg1"/>
-              </a:solidFill>
-              <a:latin typeface="Courier New" panose="02070309020205020404" pitchFamily="49" charset="0"/>
-              <a:cs typeface="Courier New" panose="02070309020205020404" pitchFamily="49" charset="0"/>
-            </a:endParaRPr>
+              <a:t>Thomas Bosch, Kai Eckert </a:t>
+            </a:r>
           </a:p>
           <a:p>
             <a:pPr algn="ctr"/>
@@ -12511,18 +12494,6 @@
 </file>
 
 <file path=customXml/item1.xml><?xml version="1.0" encoding="utf-8"?>
-<p:properties xmlns:p="http://schemas.microsoft.com/office/2006/metadata/properties" xmlns:xsi="http://www.w3.org/2001/XMLSchema-instance">
-  <documentManagement>
-    <_dlc_DocIdUrl xmlns="f90a23b0-552c-4f8d-b330-f53f4fcdfcf9">
-      <Url>http://intranet.gesis.intra/pr/Vorlagen/_layouts/DocIdRedir.aspx?ID=GESISDOC-552-18</Url>
-      <Description>GESISDOC-552-18</Description>
-    </_dlc_DocIdUrl>
-    <_dlc_DocId xmlns="f90a23b0-552c-4f8d-b330-f53f4fcdfcf9">GESISDOC-552-18</_dlc_DocId>
-  </documentManagement>
-</p:properties>
-</file>
-
-<file path=customXml/item2.xml><?xml version="1.0" encoding="utf-8"?>
 <?mso-contentType ?>
 <spe:Receivers xmlns:spe="http://schemas.microsoft.com/sharepoint/events">
   <Receiver>
@@ -12568,7 +12539,28 @@
 </spe:Receivers>
 </file>
 
+<file path=customXml/item2.xml><?xml version="1.0" encoding="utf-8"?>
+<p:properties xmlns:p="http://schemas.microsoft.com/office/2006/metadata/properties" xmlns:xsi="http://www.w3.org/2001/XMLSchema-instance">
+  <documentManagement>
+    <_dlc_DocIdUrl xmlns="f90a23b0-552c-4f8d-b330-f53f4fcdfcf9">
+      <Url>http://intranet.gesis.intra/pr/Vorlagen/_layouts/DocIdRedir.aspx?ID=GESISDOC-552-18</Url>
+      <Description>GESISDOC-552-18</Description>
+    </_dlc_DocIdUrl>
+    <_dlc_DocId xmlns="f90a23b0-552c-4f8d-b330-f53f4fcdfcf9">GESISDOC-552-18</_dlc_DocId>
+  </documentManagement>
+</p:properties>
+</file>
+
 <file path=customXml/item3.xml><?xml version="1.0" encoding="utf-8"?>
+<?mso-contentType ?>
+<FormTemplates xmlns="http://schemas.microsoft.com/sharepoint/v3/contenttype/forms">
+  <Display>DocumentLibraryForm</Display>
+  <Edit>DocumentLibraryForm</Edit>
+  <New>DocumentLibraryForm</New>
+</FormTemplates>
+</file>
+
+<file path=customXml/item4.xml><?xml version="1.0" encoding="utf-8"?>
 <ct:contentTypeSchema xmlns:ct="http://schemas.microsoft.com/office/2006/metadata/contentType" xmlns:ma="http://schemas.microsoft.com/office/2006/metadata/properties/metaAttributes" ct:_="" ma:_="" ma:contentTypeName="Dokument" ma:contentTypeID="0x010100B1ACB0F0E4D8D847898BCFF327EAA86F" ma:contentTypeVersion="14" ma:contentTypeDescription="Ein neues Dokument erstellen." ma:contentTypeScope="" ma:versionID="076608a465e9f4abe123e33d8ae2290f">
   <xsd:schema xmlns:xsd="http://www.w3.org/2001/XMLSchema" xmlns:xs="http://www.w3.org/2001/XMLSchema" xmlns:p="http://schemas.microsoft.com/office/2006/metadata/properties" xmlns:ns2="f90a23b0-552c-4f8d-b330-f53f4fcdfcf9" targetNamespace="http://schemas.microsoft.com/office/2006/metadata/properties" ma:root="true" ma:fieldsID="9f72fafb60184820a38988fa3fe2d22b" ns2:_="">
     <xsd:import namespace="f90a23b0-552c-4f8d-b330-f53f4fcdfcf9"/>
@@ -12713,16 +12705,15 @@
 </ct:contentTypeSchema>
 </file>
 
-<file path=customXml/item4.xml><?xml version="1.0" encoding="utf-8"?>
-<?mso-contentType ?>
-<FormTemplates xmlns="http://schemas.microsoft.com/sharepoint/v3/contenttype/forms">
-  <Display>DocumentLibraryForm</Display>
-  <Edit>DocumentLibraryForm</Edit>
-  <New>DocumentLibraryForm</New>
-</FormTemplates>
+<file path=customXml/itemProps1.xml><?xml version="1.0" encoding="utf-8"?>
+<ds:datastoreItem xmlns:ds="http://schemas.openxmlformats.org/officeDocument/2006/customXml" ds:itemID="{182FFA55-C622-4F3D-AABF-4236B175EAD1}">
+  <ds:schemaRefs>
+    <ds:schemaRef ds:uri="http://schemas.microsoft.com/sharepoint/events"/>
+  </ds:schemaRefs>
+</ds:datastoreItem>
 </file>
 
-<file path=customXml/itemProps1.xml><?xml version="1.0" encoding="utf-8"?>
+<file path=customXml/itemProps2.xml><?xml version="1.0" encoding="utf-8"?>
 <ds:datastoreItem xmlns:ds="http://schemas.openxmlformats.org/officeDocument/2006/customXml" ds:itemID="{4449D386-2FCB-4353-94CE-7C0896CF81B1}">
   <ds:schemaRefs>
     <ds:schemaRef ds:uri="http://purl.org/dc/terms/"/>
@@ -12738,15 +12729,15 @@
 </ds:datastoreItem>
 </file>
 
-<file path=customXml/itemProps2.xml><?xml version="1.0" encoding="utf-8"?>
-<ds:datastoreItem xmlns:ds="http://schemas.openxmlformats.org/officeDocument/2006/customXml" ds:itemID="{182FFA55-C622-4F3D-AABF-4236B175EAD1}">
+<file path=customXml/itemProps3.xml><?xml version="1.0" encoding="utf-8"?>
+<ds:datastoreItem xmlns:ds="http://schemas.openxmlformats.org/officeDocument/2006/customXml" ds:itemID="{D12E0BAE-FAF0-4E78-A2C3-2AAC064B5FDE}">
   <ds:schemaRefs>
-    <ds:schemaRef ds:uri="http://schemas.microsoft.com/sharepoint/events"/>
+    <ds:schemaRef ds:uri="http://schemas.microsoft.com/sharepoint/v3/contenttype/forms"/>
   </ds:schemaRefs>
 </ds:datastoreItem>
 </file>
 
-<file path=customXml/itemProps3.xml><?xml version="1.0" encoding="utf-8"?>
+<file path=customXml/itemProps4.xml><?xml version="1.0" encoding="utf-8"?>
 <ds:datastoreItem xmlns:ds="http://schemas.openxmlformats.org/officeDocument/2006/customXml" ds:itemID="{2EA11C62-2FF4-41AB-AE80-7BB53752809E}">
   <ds:schemaRefs>
     <ds:schemaRef ds:uri="http://schemas.microsoft.com/office/2006/metadata/contentType"/>
@@ -12762,12 +12753,4 @@
     <ds:schemaRef ds:uri="http://schemas.microsoft.com/internal/obd"/>
   </ds:schemaRefs>
 </ds:datastoreItem>
-</file>
-
-<file path=customXml/itemProps4.xml><?xml version="1.0" encoding="utf-8"?>
-<ds:datastoreItem xmlns:ds="http://schemas.openxmlformats.org/officeDocument/2006/customXml" ds:itemID="{D12E0BAE-FAF0-4E78-A2C3-2AAC064B5FDE}">
-  <ds:schemaRefs>
-    <ds:schemaRef ds:uri="http://schemas.microsoft.com/sharepoint/v3/contenttype/forms"/>
-  </ds:schemaRefs>
-</ds:datastoreItem>
 </file>
--- a/presentations/Bosch, Eckert. Requirements on RDF Constraint Formulation and Validation (DC 2014).pptx
+++ b/presentations/Bosch, Eckert. Requirements on RDF Constraint Formulation and Validation (DC 2014).pptx
@@ -14,8 +14,8 @@
     <p:sldId id="301" r:id="rId9"/>
     <p:sldId id="307" r:id="rId10"/>
     <p:sldId id="309" r:id="rId11"/>
-    <p:sldId id="310" r:id="rId12"/>
-    <p:sldId id="311" r:id="rId13"/>
+    <p:sldId id="311" r:id="rId12"/>
+    <p:sldId id="310" r:id="rId13"/>
     <p:sldId id="312" r:id="rId14"/>
     <p:sldId id="313" r:id="rId15"/>
     <p:sldId id="314" r:id="rId16"/>
@@ -1695,7 +1695,7 @@
     </p:spTree>
     <p:extLst>
       <p:ext uri="{BB962C8B-B14F-4D97-AF65-F5344CB8AC3E}">
-        <p14:creationId xmlns:p14="http://schemas.microsoft.com/office/powerpoint/2010/main" val="3289757727"/>
+        <p14:creationId xmlns:p14="http://schemas.microsoft.com/office/powerpoint/2010/main" val="668479566"/>
       </p:ext>
     </p:extLst>
   </p:cSld>
@@ -1779,7 +1779,7 @@
     </p:spTree>
     <p:extLst>
       <p:ext uri="{BB962C8B-B14F-4D97-AF65-F5344CB8AC3E}">
-        <p14:creationId xmlns:p14="http://schemas.microsoft.com/office/powerpoint/2010/main" val="668479566"/>
+        <p14:creationId xmlns:p14="http://schemas.microsoft.com/office/powerpoint/2010/main" val="3289757727"/>
       </p:ext>
     </p:extLst>
   </p:cSld>
@@ -8392,6 +8392,7 @@
                 </a:solidFill>
                 <a:latin typeface="Courier New" panose="02070309020205020404" pitchFamily="49" charset="0"/>
                 <a:cs typeface="Courier New" panose="02070309020205020404" pitchFamily="49" charset="0"/>
+                <a:hlinkClick r:id="rId3"/>
               </a:rPr>
               <a:t>purl.org/net/rdf-validation</a:t>
             </a:r>
@@ -10427,29 +10428,21 @@
       </p:grpSpPr>
       <p:sp>
         <p:nvSpPr>
-          <p:cNvPr id="5" name="Inhaltsplatzhalter 4"/>
-          <p:cNvSpPr>
-            <a:spLocks noGrp="1"/>
-          </p:cNvSpPr>
-          <p:nvPr>
-            <p:ph idx="1"/>
-          </p:nvPr>
-        </p:nvSpPr>
-        <p:spPr>
-          <a:xfrm>
-            <a:off x="179512" y="476672"/>
-            <a:ext cx="8712968" cy="5649491"/>
-          </a:xfrm>
-        </p:spPr>
+          <p:cNvPr id="4" name="Titel 3"/>
+          <p:cNvSpPr>
+            <a:spLocks noGrp="1"/>
+          </p:cNvSpPr>
+          <p:nvPr>
+            <p:ph type="title"/>
+          </p:nvPr>
+        </p:nvSpPr>
+        <p:spPr/>
         <p:txBody>
           <a:bodyPr>
             <a:normAutofit/>
           </a:bodyPr>
           <a:lstStyle/>
           <a:p>
-            <a:pPr marL="0" indent="0" algn="ctr">
-              <a:buNone/>
-            </a:pPr>
             <a:r>
               <a:rPr lang="de-DE" sz="5400">
                 <a:solidFill>
@@ -10458,7 +10451,7 @@
                 <a:latin typeface="Courier New" panose="02070309020205020404" pitchFamily="49" charset="0"/>
                 <a:cs typeface="Courier New" panose="02070309020205020404" pitchFamily="49" charset="0"/>
               </a:rPr>
-              <a:t>valid </a:t>
+              <a:t>c</a:t>
             </a:r>
             <a:r>
               <a:rPr lang="de-DE" sz="5400" smtClean="0">
@@ -10468,14 +10461,9 @@
                 <a:latin typeface="Courier New" panose="02070309020205020404" pitchFamily="49" charset="0"/>
                 <a:cs typeface="Courier New" panose="02070309020205020404" pitchFamily="49" charset="0"/>
               </a:rPr>
-              <a:t>data</a:t>
-            </a:r>
-          </a:p>
-          <a:p>
-            <a:pPr marL="0" indent="0" algn="ctr">
-              <a:buNone/>
-            </a:pPr>
-            <a:endParaRPr lang="en-US" sz="2000" smtClean="0">
+              <a:t>onstraint (DSP)</a:t>
+            </a:r>
+            <a:endParaRPr lang="en-US" sz="5400">
               <a:solidFill>
                 <a:schemeClr val="bg1"/>
               </a:solidFill>
@@ -10483,6 +10471,29 @@
               <a:cs typeface="Courier New" panose="02070309020205020404" pitchFamily="49" charset="0"/>
             </a:endParaRPr>
           </a:p>
+        </p:txBody>
+      </p:sp>
+      <p:sp>
+        <p:nvSpPr>
+          <p:cNvPr id="5" name="Inhaltsplatzhalter 4"/>
+          <p:cNvSpPr>
+            <a:spLocks noGrp="1"/>
+          </p:cNvSpPr>
+          <p:nvPr>
+            <p:ph idx="1"/>
+          </p:nvPr>
+        </p:nvSpPr>
+        <p:spPr>
+          <a:xfrm>
+            <a:off x="457200" y="1600200"/>
+            <a:ext cx="8229600" cy="4925144"/>
+          </a:xfrm>
+        </p:spPr>
+        <p:txBody>
+          <a:bodyPr>
+            <a:normAutofit/>
+          </a:bodyPr>
+          <a:lstStyle/>
           <a:p>
             <a:pPr marL="0" indent="0">
               <a:buNone/>
@@ -10495,7 +10506,263 @@
                 <a:latin typeface="Courier New" panose="02070309020205020404" pitchFamily="49" charset="0"/>
                 <a:cs typeface="Courier New" panose="02070309020205020404" pitchFamily="49" charset="0"/>
               </a:rPr>
-              <a:t>:dcmi </a:t>
+              <a:t>:</a:t>
+            </a:r>
+            <a:r>
+              <a:rPr lang="en-US" sz="2400">
+                <a:solidFill>
+                  <a:schemeClr val="bg1"/>
+                </a:solidFill>
+                <a:latin typeface="Courier New" panose="02070309020205020404" pitchFamily="49" charset="0"/>
+                <a:cs typeface="Courier New" panose="02070309020205020404" pitchFamily="49" charset="0"/>
+              </a:rPr>
+              <a:t>organizationDescriptionTemplate</a:t>
+            </a:r>
+          </a:p>
+          <a:p>
+            <a:pPr marL="0" indent="0">
+              <a:buNone/>
+            </a:pPr>
+            <a:r>
+              <a:rPr lang="en-US" sz="2400" smtClean="0">
+                <a:solidFill>
+                  <a:schemeClr val="bg1"/>
+                </a:solidFill>
+                <a:latin typeface="Courier New" panose="02070309020205020404" pitchFamily="49" charset="0"/>
+                <a:cs typeface="Courier New" panose="02070309020205020404" pitchFamily="49" charset="0"/>
+              </a:rPr>
+              <a:t>    a </a:t>
+            </a:r>
+            <a:r>
+              <a:rPr lang="en-US" sz="2400">
+                <a:solidFill>
+                  <a:schemeClr val="bg1"/>
+                </a:solidFill>
+                <a:latin typeface="Courier New" panose="02070309020205020404" pitchFamily="49" charset="0"/>
+                <a:cs typeface="Courier New" panose="02070309020205020404" pitchFamily="49" charset="0"/>
+              </a:rPr>
+              <a:t>dsp:DescriptionTemplate ;</a:t>
+            </a:r>
+          </a:p>
+          <a:p>
+            <a:pPr marL="0" indent="0">
+              <a:buNone/>
+            </a:pPr>
+            <a:r>
+              <a:rPr lang="en-US" sz="2400">
+                <a:solidFill>
+                  <a:schemeClr val="bg1"/>
+                </a:solidFill>
+                <a:latin typeface="Courier New" panose="02070309020205020404" pitchFamily="49" charset="0"/>
+                <a:cs typeface="Courier New" panose="02070309020205020404" pitchFamily="49" charset="0"/>
+              </a:rPr>
+              <a:t>    </a:t>
+            </a:r>
+            <a:r>
+              <a:rPr lang="en-US" sz="2400" smtClean="0">
+                <a:solidFill>
+                  <a:schemeClr val="bg1"/>
+                </a:solidFill>
+                <a:latin typeface="Courier New" panose="02070309020205020404" pitchFamily="49" charset="0"/>
+                <a:cs typeface="Courier New" panose="02070309020205020404" pitchFamily="49" charset="0"/>
+              </a:rPr>
+              <a:t>dsp:minOccur 1 </a:t>
+            </a:r>
+            <a:r>
+              <a:rPr lang="en-US" sz="2400">
+                <a:solidFill>
+                  <a:schemeClr val="bg1"/>
+                </a:solidFill>
+                <a:latin typeface="Courier New" panose="02070309020205020404" pitchFamily="49" charset="0"/>
+                <a:cs typeface="Courier New" panose="02070309020205020404" pitchFamily="49" charset="0"/>
+              </a:rPr>
+              <a:t>; </a:t>
+            </a:r>
+          </a:p>
+          <a:p>
+            <a:pPr marL="0" indent="0">
+              <a:buNone/>
+            </a:pPr>
+            <a:r>
+              <a:rPr lang="en-US" sz="2400">
+                <a:solidFill>
+                  <a:schemeClr val="bg1"/>
+                </a:solidFill>
+                <a:latin typeface="Courier New" panose="02070309020205020404" pitchFamily="49" charset="0"/>
+                <a:cs typeface="Courier New" panose="02070309020205020404" pitchFamily="49" charset="0"/>
+              </a:rPr>
+              <a:t>    </a:t>
+            </a:r>
+            <a:r>
+              <a:rPr lang="en-US" sz="2400" smtClean="0">
+                <a:solidFill>
+                  <a:schemeClr val="bg1"/>
+                </a:solidFill>
+                <a:latin typeface="Courier New" panose="02070309020205020404" pitchFamily="49" charset="0"/>
+                <a:cs typeface="Courier New" panose="02070309020205020404" pitchFamily="49" charset="0"/>
+              </a:rPr>
+              <a:t>dsp:maxOccur </a:t>
+            </a:r>
+            <a:r>
+              <a:rPr lang="en-US" sz="2400">
+                <a:solidFill>
+                  <a:schemeClr val="bg1"/>
+                </a:solidFill>
+                <a:latin typeface="Courier New" panose="02070309020205020404" pitchFamily="49" charset="0"/>
+                <a:cs typeface="Courier New" panose="02070309020205020404" pitchFamily="49" charset="0"/>
+              </a:rPr>
+              <a:t>"infinity</a:t>
+            </a:r>
+            <a:r>
+              <a:rPr lang="en-US" sz="2400" smtClean="0">
+                <a:solidFill>
+                  <a:schemeClr val="bg1"/>
+                </a:solidFill>
+                <a:latin typeface="Courier New" panose="02070309020205020404" pitchFamily="49" charset="0"/>
+                <a:cs typeface="Courier New" panose="02070309020205020404" pitchFamily="49" charset="0"/>
+              </a:rPr>
+              <a:t>" </a:t>
+            </a:r>
+            <a:r>
+              <a:rPr lang="en-US" sz="2400">
+                <a:solidFill>
+                  <a:schemeClr val="bg1"/>
+                </a:solidFill>
+                <a:latin typeface="Courier New" panose="02070309020205020404" pitchFamily="49" charset="0"/>
+                <a:cs typeface="Courier New" panose="02070309020205020404" pitchFamily="49" charset="0"/>
+              </a:rPr>
+              <a:t>; </a:t>
+            </a:r>
+          </a:p>
+          <a:p>
+            <a:pPr marL="0" indent="0">
+              <a:buNone/>
+            </a:pPr>
+            <a:r>
+              <a:rPr lang="en-US" sz="2400">
+                <a:solidFill>
+                  <a:schemeClr val="bg1"/>
+                </a:solidFill>
+                <a:latin typeface="Courier New" panose="02070309020205020404" pitchFamily="49" charset="0"/>
+                <a:cs typeface="Courier New" panose="02070309020205020404" pitchFamily="49" charset="0"/>
+              </a:rPr>
+              <a:t>    </a:t>
+            </a:r>
+            <a:r>
+              <a:rPr lang="en-US" sz="2400" smtClean="0">
+                <a:solidFill>
+                  <a:schemeClr val="bg1"/>
+                </a:solidFill>
+                <a:latin typeface="Courier New" panose="02070309020205020404" pitchFamily="49" charset="0"/>
+                <a:cs typeface="Courier New" panose="02070309020205020404" pitchFamily="49" charset="0"/>
+              </a:rPr>
+              <a:t>dsp:resourceClass </a:t>
+            </a:r>
+            <a:r>
+              <a:rPr lang="en-US" sz="2400" smtClean="0">
+                <a:solidFill>
+                  <a:schemeClr val="tx2">
+                    <a:lumMod val="60000"/>
+                    <a:lumOff val="40000"/>
+                  </a:schemeClr>
+                </a:solidFill>
+                <a:latin typeface="Courier New" panose="02070309020205020404" pitchFamily="49" charset="0"/>
+                <a:cs typeface="Courier New" panose="02070309020205020404" pitchFamily="49" charset="0"/>
+              </a:rPr>
+              <a:t>:O</a:t>
+            </a:r>
+            <a:r>
+              <a:rPr lang="en-US" sz="2400" smtClean="0">
+                <a:solidFill>
+                  <a:srgbClr val="558ED5"/>
+                </a:solidFill>
+                <a:latin typeface="Courier New" panose="02070309020205020404" pitchFamily="49" charset="0"/>
+                <a:cs typeface="Courier New" panose="02070309020205020404" pitchFamily="49" charset="0"/>
+              </a:rPr>
+              <a:t>rgan</a:t>
+            </a:r>
+            <a:r>
+              <a:rPr lang="en-US" sz="2400" smtClean="0">
+                <a:solidFill>
+                  <a:schemeClr val="tx2">
+                    <a:lumMod val="60000"/>
+                    <a:lumOff val="40000"/>
+                  </a:schemeClr>
+                </a:solidFill>
+                <a:latin typeface="Courier New" panose="02070309020205020404" pitchFamily="49" charset="0"/>
+                <a:cs typeface="Courier New" panose="02070309020205020404" pitchFamily="49" charset="0"/>
+              </a:rPr>
+              <a:t>ization </a:t>
+            </a:r>
+            <a:r>
+              <a:rPr lang="en-US" sz="2400">
+                <a:solidFill>
+                  <a:schemeClr val="bg1"/>
+                </a:solidFill>
+                <a:latin typeface="Courier New" panose="02070309020205020404" pitchFamily="49" charset="0"/>
+                <a:cs typeface="Courier New" panose="02070309020205020404" pitchFamily="49" charset="0"/>
+              </a:rPr>
+              <a:t>; </a:t>
+            </a:r>
+          </a:p>
+          <a:p>
+            <a:pPr marL="0" indent="0">
+              <a:buNone/>
+            </a:pPr>
+            <a:r>
+              <a:rPr lang="en-US" sz="2400">
+                <a:solidFill>
+                  <a:schemeClr val="bg1"/>
+                </a:solidFill>
+                <a:latin typeface="Courier New" panose="02070309020205020404" pitchFamily="49" charset="0"/>
+                <a:cs typeface="Courier New" panose="02070309020205020404" pitchFamily="49" charset="0"/>
+              </a:rPr>
+              <a:t>    </a:t>
+            </a:r>
+            <a:r>
+              <a:rPr lang="en-US" sz="2400" smtClean="0">
+                <a:solidFill>
+                  <a:schemeClr val="bg1"/>
+                </a:solidFill>
+                <a:latin typeface="Courier New" panose="02070309020205020404" pitchFamily="49" charset="0"/>
+                <a:cs typeface="Courier New" panose="02070309020205020404" pitchFamily="49" charset="0"/>
+              </a:rPr>
+              <a:t>dsp:statementTemplate </a:t>
+            </a:r>
+            <a:r>
+              <a:rPr lang="en-US" sz="2400">
+                <a:solidFill>
+                  <a:schemeClr val="bg1"/>
+                </a:solidFill>
+                <a:latin typeface="Courier New" panose="02070309020205020404" pitchFamily="49" charset="0"/>
+                <a:cs typeface="Courier New" panose="02070309020205020404" pitchFamily="49" charset="0"/>
+              </a:rPr>
+              <a:t>[</a:t>
+            </a:r>
+          </a:p>
+          <a:p>
+            <a:pPr marL="0" indent="0">
+              <a:buNone/>
+            </a:pPr>
+            <a:r>
+              <a:rPr lang="en-US" sz="2400">
+                <a:solidFill>
+                  <a:schemeClr val="bg1"/>
+                </a:solidFill>
+                <a:latin typeface="Courier New" panose="02070309020205020404" pitchFamily="49" charset="0"/>
+                <a:cs typeface="Courier New" panose="02070309020205020404" pitchFamily="49" charset="0"/>
+              </a:rPr>
+              <a:t>     </a:t>
+            </a:r>
+            <a:r>
+              <a:rPr lang="en-US" sz="2400" smtClean="0">
+                <a:solidFill>
+                  <a:schemeClr val="bg1"/>
+                </a:solidFill>
+                <a:latin typeface="Courier New" panose="02070309020205020404" pitchFamily="49" charset="0"/>
+                <a:cs typeface="Courier New" panose="02070309020205020404" pitchFamily="49" charset="0"/>
+              </a:rPr>
+              <a:t>   a dsp:NonLiteralStatementTemplate;</a:t>
             </a:r>
             <a:endParaRPr lang="en-US" sz="2400">
               <a:solidFill>
@@ -10517,7 +10784,7 @@
                 <a:latin typeface="Courier New" panose="02070309020205020404" pitchFamily="49" charset="0"/>
                 <a:cs typeface="Courier New" panose="02070309020205020404" pitchFamily="49" charset="0"/>
               </a:rPr>
-              <a:t>    a</a:t>
+              <a:t>        </a:t>
             </a:r>
             <a:r>
               <a:rPr lang="en-US" sz="2400" smtClean="0">
@@ -10527,7 +10794,30 @@
                 <a:latin typeface="Courier New" panose="02070309020205020404" pitchFamily="49" charset="0"/>
                 <a:cs typeface="Courier New" panose="02070309020205020404" pitchFamily="49" charset="0"/>
               </a:rPr>
-              <a:t> :Organization </a:t>
+              <a:t>dsp:minOccur </a:t>
+            </a:r>
+            <a:r>
+              <a:rPr lang="en-US" sz="2400" smtClean="0">
+                <a:solidFill>
+                  <a:schemeClr val="tx2">
+                    <a:lumMod val="60000"/>
+                    <a:lumOff val="40000"/>
+                  </a:schemeClr>
+                </a:solidFill>
+                <a:latin typeface="Courier New" panose="02070309020205020404" pitchFamily="49" charset="0"/>
+                <a:cs typeface="Courier New" panose="02070309020205020404" pitchFamily="49" charset="0"/>
+              </a:rPr>
+              <a:t>1</a:t>
+            </a:r>
+            <a:r>
+              <a:rPr lang="en-US" sz="2400" smtClean="0">
+                <a:solidFill>
+                  <a:schemeClr val="bg1"/>
+                </a:solidFill>
+                <a:latin typeface="Courier New" panose="02070309020205020404" pitchFamily="49" charset="0"/>
+                <a:cs typeface="Courier New" panose="02070309020205020404" pitchFamily="49" charset="0"/>
+              </a:rPr>
+              <a:t> </a:t>
             </a:r>
             <a:r>
               <a:rPr lang="en-US" sz="2400">
@@ -10537,7 +10827,7 @@
                 <a:latin typeface="Courier New" panose="02070309020205020404" pitchFamily="49" charset="0"/>
                 <a:cs typeface="Courier New" panose="02070309020205020404" pitchFamily="49" charset="0"/>
               </a:rPr>
-              <a:t>;</a:t>
+              <a:t>; </a:t>
             </a:r>
           </a:p>
           <a:p>
@@ -10552,12 +10842,80 @@
                 <a:latin typeface="Courier New" panose="02070309020205020404" pitchFamily="49" charset="0"/>
                 <a:cs typeface="Courier New" panose="02070309020205020404" pitchFamily="49" charset="0"/>
               </a:rPr>
-              <a:t>    </a:t>
+              <a:t>        </a:t>
             </a:r>
             <a:r>
               <a:rPr lang="en-US" sz="2400" smtClean="0">
                 <a:solidFill>
-                  <a:srgbClr val="558ED5"/>
+                  <a:schemeClr val="bg1"/>
+                </a:solidFill>
+                <a:latin typeface="Courier New" panose="02070309020205020404" pitchFamily="49" charset="0"/>
+                <a:cs typeface="Courier New" panose="02070309020205020404" pitchFamily="49" charset="0"/>
+              </a:rPr>
+              <a:t>dsp:maxOccur </a:t>
+            </a:r>
+            <a:r>
+              <a:rPr lang="en-US" sz="2400">
+                <a:solidFill>
+                  <a:schemeClr val="bg1"/>
+                </a:solidFill>
+                <a:latin typeface="Courier New" panose="02070309020205020404" pitchFamily="49" charset="0"/>
+                <a:cs typeface="Courier New" panose="02070309020205020404" pitchFamily="49" charset="0"/>
+              </a:rPr>
+              <a:t>"infinity</a:t>
+            </a:r>
+            <a:r>
+              <a:rPr lang="en-US" sz="2400" smtClean="0">
+                <a:solidFill>
+                  <a:schemeClr val="bg1"/>
+                </a:solidFill>
+                <a:latin typeface="Courier New" panose="02070309020205020404" pitchFamily="49" charset="0"/>
+                <a:cs typeface="Courier New" panose="02070309020205020404" pitchFamily="49" charset="0"/>
+              </a:rPr>
+              <a:t>" </a:t>
+            </a:r>
+            <a:r>
+              <a:rPr lang="en-US" sz="2400">
+                <a:solidFill>
+                  <a:schemeClr val="bg1"/>
+                </a:solidFill>
+                <a:latin typeface="Courier New" panose="02070309020205020404" pitchFamily="49" charset="0"/>
+                <a:cs typeface="Courier New" panose="02070309020205020404" pitchFamily="49" charset="0"/>
+              </a:rPr>
+              <a:t>; </a:t>
+            </a:r>
+          </a:p>
+          <a:p>
+            <a:pPr marL="0" indent="0">
+              <a:buNone/>
+            </a:pPr>
+            <a:r>
+              <a:rPr lang="en-US" sz="2400">
+                <a:solidFill>
+                  <a:schemeClr val="bg1"/>
+                </a:solidFill>
+                <a:latin typeface="Courier New" panose="02070309020205020404" pitchFamily="49" charset="0"/>
+                <a:cs typeface="Courier New" panose="02070309020205020404" pitchFamily="49" charset="0"/>
+              </a:rPr>
+              <a:t>        </a:t>
+            </a:r>
+            <a:r>
+              <a:rPr lang="en-US" sz="2400" smtClean="0">
+                <a:solidFill>
+                  <a:schemeClr val="bg1"/>
+                </a:solidFill>
+                <a:latin typeface="Courier New" panose="02070309020205020404" pitchFamily="49" charset="0"/>
+                <a:cs typeface="Courier New" panose="02070309020205020404" pitchFamily="49" charset="0"/>
+              </a:rPr>
+              <a:t>dsp:property </a:t>
+            </a:r>
+            <a:r>
+              <a:rPr lang="en-US" sz="2400" smtClean="0">
+                <a:solidFill>
+                  <a:schemeClr val="tx2">
+                    <a:lumMod val="60000"/>
+                    <a:lumOff val="40000"/>
+                  </a:schemeClr>
                 </a:solidFill>
                 <a:latin typeface="Courier New" panose="02070309020205020404" pitchFamily="49" charset="0"/>
                 <a:cs typeface="Courier New" panose="02070309020205020404" pitchFamily="49" charset="0"/>
@@ -10572,9 +10930,9 @@
                 <a:latin typeface="Courier New" panose="02070309020205020404" pitchFamily="49" charset="0"/>
                 <a:cs typeface="Courier New" panose="02070309020205020404" pitchFamily="49" charset="0"/>
               </a:rPr>
-              <a:t>"Dublin Core Metadata Initiative" .</a:t>
-            </a:r>
-            <a:endParaRPr lang="en-US" sz="2400" smtClean="0">
+              <a:t>] .</a:t>
+            </a:r>
+            <a:endParaRPr lang="en-US" sz="1800">
               <a:solidFill>
                 <a:schemeClr val="bg1"/>
               </a:solidFill>
@@ -10587,7 +10945,7 @@
     </p:spTree>
     <p:extLst>
       <p:ext uri="{BB962C8B-B14F-4D97-AF65-F5344CB8AC3E}">
-        <p14:creationId xmlns:p14="http://schemas.microsoft.com/office/powerpoint/2010/main" val="560251982"/>
+        <p14:creationId xmlns:p14="http://schemas.microsoft.com/office/powerpoint/2010/main" val="3620782718"/>
       </p:ext>
     </p:extLst>
   </p:cSld>
@@ -10631,21 +10989,29 @@
       </p:grpSpPr>
       <p:sp>
         <p:nvSpPr>
-          <p:cNvPr id="4" name="Titel 3"/>
-          <p:cNvSpPr>
-            <a:spLocks noGrp="1"/>
-          </p:cNvSpPr>
-          <p:nvPr>
-            <p:ph type="title"/>
-          </p:nvPr>
-        </p:nvSpPr>
-        <p:spPr/>
+          <p:cNvPr id="5" name="Inhaltsplatzhalter 4"/>
+          <p:cNvSpPr>
+            <a:spLocks noGrp="1"/>
+          </p:cNvSpPr>
+          <p:nvPr>
+            <p:ph idx="1"/>
+          </p:nvPr>
+        </p:nvSpPr>
+        <p:spPr>
+          <a:xfrm>
+            <a:off x="179512" y="476672"/>
+            <a:ext cx="8712968" cy="5649491"/>
+          </a:xfrm>
+        </p:spPr>
         <p:txBody>
           <a:bodyPr>
             <a:normAutofit/>
           </a:bodyPr>
           <a:lstStyle/>
           <a:p>
+            <a:pPr marL="0" indent="0" algn="ctr">
+              <a:buNone/>
+            </a:pPr>
             <a:r>
               <a:rPr lang="de-DE" sz="5400">
                 <a:solidFill>
@@ -10654,7 +11020,7 @@
                 <a:latin typeface="Courier New" panose="02070309020205020404" pitchFamily="49" charset="0"/>
                 <a:cs typeface="Courier New" panose="02070309020205020404" pitchFamily="49" charset="0"/>
               </a:rPr>
-              <a:t>c</a:t>
+              <a:t>valid </a:t>
             </a:r>
             <a:r>
               <a:rPr lang="de-DE" sz="5400" smtClean="0">
@@ -10664,9 +11030,14 @@
                 <a:latin typeface="Courier New" panose="02070309020205020404" pitchFamily="49" charset="0"/>
                 <a:cs typeface="Courier New" panose="02070309020205020404" pitchFamily="49" charset="0"/>
               </a:rPr>
-              <a:t>onstraint (DSP)</a:t>
-            </a:r>
-            <a:endParaRPr lang="en-US" sz="5400">
+              <a:t>data</a:t>
+            </a:r>
+          </a:p>
+          <a:p>
+            <a:pPr marL="0" indent="0" algn="ctr">
+              <a:buNone/>
+            </a:pPr>
+            <a:endParaRPr lang="en-US" sz="2000" smtClean="0">
               <a:solidFill>
                 <a:schemeClr val="bg1"/>
               </a:solidFill>
@@ -10674,29 +11045,6 @@
               <a:cs typeface="Courier New" panose="02070309020205020404" pitchFamily="49" charset="0"/>
             </a:endParaRPr>
           </a:p>
-        </p:txBody>
-      </p:sp>
-      <p:sp>
-        <p:nvSpPr>
-          <p:cNvPr id="5" name="Inhaltsplatzhalter 4"/>
-          <p:cNvSpPr>
-            <a:spLocks noGrp="1"/>
-          </p:cNvSpPr>
-          <p:nvPr>
-            <p:ph idx="1"/>
-          </p:nvPr>
-        </p:nvSpPr>
-        <p:spPr>
-          <a:xfrm>
-            <a:off x="457200" y="1600200"/>
-            <a:ext cx="8229600" cy="4925144"/>
-          </a:xfrm>
-        </p:spPr>
-        <p:txBody>
-          <a:bodyPr>
-            <a:normAutofit/>
-          </a:bodyPr>
-          <a:lstStyle/>
           <a:p>
             <a:pPr marL="0" indent="0">
               <a:buNone/>
@@ -10709,263 +11057,7 @@
                 <a:latin typeface="Courier New" panose="02070309020205020404" pitchFamily="49" charset="0"/>
                 <a:cs typeface="Courier New" panose="02070309020205020404" pitchFamily="49" charset="0"/>
               </a:rPr>
-              <a:t>:</a:t>
-            </a:r>
-            <a:r>
-              <a:rPr lang="en-US" sz="2400">
-                <a:solidFill>
-                  <a:schemeClr val="bg1"/>
-                </a:solidFill>
-                <a:latin typeface="Courier New" panose="02070309020205020404" pitchFamily="49" charset="0"/>
-                <a:cs typeface="Courier New" panose="02070309020205020404" pitchFamily="49" charset="0"/>
-              </a:rPr>
-              <a:t>organizationDescriptionTemplate</a:t>
-            </a:r>
-          </a:p>
-          <a:p>
-            <a:pPr marL="0" indent="0">
-              <a:buNone/>
-            </a:pPr>
-            <a:r>
-              <a:rPr lang="en-US" sz="2400" smtClean="0">
-                <a:solidFill>
-                  <a:schemeClr val="bg1"/>
-                </a:solidFill>
-                <a:latin typeface="Courier New" panose="02070309020205020404" pitchFamily="49" charset="0"/>
-                <a:cs typeface="Courier New" panose="02070309020205020404" pitchFamily="49" charset="0"/>
-              </a:rPr>
-              <a:t>    a </a:t>
-            </a:r>
-            <a:r>
-              <a:rPr lang="en-US" sz="2400">
-                <a:solidFill>
-                  <a:schemeClr val="bg1"/>
-                </a:solidFill>
-                <a:latin typeface="Courier New" panose="02070309020205020404" pitchFamily="49" charset="0"/>
-                <a:cs typeface="Courier New" panose="02070309020205020404" pitchFamily="49" charset="0"/>
-              </a:rPr>
-              <a:t>dsp:DescriptionTemplate ;</a:t>
-            </a:r>
-          </a:p>
-          <a:p>
-            <a:pPr marL="0" indent="0">
-              <a:buNone/>
-            </a:pPr>
-            <a:r>
-              <a:rPr lang="en-US" sz="2400">
-                <a:solidFill>
-                  <a:schemeClr val="bg1"/>
-                </a:solidFill>
-                <a:latin typeface="Courier New" panose="02070309020205020404" pitchFamily="49" charset="0"/>
-                <a:cs typeface="Courier New" panose="02070309020205020404" pitchFamily="49" charset="0"/>
-              </a:rPr>
-              <a:t>    </a:t>
-            </a:r>
-            <a:r>
-              <a:rPr lang="en-US" sz="2400" smtClean="0">
-                <a:solidFill>
-                  <a:schemeClr val="bg1"/>
-                </a:solidFill>
-                <a:latin typeface="Courier New" panose="02070309020205020404" pitchFamily="49" charset="0"/>
-                <a:cs typeface="Courier New" panose="02070309020205020404" pitchFamily="49" charset="0"/>
-              </a:rPr>
-              <a:t>dsp:minOccur 1 </a:t>
-            </a:r>
-            <a:r>
-              <a:rPr lang="en-US" sz="2400">
-                <a:solidFill>
-                  <a:schemeClr val="bg1"/>
-                </a:solidFill>
-                <a:latin typeface="Courier New" panose="02070309020205020404" pitchFamily="49" charset="0"/>
-                <a:cs typeface="Courier New" panose="02070309020205020404" pitchFamily="49" charset="0"/>
-              </a:rPr>
-              <a:t>; </a:t>
-            </a:r>
-          </a:p>
-          <a:p>
-            <a:pPr marL="0" indent="0">
-              <a:buNone/>
-            </a:pPr>
-            <a:r>
-              <a:rPr lang="en-US" sz="2400">
-                <a:solidFill>
-                  <a:schemeClr val="bg1"/>
-                </a:solidFill>
-                <a:latin typeface="Courier New" panose="02070309020205020404" pitchFamily="49" charset="0"/>
-                <a:cs typeface="Courier New" panose="02070309020205020404" pitchFamily="49" charset="0"/>
-              </a:rPr>
-              <a:t>    </a:t>
-            </a:r>
-            <a:r>
-              <a:rPr lang="en-US" sz="2400" smtClean="0">
-                <a:solidFill>
-                  <a:schemeClr val="bg1"/>
-                </a:solidFill>
-                <a:latin typeface="Courier New" panose="02070309020205020404" pitchFamily="49" charset="0"/>
-                <a:cs typeface="Courier New" panose="02070309020205020404" pitchFamily="49" charset="0"/>
-              </a:rPr>
-              <a:t>dsp:maxOccur </a:t>
-            </a:r>
-            <a:r>
-              <a:rPr lang="en-US" sz="2400">
-                <a:solidFill>
-                  <a:schemeClr val="bg1"/>
-                </a:solidFill>
-                <a:latin typeface="Courier New" panose="02070309020205020404" pitchFamily="49" charset="0"/>
-                <a:cs typeface="Courier New" panose="02070309020205020404" pitchFamily="49" charset="0"/>
-              </a:rPr>
-              <a:t>"infinity</a:t>
-            </a:r>
-            <a:r>
-              <a:rPr lang="en-US" sz="2400" smtClean="0">
-                <a:solidFill>
-                  <a:schemeClr val="bg1"/>
-                </a:solidFill>
-                <a:latin typeface="Courier New" panose="02070309020205020404" pitchFamily="49" charset="0"/>
-                <a:cs typeface="Courier New" panose="02070309020205020404" pitchFamily="49" charset="0"/>
-              </a:rPr>
-              <a:t>" </a:t>
-            </a:r>
-            <a:r>
-              <a:rPr lang="en-US" sz="2400">
-                <a:solidFill>
-                  <a:schemeClr val="bg1"/>
-                </a:solidFill>
-                <a:latin typeface="Courier New" panose="02070309020205020404" pitchFamily="49" charset="0"/>
-                <a:cs typeface="Courier New" panose="02070309020205020404" pitchFamily="49" charset="0"/>
-              </a:rPr>
-              <a:t>; </a:t>
-            </a:r>
-          </a:p>
-          <a:p>
-            <a:pPr marL="0" indent="0">
-              <a:buNone/>
-            </a:pPr>
-            <a:r>
-              <a:rPr lang="en-US" sz="2400">
-                <a:solidFill>
-                  <a:schemeClr val="bg1"/>
-                </a:solidFill>
-                <a:latin typeface="Courier New" panose="02070309020205020404" pitchFamily="49" charset="0"/>
-                <a:cs typeface="Courier New" panose="02070309020205020404" pitchFamily="49" charset="0"/>
-              </a:rPr>
-              <a:t>    </a:t>
-            </a:r>
-            <a:r>
-              <a:rPr lang="en-US" sz="2400" smtClean="0">
-                <a:solidFill>
-                  <a:schemeClr val="bg1"/>
-                </a:solidFill>
-                <a:latin typeface="Courier New" panose="02070309020205020404" pitchFamily="49" charset="0"/>
-                <a:cs typeface="Courier New" panose="02070309020205020404" pitchFamily="49" charset="0"/>
-              </a:rPr>
-              <a:t>dsp:resourceClass </a:t>
-            </a:r>
-            <a:r>
-              <a:rPr lang="en-US" sz="2400" smtClean="0">
-                <a:solidFill>
-                  <a:schemeClr val="tx2">
-                    <a:lumMod val="60000"/>
-                    <a:lumOff val="40000"/>
-                  </a:schemeClr>
-                </a:solidFill>
-                <a:latin typeface="Courier New" panose="02070309020205020404" pitchFamily="49" charset="0"/>
-                <a:cs typeface="Courier New" panose="02070309020205020404" pitchFamily="49" charset="0"/>
-              </a:rPr>
-              <a:t>:O</a:t>
-            </a:r>
-            <a:r>
-              <a:rPr lang="en-US" sz="2400" smtClean="0">
-                <a:solidFill>
-                  <a:srgbClr val="558ED5"/>
-                </a:solidFill>
-                <a:latin typeface="Courier New" panose="02070309020205020404" pitchFamily="49" charset="0"/>
-                <a:cs typeface="Courier New" panose="02070309020205020404" pitchFamily="49" charset="0"/>
-              </a:rPr>
-              <a:t>rgan</a:t>
-            </a:r>
-            <a:r>
-              <a:rPr lang="en-US" sz="2400" smtClean="0">
-                <a:solidFill>
-                  <a:schemeClr val="tx2">
-                    <a:lumMod val="60000"/>
-                    <a:lumOff val="40000"/>
-                  </a:schemeClr>
-                </a:solidFill>
-                <a:latin typeface="Courier New" panose="02070309020205020404" pitchFamily="49" charset="0"/>
-                <a:cs typeface="Courier New" panose="02070309020205020404" pitchFamily="49" charset="0"/>
-              </a:rPr>
-              <a:t>ization </a:t>
-            </a:r>
-            <a:r>
-              <a:rPr lang="en-US" sz="2400">
-                <a:solidFill>
-                  <a:schemeClr val="bg1"/>
-                </a:solidFill>
-                <a:latin typeface="Courier New" panose="02070309020205020404" pitchFamily="49" charset="0"/>
-                <a:cs typeface="Courier New" panose="02070309020205020404" pitchFamily="49" charset="0"/>
-              </a:rPr>
-              <a:t>; </a:t>
-            </a:r>
-          </a:p>
-          <a:p>
-            <a:pPr marL="0" indent="0">
-              <a:buNone/>
-            </a:pPr>
-            <a:r>
-              <a:rPr lang="en-US" sz="2400">
-                <a:solidFill>
-                  <a:schemeClr val="bg1"/>
-                </a:solidFill>
-                <a:latin typeface="Courier New" panose="02070309020205020404" pitchFamily="49" charset="0"/>
-                <a:cs typeface="Courier New" panose="02070309020205020404" pitchFamily="49" charset="0"/>
-              </a:rPr>
-              <a:t>    </a:t>
-            </a:r>
-            <a:r>
-              <a:rPr lang="en-US" sz="2400" smtClean="0">
-                <a:solidFill>
-                  <a:schemeClr val="bg1"/>
-                </a:solidFill>
-                <a:latin typeface="Courier New" panose="02070309020205020404" pitchFamily="49" charset="0"/>
-                <a:cs typeface="Courier New" panose="02070309020205020404" pitchFamily="49" charset="0"/>
-              </a:rPr>
-              <a:t>dsp:statementTemplate </a:t>
-            </a:r>
-            <a:r>
-              <a:rPr lang="en-US" sz="2400">
-                <a:solidFill>
-                  <a:schemeClr val="bg1"/>
-                </a:solidFill>
-                <a:latin typeface="Courier New" panose="02070309020205020404" pitchFamily="49" charset="0"/>
-                <a:cs typeface="Courier New" panose="02070309020205020404" pitchFamily="49" charset="0"/>
-              </a:rPr>
-              <a:t>[</a:t>
-            </a:r>
-          </a:p>
-          <a:p>
-            <a:pPr marL="0" indent="0">
-              <a:buNone/>
-            </a:pPr>
-            <a:r>
-              <a:rPr lang="en-US" sz="2400">
-                <a:solidFill>
-                  <a:schemeClr val="bg1"/>
-                </a:solidFill>
-                <a:latin typeface="Courier New" panose="02070309020205020404" pitchFamily="49" charset="0"/>
-                <a:cs typeface="Courier New" panose="02070309020205020404" pitchFamily="49" charset="0"/>
-              </a:rPr>
-              <a:t>     </a:t>
-            </a:r>
-            <a:r>
-              <a:rPr lang="en-US" sz="2400" smtClean="0">
-                <a:solidFill>
-                  <a:schemeClr val="bg1"/>
-                </a:solidFill>
-                <a:latin typeface="Courier New" panose="02070309020205020404" pitchFamily="49" charset="0"/>
-                <a:cs typeface="Courier New" panose="02070309020205020404" pitchFamily="49" charset="0"/>
-              </a:rPr>
-              <a:t>   a dsp:NonLiteralStatementTemplate;</a:t>
+              <a:t>:dcmi </a:t>
             </a:r>
             <a:endParaRPr lang="en-US" sz="2400">
               <a:solidFill>
@@ -10987,7 +11079,7 @@
                 <a:latin typeface="Courier New" panose="02070309020205020404" pitchFamily="49" charset="0"/>
                 <a:cs typeface="Courier New" panose="02070309020205020404" pitchFamily="49" charset="0"/>
               </a:rPr>
-              <a:t>        </a:t>
+              <a:t>    a</a:t>
             </a:r>
             <a:r>
               <a:rPr lang="en-US" sz="2400" smtClean="0">
@@ -10997,145 +11089,54 @@
                 <a:latin typeface="Courier New" panose="02070309020205020404" pitchFamily="49" charset="0"/>
                 <a:cs typeface="Courier New" panose="02070309020205020404" pitchFamily="49" charset="0"/>
               </a:rPr>
-              <a:t>dsp:minOccur </a:t>
+              <a:t> :Organization </a:t>
+            </a:r>
+            <a:r>
+              <a:rPr lang="en-US" sz="2400">
+                <a:solidFill>
+                  <a:schemeClr val="bg1"/>
+                </a:solidFill>
+                <a:latin typeface="Courier New" panose="02070309020205020404" pitchFamily="49" charset="0"/>
+                <a:cs typeface="Courier New" panose="02070309020205020404" pitchFamily="49" charset="0"/>
+              </a:rPr>
+              <a:t>;</a:t>
+            </a:r>
+          </a:p>
+          <a:p>
+            <a:pPr marL="0" indent="0">
+              <a:buNone/>
+            </a:pPr>
+            <a:r>
+              <a:rPr lang="en-US" sz="2400">
+                <a:solidFill>
+                  <a:schemeClr val="bg1"/>
+                </a:solidFill>
+                <a:latin typeface="Courier New" panose="02070309020205020404" pitchFamily="49" charset="0"/>
+                <a:cs typeface="Courier New" panose="02070309020205020404" pitchFamily="49" charset="0"/>
+              </a:rPr>
+              <a:t>    </a:t>
             </a:r>
             <a:r>
               <a:rPr lang="en-US" sz="2400" smtClean="0">
                 <a:solidFill>
-                  <a:schemeClr val="tx2">
-                    <a:lumMod val="60000"/>
-                    <a:lumOff val="40000"/>
-                  </a:schemeClr>
-                </a:solidFill>
-                <a:latin typeface="Courier New" panose="02070309020205020404" pitchFamily="49" charset="0"/>
-                <a:cs typeface="Courier New" panose="02070309020205020404" pitchFamily="49" charset="0"/>
-              </a:rPr>
-              <a:t>1</a:t>
-            </a:r>
-            <a:r>
-              <a:rPr lang="en-US" sz="2400" smtClean="0">
+                  <a:srgbClr val="558ED5"/>
+                </a:solidFill>
+                <a:latin typeface="Courier New" panose="02070309020205020404" pitchFamily="49" charset="0"/>
+                <a:cs typeface="Courier New" panose="02070309020205020404" pitchFamily="49" charset="0"/>
+              </a:rPr>
+              <a:t>:name </a:t>
+            </a:r>
+            <a:r>
+              <a:rPr lang="en-US" sz="2400">
                 <a:solidFill>
                   <a:schemeClr val="bg1"/>
                 </a:solidFill>
                 <a:latin typeface="Courier New" panose="02070309020205020404" pitchFamily="49" charset="0"/>
                 <a:cs typeface="Courier New" panose="02070309020205020404" pitchFamily="49" charset="0"/>
               </a:rPr>
-              <a:t> </a:t>
-            </a:r>
-            <a:r>
-              <a:rPr lang="en-US" sz="2400">
-                <a:solidFill>
-                  <a:schemeClr val="bg1"/>
-                </a:solidFill>
-                <a:latin typeface="Courier New" panose="02070309020205020404" pitchFamily="49" charset="0"/>
-                <a:cs typeface="Courier New" panose="02070309020205020404" pitchFamily="49" charset="0"/>
-              </a:rPr>
-              <a:t>; </a:t>
-            </a:r>
-          </a:p>
-          <a:p>
-            <a:pPr marL="0" indent="0">
-              <a:buNone/>
-            </a:pPr>
-            <a:r>
-              <a:rPr lang="en-US" sz="2400">
-                <a:solidFill>
-                  <a:schemeClr val="bg1"/>
-                </a:solidFill>
-                <a:latin typeface="Courier New" panose="02070309020205020404" pitchFamily="49" charset="0"/>
-                <a:cs typeface="Courier New" panose="02070309020205020404" pitchFamily="49" charset="0"/>
-              </a:rPr>
-              <a:t>        </a:t>
-            </a:r>
-            <a:r>
-              <a:rPr lang="en-US" sz="2400" smtClean="0">
-                <a:solidFill>
-                  <a:schemeClr val="bg1"/>
-                </a:solidFill>
-                <a:latin typeface="Courier New" panose="02070309020205020404" pitchFamily="49" charset="0"/>
-                <a:cs typeface="Courier New" panose="02070309020205020404" pitchFamily="49" charset="0"/>
-              </a:rPr>
-              <a:t>dsp:maxOccur </a:t>
-            </a:r>
-            <a:r>
-              <a:rPr lang="en-US" sz="2400">
-                <a:solidFill>
-                  <a:schemeClr val="bg1"/>
-                </a:solidFill>
-                <a:latin typeface="Courier New" panose="02070309020205020404" pitchFamily="49" charset="0"/>
-                <a:cs typeface="Courier New" panose="02070309020205020404" pitchFamily="49" charset="0"/>
-              </a:rPr>
-              <a:t>"infinity</a:t>
-            </a:r>
-            <a:r>
-              <a:rPr lang="en-US" sz="2400" smtClean="0">
-                <a:solidFill>
-                  <a:schemeClr val="bg1"/>
-                </a:solidFill>
-                <a:latin typeface="Courier New" panose="02070309020205020404" pitchFamily="49" charset="0"/>
-                <a:cs typeface="Courier New" panose="02070309020205020404" pitchFamily="49" charset="0"/>
-              </a:rPr>
-              <a:t>" </a:t>
-            </a:r>
-            <a:r>
-              <a:rPr lang="en-US" sz="2400">
-                <a:solidFill>
-                  <a:schemeClr val="bg1"/>
-                </a:solidFill>
-                <a:latin typeface="Courier New" panose="02070309020205020404" pitchFamily="49" charset="0"/>
-                <a:cs typeface="Courier New" panose="02070309020205020404" pitchFamily="49" charset="0"/>
-              </a:rPr>
-              <a:t>; </a:t>
-            </a:r>
-          </a:p>
-          <a:p>
-            <a:pPr marL="0" indent="0">
-              <a:buNone/>
-            </a:pPr>
-            <a:r>
-              <a:rPr lang="en-US" sz="2400">
-                <a:solidFill>
-                  <a:schemeClr val="bg1"/>
-                </a:solidFill>
-                <a:latin typeface="Courier New" panose="02070309020205020404" pitchFamily="49" charset="0"/>
-                <a:cs typeface="Courier New" panose="02070309020205020404" pitchFamily="49" charset="0"/>
-              </a:rPr>
-              <a:t>        </a:t>
-            </a:r>
-            <a:r>
-              <a:rPr lang="en-US" sz="2400" smtClean="0">
-                <a:solidFill>
-                  <a:schemeClr val="bg1"/>
-                </a:solidFill>
-                <a:latin typeface="Courier New" panose="02070309020205020404" pitchFamily="49" charset="0"/>
-                <a:cs typeface="Courier New" panose="02070309020205020404" pitchFamily="49" charset="0"/>
-              </a:rPr>
-              <a:t>dsp:property </a:t>
-            </a:r>
-            <a:r>
-              <a:rPr lang="en-US" sz="2400" smtClean="0">
-                <a:solidFill>
-                  <a:schemeClr val="tx2">
-                    <a:lumMod val="60000"/>
-                    <a:lumOff val="40000"/>
-                  </a:schemeClr>
-                </a:solidFill>
-                <a:latin typeface="Courier New" panose="02070309020205020404" pitchFamily="49" charset="0"/>
-                <a:cs typeface="Courier New" panose="02070309020205020404" pitchFamily="49" charset="0"/>
-              </a:rPr>
-              <a:t>:name </a:t>
-            </a:r>
-            <a:r>
-              <a:rPr lang="en-US" sz="2400">
-                <a:solidFill>
-                  <a:schemeClr val="bg1"/>
-                </a:solidFill>
-                <a:latin typeface="Courier New" panose="02070309020205020404" pitchFamily="49" charset="0"/>
-                <a:cs typeface="Courier New" panose="02070309020205020404" pitchFamily="49" charset="0"/>
-              </a:rPr>
-              <a:t>] .</a:t>
-            </a:r>
-            <a:endParaRPr lang="en-US" sz="1800">
+              <a:t>"Dublin Core Metadata Initiative" .</a:t>
+            </a:r>
+            <a:endParaRPr lang="en-US" sz="2400" smtClean="0">
               <a:solidFill>
                 <a:schemeClr val="bg1"/>
               </a:solidFill>
@@ -11148,7 +11149,7 @@
     </p:spTree>
     <p:extLst>
       <p:ext uri="{BB962C8B-B14F-4D97-AF65-F5344CB8AC3E}">
-        <p14:creationId xmlns:p14="http://schemas.microsoft.com/office/powerpoint/2010/main" val="3620782718"/>
+        <p14:creationId xmlns:p14="http://schemas.microsoft.com/office/powerpoint/2010/main" val="560251982"/>
       </p:ext>
     </p:extLst>
   </p:cSld>
@@ -12494,6 +12495,18 @@
 </file>
 
 <file path=customXml/item1.xml><?xml version="1.0" encoding="utf-8"?>
+<p:properties xmlns:p="http://schemas.microsoft.com/office/2006/metadata/properties" xmlns:xsi="http://www.w3.org/2001/XMLSchema-instance">
+  <documentManagement>
+    <_dlc_DocIdUrl xmlns="f90a23b0-552c-4f8d-b330-f53f4fcdfcf9">
+      <Url>http://intranet.gesis.intra/pr/Vorlagen/_layouts/DocIdRedir.aspx?ID=GESISDOC-552-18</Url>
+      <Description>GESISDOC-552-18</Description>
+    </_dlc_DocIdUrl>
+    <_dlc_DocId xmlns="f90a23b0-552c-4f8d-b330-f53f4fcdfcf9">GESISDOC-552-18</_dlc_DocId>
+  </documentManagement>
+</p:properties>
+</file>
+
+<file path=customXml/item2.xml><?xml version="1.0" encoding="utf-8"?>
 <?mso-contentType ?>
 <spe:Receivers xmlns:spe="http://schemas.microsoft.com/sharepoint/events">
   <Receiver>
@@ -12539,28 +12552,7 @@
 </spe:Receivers>
 </file>
 
-<file path=customXml/item2.xml><?xml version="1.0" encoding="utf-8"?>
-<p:properties xmlns:p="http://schemas.microsoft.com/office/2006/metadata/properties" xmlns:xsi="http://www.w3.org/2001/XMLSchema-instance">
-  <documentManagement>
-    <_dlc_DocIdUrl xmlns="f90a23b0-552c-4f8d-b330-f53f4fcdfcf9">
-      <Url>http://intranet.gesis.intra/pr/Vorlagen/_layouts/DocIdRedir.aspx?ID=GESISDOC-552-18</Url>
-      <Description>GESISDOC-552-18</Description>
-    </_dlc_DocIdUrl>
-    <_dlc_DocId xmlns="f90a23b0-552c-4f8d-b330-f53f4fcdfcf9">GESISDOC-552-18</_dlc_DocId>
-  </documentManagement>
-</p:properties>
-</file>
-
 <file path=customXml/item3.xml><?xml version="1.0" encoding="utf-8"?>
-<?mso-contentType ?>
-<FormTemplates xmlns="http://schemas.microsoft.com/sharepoint/v3/contenttype/forms">
-  <Display>DocumentLibraryForm</Display>
-  <Edit>DocumentLibraryForm</Edit>
-  <New>DocumentLibraryForm</New>
-</FormTemplates>
-</file>
-
-<file path=customXml/item4.xml><?xml version="1.0" encoding="utf-8"?>
 <ct:contentTypeSchema xmlns:ct="http://schemas.microsoft.com/office/2006/metadata/contentType" xmlns:ma="http://schemas.microsoft.com/office/2006/metadata/properties/metaAttributes" ct:_="" ma:_="" ma:contentTypeName="Dokument" ma:contentTypeID="0x010100B1ACB0F0E4D8D847898BCFF327EAA86F" ma:contentTypeVersion="14" ma:contentTypeDescription="Ein neues Dokument erstellen." ma:contentTypeScope="" ma:versionID="076608a465e9f4abe123e33d8ae2290f">
   <xsd:schema xmlns:xsd="http://www.w3.org/2001/XMLSchema" xmlns:xs="http://www.w3.org/2001/XMLSchema" xmlns:p="http://schemas.microsoft.com/office/2006/metadata/properties" xmlns:ns2="f90a23b0-552c-4f8d-b330-f53f4fcdfcf9" targetNamespace="http://schemas.microsoft.com/office/2006/metadata/properties" ma:root="true" ma:fieldsID="9f72fafb60184820a38988fa3fe2d22b" ns2:_="">
     <xsd:import namespace="f90a23b0-552c-4f8d-b330-f53f4fcdfcf9"/>
@@ -12705,15 +12697,16 @@
 </ct:contentTypeSchema>
 </file>
 
-<file path=customXml/itemProps1.xml><?xml version="1.0" encoding="utf-8"?>
-<ds:datastoreItem xmlns:ds="http://schemas.openxmlformats.org/officeDocument/2006/customXml" ds:itemID="{182FFA55-C622-4F3D-AABF-4236B175EAD1}">
-  <ds:schemaRefs>
-    <ds:schemaRef ds:uri="http://schemas.microsoft.com/sharepoint/events"/>
-  </ds:schemaRefs>
-</ds:datastoreItem>
+<file path=customXml/item4.xml><?xml version="1.0" encoding="utf-8"?>
+<?mso-contentType ?>
+<FormTemplates xmlns="http://schemas.microsoft.com/sharepoint/v3/contenttype/forms">
+  <Display>DocumentLibraryForm</Display>
+  <Edit>DocumentLibraryForm</Edit>
+  <New>DocumentLibraryForm</New>
+</FormTemplates>
 </file>
 
-<file path=customXml/itemProps2.xml><?xml version="1.0" encoding="utf-8"?>
+<file path=customXml/itemProps1.xml><?xml version="1.0" encoding="utf-8"?>
 <ds:datastoreItem xmlns:ds="http://schemas.openxmlformats.org/officeDocument/2006/customXml" ds:itemID="{4449D386-2FCB-4353-94CE-7C0896CF81B1}">
   <ds:schemaRefs>
     <ds:schemaRef ds:uri="http://purl.org/dc/terms/"/>
@@ -12729,15 +12722,15 @@
 </ds:datastoreItem>
 </file>
 
-<file path=customXml/itemProps3.xml><?xml version="1.0" encoding="utf-8"?>
-<ds:datastoreItem xmlns:ds="http://schemas.openxmlformats.org/officeDocument/2006/customXml" ds:itemID="{D12E0BAE-FAF0-4E78-A2C3-2AAC064B5FDE}">
+<file path=customXml/itemProps2.xml><?xml version="1.0" encoding="utf-8"?>
+<ds:datastoreItem xmlns:ds="http://schemas.openxmlformats.org/officeDocument/2006/customXml" ds:itemID="{182FFA55-C622-4F3D-AABF-4236B175EAD1}">
   <ds:schemaRefs>
-    <ds:schemaRef ds:uri="http://schemas.microsoft.com/sharepoint/v3/contenttype/forms"/>
+    <ds:schemaRef ds:uri="http://schemas.microsoft.com/sharepoint/events"/>
   </ds:schemaRefs>
 </ds:datastoreItem>
 </file>
 
-<file path=customXml/itemProps4.xml><?xml version="1.0" encoding="utf-8"?>
+<file path=customXml/itemProps3.xml><?xml version="1.0" encoding="utf-8"?>
 <ds:datastoreItem xmlns:ds="http://schemas.openxmlformats.org/officeDocument/2006/customXml" ds:itemID="{2EA11C62-2FF4-41AB-AE80-7BB53752809E}">
   <ds:schemaRefs>
     <ds:schemaRef ds:uri="http://schemas.microsoft.com/office/2006/metadata/contentType"/>
@@ -12753,4 +12746,12 @@
     <ds:schemaRef ds:uri="http://schemas.microsoft.com/internal/obd"/>
   </ds:schemaRefs>
 </ds:datastoreItem>
+</file>
+
+<file path=customXml/itemProps4.xml><?xml version="1.0" encoding="utf-8"?>
+<ds:datastoreItem xmlns:ds="http://schemas.openxmlformats.org/officeDocument/2006/customXml" ds:itemID="{D12E0BAE-FAF0-4E78-A2C3-2AAC064B5FDE}">
+  <ds:schemaRefs>
+    <ds:schemaRef ds:uri="http://schemas.microsoft.com/sharepoint/v3/contenttype/forms"/>
+  </ds:schemaRefs>
+</ds:datastoreItem>
 </file>
--- a/presentations/Bosch, Eckert. Requirements on RDF Constraint Formulation and Validation (DC 2014).pptx
+++ b/presentations/Bosch, Eckert. Requirements on RDF Constraint Formulation and Validation (DC 2014).pptx
@@ -225,7 +225,7 @@
           <a:p>
             <a:fld id="{4F5FF8A7-4C2E-4BBC-A072-ECD1AE07239F}" type="datetimeFigureOut">
               <a:rPr lang="en-US" smtClean="0"/>
-              <a:t>10/5/2014</a:t>
+              <a:t>10/8/2014</a:t>
             </a:fld>
             <a:endParaRPr lang="en-US"/>
           </a:p>
@@ -1004,6 +1004,10 @@
           <a:bodyPr/>
           <a:lstStyle/>
           <a:p>
+            <a:r>
+              <a:rPr lang="de-DE" smtClean="0"/>
+              <a:t>Domain-specific tagging</a:t>
+            </a:r>
             <a:endParaRPr lang="en-US"/>
           </a:p>
         </p:txBody>
@@ -1025,7 +1029,7 @@
           <a:p>
             <a:fld id="{DE2197E9-CAEE-4794-8561-B4165D319F7A}" type="slidenum">
               <a:rPr lang="en-US" smtClean="0"/>
-              <a:t>13</a:t>
+              <a:t>11</a:t>
             </a:fld>
             <a:endParaRPr lang="en-US"/>
           </a:p>
@@ -1034,7 +1038,7 @@
     </p:spTree>
     <p:extLst>
       <p:ext uri="{BB962C8B-B14F-4D97-AF65-F5344CB8AC3E}">
-        <p14:creationId xmlns:p14="http://schemas.microsoft.com/office/powerpoint/2010/main" val="2785241120"/>
+        <p14:creationId xmlns:p14="http://schemas.microsoft.com/office/powerpoint/2010/main" val="1031772927"/>
       </p:ext>
     </p:extLst>
   </p:cSld>
@@ -1109,7 +1113,7 @@
           <a:p>
             <a:fld id="{DE2197E9-CAEE-4794-8561-B4165D319F7A}" type="slidenum">
               <a:rPr lang="en-US" smtClean="0"/>
-              <a:t>14</a:t>
+              <a:t>13</a:t>
             </a:fld>
             <a:endParaRPr lang="en-US"/>
           </a:p>
@@ -1118,7 +1122,7 @@
     </p:spTree>
     <p:extLst>
       <p:ext uri="{BB962C8B-B14F-4D97-AF65-F5344CB8AC3E}">
-        <p14:creationId xmlns:p14="http://schemas.microsoft.com/office/powerpoint/2010/main" val="229747766"/>
+        <p14:creationId xmlns:p14="http://schemas.microsoft.com/office/powerpoint/2010/main" val="2785241120"/>
       </p:ext>
     </p:extLst>
   </p:cSld>
@@ -1193,7 +1197,7 @@
           <a:p>
             <a:fld id="{DE2197E9-CAEE-4794-8561-B4165D319F7A}" type="slidenum">
               <a:rPr lang="en-US" smtClean="0"/>
-              <a:t>15</a:t>
+              <a:t>14</a:t>
             </a:fld>
             <a:endParaRPr lang="en-US"/>
           </a:p>
@@ -1202,7 +1206,7 @@
     </p:spTree>
     <p:extLst>
       <p:ext uri="{BB962C8B-B14F-4D97-AF65-F5344CB8AC3E}">
-        <p14:creationId xmlns:p14="http://schemas.microsoft.com/office/powerpoint/2010/main" val="1188649202"/>
+        <p14:creationId xmlns:p14="http://schemas.microsoft.com/office/powerpoint/2010/main" val="229747766"/>
       </p:ext>
     </p:extLst>
   </p:cSld>
@@ -1277,6 +1281,90 @@
           <a:p>
             <a:fld id="{DE2197E9-CAEE-4794-8561-B4165D319F7A}" type="slidenum">
               <a:rPr lang="en-US" smtClean="0"/>
+              <a:t>15</a:t>
+            </a:fld>
+            <a:endParaRPr lang="en-US"/>
+          </a:p>
+        </p:txBody>
+      </p:sp>
+    </p:spTree>
+    <p:extLst>
+      <p:ext uri="{BB962C8B-B14F-4D97-AF65-F5344CB8AC3E}">
+        <p14:creationId xmlns:p14="http://schemas.microsoft.com/office/powerpoint/2010/main" val="1188649202"/>
+      </p:ext>
+    </p:extLst>
+  </p:cSld>
+  <p:clrMapOvr>
+    <a:masterClrMapping/>
+  </p:clrMapOvr>
+</p:notes>
+</file>
+
+<file path=ppt/notesSlides/notesSlide14.xml><?xml version="1.0" encoding="utf-8"?>
+<p:notes xmlns:a="http://schemas.openxmlformats.org/drawingml/2006/main" xmlns:r="http://schemas.openxmlformats.org/officeDocument/2006/relationships" xmlns:p="http://schemas.openxmlformats.org/presentationml/2006/main">
+  <p:cSld>
+    <p:spTree>
+      <p:nvGrpSpPr>
+        <p:cNvPr id="1" name=""/>
+        <p:cNvGrpSpPr/>
+        <p:nvPr/>
+      </p:nvGrpSpPr>
+      <p:grpSpPr>
+        <a:xfrm>
+          <a:off x="0" y="0"/>
+          <a:ext cx="0" cy="0"/>
+          <a:chOff x="0" y="0"/>
+          <a:chExt cx="0" cy="0"/>
+        </a:xfrm>
+      </p:grpSpPr>
+      <p:sp>
+        <p:nvSpPr>
+          <p:cNvPr id="2" name="Folienbildplatzhalter 1"/>
+          <p:cNvSpPr>
+            <a:spLocks noGrp="1" noRot="1" noChangeAspect="1"/>
+          </p:cNvSpPr>
+          <p:nvPr>
+            <p:ph type="sldImg"/>
+          </p:nvPr>
+        </p:nvSpPr>
+        <p:spPr/>
+      </p:sp>
+      <p:sp>
+        <p:nvSpPr>
+          <p:cNvPr id="3" name="Notizenplatzhalter 2"/>
+          <p:cNvSpPr>
+            <a:spLocks noGrp="1"/>
+          </p:cNvSpPr>
+          <p:nvPr>
+            <p:ph type="body" idx="1"/>
+          </p:nvPr>
+        </p:nvSpPr>
+        <p:spPr/>
+        <p:txBody>
+          <a:bodyPr/>
+          <a:lstStyle/>
+          <a:p>
+            <a:endParaRPr lang="en-US"/>
+          </a:p>
+        </p:txBody>
+      </p:sp>
+      <p:sp>
+        <p:nvSpPr>
+          <p:cNvPr id="4" name="Foliennummernplatzhalter 3"/>
+          <p:cNvSpPr>
+            <a:spLocks noGrp="1"/>
+          </p:cNvSpPr>
+          <p:nvPr>
+            <p:ph type="sldNum" sz="quarter" idx="10"/>
+          </p:nvPr>
+        </p:nvSpPr>
+        <p:spPr/>
+        <p:txBody>
+          <a:bodyPr/>
+          <a:lstStyle/>
+          <a:p>
+            <a:fld id="{DE2197E9-CAEE-4794-8561-B4165D319F7A}" type="slidenum">
+              <a:rPr lang="en-US" smtClean="0"/>
               <a:t>16</a:t>
             </a:fld>
             <a:endParaRPr lang="en-US"/>
@@ -1296,7 +1384,7 @@
 </p:notes>
 </file>
 
-<file path=ppt/notesSlides/notesSlide14.xml><?xml version="1.0" encoding="utf-8"?>
+<file path=ppt/notesSlides/notesSlide15.xml><?xml version="1.0" encoding="utf-8"?>
 <p:notes xmlns:a="http://schemas.openxmlformats.org/drawingml/2006/main" xmlns:r="http://schemas.openxmlformats.org/officeDocument/2006/relationships" xmlns:p="http://schemas.openxmlformats.org/presentationml/2006/main">
   <p:cSld>
     <p:spTree>
@@ -1529,58 +1617,6 @@
           <a:bodyPr/>
           <a:lstStyle/>
           <a:p>
-            <a:pPr marL="171450" lvl="0" indent="-171450">
-              <a:spcBef>
-                <a:spcPts val="0"/>
-              </a:spcBef>
-              <a:buFontTx/>
-              <a:buChar char="-"/>
-              <a:defRPr/>
-            </a:pPr>
-            <a:r>
-              <a:rPr lang="de-DE" smtClean="0"/>
-              <a:t>no </a:t>
-            </a:r>
-            <a:r>
-              <a:rPr lang="de-DE" smtClean="0">
-                <a:sym typeface="Wingdings" panose="05000000000000000000" pitchFamily="2" charset="2"/>
-              </a:rPr>
-              <a:t>one-size-fits-all solution</a:t>
-            </a:r>
-          </a:p>
-          <a:p>
-            <a:pPr marL="171450" lvl="0" indent="-171450">
-              <a:spcBef>
-                <a:spcPts val="0"/>
-              </a:spcBef>
-              <a:buFontTx/>
-              <a:buChar char="-"/>
-              <a:defRPr/>
-            </a:pPr>
-            <a:r>
-              <a:rPr lang="de-DE" smtClean="0">
-                <a:sym typeface="Wingdings" panose="05000000000000000000" pitchFamily="2" charset="2"/>
-              </a:rPr>
-              <a:t>Different use cases are covered differently by different solutioons</a:t>
-            </a:r>
-            <a:endParaRPr lang="de-DE" smtClean="0"/>
-          </a:p>
-          <a:p>
-            <a:pPr marL="171450" lvl="0" indent="-171450">
-              <a:buFontTx/>
-              <a:buChar char="-"/>
-            </a:pPr>
-            <a:r>
-              <a:rPr lang="de-DE" smtClean="0"/>
-              <a:t>Choose</a:t>
-            </a:r>
-            <a:r>
-              <a:rPr lang="de-DE" baseline="0" smtClean="0"/>
-              <a:t> solution which fits best for specific use cases</a:t>
-            </a:r>
-            <a:endParaRPr lang="de-DE" smtClean="0"/>
-          </a:p>
-          <a:p>
             <a:endParaRPr lang="en-US"/>
           </a:p>
         </p:txBody>
@@ -1602,7 +1638,7 @@
           <a:p>
             <a:fld id="{DE2197E9-CAEE-4794-8561-B4165D319F7A}" type="slidenum">
               <a:rPr lang="en-US" smtClean="0"/>
-              <a:t>4</a:t>
+              <a:t>3</a:t>
             </a:fld>
             <a:endParaRPr lang="en-US"/>
           </a:p>
@@ -1611,7 +1647,7 @@
     </p:spTree>
     <p:extLst>
       <p:ext uri="{BB962C8B-B14F-4D97-AF65-F5344CB8AC3E}">
-        <p14:creationId xmlns:p14="http://schemas.microsoft.com/office/powerpoint/2010/main" val="1259655110"/>
+        <p14:creationId xmlns:p14="http://schemas.microsoft.com/office/powerpoint/2010/main" val="929713488"/>
       </p:ext>
     </p:extLst>
   </p:cSld>
@@ -1665,6 +1701,58 @@
           <a:bodyPr/>
           <a:lstStyle/>
           <a:p>
+            <a:pPr marL="171450" lvl="0" indent="-171450">
+              <a:spcBef>
+                <a:spcPts val="0"/>
+              </a:spcBef>
+              <a:buFontTx/>
+              <a:buChar char="-"/>
+              <a:defRPr/>
+            </a:pPr>
+            <a:r>
+              <a:rPr lang="de-DE" smtClean="0"/>
+              <a:t>no </a:t>
+            </a:r>
+            <a:r>
+              <a:rPr lang="de-DE" smtClean="0">
+                <a:sym typeface="Wingdings" panose="05000000000000000000" pitchFamily="2" charset="2"/>
+              </a:rPr>
+              <a:t>one-size-fits-all solution</a:t>
+            </a:r>
+          </a:p>
+          <a:p>
+            <a:pPr marL="171450" lvl="0" indent="-171450">
+              <a:spcBef>
+                <a:spcPts val="0"/>
+              </a:spcBef>
+              <a:buFontTx/>
+              <a:buChar char="-"/>
+              <a:defRPr/>
+            </a:pPr>
+            <a:r>
+              <a:rPr lang="de-DE" smtClean="0">
+                <a:sym typeface="Wingdings" panose="05000000000000000000" pitchFamily="2" charset="2"/>
+              </a:rPr>
+              <a:t>Different use cases are covered differently by different solutioons</a:t>
+            </a:r>
+            <a:endParaRPr lang="de-DE" smtClean="0"/>
+          </a:p>
+          <a:p>
+            <a:pPr marL="171450" lvl="0" indent="-171450">
+              <a:buFontTx/>
+              <a:buChar char="-"/>
+            </a:pPr>
+            <a:r>
+              <a:rPr lang="de-DE" smtClean="0"/>
+              <a:t>Choose</a:t>
+            </a:r>
+            <a:r>
+              <a:rPr lang="de-DE" baseline="0" smtClean="0"/>
+              <a:t> solution which fits best for specific use cases</a:t>
+            </a:r>
+            <a:endParaRPr lang="de-DE" smtClean="0"/>
+          </a:p>
+          <a:p>
             <a:endParaRPr lang="en-US"/>
           </a:p>
         </p:txBody>
@@ -1686,7 +1774,7 @@
           <a:p>
             <a:fld id="{DE2197E9-CAEE-4794-8561-B4165D319F7A}" type="slidenum">
               <a:rPr lang="en-US" smtClean="0"/>
-              <a:t>6</a:t>
+              <a:t>4</a:t>
             </a:fld>
             <a:endParaRPr lang="en-US"/>
           </a:p>
@@ -1695,7 +1783,7 @@
     </p:spTree>
     <p:extLst>
       <p:ext uri="{BB962C8B-B14F-4D97-AF65-F5344CB8AC3E}">
-        <p14:creationId xmlns:p14="http://schemas.microsoft.com/office/powerpoint/2010/main" val="668479566"/>
+        <p14:creationId xmlns:p14="http://schemas.microsoft.com/office/powerpoint/2010/main" val="1259655110"/>
       </p:ext>
     </p:extLst>
   </p:cSld>
@@ -1770,7 +1858,7 @@
           <a:p>
             <a:fld id="{DE2197E9-CAEE-4794-8561-B4165D319F7A}" type="slidenum">
               <a:rPr lang="en-US" smtClean="0"/>
-              <a:t>7</a:t>
+              <a:t>6</a:t>
             </a:fld>
             <a:endParaRPr lang="en-US"/>
           </a:p>
@@ -1779,7 +1867,7 @@
     </p:spTree>
     <p:extLst>
       <p:ext uri="{BB962C8B-B14F-4D97-AF65-F5344CB8AC3E}">
-        <p14:creationId xmlns:p14="http://schemas.microsoft.com/office/powerpoint/2010/main" val="3289757727"/>
+        <p14:creationId xmlns:p14="http://schemas.microsoft.com/office/powerpoint/2010/main" val="668479566"/>
       </p:ext>
     </p:extLst>
   </p:cSld>
@@ -1854,7 +1942,7 @@
           <a:p>
             <a:fld id="{DE2197E9-CAEE-4794-8561-B4165D319F7A}" type="slidenum">
               <a:rPr lang="en-US" smtClean="0"/>
-              <a:t>8</a:t>
+              <a:t>7</a:t>
             </a:fld>
             <a:endParaRPr lang="en-US"/>
           </a:p>
@@ -1863,7 +1951,7 @@
     </p:spTree>
     <p:extLst>
       <p:ext uri="{BB962C8B-B14F-4D97-AF65-F5344CB8AC3E}">
-        <p14:creationId xmlns:p14="http://schemas.microsoft.com/office/powerpoint/2010/main" val="3258231205"/>
+        <p14:creationId xmlns:p14="http://schemas.microsoft.com/office/powerpoint/2010/main" val="3289757727"/>
       </p:ext>
     </p:extLst>
   </p:cSld>
@@ -1938,7 +2026,7 @@
           <a:p>
             <a:fld id="{DE2197E9-CAEE-4794-8561-B4165D319F7A}" type="slidenum">
               <a:rPr lang="en-US" smtClean="0"/>
-              <a:t>9</a:t>
+              <a:t>8</a:t>
             </a:fld>
             <a:endParaRPr lang="en-US"/>
           </a:p>
@@ -1947,7 +2035,7 @@
     </p:spTree>
     <p:extLst>
       <p:ext uri="{BB962C8B-B14F-4D97-AF65-F5344CB8AC3E}">
-        <p14:creationId xmlns:p14="http://schemas.microsoft.com/office/powerpoint/2010/main" val="509783899"/>
+        <p14:creationId xmlns:p14="http://schemas.microsoft.com/office/powerpoint/2010/main" val="3258231205"/>
       </p:ext>
     </p:extLst>
   </p:cSld>
@@ -2022,7 +2110,7 @@
           <a:p>
             <a:fld id="{DE2197E9-CAEE-4794-8561-B4165D319F7A}" type="slidenum">
               <a:rPr lang="en-US" smtClean="0"/>
-              <a:t>10</a:t>
+              <a:t>9</a:t>
             </a:fld>
             <a:endParaRPr lang="en-US"/>
           </a:p>
@@ -2031,7 +2119,7 @@
     </p:spTree>
     <p:extLst>
       <p:ext uri="{BB962C8B-B14F-4D97-AF65-F5344CB8AC3E}">
-        <p14:creationId xmlns:p14="http://schemas.microsoft.com/office/powerpoint/2010/main" val="1076433093"/>
+        <p14:creationId xmlns:p14="http://schemas.microsoft.com/office/powerpoint/2010/main" val="509783899"/>
       </p:ext>
     </p:extLst>
   </p:cSld>
@@ -2085,10 +2173,6 @@
           <a:bodyPr/>
           <a:lstStyle/>
           <a:p>
-            <a:r>
-              <a:rPr lang="de-DE" smtClean="0"/>
-              <a:t>Domain-specific tagging</a:t>
-            </a:r>
             <a:endParaRPr lang="en-US"/>
           </a:p>
         </p:txBody>
@@ -2110,7 +2194,7 @@
           <a:p>
             <a:fld id="{DE2197E9-CAEE-4794-8561-B4165D319F7A}" type="slidenum">
               <a:rPr lang="en-US" smtClean="0"/>
-              <a:t>11</a:t>
+              <a:t>10</a:t>
             </a:fld>
             <a:endParaRPr lang="en-US"/>
           </a:p>
@@ -2119,7 +2203,7 @@
     </p:spTree>
     <p:extLst>
       <p:ext uri="{BB962C8B-B14F-4D97-AF65-F5344CB8AC3E}">
-        <p14:creationId xmlns:p14="http://schemas.microsoft.com/office/powerpoint/2010/main" val="1031772927"/>
+        <p14:creationId xmlns:p14="http://schemas.microsoft.com/office/powerpoint/2010/main" val="1076433093"/>
       </p:ext>
     </p:extLst>
   </p:cSld>
@@ -2318,7 +2402,7 @@
           <a:p>
             <a:fld id="{20258719-CDB8-45E2-B905-DD706C21D5C9}" type="datetimeFigureOut">
               <a:rPr lang="de-DE" smtClean="0"/>
-              <a:t>05.10.2014</a:t>
+              <a:t>08.10.2014</a:t>
             </a:fld>
             <a:endParaRPr lang="de-DE"/>
           </a:p>
@@ -2571,7 +2655,7 @@
           <a:p>
             <a:fld id="{DCFA5B6A-1F08-4E6A-A8AE-69F589CC0F24}" type="datetimeFigureOut">
               <a:rPr lang="en-US" smtClean="0"/>
-              <a:t>10/5/2014</a:t>
+              <a:t>10/8/2014</a:t>
             </a:fld>
             <a:endParaRPr lang="en-US"/>
           </a:p>
@@ -2741,7 +2825,7 @@
           <a:p>
             <a:fld id="{DCFA5B6A-1F08-4E6A-A8AE-69F589CC0F24}" type="datetimeFigureOut">
               <a:rPr lang="en-US" smtClean="0"/>
-              <a:t>10/5/2014</a:t>
+              <a:t>10/8/2014</a:t>
             </a:fld>
             <a:endParaRPr lang="en-US"/>
           </a:p>
@@ -2987,7 +3071,7 @@
           <a:p>
             <a:fld id="{DCFA5B6A-1F08-4E6A-A8AE-69F589CC0F24}" type="datetimeFigureOut">
               <a:rPr lang="en-US" smtClean="0"/>
-              <a:t>10/5/2014</a:t>
+              <a:t>10/8/2014</a:t>
             </a:fld>
             <a:endParaRPr lang="en-US"/>
           </a:p>
@@ -3275,7 +3359,7 @@
           <a:p>
             <a:fld id="{DCFA5B6A-1F08-4E6A-A8AE-69F589CC0F24}" type="datetimeFigureOut">
               <a:rPr lang="en-US" smtClean="0"/>
-              <a:t>10/5/2014</a:t>
+              <a:t>10/8/2014</a:t>
             </a:fld>
             <a:endParaRPr lang="en-US"/>
           </a:p>
@@ -3697,7 +3781,7 @@
           <a:p>
             <a:fld id="{DCFA5B6A-1F08-4E6A-A8AE-69F589CC0F24}" type="datetimeFigureOut">
               <a:rPr lang="en-US" smtClean="0"/>
-              <a:t>10/5/2014</a:t>
+              <a:t>10/8/2014</a:t>
             </a:fld>
             <a:endParaRPr lang="en-US"/>
           </a:p>
@@ -3815,7 +3899,7 @@
           <a:p>
             <a:fld id="{DCFA5B6A-1F08-4E6A-A8AE-69F589CC0F24}" type="datetimeFigureOut">
               <a:rPr lang="en-US" smtClean="0"/>
-              <a:t>10/5/2014</a:t>
+              <a:t>10/8/2014</a:t>
             </a:fld>
             <a:endParaRPr lang="en-US"/>
           </a:p>
@@ -3910,7 +3994,7 @@
           <a:p>
             <a:fld id="{DCFA5B6A-1F08-4E6A-A8AE-69F589CC0F24}" type="datetimeFigureOut">
               <a:rPr lang="en-US" smtClean="0"/>
-              <a:t>10/5/2014</a:t>
+              <a:t>10/8/2014</a:t>
             </a:fld>
             <a:endParaRPr lang="en-US"/>
           </a:p>
@@ -4187,7 +4271,7 @@
           <a:p>
             <a:fld id="{DCFA5B6A-1F08-4E6A-A8AE-69F589CC0F24}" type="datetimeFigureOut">
               <a:rPr lang="en-US" smtClean="0"/>
-              <a:t>10/5/2014</a:t>
+              <a:t>10/8/2014</a:t>
             </a:fld>
             <a:endParaRPr lang="en-US"/>
           </a:p>
@@ -4440,7 +4524,7 @@
           <a:p>
             <a:fld id="{DCFA5B6A-1F08-4E6A-A8AE-69F589CC0F24}" type="datetimeFigureOut">
               <a:rPr lang="en-US" smtClean="0"/>
-              <a:t>10/5/2014</a:t>
+              <a:t>10/8/2014</a:t>
             </a:fld>
             <a:endParaRPr lang="en-US"/>
           </a:p>
@@ -4610,7 +4694,7 @@
           <a:p>
             <a:fld id="{DCFA5B6A-1F08-4E6A-A8AE-69F589CC0F24}" type="datetimeFigureOut">
               <a:rPr lang="en-US" smtClean="0"/>
-              <a:t>10/5/2014</a:t>
+              <a:t>10/8/2014</a:t>
             </a:fld>
             <a:endParaRPr lang="en-US"/>
           </a:p>
@@ -4820,7 +4904,7 @@
           <a:p>
             <a:fld id="{20258719-CDB8-45E2-B905-DD706C21D5C9}" type="datetimeFigureOut">
               <a:rPr lang="de-DE" smtClean="0"/>
-              <a:t>05.10.2014</a:t>
+              <a:t>08.10.2014</a:t>
             </a:fld>
             <a:endParaRPr lang="de-DE"/>
           </a:p>
@@ -5011,7 +5095,7 @@
           <a:p>
             <a:fld id="{DCFA5B6A-1F08-4E6A-A8AE-69F589CC0F24}" type="datetimeFigureOut">
               <a:rPr lang="en-US" smtClean="0"/>
-              <a:t>10/5/2014</a:t>
+              <a:t>10/8/2014</a:t>
             </a:fld>
             <a:endParaRPr lang="en-US"/>
           </a:p>
@@ -5265,7 +5349,7 @@
           <a:p>
             <a:fld id="{20258719-CDB8-45E2-B905-DD706C21D5C9}" type="datetimeFigureOut">
               <a:rPr lang="de-DE" smtClean="0"/>
-              <a:t>05.10.2014</a:t>
+              <a:t>08.10.2014</a:t>
             </a:fld>
             <a:endParaRPr lang="de-DE"/>
           </a:p>
@@ -5572,7 +5656,7 @@
           <a:p>
             <a:fld id="{20258719-CDB8-45E2-B905-DD706C21D5C9}" type="datetimeFigureOut">
               <a:rPr lang="de-DE" smtClean="0"/>
-              <a:t>05.10.2014</a:t>
+              <a:t>08.10.2014</a:t>
             </a:fld>
             <a:endParaRPr lang="de-DE"/>
           </a:p>
@@ -6013,7 +6097,7 @@
           <a:p>
             <a:fld id="{20258719-CDB8-45E2-B905-DD706C21D5C9}" type="datetimeFigureOut">
               <a:rPr lang="de-DE" smtClean="0"/>
-              <a:t>05.10.2014</a:t>
+              <a:t>08.10.2014</a:t>
             </a:fld>
             <a:endParaRPr lang="de-DE"/>
           </a:p>
@@ -6150,7 +6234,7 @@
           <a:p>
             <a:fld id="{20258719-CDB8-45E2-B905-DD706C21D5C9}" type="datetimeFigureOut">
               <a:rPr lang="de-DE" smtClean="0"/>
-              <a:t>05.10.2014</a:t>
+              <a:t>08.10.2014</a:t>
             </a:fld>
             <a:endParaRPr lang="de-DE"/>
           </a:p>
@@ -6264,7 +6348,7 @@
           <a:p>
             <a:fld id="{20258719-CDB8-45E2-B905-DD706C21D5C9}" type="datetimeFigureOut">
               <a:rPr lang="de-DE" smtClean="0"/>
-              <a:t>05.10.2014</a:t>
+              <a:t>08.10.2014</a:t>
             </a:fld>
             <a:endParaRPr lang="de-DE"/>
           </a:p>
@@ -6560,7 +6644,7 @@
           <a:p>
             <a:fld id="{20258719-CDB8-45E2-B905-DD706C21D5C9}" type="datetimeFigureOut">
               <a:rPr lang="de-DE" smtClean="0"/>
-              <a:t>05.10.2014</a:t>
+              <a:t>08.10.2014</a:t>
             </a:fld>
             <a:endParaRPr lang="de-DE"/>
           </a:p>
@@ -6832,7 +6916,7 @@
           <a:p>
             <a:fld id="{20258719-CDB8-45E2-B905-DD706C21D5C9}" type="datetimeFigureOut">
               <a:rPr lang="de-DE" smtClean="0"/>
-              <a:t>05.10.2014</a:t>
+              <a:t>08.10.2014</a:t>
             </a:fld>
             <a:endParaRPr lang="de-DE"/>
           </a:p>
@@ -7505,7 +7589,7 @@
           <a:p>
             <a:fld id="{DCFA5B6A-1F08-4E6A-A8AE-69F589CC0F24}" type="datetimeFigureOut">
               <a:rPr lang="en-US" smtClean="0"/>
-              <a:t>10/5/2014</a:t>
+              <a:t>10/8/2014</a:t>
             </a:fld>
             <a:endParaRPr lang="en-US"/>
           </a:p>
@@ -8161,15 +8245,15 @@
               <a:buNone/>
             </a:pPr>
             <a:r>
-              <a:rPr lang="en-US">
+              <a:rPr lang="en-US" smtClean="0">
                 <a:solidFill>
                   <a:srgbClr val="558ED5"/>
                 </a:solidFill>
                 <a:latin typeface="Courier New" panose="02070309020205020404" pitchFamily="49" charset="0"/>
                 <a:cs typeface="Courier New" panose="02070309020205020404" pitchFamily="49" charset="0"/>
-                <a:hlinkClick r:id="rId3" action="ppaction://hlinkfile"/>
-              </a:rPr>
-              <a:t>purl.org/net/rdfval-demo</a:t>
+                <a:hlinkClick r:id="rId3"/>
+              </a:rPr>
+              <a:t>purl.org\net\rdfval-demo</a:t>
             </a:r>
             <a:endParaRPr lang="en-US">
               <a:solidFill>
@@ -9712,6 +9796,7 @@
                 </a:solidFill>
                 <a:latin typeface="Courier New" panose="02070309020205020404" pitchFamily="49" charset="0"/>
                 <a:cs typeface="Courier New" panose="02070309020205020404" pitchFamily="49" charset="0"/>
+                <a:hlinkClick r:id="rId3"/>
               </a:rPr>
               <a:t>purl.org/net/rdf-validation</a:t>
             </a:r>
@@ -10008,7 +10093,7 @@
           <p:nvPr/>
         </p:nvPicPr>
         <p:blipFill>
-          <a:blip r:embed="rId2"/>
+          <a:blip r:embed="rId3"/>
           <a:stretch>
             <a:fillRect/>
           </a:stretch>
